--- a/Session 02 - Writing PowerShell Script for Power BI.pptx
+++ b/Session 02 - Writing PowerShell Script for Power BI.pptx
@@ -5,49 +5,57 @@
     <p:sldMasterId id="2147484551" r:id="rId4"/>
   </p:sldMasterIdLst>
   <p:notesMasterIdLst>
-    <p:notesMasterId r:id="rId42"/>
+    <p:notesMasterId r:id="rId50"/>
   </p:notesMasterIdLst>
   <p:handoutMasterIdLst>
-    <p:handoutMasterId r:id="rId43"/>
+    <p:handoutMasterId r:id="rId51"/>
   </p:handoutMasterIdLst>
   <p:sldIdLst>
     <p:sldId id="4474" r:id="rId5"/>
     <p:sldId id="4475" r:id="rId6"/>
     <p:sldId id="4483" r:id="rId7"/>
-    <p:sldId id="2066" r:id="rId8"/>
-    <p:sldId id="4557" r:id="rId9"/>
-    <p:sldId id="4545" r:id="rId10"/>
-    <p:sldId id="4544" r:id="rId11"/>
-    <p:sldId id="4542" r:id="rId12"/>
+    <p:sldId id="4578" r:id="rId8"/>
+    <p:sldId id="2066" r:id="rId9"/>
+    <p:sldId id="4557" r:id="rId10"/>
+    <p:sldId id="4545" r:id="rId11"/>
+    <p:sldId id="4544" r:id="rId12"/>
     <p:sldId id="4546" r:id="rId13"/>
     <p:sldId id="4558" r:id="rId14"/>
     <p:sldId id="4561" r:id="rId15"/>
-    <p:sldId id="4541" r:id="rId16"/>
-    <p:sldId id="4549" r:id="rId17"/>
-    <p:sldId id="4551" r:id="rId18"/>
-    <p:sldId id="4547" r:id="rId19"/>
-    <p:sldId id="4548" r:id="rId20"/>
-    <p:sldId id="4552" r:id="rId21"/>
-    <p:sldId id="4534" r:id="rId22"/>
+    <p:sldId id="4570" r:id="rId16"/>
+    <p:sldId id="4562" r:id="rId17"/>
+    <p:sldId id="4549" r:id="rId18"/>
+    <p:sldId id="4551" r:id="rId19"/>
+    <p:sldId id="4547" r:id="rId20"/>
+    <p:sldId id="4548" r:id="rId21"/>
+    <p:sldId id="4563" r:id="rId22"/>
     <p:sldId id="4530" r:id="rId23"/>
-    <p:sldId id="4528" r:id="rId24"/>
-    <p:sldId id="4527" r:id="rId25"/>
-    <p:sldId id="4535" r:id="rId26"/>
-    <p:sldId id="4560" r:id="rId27"/>
-    <p:sldId id="4536" r:id="rId28"/>
-    <p:sldId id="4531" r:id="rId29"/>
-    <p:sldId id="4553" r:id="rId30"/>
-    <p:sldId id="4532" r:id="rId31"/>
-    <p:sldId id="4533" r:id="rId32"/>
-    <p:sldId id="4556" r:id="rId33"/>
-    <p:sldId id="4550" r:id="rId34"/>
-    <p:sldId id="4537" r:id="rId35"/>
-    <p:sldId id="4538" r:id="rId36"/>
-    <p:sldId id="4539" r:id="rId37"/>
-    <p:sldId id="4529" r:id="rId38"/>
-    <p:sldId id="4540" r:id="rId39"/>
-    <p:sldId id="4526" r:id="rId40"/>
-    <p:sldId id="4476" r:id="rId41"/>
+    <p:sldId id="4572" r:id="rId24"/>
+    <p:sldId id="4532" r:id="rId25"/>
+    <p:sldId id="4533" r:id="rId26"/>
+    <p:sldId id="4565" r:id="rId27"/>
+    <p:sldId id="4573" r:id="rId28"/>
+    <p:sldId id="4537" r:id="rId29"/>
+    <p:sldId id="4574" r:id="rId30"/>
+    <p:sldId id="4538" r:id="rId31"/>
+    <p:sldId id="4571" r:id="rId32"/>
+    <p:sldId id="4564" r:id="rId33"/>
+    <p:sldId id="4528" r:id="rId34"/>
+    <p:sldId id="4535" r:id="rId35"/>
+    <p:sldId id="4536" r:id="rId36"/>
+    <p:sldId id="4575" r:id="rId37"/>
+    <p:sldId id="4569" r:id="rId38"/>
+    <p:sldId id="4566" r:id="rId39"/>
+    <p:sldId id="4529" r:id="rId40"/>
+    <p:sldId id="1915" r:id="rId41"/>
+    <p:sldId id="1916" r:id="rId42"/>
+    <p:sldId id="1918" r:id="rId43"/>
+    <p:sldId id="4576" r:id="rId44"/>
+    <p:sldId id="4540" r:id="rId45"/>
+    <p:sldId id="4567" r:id="rId46"/>
+    <p:sldId id="4577" r:id="rId47"/>
+    <p:sldId id="4568" r:id="rId48"/>
+    <p:sldId id="4476" r:id="rId49"/>
   </p:sldIdLst>
   <p:sldSz cx="12436475" cy="6994525"/>
   <p:notesSz cx="7010400" cy="9296400"/>
@@ -487,7 +495,7 @@
           <a:p>
             <a:fld id="{DCE60099-03E7-4FA1-8A7F-E6E6CFB0F855}" type="datetime8">
               <a:rPr lang="en-US" smtClean="0"/>
-              <a:t>9/16/2020 3:54 PM</a:t>
+              <a:t>9/24/2020 6:56 AM</a:t>
             </a:fld>
             <a:endParaRPr lang="en-US"/>
           </a:p>
@@ -2485,6 +2493,151 @@
 </p:sldLayout>
 </file>
 
+<file path=ppt/slideLayouts/slideLayout8.xml><?xml version="1.0" encoding="utf-8"?>
+<p:sldLayout xmlns:a="http://schemas.openxmlformats.org/drawingml/2006/main" xmlns:r="http://schemas.openxmlformats.org/officeDocument/2006/relationships" xmlns:p="http://schemas.openxmlformats.org/presentationml/2006/main" type="obj">
+  <p:cSld name="2_Title and Content">
+    <p:spTree>
+      <p:nvGrpSpPr>
+        <p:cNvPr id="1" name=""/>
+        <p:cNvGrpSpPr/>
+        <p:nvPr/>
+      </p:nvGrpSpPr>
+      <p:grpSpPr>
+        <a:xfrm>
+          <a:off x="0" y="0"/>
+          <a:ext cx="0" cy="0"/>
+          <a:chOff x="0" y="0"/>
+          <a:chExt cx="0" cy="0"/>
+        </a:xfrm>
+      </p:grpSpPr>
+      <p:sp>
+        <p:nvSpPr>
+          <p:cNvPr id="2" name="Title 1"/>
+          <p:cNvSpPr>
+            <a:spLocks noGrp="1"/>
+          </p:cNvSpPr>
+          <p:nvPr>
+            <p:ph type="title" hasCustomPrompt="1"/>
+          </p:nvPr>
+        </p:nvSpPr>
+        <p:spPr>
+          <a:xfrm>
+            <a:off x="207275" y="77717"/>
+            <a:ext cx="11711014" cy="387798"/>
+          </a:xfrm>
+        </p:spPr>
+        <p:txBody>
+          <a:bodyPr/>
+          <a:lstStyle>
+            <a:lvl1pPr>
+              <a:defRPr/>
+            </a:lvl1pPr>
+          </a:lstStyle>
+          <a:p>
+            <a:r>
+              <a:rPr lang="en-US" dirty="0"/>
+              <a:t>Slide Title</a:t>
+            </a:r>
+          </a:p>
+        </p:txBody>
+      </p:sp>
+      <p:sp>
+        <p:nvSpPr>
+          <p:cNvPr id="3" name="Content Placeholder 2"/>
+          <p:cNvSpPr>
+            <a:spLocks noGrp="1"/>
+          </p:cNvSpPr>
+          <p:nvPr>
+            <p:ph idx="1" hasCustomPrompt="1"/>
+          </p:nvPr>
+        </p:nvSpPr>
+        <p:spPr>
+          <a:xfrm>
+            <a:off x="518187" y="1476622"/>
+            <a:ext cx="11400102" cy="1056700"/>
+          </a:xfrm>
+        </p:spPr>
+        <p:txBody>
+          <a:bodyPr/>
+          <a:lstStyle>
+            <a:lvl1pPr marL="354581" indent="-354581">
+              <a:spcBef>
+                <a:spcPts val="612"/>
+              </a:spcBef>
+              <a:spcAft>
+                <a:spcPts val="204"/>
+              </a:spcAft>
+              <a:buFont typeface="Arial" pitchFamily="34" charset="0"/>
+              <a:buChar char="•"/>
+              <a:defRPr>
+                <a:latin typeface="+mn-lt"/>
+              </a:defRPr>
+            </a:lvl1pPr>
+            <a:lvl2pPr>
+              <a:spcBef>
+                <a:spcPts val="306"/>
+              </a:spcBef>
+              <a:spcAft>
+                <a:spcPts val="306"/>
+              </a:spcAft>
+              <a:defRPr>
+                <a:latin typeface="+mn-lt"/>
+              </a:defRPr>
+            </a:lvl2pPr>
+            <a:lvl3pPr marL="1042695" indent="-349724">
+              <a:buFont typeface="Arial" pitchFamily="34" charset="0"/>
+              <a:buChar char="•"/>
+              <a:defRPr b="0">
+                <a:latin typeface="+mn-lt"/>
+              </a:defRPr>
+            </a:lvl3pPr>
+            <a:lvl4pPr marL="987646" indent="-291436">
+              <a:buFont typeface="Arial" pitchFamily="34" charset="0"/>
+              <a:buChar char="•"/>
+              <a:defRPr/>
+            </a:lvl4pPr>
+            <a:lvl5pPr marL="984407" indent="-291436">
+              <a:buFont typeface="Arial" pitchFamily="34" charset="0"/>
+              <a:buChar char="•"/>
+              <a:defRPr/>
+            </a:lvl5pPr>
+          </a:lstStyle>
+          <a:p>
+            <a:pPr lvl="0"/>
+            <a:r>
+              <a:rPr lang="en-US" dirty="0"/>
+              <a:t>First level</a:t>
+            </a:r>
+          </a:p>
+          <a:p>
+            <a:pPr lvl="1"/>
+            <a:r>
+              <a:rPr lang="en-US" dirty="0"/>
+              <a:t>Second level</a:t>
+            </a:r>
+          </a:p>
+          <a:p>
+            <a:pPr lvl="2"/>
+            <a:r>
+              <a:rPr lang="en-US" dirty="0"/>
+              <a:t>Third level</a:t>
+            </a:r>
+          </a:p>
+        </p:txBody>
+      </p:sp>
+    </p:spTree>
+    <p:extLst>
+      <p:ext uri="{BB962C8B-B14F-4D97-AF65-F5344CB8AC3E}">
+        <p14:creationId xmlns:p14="http://schemas.microsoft.com/office/powerpoint/2010/main" val="2036964826"/>
+      </p:ext>
+    </p:extLst>
+  </p:cSld>
+  <p:clrMapOvr>
+    <a:masterClrMapping/>
+  </p:clrMapOvr>
+</p:sldLayout>
+</file>
+
 <file path=ppt/slideMasters/slideMaster1.xml><?xml version="1.0" encoding="utf-8"?>
 <p:sldMaster xmlns:a="http://schemas.openxmlformats.org/drawingml/2006/main" xmlns:r="http://schemas.openxmlformats.org/officeDocument/2006/relationships" xmlns:p="http://schemas.openxmlformats.org/presentationml/2006/main" preserve="1">
   <p:cSld>
@@ -2525,7 +2678,7 @@
           <p:nvPr userDrawn="1"/>
         </p:nvPicPr>
         <p:blipFill rotWithShape="1">
-          <a:blip r:embed="rId9" cstate="print">
+          <a:blip r:embed="rId10" cstate="print">
             <a:extLst>
               <a:ext uri="{28A0092B-C50C-407E-A947-70E740481C1C}">
                 <a14:useLocalDpi xmlns:a14="http://schemas.microsoft.com/office/drawing/2010/main"/>
@@ -2719,6 +2872,7 @@
     <p:sldLayoutId id="2147484563" r:id="rId5"/>
     <p:sldLayoutId id="2147484554" r:id="rId6"/>
     <p:sldLayoutId id="2147484555" r:id="rId7"/>
+    <p:sldLayoutId id="2147484567" r:id="rId8"/>
   </p:sldLayoutIdLst>
   <p:transition>
     <p:fade/>
@@ -3208,7 +3362,7 @@
           <a:p>
             <a:pPr algn="ctr"/>
             <a:r>
-              <a:rPr lang="en-US">
+              <a:rPr lang="en-US" dirty="0">
                 <a:solidFill>
                   <a:srgbClr val="000000"/>
                 </a:solidFill>
@@ -3372,43 +3526,37 @@
       </p:sp>
       <p:pic>
         <p:nvPicPr>
-          <p:cNvPr id="8" name="Picture 7">
-            <a:extLst>
-              <a:ext uri="{FF2B5EF4-FFF2-40B4-BE49-F238E27FC236}">
-                <a16:creationId xmlns:a16="http://schemas.microsoft.com/office/drawing/2014/main" id="{BABB6974-B10A-4F75-AFDE-CE7F8B055159}"/>
-              </a:ext>
-            </a:extLst>
-          </p:cNvPr>
-          <p:cNvPicPr/>
+          <p:cNvPr id="6" name="Picture 5">
+            <a:extLst>
+              <a:ext uri="{FF2B5EF4-FFF2-40B4-BE49-F238E27FC236}">
+                <a16:creationId xmlns:a16="http://schemas.microsoft.com/office/drawing/2014/main" id="{BDCE9DC4-32EA-4DE9-BA4A-1A0ABD106419}"/>
+              </a:ext>
+            </a:extLst>
+          </p:cNvPr>
+          <p:cNvPicPr>
+            <a:picLocks noChangeAspect="1"/>
+          </p:cNvPicPr>
           <p:nvPr/>
         </p:nvPicPr>
         <p:blipFill>
-          <a:blip r:embed="rId2" cstate="print">
-            <a:extLst>
-              <a:ext uri="{28A0092B-C50C-407E-A947-70E740481C1C}">
-                <a14:useLocalDpi xmlns:a14="http://schemas.microsoft.com/office/drawing/2010/main" val="0"/>
-              </a:ext>
-            </a:extLst>
-          </a:blip>
-          <a:srcRect/>
+          <a:blip r:embed="rId2"/>
           <a:stretch>
             <a:fillRect/>
           </a:stretch>
         </p:blipFill>
-        <p:spPr bwMode="auto">
+        <p:spPr>
           <a:xfrm>
-            <a:off x="2133261" y="1228110"/>
-            <a:ext cx="7292094" cy="5309215"/>
+            <a:off x="588263" y="1143488"/>
+            <a:ext cx="10443269" cy="5619053"/>
           </a:xfrm>
           <a:prstGeom prst="rect">
             <a:avLst/>
           </a:prstGeom>
-          <a:noFill/>
           <a:ln>
             <a:solidFill>
               <a:schemeClr val="tx1">
-                <a:lumMod val="50000"/>
-                <a:lumOff val="50000"/>
+                <a:lumMod val="60000"/>
+                <a:lumOff val="40000"/>
               </a:schemeClr>
             </a:solidFill>
           </a:ln>
@@ -3477,43 +3625,37 @@
       </p:sp>
       <p:pic>
         <p:nvPicPr>
-          <p:cNvPr id="6" name="Picture 5">
-            <a:extLst>
-              <a:ext uri="{FF2B5EF4-FFF2-40B4-BE49-F238E27FC236}">
-                <a16:creationId xmlns:a16="http://schemas.microsoft.com/office/drawing/2014/main" id="{3EF9A19D-B3EF-40B0-83EF-01443ABFC6D3}"/>
-              </a:ext>
-            </a:extLst>
-          </p:cNvPr>
-          <p:cNvPicPr/>
+          <p:cNvPr id="7" name="Picture 6">
+            <a:extLst>
+              <a:ext uri="{FF2B5EF4-FFF2-40B4-BE49-F238E27FC236}">
+                <a16:creationId xmlns:a16="http://schemas.microsoft.com/office/drawing/2014/main" id="{34E5E0DB-D60C-4958-95CF-2A7B886EDF78}"/>
+              </a:ext>
+            </a:extLst>
+          </p:cNvPr>
+          <p:cNvPicPr>
+            <a:picLocks noChangeAspect="1"/>
+          </p:cNvPicPr>
           <p:nvPr/>
         </p:nvPicPr>
         <p:blipFill>
-          <a:blip r:embed="rId2" cstate="print">
-            <a:extLst>
-              <a:ext uri="{28A0092B-C50C-407E-A947-70E740481C1C}">
-                <a14:useLocalDpi xmlns:a14="http://schemas.microsoft.com/office/drawing/2010/main" val="0"/>
-              </a:ext>
-            </a:extLst>
-          </a:blip>
-          <a:srcRect/>
+          <a:blip r:embed="rId2"/>
           <a:stretch>
             <a:fillRect/>
           </a:stretch>
         </p:blipFill>
-        <p:spPr bwMode="auto">
+        <p:spPr>
           <a:xfrm>
-            <a:off x="1067061" y="1408228"/>
-            <a:ext cx="9443515" cy="5384458"/>
+            <a:off x="588263" y="1161073"/>
+            <a:ext cx="11650134" cy="5149292"/>
           </a:xfrm>
           <a:prstGeom prst="rect">
             <a:avLst/>
           </a:prstGeom>
-          <a:noFill/>
           <a:ln>
             <a:solidFill>
               <a:schemeClr val="tx1">
-                <a:lumMod val="50000"/>
-                <a:lumOff val="50000"/>
+                <a:lumMod val="60000"/>
+                <a:lumOff val="40000"/>
               </a:schemeClr>
             </a:solidFill>
           </a:ln>
@@ -3538,10 +3680,148 @@
 <file path=ppt/slides/slide12.xml><?xml version="1.0" encoding="utf-8"?>
 <p:sld xmlns:a="http://schemas.openxmlformats.org/drawingml/2006/main" xmlns:r="http://schemas.openxmlformats.org/officeDocument/2006/relationships" xmlns:p="http://schemas.openxmlformats.org/presentationml/2006/main">
   <p:cSld>
+    <p:spTree>
+      <p:nvGrpSpPr>
+        <p:cNvPr id="1" name=""/>
+        <p:cNvGrpSpPr/>
+        <p:nvPr/>
+      </p:nvGrpSpPr>
+      <p:grpSpPr>
+        <a:xfrm>
+          <a:off x="0" y="0"/>
+          <a:ext cx="0" cy="0"/>
+          <a:chOff x="0" y="0"/>
+          <a:chExt cx="0" cy="0"/>
+        </a:xfrm>
+      </p:grpSpPr>
+      <p:sp>
+        <p:nvSpPr>
+          <p:cNvPr id="2" name="Title 1">
+            <a:extLst>
+              <a:ext uri="{FF2B5EF4-FFF2-40B4-BE49-F238E27FC236}">
+                <a16:creationId xmlns:a16="http://schemas.microsoft.com/office/drawing/2014/main" id="{7E1D9E79-8A84-4D0B-8425-C3307ABD036E}"/>
+              </a:ext>
+            </a:extLst>
+          </p:cNvPr>
+          <p:cNvSpPr>
+            <a:spLocks noGrp="1"/>
+          </p:cNvSpPr>
+          <p:nvPr>
+            <p:ph type="title"/>
+          </p:nvPr>
+        </p:nvSpPr>
+        <p:spPr/>
+        <p:txBody>
+          <a:bodyPr/>
+          <a:lstStyle/>
+          <a:p>
+            <a:r>
+              <a:rPr lang="en-US" sz="3900" dirty="0"/>
+              <a:t>Working with PowerShell 7 and Visual Studio Code</a:t>
+            </a:r>
+          </a:p>
+        </p:txBody>
+      </p:sp>
+      <p:sp>
+        <p:nvSpPr>
+          <p:cNvPr id="5" name="Text Placeholder 4">
+            <a:extLst>
+              <a:ext uri="{FF2B5EF4-FFF2-40B4-BE49-F238E27FC236}">
+                <a16:creationId xmlns:a16="http://schemas.microsoft.com/office/drawing/2014/main" id="{B510C87F-E970-42FA-A8A6-DDE67E5FA6B7}"/>
+              </a:ext>
+            </a:extLst>
+          </p:cNvPr>
+          <p:cNvSpPr>
+            <a:spLocks noGrp="1"/>
+          </p:cNvSpPr>
+          <p:nvPr>
+            <p:ph type="body" sz="quarter" idx="10"/>
+          </p:nvPr>
+        </p:nvSpPr>
+        <p:spPr>
+          <a:xfrm>
+            <a:off x="588263" y="1378083"/>
+            <a:ext cx="11239464" cy="1295676"/>
+          </a:xfrm>
+        </p:spPr>
+        <p:txBody>
+          <a:bodyPr/>
+          <a:lstStyle/>
+          <a:p>
+            <a:r>
+              <a:rPr lang="en-US" dirty="0"/>
+              <a:t>Visual Studio Code provides PowerShell extension</a:t>
+            </a:r>
+          </a:p>
+          <a:p>
+            <a:pPr lvl="1"/>
+            <a:r>
+              <a:rPr lang="en-US" dirty="0"/>
+              <a:t>Extension makes it possible to write and test code with PowerShell 7</a:t>
+            </a:r>
+          </a:p>
+          <a:p>
+            <a:pPr lvl="1"/>
+            <a:r>
+              <a:rPr lang="en-US" dirty="0"/>
+              <a:t>Great option for developers already familiar with Visual Studio Code</a:t>
+            </a:r>
+          </a:p>
+        </p:txBody>
+      </p:sp>
+      <p:pic>
+        <p:nvPicPr>
+          <p:cNvPr id="4" name="Picture 3">
+            <a:extLst>
+              <a:ext uri="{FF2B5EF4-FFF2-40B4-BE49-F238E27FC236}">
+                <a16:creationId xmlns:a16="http://schemas.microsoft.com/office/drawing/2014/main" id="{8046D5D1-F05A-4267-8AC8-435B9654FEFF}"/>
+              </a:ext>
+            </a:extLst>
+          </p:cNvPr>
+          <p:cNvPicPr>
+            <a:picLocks noChangeAspect="1"/>
+          </p:cNvPicPr>
+          <p:nvPr/>
+        </p:nvPicPr>
+        <p:blipFill>
+          <a:blip r:embed="rId2"/>
+          <a:stretch>
+            <a:fillRect/>
+          </a:stretch>
+        </p:blipFill>
+        <p:spPr>
+          <a:xfrm>
+            <a:off x="988070" y="2961504"/>
+            <a:ext cx="10460334" cy="3842438"/>
+          </a:xfrm>
+          <a:prstGeom prst="rect">
+            <a:avLst/>
+          </a:prstGeom>
+        </p:spPr>
+      </p:pic>
+    </p:spTree>
+    <p:extLst>
+      <p:ext uri="{BB962C8B-B14F-4D97-AF65-F5344CB8AC3E}">
+        <p14:creationId xmlns:p14="http://schemas.microsoft.com/office/powerpoint/2010/main" val="1772873132"/>
+      </p:ext>
+    </p:extLst>
+  </p:cSld>
+  <p:clrMapOvr>
+    <a:masterClrMapping/>
+  </p:clrMapOvr>
+  <p:transition>
+    <p:fade/>
+  </p:transition>
+</p:sld>
+</file>
+
+<file path=ppt/slides/slide13.xml><?xml version="1.0" encoding="utf-8"?>
+<p:sld xmlns:a="http://schemas.openxmlformats.org/drawingml/2006/main" xmlns:r="http://schemas.openxmlformats.org/officeDocument/2006/relationships" xmlns:p="http://schemas.openxmlformats.org/presentationml/2006/main">
+  <p:cSld>
     <p:bg>
       <p:bgPr>
         <a:solidFill>
-          <a:srgbClr val="FFC000"/>
+          <a:schemeClr val="accent1"/>
         </a:solidFill>
         <a:effectLst/>
       </p:bgPr>
@@ -3607,7 +3887,7 @@
         <p:spPr>
           <a:xfrm>
             <a:off x="4442092" y="2355794"/>
-            <a:ext cx="7796829" cy="1313180"/>
+            <a:ext cx="7796829" cy="3672800"/>
           </a:xfrm>
         </p:spPr>
         <p:txBody>
@@ -3616,11 +3896,21 @@
           <a:p>
             <a:pPr marL="466298" indent="-466298">
               <a:buFont typeface="Wingdings" panose="05000000000000000000" pitchFamily="2" charset="2"/>
+              <a:buChar char="ü"/>
+            </a:pPr>
+            <a:r>
+              <a:rPr lang="en-US" dirty="0"/>
+              <a:t>Reviewing of PowerShell Fundamentals</a:t>
+            </a:r>
+          </a:p>
+          <a:p>
+            <a:pPr marL="466298" indent="-466298">
+              <a:buFont typeface="Wingdings" panose="05000000000000000000" pitchFamily="2" charset="2"/>
               <a:buChar char="Ø"/>
             </a:pPr>
             <a:r>
               <a:rPr lang="en-US" dirty="0"/>
-              <a:t>PowerShell Coding 101</a:t>
+              <a:t>Installing The Power BI Library for PowerShell</a:t>
             </a:r>
           </a:p>
           <a:p>
@@ -3630,7 +3920,55 @@
             </a:pPr>
             <a:r>
               <a:rPr lang="en-US" dirty="0"/>
-              <a:t>Power BI Library for PowerShell</a:t>
+              <a:t>Creating and Managing Workspaces</a:t>
+            </a:r>
+          </a:p>
+          <a:p>
+            <a:pPr marL="466298" indent="-466298">
+              <a:buFont typeface="Wingdings" panose="05000000000000000000" pitchFamily="2" charset="2"/>
+              <a:buChar char="§"/>
+            </a:pPr>
+            <a:r>
+              <a:rPr lang="en-US" dirty="0"/>
+              <a:t>Executing Operations with Invoke-PowerBIRestMethod</a:t>
+            </a:r>
+          </a:p>
+          <a:p>
+            <a:pPr marL="466298" indent="-466298">
+              <a:buFont typeface="Wingdings" panose="05000000000000000000" pitchFamily="2" charset="2"/>
+              <a:buChar char="§"/>
+            </a:pPr>
+            <a:r>
+              <a:rPr lang="en-US" dirty="0"/>
+              <a:t>Executing Administrative Commands</a:t>
+            </a:r>
+          </a:p>
+          <a:p>
+            <a:pPr marL="466298" indent="-466298">
+              <a:buFont typeface="Wingdings" panose="05000000000000000000" pitchFamily="2" charset="2"/>
+              <a:buChar char="§"/>
+            </a:pPr>
+            <a:r>
+              <a:rPr lang="en-US" dirty="0"/>
+              <a:t>Running Scripts as Service Principal</a:t>
+            </a:r>
+          </a:p>
+          <a:p>
+            <a:pPr marL="466298" indent="-466298">
+              <a:buFont typeface="Wingdings" panose="05000000000000000000" pitchFamily="2" charset="2"/>
+              <a:buChar char="§"/>
+            </a:pPr>
+            <a:r>
+              <a:rPr lang="en-US" dirty="0"/>
+              <a:t>Using the </a:t>
+            </a:r>
+            <a:r>
+              <a:rPr lang="en-US" dirty="0" err="1"/>
+              <a:t>DataGateway</a:t>
+            </a:r>
+            <a:r>
+              <a:rPr lang="en-US" dirty="0"/>
+              <a:t> PowerShell Module</a:t>
             </a:r>
           </a:p>
           <a:p>
@@ -3645,7 +3983,7 @@
     </p:spTree>
     <p:extLst>
       <p:ext uri="{BB962C8B-B14F-4D97-AF65-F5344CB8AC3E}">
-        <p14:creationId xmlns:p14="http://schemas.microsoft.com/office/powerpoint/2010/main" val="3463147048"/>
+        <p14:creationId xmlns:p14="http://schemas.microsoft.com/office/powerpoint/2010/main" val="399376220"/>
       </p:ext>
     </p:extLst>
   </p:cSld>
@@ -3663,7 +4001,7 @@
 </p:sld>
 </file>
 
-<file path=ppt/slides/slide13.xml><?xml version="1.0" encoding="utf-8"?>
+<file path=ppt/slides/slide14.xml><?xml version="1.0" encoding="utf-8"?>
 <p:sld xmlns:a="http://schemas.openxmlformats.org/drawingml/2006/main" xmlns:r="http://schemas.openxmlformats.org/officeDocument/2006/relationships" xmlns:p="http://schemas.openxmlformats.org/presentationml/2006/main">
   <p:cSld>
     <p:spTree>
@@ -3896,7 +4234,7 @@
 </p:sld>
 </file>
 
-<file path=ppt/slides/slide14.xml><?xml version="1.0" encoding="utf-8"?>
+<file path=ppt/slides/slide15.xml><?xml version="1.0" encoding="utf-8"?>
 <p:sld xmlns:a="http://schemas.openxmlformats.org/drawingml/2006/main" xmlns:r="http://schemas.openxmlformats.org/officeDocument/2006/relationships" xmlns:p="http://schemas.openxmlformats.org/presentationml/2006/main">
   <p:cSld>
     <p:spTree>
@@ -3935,61 +4273,13 @@
           <a:lstStyle/>
           <a:p>
             <a:r>
-              <a:rPr lang="en-US" dirty="0"/>
-              <a:t>Connection and Profile Cmdlets</a:t>
-            </a:r>
-          </a:p>
-        </p:txBody>
-      </p:sp>
-      <p:sp>
-        <p:nvSpPr>
-          <p:cNvPr id="3" name="Text Placeholder 2">
-            <a:extLst>
-              <a:ext uri="{FF2B5EF4-FFF2-40B4-BE49-F238E27FC236}">
-                <a16:creationId xmlns:a16="http://schemas.microsoft.com/office/drawing/2014/main" id="{AC5CDEA1-1C53-4DBE-9DCE-00FDDA4CEF41}"/>
-              </a:ext>
-            </a:extLst>
-          </p:cNvPr>
-          <p:cNvSpPr>
-            <a:spLocks noGrp="1"/>
-          </p:cNvSpPr>
-          <p:nvPr>
-            <p:ph type="body" sz="quarter" idx="10"/>
-          </p:nvPr>
-        </p:nvSpPr>
-        <p:spPr>
-          <a:xfrm>
-            <a:off x="588263" y="1378083"/>
-            <a:ext cx="11239464" cy="1261884"/>
-          </a:xfrm>
-        </p:spPr>
-        <p:txBody>
-          <a:bodyPr/>
-          <a:lstStyle/>
-          <a:p>
-            <a:r>
-              <a:rPr lang="en-US" sz="2400" dirty="0"/>
-              <a:t>Connect-</a:t>
-            </a:r>
-            <a:r>
-              <a:rPr lang="en-US" sz="2400" dirty="0" err="1"/>
-              <a:t>PowerBIServiceAccount</a:t>
-            </a:r>
-            <a:r>
-              <a:rPr lang="en-US" sz="2400" dirty="0"/>
-              <a:t> used to establish authenticated connection</a:t>
-            </a:r>
-          </a:p>
-          <a:p>
-            <a:pPr lvl="1"/>
-            <a:r>
-              <a:rPr lang="en-US" sz="2000" dirty="0" err="1"/>
-              <a:t>ddddd</a:t>
-            </a:r>
-            <a:endParaRPr lang="en-US" sz="2000" dirty="0"/>
-          </a:p>
-          <a:p>
-            <a:endParaRPr lang="en-US" sz="2400" dirty="0"/>
+              <a:rPr lang="en-US" dirty="0" err="1"/>
+              <a:t>MicrosoftPowerBIMgmt</a:t>
+            </a:r>
+            <a:r>
+              <a:rPr lang="en-US" dirty="0"/>
+              <a:t> Modules</a:t>
+            </a:r>
           </a:p>
         </p:txBody>
       </p:sp>
@@ -4015,8 +4305,197 @@
         </p:blipFill>
         <p:spPr>
           <a:xfrm>
-            <a:off x="1621756" y="3006852"/>
-            <a:ext cx="3191404" cy="2346621"/>
+            <a:off x="268864" y="1162603"/>
+            <a:ext cx="2107965" cy="1434644"/>
+          </a:xfrm>
+          <a:prstGeom prst="rect">
+            <a:avLst/>
+          </a:prstGeom>
+          <a:ln>
+            <a:solidFill>
+              <a:schemeClr val="tx1">
+                <a:lumMod val="60000"/>
+                <a:lumOff val="40000"/>
+              </a:schemeClr>
+            </a:solidFill>
+          </a:ln>
+        </p:spPr>
+      </p:pic>
+      <p:pic>
+        <p:nvPicPr>
+          <p:cNvPr id="4" name="Picture 3">
+            <a:extLst>
+              <a:ext uri="{FF2B5EF4-FFF2-40B4-BE49-F238E27FC236}">
+                <a16:creationId xmlns:a16="http://schemas.microsoft.com/office/drawing/2014/main" id="{32788FB4-9844-41F3-8363-A4654B8C6713}"/>
+              </a:ext>
+            </a:extLst>
+          </p:cNvPr>
+          <p:cNvPicPr>
+            <a:picLocks noChangeAspect="1"/>
+          </p:cNvPicPr>
+          <p:nvPr/>
+        </p:nvPicPr>
+        <p:blipFill>
+          <a:blip r:embed="rId3"/>
+          <a:stretch>
+            <a:fillRect/>
+          </a:stretch>
+        </p:blipFill>
+        <p:spPr>
+          <a:xfrm>
+            <a:off x="2532480" y="1162603"/>
+            <a:ext cx="2431738" cy="1919234"/>
+          </a:xfrm>
+          <a:prstGeom prst="rect">
+            <a:avLst/>
+          </a:prstGeom>
+          <a:ln>
+            <a:solidFill>
+              <a:schemeClr val="tx1">
+                <a:lumMod val="60000"/>
+                <a:lumOff val="40000"/>
+              </a:schemeClr>
+            </a:solidFill>
+          </a:ln>
+        </p:spPr>
+      </p:pic>
+      <p:pic>
+        <p:nvPicPr>
+          <p:cNvPr id="8" name="Picture 7">
+            <a:extLst>
+              <a:ext uri="{FF2B5EF4-FFF2-40B4-BE49-F238E27FC236}">
+                <a16:creationId xmlns:a16="http://schemas.microsoft.com/office/drawing/2014/main" id="{3AB0192A-BC06-444E-9F38-97D961D0985B}"/>
+              </a:ext>
+            </a:extLst>
+          </p:cNvPr>
+          <p:cNvPicPr>
+            <a:picLocks noChangeAspect="1"/>
+          </p:cNvPicPr>
+          <p:nvPr/>
+        </p:nvPicPr>
+        <p:blipFill>
+          <a:blip r:embed="rId4"/>
+          <a:stretch>
+            <a:fillRect/>
+          </a:stretch>
+        </p:blipFill>
+        <p:spPr>
+          <a:xfrm>
+            <a:off x="5119869" y="1162603"/>
+            <a:ext cx="2080410" cy="2505844"/>
+          </a:xfrm>
+          <a:prstGeom prst="rect">
+            <a:avLst/>
+          </a:prstGeom>
+          <a:ln>
+            <a:solidFill>
+              <a:schemeClr val="tx1">
+                <a:lumMod val="60000"/>
+                <a:lumOff val="40000"/>
+              </a:schemeClr>
+            </a:solidFill>
+          </a:ln>
+        </p:spPr>
+      </p:pic>
+      <p:pic>
+        <p:nvPicPr>
+          <p:cNvPr id="10" name="Picture 9">
+            <a:extLst>
+              <a:ext uri="{FF2B5EF4-FFF2-40B4-BE49-F238E27FC236}">
+                <a16:creationId xmlns:a16="http://schemas.microsoft.com/office/drawing/2014/main" id="{F4B10B25-4B62-441A-82FD-BB531B35B3FC}"/>
+              </a:ext>
+            </a:extLst>
+          </p:cNvPr>
+          <p:cNvPicPr>
+            <a:picLocks noChangeAspect="1"/>
+          </p:cNvPicPr>
+          <p:nvPr/>
+        </p:nvPicPr>
+        <p:blipFill>
+          <a:blip r:embed="rId5"/>
+          <a:stretch>
+            <a:fillRect/>
+          </a:stretch>
+        </p:blipFill>
+        <p:spPr>
+          <a:xfrm>
+            <a:off x="7385834" y="1162603"/>
+            <a:ext cx="2204408" cy="3328373"/>
+          </a:xfrm>
+          <a:prstGeom prst="rect">
+            <a:avLst/>
+          </a:prstGeom>
+          <a:ln>
+            <a:solidFill>
+              <a:schemeClr val="tx1">
+                <a:lumMod val="60000"/>
+                <a:lumOff val="40000"/>
+              </a:schemeClr>
+            </a:solidFill>
+          </a:ln>
+        </p:spPr>
+      </p:pic>
+      <p:pic>
+        <p:nvPicPr>
+          <p:cNvPr id="12" name="Picture 11">
+            <a:extLst>
+              <a:ext uri="{FF2B5EF4-FFF2-40B4-BE49-F238E27FC236}">
+                <a16:creationId xmlns:a16="http://schemas.microsoft.com/office/drawing/2014/main" id="{E5F46439-7B9F-4687-8843-A98FE74E9C68}"/>
+              </a:ext>
+            </a:extLst>
+          </p:cNvPr>
+          <p:cNvPicPr>
+            <a:picLocks noChangeAspect="1"/>
+          </p:cNvPicPr>
+          <p:nvPr/>
+        </p:nvPicPr>
+        <p:blipFill>
+          <a:blip r:embed="rId6"/>
+          <a:stretch>
+            <a:fillRect/>
+          </a:stretch>
+        </p:blipFill>
+        <p:spPr>
+          <a:xfrm>
+            <a:off x="9775797" y="1162603"/>
+            <a:ext cx="2307740" cy="1651434"/>
+          </a:xfrm>
+          <a:prstGeom prst="rect">
+            <a:avLst/>
+          </a:prstGeom>
+          <a:ln>
+            <a:solidFill>
+              <a:schemeClr val="tx1">
+                <a:lumMod val="60000"/>
+                <a:lumOff val="40000"/>
+              </a:schemeClr>
+            </a:solidFill>
+          </a:ln>
+        </p:spPr>
+      </p:pic>
+      <p:pic>
+        <p:nvPicPr>
+          <p:cNvPr id="14" name="Picture 13">
+            <a:extLst>
+              <a:ext uri="{FF2B5EF4-FFF2-40B4-BE49-F238E27FC236}">
+                <a16:creationId xmlns:a16="http://schemas.microsoft.com/office/drawing/2014/main" id="{D18E9655-F002-4B09-AD98-51A721FD84F0}"/>
+              </a:ext>
+            </a:extLst>
+          </p:cNvPr>
+          <p:cNvPicPr>
+            <a:picLocks noChangeAspect="1"/>
+          </p:cNvPicPr>
+          <p:nvPr/>
+        </p:nvPicPr>
+        <p:blipFill rotWithShape="1">
+          <a:blip r:embed="rId7"/>
+          <a:srcRect l="2885" r="-302"/>
+          <a:stretch/>
+        </p:blipFill>
+        <p:spPr>
+          <a:xfrm>
+            <a:off x="9775797" y="2965441"/>
+            <a:ext cx="2289586" cy="707231"/>
           </a:xfrm>
           <a:prstGeom prst="rect">
             <a:avLst/>
@@ -4044,10 +4523,318 @@
   <p:transition>
     <p:fade/>
   </p:transition>
+  <p:timing>
+    <p:tnLst>
+      <p:par>
+        <p:cTn id="1" dur="indefinite" restart="never" nodeType="tmRoot">
+          <p:childTnLst>
+            <p:seq concurrent="1" nextAc="seek">
+              <p:cTn id="2" dur="indefinite" nodeType="mainSeq">
+                <p:childTnLst>
+                  <p:par>
+                    <p:cTn id="3" fill="hold">
+                      <p:stCondLst>
+                        <p:cond delay="indefinite"/>
+                      </p:stCondLst>
+                      <p:childTnLst>
+                        <p:par>
+                          <p:cTn id="4" fill="hold">
+                            <p:stCondLst>
+                              <p:cond delay="0"/>
+                            </p:stCondLst>
+                            <p:childTnLst>
+                              <p:par>
+                                <p:cTn id="5" presetID="1" presetClass="entr" presetSubtype="0" fill="hold" nodeType="clickEffect">
+                                  <p:stCondLst>
+                                    <p:cond delay="0"/>
+                                  </p:stCondLst>
+                                  <p:childTnLst>
+                                    <p:set>
+                                      <p:cBhvr>
+                                        <p:cTn id="6" dur="1" fill="hold">
+                                          <p:stCondLst>
+                                            <p:cond delay="0"/>
+                                          </p:stCondLst>
+                                        </p:cTn>
+                                        <p:tgtEl>
+                                          <p:spTgt spid="5"/>
+                                        </p:tgtEl>
+                                        <p:attrNameLst>
+                                          <p:attrName>style.visibility</p:attrName>
+                                        </p:attrNameLst>
+                                      </p:cBhvr>
+                                      <p:to>
+                                        <p:strVal val="visible"/>
+                                      </p:to>
+                                    </p:set>
+                                  </p:childTnLst>
+                                </p:cTn>
+                              </p:par>
+                            </p:childTnLst>
+                          </p:cTn>
+                        </p:par>
+                      </p:childTnLst>
+                    </p:cTn>
+                  </p:par>
+                  <p:par>
+                    <p:cTn id="7" fill="hold">
+                      <p:stCondLst>
+                        <p:cond delay="indefinite"/>
+                      </p:stCondLst>
+                      <p:childTnLst>
+                        <p:par>
+                          <p:cTn id="8" fill="hold">
+                            <p:stCondLst>
+                              <p:cond delay="0"/>
+                            </p:stCondLst>
+                            <p:childTnLst>
+                              <p:par>
+                                <p:cTn id="9" presetID="1" presetClass="entr" presetSubtype="0" fill="hold" nodeType="clickEffect">
+                                  <p:stCondLst>
+                                    <p:cond delay="0"/>
+                                  </p:stCondLst>
+                                  <p:childTnLst>
+                                    <p:set>
+                                      <p:cBhvr>
+                                        <p:cTn id="10" dur="1" fill="hold">
+                                          <p:stCondLst>
+                                            <p:cond delay="0"/>
+                                          </p:stCondLst>
+                                        </p:cTn>
+                                        <p:tgtEl>
+                                          <p:spTgt spid="4"/>
+                                        </p:tgtEl>
+                                        <p:attrNameLst>
+                                          <p:attrName>style.visibility</p:attrName>
+                                        </p:attrNameLst>
+                                      </p:cBhvr>
+                                      <p:to>
+                                        <p:strVal val="visible"/>
+                                      </p:to>
+                                    </p:set>
+                                  </p:childTnLst>
+                                </p:cTn>
+                              </p:par>
+                            </p:childTnLst>
+                          </p:cTn>
+                        </p:par>
+                      </p:childTnLst>
+                    </p:cTn>
+                  </p:par>
+                  <p:par>
+                    <p:cTn id="11" fill="hold">
+                      <p:stCondLst>
+                        <p:cond delay="indefinite"/>
+                      </p:stCondLst>
+                      <p:childTnLst>
+                        <p:par>
+                          <p:cTn id="12" fill="hold">
+                            <p:stCondLst>
+                              <p:cond delay="0"/>
+                            </p:stCondLst>
+                            <p:childTnLst>
+                              <p:par>
+                                <p:cTn id="13" presetID="10" presetClass="entr" presetSubtype="0" fill="hold" nodeType="clickEffect">
+                                  <p:stCondLst>
+                                    <p:cond delay="0"/>
+                                  </p:stCondLst>
+                                  <p:childTnLst>
+                                    <p:set>
+                                      <p:cBhvr>
+                                        <p:cTn id="14" dur="1" fill="hold">
+                                          <p:stCondLst>
+                                            <p:cond delay="0"/>
+                                          </p:stCondLst>
+                                        </p:cTn>
+                                        <p:tgtEl>
+                                          <p:spTgt spid="8"/>
+                                        </p:tgtEl>
+                                        <p:attrNameLst>
+                                          <p:attrName>style.visibility</p:attrName>
+                                        </p:attrNameLst>
+                                      </p:cBhvr>
+                                      <p:to>
+                                        <p:strVal val="visible"/>
+                                      </p:to>
+                                    </p:set>
+                                    <p:animEffect transition="in" filter="fade">
+                                      <p:cBhvr>
+                                        <p:cTn id="15" dur="500"/>
+                                        <p:tgtEl>
+                                          <p:spTgt spid="8"/>
+                                        </p:tgtEl>
+                                      </p:cBhvr>
+                                    </p:animEffect>
+                                  </p:childTnLst>
+                                </p:cTn>
+                              </p:par>
+                            </p:childTnLst>
+                          </p:cTn>
+                        </p:par>
+                      </p:childTnLst>
+                    </p:cTn>
+                  </p:par>
+                  <p:par>
+                    <p:cTn id="16" fill="hold">
+                      <p:stCondLst>
+                        <p:cond delay="indefinite"/>
+                      </p:stCondLst>
+                      <p:childTnLst>
+                        <p:par>
+                          <p:cTn id="17" fill="hold">
+                            <p:stCondLst>
+                              <p:cond delay="0"/>
+                            </p:stCondLst>
+                            <p:childTnLst>
+                              <p:par>
+                                <p:cTn id="18" presetID="1" presetClass="entr" presetSubtype="0" fill="hold" nodeType="clickEffect">
+                                  <p:stCondLst>
+                                    <p:cond delay="0"/>
+                                  </p:stCondLst>
+                                  <p:childTnLst>
+                                    <p:set>
+                                      <p:cBhvr>
+                                        <p:cTn id="19" dur="1" fill="hold">
+                                          <p:stCondLst>
+                                            <p:cond delay="0"/>
+                                          </p:stCondLst>
+                                        </p:cTn>
+                                        <p:tgtEl>
+                                          <p:spTgt spid="10"/>
+                                        </p:tgtEl>
+                                        <p:attrNameLst>
+                                          <p:attrName>style.visibility</p:attrName>
+                                        </p:attrNameLst>
+                                      </p:cBhvr>
+                                      <p:to>
+                                        <p:strVal val="visible"/>
+                                      </p:to>
+                                    </p:set>
+                                  </p:childTnLst>
+                                </p:cTn>
+                              </p:par>
+                            </p:childTnLst>
+                          </p:cTn>
+                        </p:par>
+                      </p:childTnLst>
+                    </p:cTn>
+                  </p:par>
+                  <p:par>
+                    <p:cTn id="20" fill="hold">
+                      <p:stCondLst>
+                        <p:cond delay="indefinite"/>
+                      </p:stCondLst>
+                      <p:childTnLst>
+                        <p:par>
+                          <p:cTn id="21" fill="hold">
+                            <p:stCondLst>
+                              <p:cond delay="0"/>
+                            </p:stCondLst>
+                            <p:childTnLst>
+                              <p:par>
+                                <p:cTn id="22" presetID="1" presetClass="entr" presetSubtype="0" fill="hold" nodeType="clickEffect">
+                                  <p:stCondLst>
+                                    <p:cond delay="0"/>
+                                  </p:stCondLst>
+                                  <p:childTnLst>
+                                    <p:set>
+                                      <p:cBhvr>
+                                        <p:cTn id="23" dur="1" fill="hold">
+                                          <p:stCondLst>
+                                            <p:cond delay="0"/>
+                                          </p:stCondLst>
+                                        </p:cTn>
+                                        <p:tgtEl>
+                                          <p:spTgt spid="12"/>
+                                        </p:tgtEl>
+                                        <p:attrNameLst>
+                                          <p:attrName>style.visibility</p:attrName>
+                                        </p:attrNameLst>
+                                      </p:cBhvr>
+                                      <p:to>
+                                        <p:strVal val="visible"/>
+                                      </p:to>
+                                    </p:set>
+                                  </p:childTnLst>
+                                </p:cTn>
+                              </p:par>
+                            </p:childTnLst>
+                          </p:cTn>
+                        </p:par>
+                      </p:childTnLst>
+                    </p:cTn>
+                  </p:par>
+                  <p:par>
+                    <p:cTn id="24" fill="hold">
+                      <p:stCondLst>
+                        <p:cond delay="indefinite"/>
+                      </p:stCondLst>
+                      <p:childTnLst>
+                        <p:par>
+                          <p:cTn id="25" fill="hold">
+                            <p:stCondLst>
+                              <p:cond delay="0"/>
+                            </p:stCondLst>
+                            <p:childTnLst>
+                              <p:par>
+                                <p:cTn id="26" presetID="1" presetClass="entr" presetSubtype="0" fill="hold" nodeType="clickEffect">
+                                  <p:stCondLst>
+                                    <p:cond delay="0"/>
+                                  </p:stCondLst>
+                                  <p:childTnLst>
+                                    <p:set>
+                                      <p:cBhvr>
+                                        <p:cTn id="27" dur="1" fill="hold">
+                                          <p:stCondLst>
+                                            <p:cond delay="0"/>
+                                          </p:stCondLst>
+                                        </p:cTn>
+                                        <p:tgtEl>
+                                          <p:spTgt spid="14"/>
+                                        </p:tgtEl>
+                                        <p:attrNameLst>
+                                          <p:attrName>style.visibility</p:attrName>
+                                        </p:attrNameLst>
+                                      </p:cBhvr>
+                                      <p:to>
+                                        <p:strVal val="visible"/>
+                                      </p:to>
+                                    </p:set>
+                                  </p:childTnLst>
+                                </p:cTn>
+                              </p:par>
+                            </p:childTnLst>
+                          </p:cTn>
+                        </p:par>
+                      </p:childTnLst>
+                    </p:cTn>
+                  </p:par>
+                </p:childTnLst>
+              </p:cTn>
+              <p:prevCondLst>
+                <p:cond evt="onPrev" delay="0">
+                  <p:tgtEl>
+                    <p:sldTgt/>
+                  </p:tgtEl>
+                </p:cond>
+              </p:prevCondLst>
+              <p:nextCondLst>
+                <p:cond evt="onNext" delay="0">
+                  <p:tgtEl>
+                    <p:sldTgt/>
+                  </p:tgtEl>
+                </p:cond>
+              </p:nextCondLst>
+            </p:seq>
+          </p:childTnLst>
+        </p:cTn>
+      </p:par>
+    </p:tnLst>
+  </p:timing>
 </p:sld>
 </file>
 
-<file path=ppt/slides/slide15.xml><?xml version="1.0" encoding="utf-8"?>
+<file path=ppt/slides/slide16.xml><?xml version="1.0" encoding="utf-8"?>
 <p:sld xmlns:a="http://schemas.openxmlformats.org/drawingml/2006/main" xmlns:r="http://schemas.openxmlformats.org/officeDocument/2006/relationships" xmlns:p="http://schemas.openxmlformats.org/presentationml/2006/main">
   <p:cSld>
     <p:spTree>
@@ -4097,31 +4884,6 @@
           </a:p>
         </p:txBody>
       </p:sp>
-      <p:sp>
-        <p:nvSpPr>
-          <p:cNvPr id="3" name="Text Placeholder 2">
-            <a:extLst>
-              <a:ext uri="{FF2B5EF4-FFF2-40B4-BE49-F238E27FC236}">
-                <a16:creationId xmlns:a16="http://schemas.microsoft.com/office/drawing/2014/main" id="{8F437ABB-3000-4C6D-A123-FDEB0B796349}"/>
-              </a:ext>
-            </a:extLst>
-          </p:cNvPr>
-          <p:cNvSpPr>
-            <a:spLocks noGrp="1"/>
-          </p:cNvSpPr>
-          <p:nvPr>
-            <p:ph type="body" sz="quarter" idx="10"/>
-          </p:nvPr>
-        </p:nvSpPr>
-        <p:spPr/>
-        <p:txBody>
-          <a:bodyPr/>
-          <a:lstStyle/>
-          <a:p>
-            <a:endParaRPr lang="en-US"/>
-          </a:p>
-        </p:txBody>
-      </p:sp>
       <p:pic>
         <p:nvPicPr>
           <p:cNvPr id="9" name="Picture 8">
@@ -4143,7 +4905,7 @@
         </p:blipFill>
         <p:spPr>
           <a:xfrm>
-            <a:off x="1780456" y="1738485"/>
+            <a:off x="599423" y="1298647"/>
             <a:ext cx="8043575" cy="4798840"/>
           </a:xfrm>
           <a:prstGeom prst="rect">
@@ -4181,7 +4943,7 @@
         </p:blipFill>
         <p:spPr>
           <a:xfrm>
-            <a:off x="4194477" y="3326323"/>
+            <a:off x="3013444" y="2886485"/>
             <a:ext cx="3343275" cy="2714625"/>
           </a:xfrm>
           <a:prstGeom prst="rect">
@@ -4219,7 +4981,7 @@
         </p:blipFill>
         <p:spPr>
           <a:xfrm>
-            <a:off x="1769296" y="1729632"/>
+            <a:off x="588263" y="1289794"/>
             <a:ext cx="8054735" cy="4807693"/>
           </a:xfrm>
           <a:prstGeom prst="rect">
@@ -4371,7 +5133,7 @@
 </p:sld>
 </file>
 
-<file path=ppt/slides/slide16.xml><?xml version="1.0" encoding="utf-8"?>
+<file path=ppt/slides/slide17.xml><?xml version="1.0" encoding="utf-8"?>
 <p:sld xmlns:a="http://schemas.openxmlformats.org/drawingml/2006/main" xmlns:r="http://schemas.openxmlformats.org/officeDocument/2006/relationships" xmlns:p="http://schemas.openxmlformats.org/presentationml/2006/main">
   <p:cSld>
     <p:spTree>
@@ -4416,31 +5178,6 @@
           </a:p>
         </p:txBody>
       </p:sp>
-      <p:sp>
-        <p:nvSpPr>
-          <p:cNvPr id="3" name="Text Placeholder 2">
-            <a:extLst>
-              <a:ext uri="{FF2B5EF4-FFF2-40B4-BE49-F238E27FC236}">
-                <a16:creationId xmlns:a16="http://schemas.microsoft.com/office/drawing/2014/main" id="{541950FB-E809-47BC-A301-833DD9AE6315}"/>
-              </a:ext>
-            </a:extLst>
-          </p:cNvPr>
-          <p:cNvSpPr>
-            <a:spLocks noGrp="1"/>
-          </p:cNvSpPr>
-          <p:nvPr>
-            <p:ph type="body" sz="quarter" idx="10"/>
-          </p:nvPr>
-        </p:nvSpPr>
-        <p:spPr/>
-        <p:txBody>
-          <a:bodyPr/>
-          <a:lstStyle/>
-          <a:p>
-            <a:endParaRPr lang="en-US"/>
-          </a:p>
-        </p:txBody>
-      </p:sp>
       <p:pic>
         <p:nvPicPr>
           <p:cNvPr id="7" name="Picture 6">
@@ -4462,8 +5199,8 @@
         </p:blipFill>
         <p:spPr>
           <a:xfrm>
-            <a:off x="1307940" y="1378083"/>
-            <a:ext cx="8599989" cy="5035322"/>
+            <a:off x="671333" y="1146588"/>
+            <a:ext cx="9388980" cy="5497279"/>
           </a:xfrm>
           <a:prstGeom prst="rect">
             <a:avLst/>
@@ -4494,9 +5231,17 @@
 </p:sld>
 </file>
 
-<file path=ppt/slides/slide17.xml><?xml version="1.0" encoding="utf-8"?>
+<file path=ppt/slides/slide18.xml><?xml version="1.0" encoding="utf-8"?>
 <p:sld xmlns:a="http://schemas.openxmlformats.org/drawingml/2006/main" xmlns:r="http://schemas.openxmlformats.org/officeDocument/2006/relationships" xmlns:p="http://schemas.openxmlformats.org/presentationml/2006/main">
   <p:cSld>
+    <p:bg>
+      <p:bgPr>
+        <a:solidFill>
+          <a:schemeClr val="accent1"/>
+        </a:solidFill>
+        <a:effectLst/>
+      </p:bgPr>
+    </p:bg>
     <p:spTree>
       <p:nvGrpSpPr>
         <p:cNvPr id="1" name=""/>
@@ -4513,10 +5258,10 @@
       </p:grpSpPr>
       <p:sp>
         <p:nvSpPr>
-          <p:cNvPr id="2" name="Title 1">
-            <a:extLst>
-              <a:ext uri="{FF2B5EF4-FFF2-40B4-BE49-F238E27FC236}">
-                <a16:creationId xmlns:a16="http://schemas.microsoft.com/office/drawing/2014/main" id="{8B00F4E0-EC2B-4660-A5A6-3858FB25D671}"/>
+          <p:cNvPr id="6" name="Title 5">
+            <a:extLst>
+              <a:ext uri="{FF2B5EF4-FFF2-40B4-BE49-F238E27FC236}">
+                <a16:creationId xmlns:a16="http://schemas.microsoft.com/office/drawing/2014/main" id="{E7BF15BD-001C-49B3-9A01-B39DEDA47564}"/>
               </a:ext>
             </a:extLst>
           </p:cNvPr>
@@ -4534,17 +5279,17 @@
           <a:p>
             <a:r>
               <a:rPr lang="en-US" dirty="0"/>
-              <a:t>Workspace Management</a:t>
+              <a:t>Agenda</a:t>
             </a:r>
           </a:p>
         </p:txBody>
       </p:sp>
       <p:sp>
         <p:nvSpPr>
-          <p:cNvPr id="3" name="Text Placeholder 2">
-            <a:extLst>
-              <a:ext uri="{FF2B5EF4-FFF2-40B4-BE49-F238E27FC236}">
-                <a16:creationId xmlns:a16="http://schemas.microsoft.com/office/drawing/2014/main" id="{AC5CDEA1-1C53-4DBE-9DCE-00FDDA4CEF41}"/>
+          <p:cNvPr id="7" name="Text Placeholder 6">
+            <a:extLst>
+              <a:ext uri="{FF2B5EF4-FFF2-40B4-BE49-F238E27FC236}">
+                <a16:creationId xmlns:a16="http://schemas.microsoft.com/office/drawing/2014/main" id="{61F6BD0B-C4D8-42DE-A3A7-50D8219CE639}"/>
               </a:ext>
             </a:extLst>
           </p:cNvPr>
@@ -4552,169 +5297,123 @@
             <a:spLocks noGrp="1"/>
           </p:cNvSpPr>
           <p:nvPr>
-            <p:ph type="body" sz="quarter" idx="10"/>
+            <p:ph type="body" sz="quarter" idx="11"/>
           </p:nvPr>
         </p:nvSpPr>
         <p:spPr>
           <a:xfrm>
-            <a:off x="588263" y="1378083"/>
-            <a:ext cx="11239464" cy="938719"/>
+            <a:off x="4442092" y="2355794"/>
+            <a:ext cx="7796829" cy="3672800"/>
           </a:xfrm>
         </p:spPr>
         <p:txBody>
           <a:bodyPr/>
           <a:lstStyle/>
           <a:p>
-            <a:r>
-              <a:rPr lang="en-US" dirty="0"/>
-              <a:t>Creating workspaces</a:t>
-            </a:r>
-          </a:p>
-          <a:p>
-            <a:r>
-              <a:rPr lang="en-US" dirty="0"/>
-              <a:t>Adding workspace users</a:t>
-            </a:r>
+            <a:pPr marL="466298" indent="-466298">
+              <a:buFont typeface="Wingdings" panose="05000000000000000000" pitchFamily="2" charset="2"/>
+              <a:buChar char="ü"/>
+            </a:pPr>
+            <a:r>
+              <a:rPr lang="en-US" dirty="0"/>
+              <a:t>Reviewing of PowerShell Fundamentals</a:t>
+            </a:r>
+          </a:p>
+          <a:p>
+            <a:pPr marL="466298" indent="-466298">
+              <a:buFont typeface="Wingdings" panose="05000000000000000000" pitchFamily="2" charset="2"/>
+              <a:buChar char="ü"/>
+            </a:pPr>
+            <a:r>
+              <a:rPr lang="en-US" dirty="0"/>
+              <a:t>Installing The Power BI Library for PowerShell</a:t>
+            </a:r>
+          </a:p>
+          <a:p>
+            <a:pPr marL="466298" indent="-466298">
+              <a:buFont typeface="Wingdings" panose="05000000000000000000" pitchFamily="2" charset="2"/>
+              <a:buChar char="Ø"/>
+            </a:pPr>
+            <a:r>
+              <a:rPr lang="en-US" dirty="0"/>
+              <a:t>Creating and Managing Workspaces</a:t>
+            </a:r>
+          </a:p>
+          <a:p>
+            <a:pPr marL="466298" indent="-466298">
+              <a:buFont typeface="Wingdings" panose="05000000000000000000" pitchFamily="2" charset="2"/>
+              <a:buChar char="§"/>
+            </a:pPr>
+            <a:r>
+              <a:rPr lang="en-US" dirty="0"/>
+              <a:t>Executing Operations with Invoke-PowerBIRestMethod</a:t>
+            </a:r>
+          </a:p>
+          <a:p>
+            <a:pPr marL="466298" indent="-466298">
+              <a:buFont typeface="Wingdings" panose="05000000000000000000" pitchFamily="2" charset="2"/>
+              <a:buChar char="§"/>
+            </a:pPr>
+            <a:r>
+              <a:rPr lang="en-US" dirty="0"/>
+              <a:t>Executing Administrative Commands</a:t>
+            </a:r>
+          </a:p>
+          <a:p>
+            <a:pPr marL="466298" indent="-466298">
+              <a:buFont typeface="Wingdings" panose="05000000000000000000" pitchFamily="2" charset="2"/>
+              <a:buChar char="§"/>
+            </a:pPr>
+            <a:r>
+              <a:rPr lang="en-US" dirty="0"/>
+              <a:t>Running Scripts as Service Principal</a:t>
+            </a:r>
+          </a:p>
+          <a:p>
+            <a:pPr marL="466298" indent="-466298">
+              <a:buFont typeface="Wingdings" panose="05000000000000000000" pitchFamily="2" charset="2"/>
+              <a:buChar char="§"/>
+            </a:pPr>
+            <a:r>
+              <a:rPr lang="en-US" dirty="0"/>
+              <a:t>Using the </a:t>
+            </a:r>
+            <a:r>
+              <a:rPr lang="en-US" dirty="0" err="1"/>
+              <a:t>DataGateway</a:t>
+            </a:r>
+            <a:r>
+              <a:rPr lang="en-US" dirty="0"/>
+              <a:t> PowerShell Module</a:t>
+            </a:r>
+          </a:p>
+          <a:p>
+            <a:pPr marL="466298" indent="-466298">
+              <a:buFont typeface="Wingdings" panose="05000000000000000000" pitchFamily="2" charset="2"/>
+              <a:buChar char="§"/>
+            </a:pPr>
+            <a:endParaRPr lang="en-US" dirty="0"/>
           </a:p>
         </p:txBody>
       </p:sp>
-      <p:pic>
-        <p:nvPicPr>
-          <p:cNvPr id="7" name="Picture 6">
-            <a:extLst>
-              <a:ext uri="{FF2B5EF4-FFF2-40B4-BE49-F238E27FC236}">
-                <a16:creationId xmlns:a16="http://schemas.microsoft.com/office/drawing/2014/main" id="{82AEC0C0-AC71-4EC1-9572-0FF9E942CD91}"/>
-              </a:ext>
-            </a:extLst>
-          </p:cNvPr>
-          <p:cNvPicPr>
-            <a:picLocks noChangeAspect="1"/>
-          </p:cNvPicPr>
-          <p:nvPr/>
-        </p:nvPicPr>
-        <p:blipFill>
-          <a:blip r:embed="rId2"/>
-          <a:stretch>
-            <a:fillRect/>
-          </a:stretch>
-        </p:blipFill>
-        <p:spPr>
-          <a:xfrm>
-            <a:off x="1096118" y="2944907"/>
-            <a:ext cx="3362325" cy="2867025"/>
-          </a:xfrm>
-          <a:prstGeom prst="rect">
-            <a:avLst/>
-          </a:prstGeom>
-          <a:ln>
-            <a:solidFill>
-              <a:schemeClr val="tx1">
-                <a:lumMod val="60000"/>
-                <a:lumOff val="40000"/>
-              </a:schemeClr>
-            </a:solidFill>
-          </a:ln>
-        </p:spPr>
-      </p:pic>
     </p:spTree>
     <p:extLst>
       <p:ext uri="{BB962C8B-B14F-4D97-AF65-F5344CB8AC3E}">
-        <p14:creationId xmlns:p14="http://schemas.microsoft.com/office/powerpoint/2010/main" val="528981749"/>
+        <p14:creationId xmlns:p14="http://schemas.microsoft.com/office/powerpoint/2010/main" val="3125552725"/>
       </p:ext>
     </p:extLst>
   </p:cSld>
   <p:clrMapOvr>
     <a:masterClrMapping/>
   </p:clrMapOvr>
-  <p:transition>
-    <p:fade/>
-  </p:transition>
-</p:sld>
-</file>
-
-<file path=ppt/slides/slide18.xml><?xml version="1.0" encoding="utf-8"?>
-<p:sld xmlns:a="http://schemas.openxmlformats.org/drawingml/2006/main" xmlns:r="http://schemas.openxmlformats.org/officeDocument/2006/relationships" xmlns:p="http://schemas.openxmlformats.org/presentationml/2006/main">
-  <p:cSld>
-    <p:spTree>
-      <p:nvGrpSpPr>
-        <p:cNvPr id="1" name=""/>
-        <p:cNvGrpSpPr/>
-        <p:nvPr/>
-      </p:nvGrpSpPr>
-      <p:grpSpPr>
-        <a:xfrm>
-          <a:off x="0" y="0"/>
-          <a:ext cx="0" cy="0"/>
-          <a:chOff x="0" y="0"/>
-          <a:chExt cx="0" cy="0"/>
-        </a:xfrm>
-      </p:grpSpPr>
-      <p:sp>
-        <p:nvSpPr>
-          <p:cNvPr id="2" name="Title 1">
-            <a:extLst>
-              <a:ext uri="{FF2B5EF4-FFF2-40B4-BE49-F238E27FC236}">
-                <a16:creationId xmlns:a16="http://schemas.microsoft.com/office/drawing/2014/main" id="{EE864493-F3BF-4B32-8BBD-AAC764526459}"/>
-              </a:ext>
-            </a:extLst>
-          </p:cNvPr>
-          <p:cNvSpPr>
-            <a:spLocks noGrp="1"/>
-          </p:cNvSpPr>
-          <p:nvPr>
-            <p:ph type="title"/>
-          </p:nvPr>
-        </p:nvSpPr>
-        <p:spPr/>
-        <p:txBody>
-          <a:bodyPr/>
-          <a:lstStyle/>
-          <a:p>
-            <a:r>
-              <a:rPr lang="en-US" dirty="0"/>
-              <a:t>Get User Workspaces</a:t>
-            </a:r>
-          </a:p>
-        </p:txBody>
-      </p:sp>
-      <p:sp>
-        <p:nvSpPr>
-          <p:cNvPr id="3" name="Text Placeholder 2">
-            <a:extLst>
-              <a:ext uri="{FF2B5EF4-FFF2-40B4-BE49-F238E27FC236}">
-                <a16:creationId xmlns:a16="http://schemas.microsoft.com/office/drawing/2014/main" id="{80DD39A5-6A9B-417C-AE35-A67A76BD10BA}"/>
-              </a:ext>
-            </a:extLst>
-          </p:cNvPr>
-          <p:cNvSpPr>
-            <a:spLocks noGrp="1"/>
-          </p:cNvSpPr>
-          <p:nvPr>
-            <p:ph type="body" sz="quarter" idx="10"/>
-          </p:nvPr>
-        </p:nvSpPr>
-        <p:spPr/>
-        <p:txBody>
-          <a:bodyPr/>
-          <a:lstStyle/>
-          <a:p>
-            <a:endParaRPr lang="en-US"/>
-          </a:p>
-        </p:txBody>
-      </p:sp>
-    </p:spTree>
-    <p:extLst>
-      <p:ext uri="{BB962C8B-B14F-4D97-AF65-F5344CB8AC3E}">
-        <p14:creationId xmlns:p14="http://schemas.microsoft.com/office/powerpoint/2010/main" val="2240187743"/>
-      </p:ext>
-    </p:extLst>
-  </p:cSld>
-  <p:clrMapOvr>
-    <a:masterClrMapping/>
-  </p:clrMapOvr>
-  <p:transition>
-    <p:fade/>
-  </p:transition>
+  <mc:AlternateContent xmlns:mc="http://schemas.openxmlformats.org/markup-compatibility/2006" xmlns:p14="http://schemas.microsoft.com/office/powerpoint/2010/main">
+    <mc:Choice Requires="p14">
+      <p:transition p14:dur="0"/>
+    </mc:Choice>
+    <mc:Fallback xmlns="">
+      <p:transition/>
+    </mc:Fallback>
+  </mc:AlternateContent>
 </p:sld>
 </file>
 
@@ -4763,31 +5462,44 @@
           </a:p>
         </p:txBody>
       </p:sp>
-      <p:sp>
-        <p:nvSpPr>
-          <p:cNvPr id="3" name="Text Placeholder 2">
-            <a:extLst>
-              <a:ext uri="{FF2B5EF4-FFF2-40B4-BE49-F238E27FC236}">
-                <a16:creationId xmlns:a16="http://schemas.microsoft.com/office/drawing/2014/main" id="{FEAEC4C0-8458-43ED-B9F7-E32C431B790A}"/>
-              </a:ext>
-            </a:extLst>
-          </p:cNvPr>
-          <p:cNvSpPr>
-            <a:spLocks noGrp="1"/>
-          </p:cNvSpPr>
-          <p:nvPr>
-            <p:ph type="body" sz="quarter" idx="10"/>
-          </p:nvPr>
-        </p:nvSpPr>
-        <p:spPr/>
-        <p:txBody>
-          <a:bodyPr/>
-          <a:lstStyle/>
-          <a:p>
-            <a:endParaRPr lang="en-US"/>
-          </a:p>
-        </p:txBody>
-      </p:sp>
+      <p:pic>
+        <p:nvPicPr>
+          <p:cNvPr id="5" name="Picture 4">
+            <a:extLst>
+              <a:ext uri="{FF2B5EF4-FFF2-40B4-BE49-F238E27FC236}">
+                <a16:creationId xmlns:a16="http://schemas.microsoft.com/office/drawing/2014/main" id="{ACBE2B90-0830-4C2C-A677-10EFDB5F1F7B}"/>
+              </a:ext>
+            </a:extLst>
+          </p:cNvPr>
+          <p:cNvPicPr>
+            <a:picLocks noChangeAspect="1"/>
+          </p:cNvPicPr>
+          <p:nvPr/>
+        </p:nvPicPr>
+        <p:blipFill>
+          <a:blip r:embed="rId2"/>
+          <a:stretch>
+            <a:fillRect/>
+          </a:stretch>
+        </p:blipFill>
+        <p:spPr>
+          <a:xfrm>
+            <a:off x="588263" y="1190555"/>
+            <a:ext cx="8362950" cy="5467350"/>
+          </a:xfrm>
+          <a:prstGeom prst="rect">
+            <a:avLst/>
+          </a:prstGeom>
+          <a:ln>
+            <a:solidFill>
+              <a:schemeClr val="tx1">
+                <a:lumMod val="60000"/>
+                <a:lumOff val="40000"/>
+              </a:schemeClr>
+            </a:solidFill>
+          </a:ln>
+        </p:spPr>
+      </p:pic>
     </p:spTree>
     <p:extLst>
       <p:ext uri="{BB962C8B-B14F-4D97-AF65-F5344CB8AC3E}">
@@ -5069,7 +5781,7 @@
           <p:cNvPr id="2" name="Title 1">
             <a:extLst>
               <a:ext uri="{FF2B5EF4-FFF2-40B4-BE49-F238E27FC236}">
-                <a16:creationId xmlns:a16="http://schemas.microsoft.com/office/drawing/2014/main" id="{CF094CCD-0CC3-4D20-8BA2-E21BE2BC1EAA}"/>
+                <a16:creationId xmlns:a16="http://schemas.microsoft.com/office/drawing/2014/main" id="{F3935984-D4A3-4910-8457-0E0B3630A315}"/>
               </a:ext>
             </a:extLst>
           </p:cNvPr>
@@ -5087,101 +5799,91 @@
           <a:p>
             <a:r>
               <a:rPr lang="en-US" dirty="0"/>
-              <a:t>Individual Scope versus Organizational Scope</a:t>
+              <a:t>Add Workspace Users</a:t>
             </a:r>
           </a:p>
         </p:txBody>
       </p:sp>
-      <p:sp>
-        <p:nvSpPr>
-          <p:cNvPr id="3" name="Text Placeholder 2">
-            <a:extLst>
-              <a:ext uri="{FF2B5EF4-FFF2-40B4-BE49-F238E27FC236}">
-                <a16:creationId xmlns:a16="http://schemas.microsoft.com/office/drawing/2014/main" id="{881ED626-69D0-4C2C-AE5C-DBD9ACE57D1B}"/>
-              </a:ext>
-            </a:extLst>
-          </p:cNvPr>
-          <p:cNvSpPr>
-            <a:spLocks noGrp="1"/>
-          </p:cNvSpPr>
-          <p:nvPr>
-            <p:ph type="body" sz="quarter" idx="10"/>
-          </p:nvPr>
-        </p:nvSpPr>
+      <p:pic>
+        <p:nvPicPr>
+          <p:cNvPr id="4" name="Picture 3">
+            <a:extLst>
+              <a:ext uri="{FF2B5EF4-FFF2-40B4-BE49-F238E27FC236}">
+                <a16:creationId xmlns:a16="http://schemas.microsoft.com/office/drawing/2014/main" id="{94CBACC4-B970-44B9-BBB8-4BA2D5585E14}"/>
+              </a:ext>
+            </a:extLst>
+          </p:cNvPr>
+          <p:cNvPicPr>
+            <a:picLocks noChangeAspect="1"/>
+          </p:cNvPicPr>
+          <p:nvPr/>
+        </p:nvPicPr>
+        <p:blipFill>
+          <a:blip r:embed="rId2"/>
+          <a:stretch>
+            <a:fillRect/>
+          </a:stretch>
+        </p:blipFill>
         <p:spPr>
           <a:xfrm>
-            <a:off x="588263" y="1378083"/>
-            <a:ext cx="11239464" cy="2721707"/>
+            <a:off x="476494" y="1220004"/>
+            <a:ext cx="8114847" cy="3324894"/>
           </a:xfrm>
+          <a:prstGeom prst="rect">
+            <a:avLst/>
+          </a:prstGeom>
+          <a:ln>
+            <a:solidFill>
+              <a:schemeClr val="tx1">
+                <a:lumMod val="60000"/>
+                <a:lumOff val="40000"/>
+              </a:schemeClr>
+            </a:solidFill>
+          </a:ln>
         </p:spPr>
-        <p:txBody>
-          <a:bodyPr/>
-          <a:lstStyle/>
-          <a:p>
-            <a:r>
-              <a:rPr lang="en-US" dirty="0"/>
-              <a:t>Scope can be set to Individual or Organizational</a:t>
-            </a:r>
-          </a:p>
-          <a:p>
-            <a:pPr lvl="1"/>
-            <a:r>
-              <a:rPr lang="en-US" dirty="0"/>
-              <a:t>Individual operates against only workspaces assigned to the caller</a:t>
-            </a:r>
-          </a:p>
-          <a:p>
-            <a:pPr lvl="1"/>
-            <a:r>
-              <a:rPr lang="en-US" b="0" i="0" dirty="0">
-                <a:solidFill>
-                  <a:srgbClr val="171717"/>
-                </a:solidFill>
-                <a:effectLst/>
-                <a:latin typeface="Segoe UI" panose="020B0502040204020203" pitchFamily="34" charset="0"/>
-              </a:rPr>
-              <a:t>Organization operates against all workspaces within a tenant</a:t>
-            </a:r>
-          </a:p>
-          <a:p>
-            <a:endParaRPr lang="en-US" dirty="0">
-              <a:solidFill>
-                <a:srgbClr val="171717"/>
-              </a:solidFill>
-              <a:latin typeface="Segoe UI" panose="020B0502040204020203" pitchFamily="34" charset="0"/>
-            </a:endParaRPr>
-          </a:p>
-          <a:p>
-            <a:r>
-              <a:rPr lang="en-US" b="0" i="0" dirty="0">
-                <a:solidFill>
-                  <a:srgbClr val="171717"/>
-                </a:solidFill>
-                <a:effectLst/>
-                <a:latin typeface="Segoe UI" panose="020B0502040204020203" pitchFamily="34" charset="0"/>
-              </a:rPr>
-              <a:t>Organizational scope requires Power BI admin privileges</a:t>
-            </a:r>
-          </a:p>
-          <a:p>
-            <a:pPr lvl="1"/>
-            <a:r>
-              <a:rPr lang="en-US" dirty="0">
-                <a:solidFill>
-                  <a:srgbClr val="171717"/>
-                </a:solidFill>
-                <a:latin typeface="Segoe UI" panose="020B0502040204020203" pitchFamily="34" charset="0"/>
-              </a:rPr>
-              <a:t>User must be Power BI Service admin or global tenant admin</a:t>
-            </a:r>
-            <a:endParaRPr lang="en-US" dirty="0"/>
-          </a:p>
-        </p:txBody>
-      </p:sp>
+      </p:pic>
+      <p:pic>
+        <p:nvPicPr>
+          <p:cNvPr id="6" name="Picture 5">
+            <a:extLst>
+              <a:ext uri="{FF2B5EF4-FFF2-40B4-BE49-F238E27FC236}">
+                <a16:creationId xmlns:a16="http://schemas.microsoft.com/office/drawing/2014/main" id="{7B8D5449-8906-43DB-B7A2-7EFD59C473FF}"/>
+              </a:ext>
+            </a:extLst>
+          </p:cNvPr>
+          <p:cNvPicPr>
+            <a:picLocks noChangeAspect="1"/>
+          </p:cNvPicPr>
+          <p:nvPr/>
+        </p:nvPicPr>
+        <p:blipFill>
+          <a:blip r:embed="rId3"/>
+          <a:stretch>
+            <a:fillRect/>
+          </a:stretch>
+        </p:blipFill>
+        <p:spPr>
+          <a:xfrm>
+            <a:off x="8731316" y="1220004"/>
+            <a:ext cx="3588687" cy="3324894"/>
+          </a:xfrm>
+          <a:prstGeom prst="rect">
+            <a:avLst/>
+          </a:prstGeom>
+          <a:ln>
+            <a:solidFill>
+              <a:schemeClr val="tx1">
+                <a:lumMod val="60000"/>
+                <a:lumOff val="40000"/>
+              </a:schemeClr>
+            </a:solidFill>
+          </a:ln>
+        </p:spPr>
+      </p:pic>
     </p:spTree>
     <p:extLst>
       <p:ext uri="{BB962C8B-B14F-4D97-AF65-F5344CB8AC3E}">
-        <p14:creationId xmlns:p14="http://schemas.microsoft.com/office/powerpoint/2010/main" val="3905394740"/>
+        <p14:creationId xmlns:p14="http://schemas.microsoft.com/office/powerpoint/2010/main" val="1839010844"/>
       </p:ext>
     </p:extLst>
   </p:cSld>
@@ -5191,6 +5893,81 @@
   <p:transition>
     <p:fade/>
   </p:transition>
+  <p:timing>
+    <p:tnLst>
+      <p:par>
+        <p:cTn id="1" dur="indefinite" restart="never" nodeType="tmRoot">
+          <p:childTnLst>
+            <p:seq concurrent="1" nextAc="seek">
+              <p:cTn id="2" dur="indefinite" nodeType="mainSeq">
+                <p:childTnLst>
+                  <p:par>
+                    <p:cTn id="3" fill="hold">
+                      <p:stCondLst>
+                        <p:cond delay="indefinite"/>
+                      </p:stCondLst>
+                      <p:childTnLst>
+                        <p:par>
+                          <p:cTn id="4" fill="hold">
+                            <p:stCondLst>
+                              <p:cond delay="0"/>
+                            </p:stCondLst>
+                            <p:childTnLst>
+                              <p:par>
+                                <p:cTn id="5" presetID="1" presetClass="entr" presetSubtype="0" fill="hold" nodeType="clickEffect">
+                                  <p:stCondLst>
+                                    <p:cond delay="0"/>
+                                  </p:stCondLst>
+                                  <p:childTnLst>
+                                    <p:set>
+                                      <p:cBhvr>
+                                        <p:cTn id="6" dur="1" fill="hold">
+                                          <p:stCondLst>
+                                            <p:cond delay="0"/>
+                                          </p:stCondLst>
+                                        </p:cTn>
+                                        <p:tgtEl>
+                                          <p:spTgt spid="6"/>
+                                        </p:tgtEl>
+                                        <p:attrNameLst>
+                                          <p:attrName>style.visibility</p:attrName>
+                                        </p:attrNameLst>
+                                      </p:cBhvr>
+                                      <p:to>
+                                        <p:strVal val="visible"/>
+                                      </p:to>
+                                    </p:set>
+                                  </p:childTnLst>
+                                </p:cTn>
+                              </p:par>
+                            </p:childTnLst>
+                          </p:cTn>
+                        </p:par>
+                      </p:childTnLst>
+                    </p:cTn>
+                  </p:par>
+                </p:childTnLst>
+              </p:cTn>
+              <p:prevCondLst>
+                <p:cond evt="onPrev" delay="0">
+                  <p:tgtEl>
+                    <p:sldTgt/>
+                  </p:tgtEl>
+                </p:cond>
+              </p:prevCondLst>
+              <p:nextCondLst>
+                <p:cond evt="onNext" delay="0">
+                  <p:tgtEl>
+                    <p:sldTgt/>
+                  </p:tgtEl>
+                </p:cond>
+              </p:nextCondLst>
+            </p:seq>
+          </p:childTnLst>
+        </p:cTn>
+      </p:par>
+    </p:tnLst>
+  </p:timing>
 </p:sld>
 </file>
 
@@ -5216,7 +5993,7 @@
           <p:cNvPr id="2" name="Title 1">
             <a:extLst>
               <a:ext uri="{FF2B5EF4-FFF2-40B4-BE49-F238E27FC236}">
-                <a16:creationId xmlns:a16="http://schemas.microsoft.com/office/drawing/2014/main" id="{B0625987-9D1E-47D7-BE15-92FBDB877BCA}"/>
+                <a16:creationId xmlns:a16="http://schemas.microsoft.com/office/drawing/2014/main" id="{E752B60E-B395-483F-A1A2-5522523B7A8B}"/>
               </a:ext>
             </a:extLst>
           </p:cNvPr>
@@ -5234,40 +6011,174 @@
           <a:p>
             <a:r>
               <a:rPr lang="en-US" dirty="0"/>
-              <a:t>Running at Organizational Scope</a:t>
+              <a:t>Import PBIX File</a:t>
             </a:r>
           </a:p>
         </p:txBody>
       </p:sp>
+      <p:pic>
+        <p:nvPicPr>
+          <p:cNvPr id="5" name="Picture 4">
+            <a:extLst>
+              <a:ext uri="{FF2B5EF4-FFF2-40B4-BE49-F238E27FC236}">
+                <a16:creationId xmlns:a16="http://schemas.microsoft.com/office/drawing/2014/main" id="{E720D58B-8FDA-4F18-A0DD-8E90D3841C0D}"/>
+              </a:ext>
+            </a:extLst>
+          </p:cNvPr>
+          <p:cNvPicPr>
+            <a:picLocks noChangeAspect="1"/>
+          </p:cNvPicPr>
+          <p:nvPr/>
+        </p:nvPicPr>
+        <p:blipFill>
+          <a:blip r:embed="rId2"/>
+          <a:stretch>
+            <a:fillRect/>
+          </a:stretch>
+        </p:blipFill>
+        <p:spPr>
+          <a:xfrm>
+            <a:off x="588263" y="1175512"/>
+            <a:ext cx="7981418" cy="5079799"/>
+          </a:xfrm>
+          <a:prstGeom prst="rect">
+            <a:avLst/>
+          </a:prstGeom>
+          <a:ln>
+            <a:solidFill>
+              <a:schemeClr val="tx1">
+                <a:lumMod val="60000"/>
+                <a:lumOff val="40000"/>
+              </a:schemeClr>
+            </a:solidFill>
+          </a:ln>
+        </p:spPr>
+      </p:pic>
+      <p:pic>
+        <p:nvPicPr>
+          <p:cNvPr id="7" name="Picture 6">
+            <a:extLst>
+              <a:ext uri="{FF2B5EF4-FFF2-40B4-BE49-F238E27FC236}">
+                <a16:creationId xmlns:a16="http://schemas.microsoft.com/office/drawing/2014/main" id="{7EBB3D25-BA66-4B0F-8FE6-C2F6039283EE}"/>
+              </a:ext>
+            </a:extLst>
+          </p:cNvPr>
+          <p:cNvPicPr>
+            <a:picLocks noChangeAspect="1"/>
+          </p:cNvPicPr>
+          <p:nvPr/>
+        </p:nvPicPr>
+        <p:blipFill>
+          <a:blip r:embed="rId3"/>
+          <a:stretch>
+            <a:fillRect/>
+          </a:stretch>
+        </p:blipFill>
+        <p:spPr>
+          <a:xfrm>
+            <a:off x="6395409" y="4768013"/>
+            <a:ext cx="5562130" cy="1987793"/>
+          </a:xfrm>
+          <a:prstGeom prst="rect">
+            <a:avLst/>
+          </a:prstGeom>
+          <a:ln>
+            <a:solidFill>
+              <a:schemeClr val="tx1">
+                <a:lumMod val="60000"/>
+                <a:lumOff val="40000"/>
+              </a:schemeClr>
+            </a:solidFill>
+          </a:ln>
+        </p:spPr>
+      </p:pic>
       <p:sp>
         <p:nvSpPr>
-          <p:cNvPr id="3" name="Text Placeholder 2">
-            <a:extLst>
-              <a:ext uri="{FF2B5EF4-FFF2-40B4-BE49-F238E27FC236}">
-                <a16:creationId xmlns:a16="http://schemas.microsoft.com/office/drawing/2014/main" id="{C4FFCC98-6626-4244-9E20-8F7E197671C1}"/>
-              </a:ext>
-            </a:extLst>
-          </p:cNvPr>
-          <p:cNvSpPr>
-            <a:spLocks noGrp="1"/>
-          </p:cNvSpPr>
-          <p:nvPr>
-            <p:ph type="body" sz="quarter" idx="10"/>
-          </p:nvPr>
+          <p:cNvPr id="8" name="Rectangle: Rounded Corners 7">
+            <a:extLst>
+              <a:ext uri="{FF2B5EF4-FFF2-40B4-BE49-F238E27FC236}">
+                <a16:creationId xmlns:a16="http://schemas.microsoft.com/office/drawing/2014/main" id="{5A573E16-9FC4-48B6-BB01-FE09B795252A}"/>
+              </a:ext>
+            </a:extLst>
+          </p:cNvPr>
+          <p:cNvSpPr/>
+          <p:nvPr/>
         </p:nvSpPr>
-        <p:spPr/>
+        <p:spPr bwMode="auto">
+          <a:xfrm>
+            <a:off x="5766062" y="3645073"/>
+            <a:ext cx="2453490" cy="361741"/>
+          </a:xfrm>
+          <a:prstGeom prst="roundRect">
+            <a:avLst/>
+          </a:prstGeom>
+          <a:noFill/>
+          <a:ln w="38100">
+            <a:solidFill>
+              <a:srgbClr val="C00000"/>
+            </a:solidFill>
+            <a:prstDash val="sysDash"/>
+            <a:headEnd type="none" w="med" len="med"/>
+            <a:tailEnd type="none" w="med" len="med"/>
+          </a:ln>
+          <a:effectLst/>
+        </p:spPr>
+        <p:style>
+          <a:lnRef idx="1">
+            <a:schemeClr val="accent2"/>
+          </a:lnRef>
+          <a:fillRef idx="3">
+            <a:schemeClr val="accent2"/>
+          </a:fillRef>
+          <a:effectRef idx="2">
+            <a:schemeClr val="accent2"/>
+          </a:effectRef>
+          <a:fontRef idx="minor">
+            <a:schemeClr val="lt1"/>
+          </a:fontRef>
+        </p:style>
         <p:txBody>
-          <a:bodyPr/>
+          <a:bodyPr rot="0" spcFirstLastPara="0" vertOverflow="overflow" horzOverflow="overflow" vert="horz" wrap="square" lIns="182880" tIns="146304" rIns="182880" bIns="146304" numCol="1" spcCol="0" rtlCol="0" fromWordArt="0" anchor="t" anchorCtr="0" forceAA="0" compatLnSpc="1">
+            <a:prstTxWarp prst="textNoShape">
+              <a:avLst/>
+            </a:prstTxWarp>
+            <a:noAutofit/>
+          </a:bodyPr>
           <a:lstStyle/>
           <a:p>
-            <a:endParaRPr lang="en-US"/>
+            <a:pPr algn="ctr" defTabSz="932472" fontAlgn="base">
+              <a:lnSpc>
+                <a:spcPct val="90000"/>
+              </a:lnSpc>
+              <a:spcBef>
+                <a:spcPct val="0"/>
+              </a:spcBef>
+              <a:spcAft>
+                <a:spcPct val="0"/>
+              </a:spcAft>
+            </a:pPr>
+            <a:endParaRPr lang="en-US" sz="2400" dirty="0" err="1">
+              <a:gradFill>
+                <a:gsLst>
+                  <a:gs pos="0">
+                    <a:srgbClr val="FFFFFF"/>
+                  </a:gs>
+                  <a:gs pos="100000">
+                    <a:srgbClr val="FFFFFF"/>
+                  </a:gs>
+                </a:gsLst>
+                <a:lin ang="5400000" scaled="0"/>
+              </a:gradFill>
+              <a:ea typeface="Segoe UI" pitchFamily="34" charset="0"/>
+              <a:cs typeface="Segoe UI" pitchFamily="34" charset="0"/>
+            </a:endParaRPr>
           </a:p>
         </p:txBody>
       </p:sp>
     </p:spTree>
     <p:extLst>
       <p:ext uri="{BB962C8B-B14F-4D97-AF65-F5344CB8AC3E}">
-        <p14:creationId xmlns:p14="http://schemas.microsoft.com/office/powerpoint/2010/main" val="1472233469"/>
+        <p14:creationId xmlns:p14="http://schemas.microsoft.com/office/powerpoint/2010/main" val="3991015486"/>
       </p:ext>
     </p:extLst>
   </p:cSld>
@@ -5277,6 +6188,129 @@
   <p:transition>
     <p:fade/>
   </p:transition>
+  <p:timing>
+    <p:tnLst>
+      <p:par>
+        <p:cTn id="1" dur="indefinite" restart="never" nodeType="tmRoot">
+          <p:childTnLst>
+            <p:seq concurrent="1" nextAc="seek">
+              <p:cTn id="2" dur="indefinite" nodeType="mainSeq">
+                <p:childTnLst>
+                  <p:par>
+                    <p:cTn id="3" fill="hold">
+                      <p:stCondLst>
+                        <p:cond delay="indefinite"/>
+                      </p:stCondLst>
+                      <p:childTnLst>
+                        <p:par>
+                          <p:cTn id="4" fill="hold">
+                            <p:stCondLst>
+                              <p:cond delay="0"/>
+                            </p:stCondLst>
+                            <p:childTnLst>
+                              <p:par>
+                                <p:cTn id="5" presetID="1" presetClass="entr" presetSubtype="0" fill="hold" grpId="0" nodeType="clickEffect">
+                                  <p:stCondLst>
+                                    <p:cond delay="0"/>
+                                  </p:stCondLst>
+                                  <p:childTnLst>
+                                    <p:set>
+                                      <p:cBhvr>
+                                        <p:cTn id="6" dur="1" fill="hold">
+                                          <p:stCondLst>
+                                            <p:cond delay="0"/>
+                                          </p:stCondLst>
+                                        </p:cTn>
+                                        <p:tgtEl>
+                                          <p:spTgt spid="8"/>
+                                        </p:tgtEl>
+                                        <p:attrNameLst>
+                                          <p:attrName>style.visibility</p:attrName>
+                                        </p:attrNameLst>
+                                      </p:cBhvr>
+                                      <p:to>
+                                        <p:strVal val="visible"/>
+                                      </p:to>
+                                    </p:set>
+                                  </p:childTnLst>
+                                </p:cTn>
+                              </p:par>
+                            </p:childTnLst>
+                          </p:cTn>
+                        </p:par>
+                      </p:childTnLst>
+                    </p:cTn>
+                  </p:par>
+                  <p:par>
+                    <p:cTn id="7" fill="hold">
+                      <p:stCondLst>
+                        <p:cond delay="indefinite"/>
+                      </p:stCondLst>
+                      <p:childTnLst>
+                        <p:par>
+                          <p:cTn id="8" fill="hold">
+                            <p:stCondLst>
+                              <p:cond delay="0"/>
+                            </p:stCondLst>
+                            <p:childTnLst>
+                              <p:par>
+                                <p:cTn id="9" presetID="1" presetClass="entr" presetSubtype="0" fill="hold" nodeType="clickEffect">
+                                  <p:stCondLst>
+                                    <p:cond delay="0"/>
+                                  </p:stCondLst>
+                                  <p:childTnLst>
+                                    <p:set>
+                                      <p:cBhvr>
+                                        <p:cTn id="10" dur="1" fill="hold">
+                                          <p:stCondLst>
+                                            <p:cond delay="0"/>
+                                          </p:stCondLst>
+                                        </p:cTn>
+                                        <p:tgtEl>
+                                          <p:spTgt spid="7"/>
+                                        </p:tgtEl>
+                                        <p:attrNameLst>
+                                          <p:attrName>style.visibility</p:attrName>
+                                        </p:attrNameLst>
+                                      </p:cBhvr>
+                                      <p:to>
+                                        <p:strVal val="visible"/>
+                                      </p:to>
+                                    </p:set>
+                                  </p:childTnLst>
+                                </p:cTn>
+                              </p:par>
+                            </p:childTnLst>
+                          </p:cTn>
+                        </p:par>
+                      </p:childTnLst>
+                    </p:cTn>
+                  </p:par>
+                </p:childTnLst>
+              </p:cTn>
+              <p:prevCondLst>
+                <p:cond evt="onPrev" delay="0">
+                  <p:tgtEl>
+                    <p:sldTgt/>
+                  </p:tgtEl>
+                </p:cond>
+              </p:prevCondLst>
+              <p:nextCondLst>
+                <p:cond evt="onNext" delay="0">
+                  <p:tgtEl>
+                    <p:sldTgt/>
+                  </p:tgtEl>
+                </p:cond>
+              </p:nextCondLst>
+            </p:seq>
+          </p:childTnLst>
+        </p:cTn>
+      </p:par>
+    </p:tnLst>
+    <p:bldLst>
+      <p:bldP spid="8" grpId="0" animBg="1"/>
+    </p:bldLst>
+  </p:timing>
 </p:sld>
 </file>
 
@@ -5302,7 +6336,7 @@
           <p:cNvPr id="2" name="Title 1">
             <a:extLst>
               <a:ext uri="{FF2B5EF4-FFF2-40B4-BE49-F238E27FC236}">
-                <a16:creationId xmlns:a16="http://schemas.microsoft.com/office/drawing/2014/main" id="{A0D85F2A-2E5C-49A8-A344-8F05D0849170}"/>
+                <a16:creationId xmlns:a16="http://schemas.microsoft.com/office/drawing/2014/main" id="{F01778DC-4DBE-451F-8BB8-C9EDB2803E4D}"/>
               </a:ext>
             </a:extLst>
           </p:cNvPr>
@@ -5320,40 +6354,64 @@
           <a:p>
             <a:r>
               <a:rPr lang="en-US" dirty="0"/>
-              <a:t>Get Admin Workspaces</a:t>
-            </a:r>
+              <a:t>Calling Get-</a:t>
+            </a:r>
+            <a:r>
+              <a:rPr lang="en-US" dirty="0" err="1"/>
+              <a:t>PowerBIDataset</a:t>
+            </a:r>
+            <a:endParaRPr lang="en-US" dirty="0"/>
           </a:p>
         </p:txBody>
       </p:sp>
-      <p:sp>
-        <p:nvSpPr>
-          <p:cNvPr id="3" name="Text Placeholder 2">
-            <a:extLst>
-              <a:ext uri="{FF2B5EF4-FFF2-40B4-BE49-F238E27FC236}">
-                <a16:creationId xmlns:a16="http://schemas.microsoft.com/office/drawing/2014/main" id="{2730CF4A-35C6-4D0D-87DB-477E2D7CC669}"/>
-              </a:ext>
-            </a:extLst>
-          </p:cNvPr>
-          <p:cNvSpPr>
-            <a:spLocks noGrp="1"/>
-          </p:cNvSpPr>
-          <p:nvPr>
-            <p:ph type="body" sz="quarter" idx="10"/>
-          </p:nvPr>
-        </p:nvSpPr>
-        <p:spPr/>
-        <p:txBody>
-          <a:bodyPr/>
-          <a:lstStyle/>
-          <a:p>
-            <a:endParaRPr lang="en-US"/>
-          </a:p>
-        </p:txBody>
-      </p:sp>
+      <p:pic>
+        <p:nvPicPr>
+          <p:cNvPr id="4" name="Picture 3">
+            <a:extLst>
+              <a:ext uri="{FF2B5EF4-FFF2-40B4-BE49-F238E27FC236}">
+                <a16:creationId xmlns:a16="http://schemas.microsoft.com/office/drawing/2014/main" id="{9753871C-6278-4F69-A4CD-BB4BD5618E2A}"/>
+              </a:ext>
+            </a:extLst>
+          </p:cNvPr>
+          <p:cNvPicPr/>
+          <p:nvPr/>
+        </p:nvPicPr>
+        <p:blipFill>
+          <a:blip r:embed="rId2" cstate="print">
+            <a:extLst>
+              <a:ext uri="{28A0092B-C50C-407E-A947-70E740481C1C}">
+                <a14:useLocalDpi xmlns:a14="http://schemas.microsoft.com/office/drawing/2010/main" val="0"/>
+              </a:ext>
+            </a:extLst>
+          </a:blip>
+          <a:srcRect/>
+          <a:stretch>
+            <a:fillRect/>
+          </a:stretch>
+        </p:blipFill>
+        <p:spPr bwMode="auto">
+          <a:xfrm>
+            <a:off x="588263" y="1192760"/>
+            <a:ext cx="11368696" cy="5052176"/>
+          </a:xfrm>
+          <a:prstGeom prst="rect">
+            <a:avLst/>
+          </a:prstGeom>
+          <a:noFill/>
+          <a:ln>
+            <a:solidFill>
+              <a:schemeClr val="tx1">
+                <a:lumMod val="50000"/>
+                <a:lumOff val="50000"/>
+              </a:schemeClr>
+            </a:solidFill>
+          </a:ln>
+        </p:spPr>
+      </p:pic>
     </p:spTree>
     <p:extLst>
       <p:ext uri="{BB962C8B-B14F-4D97-AF65-F5344CB8AC3E}">
-        <p14:creationId xmlns:p14="http://schemas.microsoft.com/office/powerpoint/2010/main" val="2286318928"/>
+        <p14:creationId xmlns:p14="http://schemas.microsoft.com/office/powerpoint/2010/main" val="1453557980"/>
       </p:ext>
     </p:extLst>
   </p:cSld>
@@ -5369,6 +6427,14 @@
 <file path=ppt/slides/slide23.xml><?xml version="1.0" encoding="utf-8"?>
 <p:sld xmlns:a="http://schemas.openxmlformats.org/drawingml/2006/main" xmlns:r="http://schemas.openxmlformats.org/officeDocument/2006/relationships" xmlns:p="http://schemas.openxmlformats.org/presentationml/2006/main">
   <p:cSld>
+    <p:bg>
+      <p:bgPr>
+        <a:solidFill>
+          <a:schemeClr val="accent1"/>
+        </a:solidFill>
+        <a:effectLst/>
+      </p:bgPr>
+    </p:bg>
     <p:spTree>
       <p:nvGrpSpPr>
         <p:cNvPr id="1" name=""/>
@@ -5385,10 +6451,10 @@
       </p:grpSpPr>
       <p:sp>
         <p:nvSpPr>
-          <p:cNvPr id="2" name="Title 1">
-            <a:extLst>
-              <a:ext uri="{FF2B5EF4-FFF2-40B4-BE49-F238E27FC236}">
-                <a16:creationId xmlns:a16="http://schemas.microsoft.com/office/drawing/2014/main" id="{890E713A-4C73-4E61-8729-9FBA167E4B48}"/>
+          <p:cNvPr id="6" name="Title 5">
+            <a:extLst>
+              <a:ext uri="{FF2B5EF4-FFF2-40B4-BE49-F238E27FC236}">
+                <a16:creationId xmlns:a16="http://schemas.microsoft.com/office/drawing/2014/main" id="{E7BF15BD-001C-49B3-9A01-B39DEDA47564}"/>
               </a:ext>
             </a:extLst>
           </p:cNvPr>
@@ -5406,17 +6472,17 @@
           <a:p>
             <a:r>
               <a:rPr lang="en-US" dirty="0"/>
-              <a:t>Add-Workspace-Users</a:t>
+              <a:t>Agenda</a:t>
             </a:r>
           </a:p>
         </p:txBody>
       </p:sp>
       <p:sp>
         <p:nvSpPr>
-          <p:cNvPr id="3" name="Text Placeholder 2">
-            <a:extLst>
-              <a:ext uri="{FF2B5EF4-FFF2-40B4-BE49-F238E27FC236}">
-                <a16:creationId xmlns:a16="http://schemas.microsoft.com/office/drawing/2014/main" id="{37DFE075-0E87-4254-8ADD-7A1A1BD4C8AB}"/>
+          <p:cNvPr id="7" name="Text Placeholder 6">
+            <a:extLst>
+              <a:ext uri="{FF2B5EF4-FFF2-40B4-BE49-F238E27FC236}">
+                <a16:creationId xmlns:a16="http://schemas.microsoft.com/office/drawing/2014/main" id="{61F6BD0B-C4D8-42DE-A3A7-50D8219CE639}"/>
               </a:ext>
             </a:extLst>
           </p:cNvPr>
@@ -5424,31 +6490,123 @@
             <a:spLocks noGrp="1"/>
           </p:cNvSpPr>
           <p:nvPr>
-            <p:ph type="body" sz="quarter" idx="10"/>
+            <p:ph type="body" sz="quarter" idx="11"/>
           </p:nvPr>
         </p:nvSpPr>
-        <p:spPr/>
+        <p:spPr>
+          <a:xfrm>
+            <a:off x="4442092" y="2355794"/>
+            <a:ext cx="7796829" cy="3672800"/>
+          </a:xfrm>
+        </p:spPr>
         <p:txBody>
           <a:bodyPr/>
           <a:lstStyle/>
           <a:p>
-            <a:endParaRPr lang="en-US"/>
+            <a:pPr marL="466298" indent="-466298">
+              <a:buFont typeface="Wingdings" panose="05000000000000000000" pitchFamily="2" charset="2"/>
+              <a:buChar char="ü"/>
+            </a:pPr>
+            <a:r>
+              <a:rPr lang="en-US" dirty="0"/>
+              <a:t>Reviewing of PowerShell Fundamentals</a:t>
+            </a:r>
+          </a:p>
+          <a:p>
+            <a:pPr marL="466298" indent="-466298">
+              <a:buFont typeface="Wingdings" panose="05000000000000000000" pitchFamily="2" charset="2"/>
+              <a:buChar char="ü"/>
+            </a:pPr>
+            <a:r>
+              <a:rPr lang="en-US" dirty="0"/>
+              <a:t>Installing The Power BI Library for PowerShell</a:t>
+            </a:r>
+          </a:p>
+          <a:p>
+            <a:pPr marL="466298" indent="-466298">
+              <a:buFont typeface="Wingdings" panose="05000000000000000000" pitchFamily="2" charset="2"/>
+              <a:buChar char="ü"/>
+            </a:pPr>
+            <a:r>
+              <a:rPr lang="en-US" dirty="0"/>
+              <a:t>Creating and Managing Workspaces</a:t>
+            </a:r>
+          </a:p>
+          <a:p>
+            <a:pPr marL="466298" indent="-466298">
+              <a:buFont typeface="Wingdings" panose="05000000000000000000" pitchFamily="2" charset="2"/>
+              <a:buChar char="Ø"/>
+            </a:pPr>
+            <a:r>
+              <a:rPr lang="en-US" dirty="0"/>
+              <a:t>Executing Operations with Invoke-PowerBIRestMethod</a:t>
+            </a:r>
+          </a:p>
+          <a:p>
+            <a:pPr marL="466298" indent="-466298">
+              <a:buFont typeface="Wingdings" panose="05000000000000000000" pitchFamily="2" charset="2"/>
+              <a:buChar char="§"/>
+            </a:pPr>
+            <a:r>
+              <a:rPr lang="en-US" dirty="0"/>
+              <a:t>Executing Administrative Commands</a:t>
+            </a:r>
+          </a:p>
+          <a:p>
+            <a:pPr marL="466298" indent="-466298">
+              <a:buFont typeface="Wingdings" panose="05000000000000000000" pitchFamily="2" charset="2"/>
+              <a:buChar char="§"/>
+            </a:pPr>
+            <a:r>
+              <a:rPr lang="en-US" dirty="0"/>
+              <a:t>Running Scripts as Service Principal</a:t>
+            </a:r>
+          </a:p>
+          <a:p>
+            <a:pPr marL="466298" indent="-466298">
+              <a:buFont typeface="Wingdings" panose="05000000000000000000" pitchFamily="2" charset="2"/>
+              <a:buChar char="§"/>
+            </a:pPr>
+            <a:r>
+              <a:rPr lang="en-US" dirty="0"/>
+              <a:t>Using the </a:t>
+            </a:r>
+            <a:r>
+              <a:rPr lang="en-US" dirty="0" err="1"/>
+              <a:t>DataGateway</a:t>
+            </a:r>
+            <a:r>
+              <a:rPr lang="en-US" dirty="0"/>
+              <a:t> PowerShell Module</a:t>
+            </a:r>
+          </a:p>
+          <a:p>
+            <a:pPr marL="466298" indent="-466298">
+              <a:buFont typeface="Wingdings" panose="05000000000000000000" pitchFamily="2" charset="2"/>
+              <a:buChar char="§"/>
+            </a:pPr>
+            <a:endParaRPr lang="en-US" dirty="0"/>
           </a:p>
         </p:txBody>
       </p:sp>
     </p:spTree>
     <p:extLst>
       <p:ext uri="{BB962C8B-B14F-4D97-AF65-F5344CB8AC3E}">
-        <p14:creationId xmlns:p14="http://schemas.microsoft.com/office/powerpoint/2010/main" val="3507270679"/>
+        <p14:creationId xmlns:p14="http://schemas.microsoft.com/office/powerpoint/2010/main" val="4176021171"/>
       </p:ext>
     </p:extLst>
   </p:cSld>
   <p:clrMapOvr>
     <a:masterClrMapping/>
   </p:clrMapOvr>
-  <p:transition>
-    <p:fade/>
-  </p:transition>
+  <mc:AlternateContent xmlns:mc="http://schemas.openxmlformats.org/markup-compatibility/2006" xmlns:p14="http://schemas.microsoft.com/office/powerpoint/2010/main">
+    <mc:Choice Requires="p14">
+      <p:transition p14:dur="0"/>
+    </mc:Choice>
+    <mc:Fallback xmlns="">
+      <p:transition/>
+    </mc:Fallback>
+  </mc:AlternateContent>
 </p:sld>
 </file>
 
@@ -5471,10 +6629,10 @@
       </p:grpSpPr>
       <p:sp>
         <p:nvSpPr>
-          <p:cNvPr id="2" name="Title 1">
-            <a:extLst>
-              <a:ext uri="{FF2B5EF4-FFF2-40B4-BE49-F238E27FC236}">
-                <a16:creationId xmlns:a16="http://schemas.microsoft.com/office/drawing/2014/main" id="{12D58EF8-1B77-4B47-BFBF-763CD23EF57D}"/>
+          <p:cNvPr id="3" name="Title 2">
+            <a:extLst>
+              <a:ext uri="{FF2B5EF4-FFF2-40B4-BE49-F238E27FC236}">
+                <a16:creationId xmlns:a16="http://schemas.microsoft.com/office/drawing/2014/main" id="{20BB66EC-08E8-4B68-8C82-D8A294D7FAD1}"/>
               </a:ext>
             </a:extLst>
           </p:cNvPr>
@@ -5492,17 +6650,17 @@
           <a:p>
             <a:r>
               <a:rPr lang="en-US" dirty="0"/>
-              <a:t>List Workspace Assets</a:t>
+              <a:t>Calling Invoke-PowerBIRestMethod</a:t>
             </a:r>
           </a:p>
         </p:txBody>
       </p:sp>
       <p:sp>
         <p:nvSpPr>
-          <p:cNvPr id="3" name="Text Placeholder 2">
-            <a:extLst>
-              <a:ext uri="{FF2B5EF4-FFF2-40B4-BE49-F238E27FC236}">
-                <a16:creationId xmlns:a16="http://schemas.microsoft.com/office/drawing/2014/main" id="{87A0FAE3-2B55-43AB-8281-2C8E39FD5B6F}"/>
+          <p:cNvPr id="4" name="Text Placeholder 3">
+            <a:extLst>
+              <a:ext uri="{FF2B5EF4-FFF2-40B4-BE49-F238E27FC236}">
+                <a16:creationId xmlns:a16="http://schemas.microsoft.com/office/drawing/2014/main" id="{B8EA13E8-A56C-458A-BB33-B1EFFFA90B50}"/>
               </a:ext>
             </a:extLst>
           </p:cNvPr>
@@ -5513,19 +6671,102 @@
             <p:ph type="body" sz="quarter" idx="10"/>
           </p:nvPr>
         </p:nvSpPr>
-        <p:spPr/>
+        <p:spPr>
+          <a:xfrm>
+            <a:off x="588263" y="1378083"/>
+            <a:ext cx="11239464" cy="2526782"/>
+          </a:xfrm>
+        </p:spPr>
         <p:txBody>
           <a:bodyPr/>
           <a:lstStyle/>
           <a:p>
-            <a:endParaRPr lang="en-US"/>
+            <a:r>
+              <a:rPr lang="en-US" dirty="0"/>
+              <a:t>Many Power BI API operations not exposed directly through cmdlets</a:t>
+            </a:r>
+            <a:endParaRPr lang="en-US" b="1" dirty="0"/>
+          </a:p>
+          <a:p>
+            <a:pPr lvl="1"/>
+            <a:r>
+              <a:rPr lang="en-US" b="1" dirty="0"/>
+              <a:t>Invoke-PowerBIRestMethod</a:t>
+            </a:r>
+            <a:r>
+              <a:rPr lang="en-US" dirty="0"/>
+              <a:t> makes it possible to call many API operations</a:t>
+            </a:r>
+          </a:p>
+          <a:p>
+            <a:pPr lvl="1"/>
+            <a:r>
+              <a:rPr lang="en-US" dirty="0"/>
+              <a:t>Requires that you parse together REST URL for Power BI Service API</a:t>
+            </a:r>
+          </a:p>
+          <a:p>
+            <a:pPr lvl="1"/>
+            <a:r>
+              <a:rPr lang="en-US" dirty="0"/>
+              <a:t>Sometimes requires you to construct JSON payload for HTTP request body</a:t>
+            </a:r>
+          </a:p>
+          <a:p>
+            <a:pPr lvl="1"/>
+            <a:r>
+              <a:rPr lang="en-US" dirty="0"/>
+              <a:t>Sometimes requires you to parse JSON returned from API call</a:t>
+            </a:r>
+          </a:p>
+          <a:p>
+            <a:pPr lvl="1"/>
+            <a:endParaRPr lang="en-US" dirty="0"/>
           </a:p>
         </p:txBody>
       </p:sp>
+      <p:pic>
+        <p:nvPicPr>
+          <p:cNvPr id="6" name="Picture 5">
+            <a:extLst>
+              <a:ext uri="{FF2B5EF4-FFF2-40B4-BE49-F238E27FC236}">
+                <a16:creationId xmlns:a16="http://schemas.microsoft.com/office/drawing/2014/main" id="{14B3AE6E-506D-4425-B52F-35D7B8051554}"/>
+              </a:ext>
+            </a:extLst>
+          </p:cNvPr>
+          <p:cNvPicPr>
+            <a:picLocks noChangeAspect="1"/>
+          </p:cNvPicPr>
+          <p:nvPr/>
+        </p:nvPicPr>
+        <p:blipFill>
+          <a:blip r:embed="rId2"/>
+          <a:stretch>
+            <a:fillRect/>
+          </a:stretch>
+        </p:blipFill>
+        <p:spPr>
+          <a:xfrm>
+            <a:off x="987279" y="3611110"/>
+            <a:ext cx="8373655" cy="3163763"/>
+          </a:xfrm>
+          <a:prstGeom prst="rect">
+            <a:avLst/>
+          </a:prstGeom>
+          <a:ln>
+            <a:solidFill>
+              <a:schemeClr val="tx1">
+                <a:lumMod val="40000"/>
+                <a:lumOff val="60000"/>
+              </a:schemeClr>
+            </a:solidFill>
+          </a:ln>
+        </p:spPr>
+      </p:pic>
     </p:spTree>
     <p:extLst>
       <p:ext uri="{BB962C8B-B14F-4D97-AF65-F5344CB8AC3E}">
-        <p14:creationId xmlns:p14="http://schemas.microsoft.com/office/powerpoint/2010/main" val="3690661871"/>
+        <p14:creationId xmlns:p14="http://schemas.microsoft.com/office/powerpoint/2010/main" val="83279215"/>
       </p:ext>
     </p:extLst>
   </p:cSld>
@@ -5560,7 +6801,7 @@
           <p:cNvPr id="2" name="Title 1">
             <a:extLst>
               <a:ext uri="{FF2B5EF4-FFF2-40B4-BE49-F238E27FC236}">
-                <a16:creationId xmlns:a16="http://schemas.microsoft.com/office/drawing/2014/main" id="{9CF5C41F-53A2-4605-ACAF-CCB5CCCC7465}"/>
+                <a16:creationId xmlns:a16="http://schemas.microsoft.com/office/drawing/2014/main" id="{FD90A4C5-6738-409C-87C4-098277D92C3A}"/>
               </a:ext>
             </a:extLst>
           </p:cNvPr>
@@ -5578,40 +6819,278 @@
           <a:p>
             <a:r>
               <a:rPr lang="en-US" dirty="0"/>
-              <a:t>Delete Workspace</a:t>
+              <a:t>Update Credentials for Anonymous Access</a:t>
             </a:r>
           </a:p>
         </p:txBody>
       </p:sp>
-      <p:sp>
-        <p:nvSpPr>
-          <p:cNvPr id="3" name="Text Placeholder 2">
-            <a:extLst>
-              <a:ext uri="{FF2B5EF4-FFF2-40B4-BE49-F238E27FC236}">
-                <a16:creationId xmlns:a16="http://schemas.microsoft.com/office/drawing/2014/main" id="{CC3A1D3D-96F6-4C40-9F5E-1C1A15392C05}"/>
-              </a:ext>
-            </a:extLst>
-          </p:cNvPr>
-          <p:cNvSpPr>
-            <a:spLocks noGrp="1"/>
-          </p:cNvSpPr>
-          <p:nvPr>
-            <p:ph type="body" sz="quarter" idx="10"/>
-          </p:nvPr>
-        </p:nvSpPr>
-        <p:spPr/>
-        <p:txBody>
-          <a:bodyPr/>
-          <a:lstStyle/>
-          <a:p>
-            <a:endParaRPr lang="en-US"/>
-          </a:p>
-        </p:txBody>
-      </p:sp>
+      <p:pic>
+        <p:nvPicPr>
+          <p:cNvPr id="5" name="Picture 4">
+            <a:extLst>
+              <a:ext uri="{FF2B5EF4-FFF2-40B4-BE49-F238E27FC236}">
+                <a16:creationId xmlns:a16="http://schemas.microsoft.com/office/drawing/2014/main" id="{F423C0BB-EB07-4D2C-ABE3-D1A287E3E1CC}"/>
+              </a:ext>
+            </a:extLst>
+          </p:cNvPr>
+          <p:cNvPicPr>
+            <a:picLocks noChangeAspect="1"/>
+          </p:cNvPicPr>
+          <p:nvPr/>
+        </p:nvPicPr>
+        <p:blipFill>
+          <a:blip r:embed="rId2"/>
+          <a:stretch>
+            <a:fillRect/>
+          </a:stretch>
+        </p:blipFill>
+        <p:spPr>
+          <a:xfrm>
+            <a:off x="681781" y="1216024"/>
+            <a:ext cx="7703683" cy="4555635"/>
+          </a:xfrm>
+          <a:prstGeom prst="rect">
+            <a:avLst/>
+          </a:prstGeom>
+          <a:ln>
+            <a:solidFill>
+              <a:schemeClr val="tx1">
+                <a:lumMod val="60000"/>
+                <a:lumOff val="40000"/>
+              </a:schemeClr>
+            </a:solidFill>
+          </a:ln>
+        </p:spPr>
+      </p:pic>
+      <p:grpSp>
+        <p:nvGrpSpPr>
+          <p:cNvPr id="11" name="Group 10">
+            <a:extLst>
+              <a:ext uri="{FF2B5EF4-FFF2-40B4-BE49-F238E27FC236}">
+                <a16:creationId xmlns:a16="http://schemas.microsoft.com/office/drawing/2014/main" id="{821343B0-5335-463F-AF02-7DA622524232}"/>
+              </a:ext>
+            </a:extLst>
+          </p:cNvPr>
+          <p:cNvGrpSpPr/>
+          <p:nvPr/>
+        </p:nvGrpSpPr>
+        <p:grpSpPr>
+          <a:xfrm>
+            <a:off x="5574001" y="2722418"/>
+            <a:ext cx="6336083" cy="1963882"/>
+            <a:chOff x="5781819" y="2732809"/>
+            <a:chExt cx="6336083" cy="1963882"/>
+          </a:xfrm>
+        </p:grpSpPr>
+        <p:pic>
+          <p:nvPicPr>
+            <p:cNvPr id="7" name="Picture 6">
+              <a:extLst>
+                <a:ext uri="{FF2B5EF4-FFF2-40B4-BE49-F238E27FC236}">
+                  <a16:creationId xmlns:a16="http://schemas.microsoft.com/office/drawing/2014/main" id="{968C7BF9-3AB7-45EB-ACC6-508DC70A22F5}"/>
+                </a:ext>
+              </a:extLst>
+            </p:cNvPr>
+            <p:cNvPicPr>
+              <a:picLocks noChangeAspect="1"/>
+            </p:cNvPicPr>
+            <p:nvPr/>
+          </p:nvPicPr>
+          <p:blipFill>
+            <a:blip r:embed="rId3"/>
+            <a:stretch>
+              <a:fillRect/>
+            </a:stretch>
+          </p:blipFill>
+          <p:spPr>
+            <a:xfrm>
+              <a:off x="8033567" y="3190691"/>
+              <a:ext cx="4084335" cy="1506000"/>
+            </a:xfrm>
+            <a:prstGeom prst="rect">
+              <a:avLst/>
+            </a:prstGeom>
+            <a:ln>
+              <a:solidFill>
+                <a:schemeClr val="tx1"/>
+              </a:solidFill>
+            </a:ln>
+          </p:spPr>
+        </p:pic>
+        <p:sp>
+          <p:nvSpPr>
+            <p:cNvPr id="8" name="Rectangle 7">
+              <a:extLst>
+                <a:ext uri="{FF2B5EF4-FFF2-40B4-BE49-F238E27FC236}">
+                  <a16:creationId xmlns:a16="http://schemas.microsoft.com/office/drawing/2014/main" id="{29C99FBA-896F-41B2-B057-7620760903B7}"/>
+                </a:ext>
+              </a:extLst>
+            </p:cNvPr>
+            <p:cNvSpPr/>
+            <p:nvPr/>
+          </p:nvSpPr>
+          <p:spPr bwMode="auto">
+            <a:xfrm>
+              <a:off x="8033567" y="2732809"/>
+              <a:ext cx="4084335" cy="457882"/>
+            </a:xfrm>
+            <a:prstGeom prst="rect">
+              <a:avLst/>
+            </a:prstGeom>
+            <a:solidFill>
+              <a:schemeClr val="tx1"/>
+            </a:solidFill>
+            <a:ln>
+              <a:solidFill>
+                <a:schemeClr val="tx1"/>
+              </a:solidFill>
+              <a:headEnd type="none" w="med" len="med"/>
+              <a:tailEnd type="none" w="med" len="med"/>
+            </a:ln>
+            <a:effectLst/>
+          </p:spPr>
+          <p:style>
+            <a:lnRef idx="1">
+              <a:schemeClr val="accent2"/>
+            </a:lnRef>
+            <a:fillRef idx="3">
+              <a:schemeClr val="accent2"/>
+            </a:fillRef>
+            <a:effectRef idx="2">
+              <a:schemeClr val="accent2"/>
+            </a:effectRef>
+            <a:fontRef idx="minor">
+              <a:schemeClr val="lt1"/>
+            </a:fontRef>
+          </p:style>
+          <p:txBody>
+            <a:bodyPr rot="0" spcFirstLastPara="0" vertOverflow="overflow" horzOverflow="overflow" vert="horz" wrap="square" lIns="182880" tIns="146304" rIns="182880" bIns="146304" numCol="1" spcCol="0" rtlCol="0" fromWordArt="0" anchor="ctr" anchorCtr="0" forceAA="0" compatLnSpc="1">
+              <a:prstTxWarp prst="textNoShape">
+                <a:avLst/>
+              </a:prstTxWarp>
+              <a:noAutofit/>
+            </a:bodyPr>
+            <a:lstStyle/>
+            <a:p>
+              <a:pPr algn="ctr" defTabSz="932472" fontAlgn="base">
+                <a:lnSpc>
+                  <a:spcPct val="90000"/>
+                </a:lnSpc>
+                <a:spcBef>
+                  <a:spcPct val="0"/>
+                </a:spcBef>
+                <a:spcAft>
+                  <a:spcPct val="0"/>
+                </a:spcAft>
+              </a:pPr>
+              <a:r>
+                <a:rPr lang="en-US" dirty="0">
+                  <a:gradFill>
+                    <a:gsLst>
+                      <a:gs pos="0">
+                        <a:srgbClr val="FFFFFF"/>
+                      </a:gs>
+                      <a:gs pos="100000">
+                        <a:srgbClr val="FFFFFF"/>
+                      </a:gs>
+                    </a:gsLst>
+                    <a:lin ang="5400000" scaled="0"/>
+                  </a:gradFill>
+                  <a:ea typeface="Segoe UI" pitchFamily="34" charset="0"/>
+                  <a:cs typeface="Segoe UI" pitchFamily="34" charset="0"/>
+                </a:rPr>
+                <a:t>This is what is sent over network</a:t>
+              </a:r>
+            </a:p>
+          </p:txBody>
+        </p:sp>
+        <p:sp>
+          <p:nvSpPr>
+            <p:cNvPr id="10" name="Arrow: Right 9">
+              <a:extLst>
+                <a:ext uri="{FF2B5EF4-FFF2-40B4-BE49-F238E27FC236}">
+                  <a16:creationId xmlns:a16="http://schemas.microsoft.com/office/drawing/2014/main" id="{0A949AE8-9469-454F-9D39-81E187681CFA}"/>
+                </a:ext>
+              </a:extLst>
+            </p:cNvPr>
+            <p:cNvSpPr/>
+            <p:nvPr/>
+          </p:nvSpPr>
+          <p:spPr bwMode="auto">
+            <a:xfrm>
+              <a:off x="5781819" y="3393353"/>
+              <a:ext cx="2042536" cy="856529"/>
+            </a:xfrm>
+            <a:prstGeom prst="rightArrow">
+              <a:avLst/>
+            </a:prstGeom>
+            <a:solidFill>
+              <a:schemeClr val="accent1"/>
+            </a:solidFill>
+            <a:ln>
+              <a:noFill/>
+              <a:headEnd type="none" w="med" len="med"/>
+              <a:tailEnd type="none" w="med" len="med"/>
+            </a:ln>
+            <a:effectLst/>
+          </p:spPr>
+          <p:style>
+            <a:lnRef idx="1">
+              <a:schemeClr val="accent2"/>
+            </a:lnRef>
+            <a:fillRef idx="3">
+              <a:schemeClr val="accent2"/>
+            </a:fillRef>
+            <a:effectRef idx="2">
+              <a:schemeClr val="accent2"/>
+            </a:effectRef>
+            <a:fontRef idx="minor">
+              <a:schemeClr val="lt1"/>
+            </a:fontRef>
+          </p:style>
+          <p:txBody>
+            <a:bodyPr rot="0" spcFirstLastPara="0" vertOverflow="overflow" horzOverflow="overflow" vert="horz" wrap="square" lIns="182880" tIns="146304" rIns="182880" bIns="146304" numCol="1" spcCol="0" rtlCol="0" fromWordArt="0" anchor="t" anchorCtr="0" forceAA="0" compatLnSpc="1">
+              <a:prstTxWarp prst="textNoShape">
+                <a:avLst/>
+              </a:prstTxWarp>
+              <a:noAutofit/>
+            </a:bodyPr>
+            <a:lstStyle/>
+            <a:p>
+              <a:pPr algn="ctr" defTabSz="932472" fontAlgn="base">
+                <a:lnSpc>
+                  <a:spcPct val="90000"/>
+                </a:lnSpc>
+                <a:spcBef>
+                  <a:spcPct val="0"/>
+                </a:spcBef>
+                <a:spcAft>
+                  <a:spcPct val="0"/>
+                </a:spcAft>
+              </a:pPr>
+              <a:endParaRPr lang="en-US" sz="2400" dirty="0" err="1">
+                <a:gradFill>
+                  <a:gsLst>
+                    <a:gs pos="0">
+                      <a:srgbClr val="FFFFFF"/>
+                    </a:gs>
+                    <a:gs pos="100000">
+                      <a:srgbClr val="FFFFFF"/>
+                    </a:gs>
+                  </a:gsLst>
+                  <a:lin ang="5400000" scaled="0"/>
+                </a:gradFill>
+                <a:ea typeface="Segoe UI" pitchFamily="34" charset="0"/>
+                <a:cs typeface="Segoe UI" pitchFamily="34" charset="0"/>
+              </a:endParaRPr>
+            </a:p>
+          </p:txBody>
+        </p:sp>
+      </p:grpSp>
     </p:spTree>
     <p:extLst>
       <p:ext uri="{BB962C8B-B14F-4D97-AF65-F5344CB8AC3E}">
-        <p14:creationId xmlns:p14="http://schemas.microsoft.com/office/powerpoint/2010/main" val="4026477090"/>
+        <p14:creationId xmlns:p14="http://schemas.microsoft.com/office/powerpoint/2010/main" val="1533065198"/>
       </p:ext>
     </p:extLst>
   </p:cSld>
@@ -5646,7 +7125,7 @@
           <p:cNvPr id="2" name="Title 1">
             <a:extLst>
               <a:ext uri="{FF2B5EF4-FFF2-40B4-BE49-F238E27FC236}">
-                <a16:creationId xmlns:a16="http://schemas.microsoft.com/office/drawing/2014/main" id="{8B00F4E0-EC2B-4660-A5A6-3858FB25D671}"/>
+                <a16:creationId xmlns:a16="http://schemas.microsoft.com/office/drawing/2014/main" id="{0A0E5D1F-BC52-4B90-9611-C9B163E24570}"/>
               </a:ext>
             </a:extLst>
           </p:cNvPr>
@@ -5664,78 +7143,17 @@
           <a:p>
             <a:r>
               <a:rPr lang="en-US" dirty="0"/>
-              <a:t>Content Management</a:t>
-            </a:r>
-          </a:p>
-        </p:txBody>
-      </p:sp>
-      <p:sp>
-        <p:nvSpPr>
-          <p:cNvPr id="3" name="Text Placeholder 2">
-            <a:extLst>
-              <a:ext uri="{FF2B5EF4-FFF2-40B4-BE49-F238E27FC236}">
-                <a16:creationId xmlns:a16="http://schemas.microsoft.com/office/drawing/2014/main" id="{AC5CDEA1-1C53-4DBE-9DCE-00FDDA4CEF41}"/>
-              </a:ext>
-            </a:extLst>
-          </p:cNvPr>
-          <p:cNvSpPr>
-            <a:spLocks noGrp="1"/>
-          </p:cNvSpPr>
-          <p:nvPr>
-            <p:ph type="body" sz="quarter" idx="10"/>
-          </p:nvPr>
-        </p:nvSpPr>
-        <p:spPr>
-          <a:xfrm>
-            <a:off x="588263" y="1378083"/>
-            <a:ext cx="11239464" cy="1446550"/>
-          </a:xfrm>
-        </p:spPr>
-        <p:txBody>
-          <a:bodyPr/>
-          <a:lstStyle/>
-          <a:p>
-            <a:r>
-              <a:rPr lang="en-US" dirty="0"/>
-              <a:t>Use New-</a:t>
-            </a:r>
-            <a:r>
-              <a:rPr lang="en-US" dirty="0" err="1"/>
-              <a:t>PowerBIReport</a:t>
-            </a:r>
-            <a:r>
-              <a:rPr lang="en-US" dirty="0"/>
-              <a:t> to publish PBIX file or Excel workbook</a:t>
-            </a:r>
-          </a:p>
-          <a:p>
-            <a:r>
-              <a:rPr lang="en-US" dirty="0"/>
-              <a:t>Use Export-</a:t>
-            </a:r>
-            <a:r>
-              <a:rPr lang="en-US" dirty="0" err="1"/>
-              <a:t>PowerBIReport</a:t>
-            </a:r>
-            <a:r>
-              <a:rPr lang="en-US" dirty="0"/>
-              <a:t> to export dataset and report to PBIX</a:t>
-            </a:r>
-          </a:p>
-          <a:p>
-            <a:r>
-              <a:rPr lang="en-US" dirty="0"/>
-              <a:t>Other cmdlets available to move and copy content across workspaces</a:t>
+              <a:t>Starting a Refresh Operation</a:t>
             </a:r>
           </a:p>
         </p:txBody>
       </p:sp>
       <p:pic>
         <p:nvPicPr>
-          <p:cNvPr id="5" name="Picture 4">
-            <a:extLst>
-              <a:ext uri="{FF2B5EF4-FFF2-40B4-BE49-F238E27FC236}">
-                <a16:creationId xmlns:a16="http://schemas.microsoft.com/office/drawing/2014/main" id="{6E92DE81-F647-4E9C-8BC1-B45805D0BEB6}"/>
+          <p:cNvPr id="4" name="Picture 3">
+            <a:extLst>
+              <a:ext uri="{FF2B5EF4-FFF2-40B4-BE49-F238E27FC236}">
+                <a16:creationId xmlns:a16="http://schemas.microsoft.com/office/drawing/2014/main" id="{8FC5B970-75AC-47A3-AFDD-257326288DDE}"/>
               </a:ext>
             </a:extLst>
           </p:cNvPr>
@@ -5752,8 +7170,8 @@
         </p:blipFill>
         <p:spPr>
           <a:xfrm>
-            <a:off x="865174" y="3099706"/>
-            <a:ext cx="2632766" cy="3426083"/>
+            <a:off x="588263" y="1279668"/>
+            <a:ext cx="9086939" cy="1525877"/>
           </a:xfrm>
           <a:prstGeom prst="rect">
             <a:avLst/>
@@ -5771,7 +7189,7 @@
     </p:spTree>
     <p:extLst>
       <p:ext uri="{BB962C8B-B14F-4D97-AF65-F5344CB8AC3E}">
-        <p14:creationId xmlns:p14="http://schemas.microsoft.com/office/powerpoint/2010/main" val="1750446487"/>
+        <p14:creationId xmlns:p14="http://schemas.microsoft.com/office/powerpoint/2010/main" val="3226961987"/>
       </p:ext>
     </p:extLst>
   </p:cSld>
@@ -5806,7 +7224,7 @@
           <p:cNvPr id="2" name="Title 1">
             <a:extLst>
               <a:ext uri="{FF2B5EF4-FFF2-40B4-BE49-F238E27FC236}">
-                <a16:creationId xmlns:a16="http://schemas.microsoft.com/office/drawing/2014/main" id="{E752B60E-B395-483F-A1A2-5522523B7A8B}"/>
+                <a16:creationId xmlns:a16="http://schemas.microsoft.com/office/drawing/2014/main" id="{D4758C8C-60F8-4046-BE19-CE64B9E27A4C}"/>
               </a:ext>
             </a:extLst>
           </p:cNvPr>
@@ -5823,41 +7241,300 @@
           <a:lstStyle/>
           <a:p>
             <a:r>
-              <a:rPr lang="en-US" dirty="0"/>
-              <a:t>Upload PBIX</a:t>
+              <a:rPr lang="en-US" sz="3900" dirty="0"/>
+              <a:t>Update Credentials for Azure SQL Server Database</a:t>
             </a:r>
           </a:p>
         </p:txBody>
       </p:sp>
-      <p:sp>
-        <p:nvSpPr>
-          <p:cNvPr id="3" name="Text Placeholder 2">
-            <a:extLst>
-              <a:ext uri="{FF2B5EF4-FFF2-40B4-BE49-F238E27FC236}">
-                <a16:creationId xmlns:a16="http://schemas.microsoft.com/office/drawing/2014/main" id="{6A5254E9-3C45-41D1-962A-4A0F96F085B2}"/>
-              </a:ext>
-            </a:extLst>
-          </p:cNvPr>
-          <p:cNvSpPr>
-            <a:spLocks noGrp="1"/>
-          </p:cNvSpPr>
-          <p:nvPr>
-            <p:ph type="body" sz="quarter" idx="10"/>
-          </p:nvPr>
-        </p:nvSpPr>
-        <p:spPr/>
-        <p:txBody>
-          <a:bodyPr/>
-          <a:lstStyle/>
-          <a:p>
-            <a:endParaRPr lang="en-US"/>
-          </a:p>
-        </p:txBody>
-      </p:sp>
+      <p:pic>
+        <p:nvPicPr>
+          <p:cNvPr id="5" name="Picture 4">
+            <a:extLst>
+              <a:ext uri="{FF2B5EF4-FFF2-40B4-BE49-F238E27FC236}">
+                <a16:creationId xmlns:a16="http://schemas.microsoft.com/office/drawing/2014/main" id="{C2FD8DBA-0B3A-421C-8A5D-30818B3A7212}"/>
+              </a:ext>
+            </a:extLst>
+          </p:cNvPr>
+          <p:cNvPicPr>
+            <a:picLocks noChangeAspect="1"/>
+          </p:cNvPicPr>
+          <p:nvPr/>
+        </p:nvPicPr>
+        <p:blipFill>
+          <a:blip r:embed="rId2"/>
+          <a:stretch>
+            <a:fillRect/>
+          </a:stretch>
+        </p:blipFill>
+        <p:spPr>
+          <a:xfrm>
+            <a:off x="671390" y="1178522"/>
+            <a:ext cx="6638782" cy="4178356"/>
+          </a:xfrm>
+          <a:prstGeom prst="rect">
+            <a:avLst/>
+          </a:prstGeom>
+          <a:ln>
+            <a:solidFill>
+              <a:schemeClr val="tx1">
+                <a:lumMod val="60000"/>
+                <a:lumOff val="40000"/>
+              </a:schemeClr>
+            </a:solidFill>
+          </a:ln>
+        </p:spPr>
+      </p:pic>
+      <p:grpSp>
+        <p:nvGrpSpPr>
+          <p:cNvPr id="13" name="Group 12">
+            <a:extLst>
+              <a:ext uri="{FF2B5EF4-FFF2-40B4-BE49-F238E27FC236}">
+                <a16:creationId xmlns:a16="http://schemas.microsoft.com/office/drawing/2014/main" id="{1F2C66CB-2BEC-4F70-A6DC-D4787B65F31C}"/>
+              </a:ext>
+            </a:extLst>
+          </p:cNvPr>
+          <p:cNvGrpSpPr/>
+          <p:nvPr/>
+        </p:nvGrpSpPr>
+        <p:grpSpPr>
+          <a:xfrm>
+            <a:off x="1116299" y="5388051"/>
+            <a:ext cx="11226658" cy="1514389"/>
+            <a:chOff x="1116299" y="5388051"/>
+            <a:chExt cx="11226658" cy="1514389"/>
+          </a:xfrm>
+        </p:grpSpPr>
+        <p:sp>
+          <p:nvSpPr>
+            <p:cNvPr id="9" name="Arrow: Right 8">
+              <a:extLst>
+                <a:ext uri="{FF2B5EF4-FFF2-40B4-BE49-F238E27FC236}">
+                  <a16:creationId xmlns:a16="http://schemas.microsoft.com/office/drawing/2014/main" id="{B3F3540B-48C0-433A-B913-97022EA3FEB8}"/>
+                </a:ext>
+              </a:extLst>
+            </p:cNvPr>
+            <p:cNvSpPr/>
+            <p:nvPr/>
+          </p:nvSpPr>
+          <p:spPr bwMode="auto">
+            <a:xfrm>
+              <a:off x="1116299" y="5686133"/>
+              <a:ext cx="1956104" cy="820284"/>
+            </a:xfrm>
+            <a:prstGeom prst="rightArrow">
+              <a:avLst/>
+            </a:prstGeom>
+            <a:solidFill>
+              <a:schemeClr val="accent1"/>
+            </a:solidFill>
+            <a:ln>
+              <a:noFill/>
+              <a:headEnd type="none" w="med" len="med"/>
+              <a:tailEnd type="none" w="med" len="med"/>
+            </a:ln>
+            <a:effectLst/>
+          </p:spPr>
+          <p:style>
+            <a:lnRef idx="1">
+              <a:schemeClr val="accent2"/>
+            </a:lnRef>
+            <a:fillRef idx="3">
+              <a:schemeClr val="accent2"/>
+            </a:fillRef>
+            <a:effectRef idx="2">
+              <a:schemeClr val="accent2"/>
+            </a:effectRef>
+            <a:fontRef idx="minor">
+              <a:schemeClr val="lt1"/>
+            </a:fontRef>
+          </p:style>
+          <p:txBody>
+            <a:bodyPr rot="0" spcFirstLastPara="0" vertOverflow="overflow" horzOverflow="overflow" vert="horz" wrap="square" lIns="182880" tIns="146304" rIns="182880" bIns="146304" numCol="1" spcCol="0" rtlCol="0" fromWordArt="0" anchor="t" anchorCtr="0" forceAA="0" compatLnSpc="1">
+              <a:prstTxWarp prst="textNoShape">
+                <a:avLst/>
+              </a:prstTxWarp>
+              <a:noAutofit/>
+            </a:bodyPr>
+            <a:lstStyle/>
+            <a:p>
+              <a:pPr algn="ctr" defTabSz="932472" fontAlgn="base">
+                <a:lnSpc>
+                  <a:spcPct val="90000"/>
+                </a:lnSpc>
+                <a:spcBef>
+                  <a:spcPct val="0"/>
+                </a:spcBef>
+                <a:spcAft>
+                  <a:spcPct val="0"/>
+                </a:spcAft>
+              </a:pPr>
+              <a:endParaRPr lang="en-US" sz="2400" dirty="0" err="1">
+                <a:gradFill>
+                  <a:gsLst>
+                    <a:gs pos="0">
+                      <a:srgbClr val="FFFFFF"/>
+                    </a:gs>
+                    <a:gs pos="100000">
+                      <a:srgbClr val="FFFFFF"/>
+                    </a:gs>
+                  </a:gsLst>
+                  <a:lin ang="5400000" scaled="0"/>
+                </a:gradFill>
+                <a:ea typeface="Segoe UI" pitchFamily="34" charset="0"/>
+                <a:cs typeface="Segoe UI" pitchFamily="34" charset="0"/>
+              </a:endParaRPr>
+            </a:p>
+          </p:txBody>
+        </p:sp>
+        <p:grpSp>
+          <p:nvGrpSpPr>
+            <p:cNvPr id="12" name="Group 11">
+              <a:extLst>
+                <a:ext uri="{FF2B5EF4-FFF2-40B4-BE49-F238E27FC236}">
+                  <a16:creationId xmlns:a16="http://schemas.microsoft.com/office/drawing/2014/main" id="{6AD9229A-CB6C-4BF9-8546-47F30A40D213}"/>
+                </a:ext>
+              </a:extLst>
+            </p:cNvPr>
+            <p:cNvGrpSpPr/>
+            <p:nvPr/>
+          </p:nvGrpSpPr>
+          <p:grpSpPr>
+            <a:xfrm>
+              <a:off x="3335482" y="5388051"/>
+              <a:ext cx="9007475" cy="1514389"/>
+              <a:chOff x="2285217" y="5293276"/>
+              <a:chExt cx="9761992" cy="1641243"/>
+            </a:xfrm>
+          </p:grpSpPr>
+          <p:sp>
+            <p:nvSpPr>
+              <p:cNvPr id="8" name="Rectangle 7">
+                <a:extLst>
+                  <a:ext uri="{FF2B5EF4-FFF2-40B4-BE49-F238E27FC236}">
+                    <a16:creationId xmlns:a16="http://schemas.microsoft.com/office/drawing/2014/main" id="{A7E688C1-294B-449A-BEBA-F0C133060C69}"/>
+                  </a:ext>
+                </a:extLst>
+              </p:cNvPr>
+              <p:cNvSpPr/>
+              <p:nvPr/>
+            </p:nvSpPr>
+            <p:spPr bwMode="auto">
+              <a:xfrm>
+                <a:off x="2285217" y="5293276"/>
+                <a:ext cx="9761992" cy="349316"/>
+              </a:xfrm>
+              <a:prstGeom prst="rect">
+                <a:avLst/>
+              </a:prstGeom>
+              <a:solidFill>
+                <a:schemeClr val="tx1"/>
+              </a:solidFill>
+              <a:ln>
+                <a:solidFill>
+                  <a:schemeClr val="tx1"/>
+                </a:solidFill>
+                <a:headEnd type="none" w="med" len="med"/>
+                <a:tailEnd type="none" w="med" len="med"/>
+              </a:ln>
+              <a:effectLst/>
+            </p:spPr>
+            <p:style>
+              <a:lnRef idx="1">
+                <a:schemeClr val="accent2"/>
+              </a:lnRef>
+              <a:fillRef idx="3">
+                <a:schemeClr val="accent2"/>
+              </a:fillRef>
+              <a:effectRef idx="2">
+                <a:schemeClr val="accent2"/>
+              </a:effectRef>
+              <a:fontRef idx="minor">
+                <a:schemeClr val="lt1"/>
+              </a:fontRef>
+            </p:style>
+            <p:txBody>
+              <a:bodyPr rot="0" spcFirstLastPara="0" vertOverflow="overflow" horzOverflow="overflow" vert="horz" wrap="square" lIns="182880" tIns="146304" rIns="182880" bIns="146304" numCol="1" spcCol="0" rtlCol="0" fromWordArt="0" anchor="ctr" anchorCtr="0" forceAA="0" compatLnSpc="1">
+                <a:prstTxWarp prst="textNoShape">
+                  <a:avLst/>
+                </a:prstTxWarp>
+                <a:noAutofit/>
+              </a:bodyPr>
+              <a:lstStyle/>
+              <a:p>
+                <a:pPr algn="ctr" defTabSz="932472" fontAlgn="base">
+                  <a:lnSpc>
+                    <a:spcPct val="90000"/>
+                  </a:lnSpc>
+                  <a:spcBef>
+                    <a:spcPct val="0"/>
+                  </a:spcBef>
+                  <a:spcAft>
+                    <a:spcPct val="0"/>
+                  </a:spcAft>
+                </a:pPr>
+                <a:r>
+                  <a:rPr lang="en-US" sz="1400" dirty="0">
+                    <a:gradFill>
+                      <a:gsLst>
+                        <a:gs pos="0">
+                          <a:srgbClr val="FFFFFF"/>
+                        </a:gs>
+                        <a:gs pos="100000">
+                          <a:srgbClr val="FFFFFF"/>
+                        </a:gs>
+                      </a:gsLst>
+                      <a:lin ang="5400000" scaled="0"/>
+                    </a:gradFill>
+                    <a:ea typeface="Segoe UI" pitchFamily="34" charset="0"/>
+                    <a:cs typeface="Segoe UI" pitchFamily="34" charset="0"/>
+                  </a:rPr>
+                  <a:t>This is what is sent over network</a:t>
+                </a:r>
+              </a:p>
+            </p:txBody>
+          </p:sp>
+          <p:pic>
+            <p:nvPicPr>
+              <p:cNvPr id="11" name="Picture 10">
+                <a:extLst>
+                  <a:ext uri="{FF2B5EF4-FFF2-40B4-BE49-F238E27FC236}">
+                    <a16:creationId xmlns:a16="http://schemas.microsoft.com/office/drawing/2014/main" id="{234A81A4-762F-45BE-BA45-F2A702A0B33F}"/>
+                  </a:ext>
+                </a:extLst>
+              </p:cNvPr>
+              <p:cNvPicPr>
+                <a:picLocks noChangeAspect="1"/>
+              </p:cNvPicPr>
+              <p:nvPr/>
+            </p:nvPicPr>
+            <p:blipFill>
+              <a:blip r:embed="rId3"/>
+              <a:stretch>
+                <a:fillRect/>
+              </a:stretch>
+            </p:blipFill>
+            <p:spPr>
+              <a:xfrm>
+                <a:off x="2285217" y="5642592"/>
+                <a:ext cx="9761992" cy="1291927"/>
+              </a:xfrm>
+              <a:prstGeom prst="rect">
+                <a:avLst/>
+              </a:prstGeom>
+              <a:ln>
+                <a:solidFill>
+                  <a:schemeClr val="tx1"/>
+                </a:solidFill>
+              </a:ln>
+            </p:spPr>
+          </p:pic>
+        </p:grpSp>
+      </p:grpSp>
     </p:spTree>
     <p:extLst>
       <p:ext uri="{BB962C8B-B14F-4D97-AF65-F5344CB8AC3E}">
-        <p14:creationId xmlns:p14="http://schemas.microsoft.com/office/powerpoint/2010/main" val="3380702379"/>
+        <p14:creationId xmlns:p14="http://schemas.microsoft.com/office/powerpoint/2010/main" val="411482629"/>
       </p:ext>
     </p:extLst>
   </p:cSld>
@@ -5867,6 +7544,81 @@
   <p:transition>
     <p:fade/>
   </p:transition>
+  <p:timing>
+    <p:tnLst>
+      <p:par>
+        <p:cTn id="1" dur="indefinite" restart="never" nodeType="tmRoot">
+          <p:childTnLst>
+            <p:seq concurrent="1" nextAc="seek">
+              <p:cTn id="2" dur="indefinite" nodeType="mainSeq">
+                <p:childTnLst>
+                  <p:par>
+                    <p:cTn id="3" fill="hold">
+                      <p:stCondLst>
+                        <p:cond delay="indefinite"/>
+                      </p:stCondLst>
+                      <p:childTnLst>
+                        <p:par>
+                          <p:cTn id="4" fill="hold">
+                            <p:stCondLst>
+                              <p:cond delay="0"/>
+                            </p:stCondLst>
+                            <p:childTnLst>
+                              <p:par>
+                                <p:cTn id="5" presetID="1" presetClass="entr" presetSubtype="0" fill="hold" nodeType="clickEffect">
+                                  <p:stCondLst>
+                                    <p:cond delay="0"/>
+                                  </p:stCondLst>
+                                  <p:childTnLst>
+                                    <p:set>
+                                      <p:cBhvr>
+                                        <p:cTn id="6" dur="1" fill="hold">
+                                          <p:stCondLst>
+                                            <p:cond delay="0"/>
+                                          </p:stCondLst>
+                                        </p:cTn>
+                                        <p:tgtEl>
+                                          <p:spTgt spid="13"/>
+                                        </p:tgtEl>
+                                        <p:attrNameLst>
+                                          <p:attrName>style.visibility</p:attrName>
+                                        </p:attrNameLst>
+                                      </p:cBhvr>
+                                      <p:to>
+                                        <p:strVal val="visible"/>
+                                      </p:to>
+                                    </p:set>
+                                  </p:childTnLst>
+                                </p:cTn>
+                              </p:par>
+                            </p:childTnLst>
+                          </p:cTn>
+                        </p:par>
+                      </p:childTnLst>
+                    </p:cTn>
+                  </p:par>
+                </p:childTnLst>
+              </p:cTn>
+              <p:prevCondLst>
+                <p:cond evt="onPrev" delay="0">
+                  <p:tgtEl>
+                    <p:sldTgt/>
+                  </p:tgtEl>
+                </p:cond>
+              </p:prevCondLst>
+              <p:nextCondLst>
+                <p:cond evt="onNext" delay="0">
+                  <p:tgtEl>
+                    <p:sldTgt/>
+                  </p:tgtEl>
+                </p:cond>
+              </p:nextCondLst>
+            </p:seq>
+          </p:childTnLst>
+        </p:cTn>
+      </p:par>
+    </p:tnLst>
+  </p:timing>
 </p:sld>
 </file>
 
@@ -5892,7 +7644,7 @@
           <p:cNvPr id="2" name="Title 1">
             <a:extLst>
               <a:ext uri="{FF2B5EF4-FFF2-40B4-BE49-F238E27FC236}">
-                <a16:creationId xmlns:a16="http://schemas.microsoft.com/office/drawing/2014/main" id="{F01778DC-4DBE-451F-8BB8-C9EDB2803E4D}"/>
+                <a16:creationId xmlns:a16="http://schemas.microsoft.com/office/drawing/2014/main" id="{9F1E6C6B-0969-4D0F-9ED8-07C40D1C329E}"/>
               </a:ext>
             </a:extLst>
           </p:cNvPr>
@@ -5910,148 +7662,17 @@
           <a:p>
             <a:r>
               <a:rPr lang="en-US" dirty="0"/>
-              <a:t>Migrate Datasets Across Workspaces</a:t>
-            </a:r>
-          </a:p>
-        </p:txBody>
-      </p:sp>
-      <p:sp>
-        <p:nvSpPr>
-          <p:cNvPr id="3" name="Text Placeholder 2">
-            <a:extLst>
-              <a:ext uri="{FF2B5EF4-FFF2-40B4-BE49-F238E27FC236}">
-                <a16:creationId xmlns:a16="http://schemas.microsoft.com/office/drawing/2014/main" id="{B503968B-F582-4821-90E1-AB19F738BA6E}"/>
-              </a:ext>
-            </a:extLst>
-          </p:cNvPr>
-          <p:cNvSpPr>
-            <a:spLocks noGrp="1"/>
-          </p:cNvSpPr>
-          <p:nvPr>
-            <p:ph type="body" sz="quarter" idx="10"/>
-          </p:nvPr>
-        </p:nvSpPr>
-        <p:spPr/>
-        <p:txBody>
-          <a:bodyPr/>
-          <a:lstStyle/>
-          <a:p>
-            <a:endParaRPr lang="en-US"/>
-          </a:p>
-        </p:txBody>
-      </p:sp>
-    </p:spTree>
-    <p:extLst>
-      <p:ext uri="{BB962C8B-B14F-4D97-AF65-F5344CB8AC3E}">
-        <p14:creationId xmlns:p14="http://schemas.microsoft.com/office/powerpoint/2010/main" val="1970435364"/>
-      </p:ext>
-    </p:extLst>
-  </p:cSld>
-  <p:clrMapOvr>
-    <a:masterClrMapping/>
-  </p:clrMapOvr>
-  <p:transition>
-    <p:fade/>
-  </p:transition>
-</p:sld>
-</file>
-
-<file path=ppt/slides/slide29.xml><?xml version="1.0" encoding="utf-8"?>
-<p:sld xmlns:a="http://schemas.openxmlformats.org/drawingml/2006/main" xmlns:r="http://schemas.openxmlformats.org/officeDocument/2006/relationships" xmlns:p="http://schemas.openxmlformats.org/presentationml/2006/main">
-  <p:cSld>
-    <p:spTree>
-      <p:nvGrpSpPr>
-        <p:cNvPr id="1" name=""/>
-        <p:cNvGrpSpPr/>
-        <p:nvPr/>
-      </p:nvGrpSpPr>
-      <p:grpSpPr>
-        <a:xfrm>
-          <a:off x="0" y="0"/>
-          <a:ext cx="0" cy="0"/>
-          <a:chOff x="0" y="0"/>
-          <a:chExt cx="0" cy="0"/>
-        </a:xfrm>
-      </p:grpSpPr>
-      <p:sp>
-        <p:nvSpPr>
-          <p:cNvPr id="2" name="Title 1">
-            <a:extLst>
-              <a:ext uri="{FF2B5EF4-FFF2-40B4-BE49-F238E27FC236}">
-                <a16:creationId xmlns:a16="http://schemas.microsoft.com/office/drawing/2014/main" id="{EEF41C5B-B1A6-4B2D-8727-2EDC059736DB}"/>
-              </a:ext>
-            </a:extLst>
-          </p:cNvPr>
-          <p:cNvSpPr>
-            <a:spLocks noGrp="1"/>
-          </p:cNvSpPr>
-          <p:nvPr>
-            <p:ph type="title"/>
-          </p:nvPr>
-        </p:nvSpPr>
-        <p:spPr/>
-        <p:txBody>
-          <a:bodyPr/>
-          <a:lstStyle/>
-          <a:p>
-            <a:r>
-              <a:rPr lang="en-US" dirty="0"/>
-              <a:t>Data Management</a:t>
-            </a:r>
-          </a:p>
-        </p:txBody>
-      </p:sp>
-      <p:sp>
-        <p:nvSpPr>
-          <p:cNvPr id="3" name="Text Placeholder 2">
-            <a:extLst>
-              <a:ext uri="{FF2B5EF4-FFF2-40B4-BE49-F238E27FC236}">
-                <a16:creationId xmlns:a16="http://schemas.microsoft.com/office/drawing/2014/main" id="{79C2DF37-EDB4-4843-9D7C-951C72F321F1}"/>
-              </a:ext>
-            </a:extLst>
-          </p:cNvPr>
-          <p:cNvSpPr>
-            <a:spLocks noGrp="1"/>
-          </p:cNvSpPr>
-          <p:nvPr>
-            <p:ph type="body" sz="quarter" idx="10"/>
-          </p:nvPr>
-        </p:nvSpPr>
-        <p:spPr>
-          <a:xfrm>
-            <a:off x="588263" y="1378083"/>
-            <a:ext cx="11239464" cy="1446550"/>
-          </a:xfrm>
-        </p:spPr>
-        <p:txBody>
-          <a:bodyPr/>
-          <a:lstStyle/>
-          <a:p>
-            <a:r>
-              <a:rPr lang="en-US" dirty="0"/>
-              <a:t>Get dataset metadata</a:t>
-            </a:r>
-          </a:p>
-          <a:p>
-            <a:r>
-              <a:rPr lang="en-US" dirty="0"/>
-              <a:t>Create and populate streaming datasets</a:t>
-            </a:r>
-          </a:p>
-          <a:p>
-            <a:r>
-              <a:rPr lang="en-US" dirty="0"/>
-              <a:t>Export dataflow metadata</a:t>
+              <a:t>Import Dataflow</a:t>
             </a:r>
           </a:p>
         </p:txBody>
       </p:sp>
       <p:pic>
         <p:nvPicPr>
-          <p:cNvPr id="5" name="Picture 4">
-            <a:extLst>
-              <a:ext uri="{FF2B5EF4-FFF2-40B4-BE49-F238E27FC236}">
-                <a16:creationId xmlns:a16="http://schemas.microsoft.com/office/drawing/2014/main" id="{86C6C2D2-B744-462B-A73E-13E85A2E3639}"/>
+          <p:cNvPr id="4" name="Picture 3">
+            <a:extLst>
+              <a:ext uri="{FF2B5EF4-FFF2-40B4-BE49-F238E27FC236}">
+                <a16:creationId xmlns:a16="http://schemas.microsoft.com/office/drawing/2014/main" id="{C0CFCF31-DC5F-4B76-9888-F49D711E8F73}"/>
               </a:ext>
             </a:extLst>
           </p:cNvPr>
@@ -6068,8 +7689,8 @@
         </p:blipFill>
         <p:spPr>
           <a:xfrm>
-            <a:off x="865622" y="3084844"/>
-            <a:ext cx="2219548" cy="3620638"/>
+            <a:off x="588263" y="1164757"/>
+            <a:ext cx="8526030" cy="5703057"/>
           </a:xfrm>
           <a:prstGeom prst="rect">
             <a:avLst/>
@@ -6087,7 +7708,7 @@
     </p:spTree>
     <p:extLst>
       <p:ext uri="{BB962C8B-B14F-4D97-AF65-F5344CB8AC3E}">
-        <p14:creationId xmlns:p14="http://schemas.microsoft.com/office/powerpoint/2010/main" val="3001238365"/>
+        <p14:creationId xmlns:p14="http://schemas.microsoft.com/office/powerpoint/2010/main" val="3870577806"/>
       </p:ext>
     </p:extLst>
   </p:cSld>
@@ -6097,6 +7718,192 @@
   <p:transition>
     <p:fade/>
   </p:transition>
+</p:sld>
+</file>
+
+<file path=ppt/slides/slide29.xml><?xml version="1.0" encoding="utf-8"?>
+<p:sld xmlns:a="http://schemas.openxmlformats.org/drawingml/2006/main" xmlns:r="http://schemas.openxmlformats.org/officeDocument/2006/relationships" xmlns:p="http://schemas.openxmlformats.org/presentationml/2006/main">
+  <p:cSld>
+    <p:bg>
+      <p:bgPr>
+        <a:solidFill>
+          <a:schemeClr val="accent1"/>
+        </a:solidFill>
+        <a:effectLst/>
+      </p:bgPr>
+    </p:bg>
+    <p:spTree>
+      <p:nvGrpSpPr>
+        <p:cNvPr id="1" name=""/>
+        <p:cNvGrpSpPr/>
+        <p:nvPr/>
+      </p:nvGrpSpPr>
+      <p:grpSpPr>
+        <a:xfrm>
+          <a:off x="0" y="0"/>
+          <a:ext cx="0" cy="0"/>
+          <a:chOff x="0" y="0"/>
+          <a:chExt cx="0" cy="0"/>
+        </a:xfrm>
+      </p:grpSpPr>
+      <p:sp>
+        <p:nvSpPr>
+          <p:cNvPr id="6" name="Title 5">
+            <a:extLst>
+              <a:ext uri="{FF2B5EF4-FFF2-40B4-BE49-F238E27FC236}">
+                <a16:creationId xmlns:a16="http://schemas.microsoft.com/office/drawing/2014/main" id="{E7BF15BD-001C-49B3-9A01-B39DEDA47564}"/>
+              </a:ext>
+            </a:extLst>
+          </p:cNvPr>
+          <p:cNvSpPr>
+            <a:spLocks noGrp="1"/>
+          </p:cNvSpPr>
+          <p:nvPr>
+            <p:ph type="title"/>
+          </p:nvPr>
+        </p:nvSpPr>
+        <p:spPr/>
+        <p:txBody>
+          <a:bodyPr/>
+          <a:lstStyle/>
+          <a:p>
+            <a:r>
+              <a:rPr lang="en-US" dirty="0"/>
+              <a:t>Agenda</a:t>
+            </a:r>
+          </a:p>
+        </p:txBody>
+      </p:sp>
+      <p:sp>
+        <p:nvSpPr>
+          <p:cNvPr id="7" name="Text Placeholder 6">
+            <a:extLst>
+              <a:ext uri="{FF2B5EF4-FFF2-40B4-BE49-F238E27FC236}">
+                <a16:creationId xmlns:a16="http://schemas.microsoft.com/office/drawing/2014/main" id="{61F6BD0B-C4D8-42DE-A3A7-50D8219CE639}"/>
+              </a:ext>
+            </a:extLst>
+          </p:cNvPr>
+          <p:cNvSpPr>
+            <a:spLocks noGrp="1"/>
+          </p:cNvSpPr>
+          <p:nvPr>
+            <p:ph type="body" sz="quarter" idx="11"/>
+          </p:nvPr>
+        </p:nvSpPr>
+        <p:spPr>
+          <a:xfrm>
+            <a:off x="4442092" y="2355794"/>
+            <a:ext cx="7796829" cy="3672800"/>
+          </a:xfrm>
+        </p:spPr>
+        <p:txBody>
+          <a:bodyPr/>
+          <a:lstStyle/>
+          <a:p>
+            <a:pPr marL="466298" indent="-466298">
+              <a:buFont typeface="Wingdings" panose="05000000000000000000" pitchFamily="2" charset="2"/>
+              <a:buChar char="ü"/>
+            </a:pPr>
+            <a:r>
+              <a:rPr lang="en-US" dirty="0"/>
+              <a:t>Reviewing of PowerShell Fundamentals</a:t>
+            </a:r>
+          </a:p>
+          <a:p>
+            <a:pPr marL="466298" indent="-466298">
+              <a:buFont typeface="Wingdings" panose="05000000000000000000" pitchFamily="2" charset="2"/>
+              <a:buChar char="ü"/>
+            </a:pPr>
+            <a:r>
+              <a:rPr lang="en-US" dirty="0"/>
+              <a:t>Installing The Power BI Library for PowerShell</a:t>
+            </a:r>
+          </a:p>
+          <a:p>
+            <a:pPr marL="466298" indent="-466298">
+              <a:buFont typeface="Wingdings" panose="05000000000000000000" pitchFamily="2" charset="2"/>
+              <a:buChar char="ü"/>
+            </a:pPr>
+            <a:r>
+              <a:rPr lang="en-US" dirty="0"/>
+              <a:t>Creating and Managing Workspaces</a:t>
+            </a:r>
+          </a:p>
+          <a:p>
+            <a:pPr marL="466298" indent="-466298">
+              <a:buFont typeface="Wingdings" panose="05000000000000000000" pitchFamily="2" charset="2"/>
+              <a:buChar char="ü"/>
+            </a:pPr>
+            <a:r>
+              <a:rPr lang="en-US" dirty="0"/>
+              <a:t>Executing Operations with Invoke-PowerBIRestMethod</a:t>
+            </a:r>
+          </a:p>
+          <a:p>
+            <a:pPr marL="466298" indent="-466298">
+              <a:buFont typeface="Wingdings" panose="05000000000000000000" pitchFamily="2" charset="2"/>
+              <a:buChar char="Ø"/>
+            </a:pPr>
+            <a:r>
+              <a:rPr lang="en-US" dirty="0"/>
+              <a:t>Executing Administrative Commands</a:t>
+            </a:r>
+          </a:p>
+          <a:p>
+            <a:pPr marL="466298" indent="-466298">
+              <a:buFont typeface="Wingdings" panose="05000000000000000000" pitchFamily="2" charset="2"/>
+              <a:buChar char="§"/>
+            </a:pPr>
+            <a:r>
+              <a:rPr lang="en-US" dirty="0"/>
+              <a:t>Running Scripts as Service Principal</a:t>
+            </a:r>
+          </a:p>
+          <a:p>
+            <a:pPr marL="466298" indent="-466298">
+              <a:buFont typeface="Wingdings" panose="05000000000000000000" pitchFamily="2" charset="2"/>
+              <a:buChar char="§"/>
+            </a:pPr>
+            <a:r>
+              <a:rPr lang="en-US" dirty="0"/>
+              <a:t>Using the </a:t>
+            </a:r>
+            <a:r>
+              <a:rPr lang="en-US" dirty="0" err="1"/>
+              <a:t>DataGateway</a:t>
+            </a:r>
+            <a:r>
+              <a:rPr lang="en-US" dirty="0"/>
+              <a:t> PowerShell Module</a:t>
+            </a:r>
+          </a:p>
+          <a:p>
+            <a:pPr marL="466298" indent="-466298">
+              <a:buFont typeface="Wingdings" panose="05000000000000000000" pitchFamily="2" charset="2"/>
+              <a:buChar char="§"/>
+            </a:pPr>
+            <a:endParaRPr lang="en-US" dirty="0"/>
+          </a:p>
+        </p:txBody>
+      </p:sp>
+    </p:spTree>
+    <p:extLst>
+      <p:ext uri="{BB962C8B-B14F-4D97-AF65-F5344CB8AC3E}">
+        <p14:creationId xmlns:p14="http://schemas.microsoft.com/office/powerpoint/2010/main" val="976525558"/>
+      </p:ext>
+    </p:extLst>
+  </p:cSld>
+  <p:clrMapOvr>
+    <a:masterClrMapping/>
+  </p:clrMapOvr>
+  <mc:AlternateContent xmlns:mc="http://schemas.openxmlformats.org/markup-compatibility/2006" xmlns:p14="http://schemas.microsoft.com/office/powerpoint/2010/main">
+    <mc:Choice Requires="p14">
+      <p:transition p14:dur="0"/>
+    </mc:Choice>
+    <mc:Fallback xmlns="">
+      <p:transition/>
+    </mc:Fallback>
+  </mc:AlternateContent>
 </p:sld>
 </file>
 
@@ -6258,7 +8065,7 @@
           <p:cNvPr id="2" name="Title 1">
             <a:extLst>
               <a:ext uri="{FF2B5EF4-FFF2-40B4-BE49-F238E27FC236}">
-                <a16:creationId xmlns:a16="http://schemas.microsoft.com/office/drawing/2014/main" id="{269C19EA-EEA1-4F5A-8A59-CE0AB22A35D9}"/>
+                <a16:creationId xmlns:a16="http://schemas.microsoft.com/office/drawing/2014/main" id="{CF094CCD-0CC3-4D20-8BA2-E21BE2BC1EAA}"/>
               </a:ext>
             </a:extLst>
           </p:cNvPr>
@@ -6276,7 +8083,7 @@
           <a:p>
             <a:r>
               <a:rPr lang="en-US" dirty="0"/>
-              <a:t>Administrative Cmdlets</a:t>
+              <a:t>Individual Scope versus Organizational Scope</a:t>
             </a:r>
           </a:p>
         </p:txBody>
@@ -6286,7 +8093,7 @@
           <p:cNvPr id="3" name="Text Placeholder 2">
             <a:extLst>
               <a:ext uri="{FF2B5EF4-FFF2-40B4-BE49-F238E27FC236}">
-                <a16:creationId xmlns:a16="http://schemas.microsoft.com/office/drawing/2014/main" id="{1F2EDCD6-D94A-4ED2-BE53-6E2E8290779A}"/>
+                <a16:creationId xmlns:a16="http://schemas.microsoft.com/office/drawing/2014/main" id="{881ED626-69D0-4C2C-AE5C-DBD9ACE57D1B}"/>
               </a:ext>
             </a:extLst>
           </p:cNvPr>
@@ -6300,7 +8107,7 @@
         <p:spPr>
           <a:xfrm>
             <a:off x="588263" y="1378083"/>
-            <a:ext cx="11239464" cy="1446550"/>
+            <a:ext cx="11239464" cy="3132076"/>
           </a:xfrm>
         </p:spPr>
         <p:txBody>
@@ -6309,20 +8116,80 @@
           <a:p>
             <a:r>
               <a:rPr lang="en-US" dirty="0"/>
-              <a:t>Manage encryption keys</a:t>
-            </a:r>
-          </a:p>
-          <a:p>
-            <a:r>
-              <a:rPr lang="en-US" dirty="0"/>
-              <a:t>Export Power BI Activity Events</a:t>
-            </a:r>
-          </a:p>
-          <a:p>
-            <a:r>
-              <a:rPr lang="en-US" dirty="0"/>
-              <a:t>Get information about capacities</a:t>
-            </a:r>
+              <a:t>Scope can be set to Individual or Organization</a:t>
+            </a:r>
+          </a:p>
+          <a:p>
+            <a:pPr lvl="1"/>
+            <a:r>
+              <a:rPr lang="en-US" dirty="0"/>
+              <a:t>Individual scope operates against only workspaces assigned to the caller</a:t>
+            </a:r>
+          </a:p>
+          <a:p>
+            <a:pPr lvl="1"/>
+            <a:r>
+              <a:rPr lang="en-US" b="0" i="0" dirty="0">
+                <a:solidFill>
+                  <a:srgbClr val="171717"/>
+                </a:solidFill>
+                <a:effectLst/>
+                <a:latin typeface="Segoe UI" panose="020B0502040204020203" pitchFamily="34" charset="0"/>
+              </a:rPr>
+              <a:t>Organization scope operates against all workspaces within a tenant</a:t>
+            </a:r>
+          </a:p>
+          <a:p>
+            <a:pPr lvl="1"/>
+            <a:r>
+              <a:rPr lang="en-US" dirty="0">
+                <a:solidFill>
+                  <a:srgbClr val="171717"/>
+                </a:solidFill>
+                <a:latin typeface="Segoe UI" panose="020B0502040204020203" pitchFamily="34" charset="0"/>
+              </a:rPr>
+              <a:t>Organization scope makes it possible to discover workspaces resources</a:t>
+            </a:r>
+            <a:endParaRPr lang="en-US" b="0" i="0" dirty="0">
+              <a:solidFill>
+                <a:srgbClr val="171717"/>
+              </a:solidFill>
+              <a:effectLst/>
+              <a:latin typeface="Segoe UI" panose="020B0502040204020203" pitchFamily="34" charset="0"/>
+            </a:endParaRPr>
+          </a:p>
+          <a:p>
+            <a:endParaRPr lang="en-US" dirty="0">
+              <a:solidFill>
+                <a:srgbClr val="171717"/>
+              </a:solidFill>
+              <a:latin typeface="Segoe UI" panose="020B0502040204020203" pitchFamily="34" charset="0"/>
+            </a:endParaRPr>
+          </a:p>
+          <a:p>
+            <a:r>
+              <a:rPr lang="en-US" b="0" i="0" dirty="0">
+                <a:solidFill>
+                  <a:srgbClr val="171717"/>
+                </a:solidFill>
+                <a:effectLst/>
+                <a:latin typeface="Segoe UI" panose="020B0502040204020203" pitchFamily="34" charset="0"/>
+              </a:rPr>
+              <a:t>Organization scope requires Power BI admin privileges</a:t>
+            </a:r>
+          </a:p>
+          <a:p>
+            <a:pPr lvl="1"/>
+            <a:r>
+              <a:rPr lang="en-US" dirty="0">
+                <a:solidFill>
+                  <a:srgbClr val="171717"/>
+                </a:solidFill>
+                <a:latin typeface="Segoe UI" panose="020B0502040204020203" pitchFamily="34" charset="0"/>
+              </a:rPr>
+              <a:t>User must be Power BI Service admin or global tenant admin</a:t>
+            </a:r>
+            <a:endParaRPr lang="en-US" dirty="0"/>
           </a:p>
         </p:txBody>
       </p:sp>
@@ -6331,7 +8198,7 @@
           <p:cNvPr id="5" name="Picture 4">
             <a:extLst>
               <a:ext uri="{FF2B5EF4-FFF2-40B4-BE49-F238E27FC236}">
-                <a16:creationId xmlns:a16="http://schemas.microsoft.com/office/drawing/2014/main" id="{54FF29B4-49DE-4DBA-A94A-CB2DEC4CE888}"/>
+                <a16:creationId xmlns:a16="http://schemas.microsoft.com/office/drawing/2014/main" id="{89174D6B-25EC-47D3-B6AD-6763D9C9DFD0}"/>
               </a:ext>
             </a:extLst>
           </p:cNvPr>
@@ -6348,45 +8215,8 @@
         </p:blipFill>
         <p:spPr>
           <a:xfrm>
-            <a:off x="678698" y="2992255"/>
-            <a:ext cx="3970116" cy="3069433"/>
-          </a:xfrm>
-          <a:prstGeom prst="rect">
-            <a:avLst/>
-          </a:prstGeom>
-          <a:ln>
-            <a:solidFill>
-              <a:schemeClr val="tx1">
-                <a:lumMod val="60000"/>
-                <a:lumOff val="40000"/>
-              </a:schemeClr>
-            </a:solidFill>
-          </a:ln>
-        </p:spPr>
-      </p:pic>
-      <p:pic>
-        <p:nvPicPr>
-          <p:cNvPr id="9" name="Picture 8">
-            <a:extLst>
-              <a:ext uri="{FF2B5EF4-FFF2-40B4-BE49-F238E27FC236}">
-                <a16:creationId xmlns:a16="http://schemas.microsoft.com/office/drawing/2014/main" id="{B3F2B65D-D8AD-45B5-AB09-C18060757058}"/>
-              </a:ext>
-            </a:extLst>
-          </p:cNvPr>
-          <p:cNvPicPr>
-            <a:picLocks noChangeAspect="1"/>
-          </p:cNvPicPr>
-          <p:nvPr/>
-        </p:nvPicPr>
-        <p:blipFill rotWithShape="1">
-          <a:blip r:embed="rId3"/>
-          <a:srcRect l="2885" r="-302"/>
-          <a:stretch/>
-        </p:blipFill>
-        <p:spPr>
-          <a:xfrm>
-            <a:off x="5159816" y="2992255"/>
-            <a:ext cx="3970116" cy="1226337"/>
+            <a:off x="1081232" y="4623410"/>
+            <a:ext cx="4907808" cy="507267"/>
           </a:xfrm>
           <a:prstGeom prst="rect">
             <a:avLst/>
@@ -6404,7 +8234,7 @@
     </p:spTree>
     <p:extLst>
       <p:ext uri="{BB962C8B-B14F-4D97-AF65-F5344CB8AC3E}">
-        <p14:creationId xmlns:p14="http://schemas.microsoft.com/office/powerpoint/2010/main" val="124165997"/>
+        <p14:creationId xmlns:p14="http://schemas.microsoft.com/office/powerpoint/2010/main" val="3905394740"/>
       </p:ext>
     </p:extLst>
   </p:cSld>
@@ -6439,7 +8269,7 @@
           <p:cNvPr id="2" name="Title 1">
             <a:extLst>
               <a:ext uri="{FF2B5EF4-FFF2-40B4-BE49-F238E27FC236}">
-                <a16:creationId xmlns:a16="http://schemas.microsoft.com/office/drawing/2014/main" id="{FD90A4C5-6738-409C-87C4-098277D92C3A}"/>
+                <a16:creationId xmlns:a16="http://schemas.microsoft.com/office/drawing/2014/main" id="{A0D85F2A-2E5C-49A8-A344-8F05D0849170}"/>
               </a:ext>
             </a:extLst>
           </p:cNvPr>
@@ -6457,40 +8287,53 @@
           <a:p>
             <a:r>
               <a:rPr lang="en-US" dirty="0"/>
-              <a:t>Update Credentials for Anonymous Access</a:t>
+              <a:t>Get All Workspaces in Tenant</a:t>
             </a:r>
           </a:p>
         </p:txBody>
       </p:sp>
-      <p:sp>
-        <p:nvSpPr>
-          <p:cNvPr id="3" name="Text Placeholder 2">
-            <a:extLst>
-              <a:ext uri="{FF2B5EF4-FFF2-40B4-BE49-F238E27FC236}">
-                <a16:creationId xmlns:a16="http://schemas.microsoft.com/office/drawing/2014/main" id="{92485019-C483-40B3-9D69-D70019386D5F}"/>
-              </a:ext>
-            </a:extLst>
-          </p:cNvPr>
-          <p:cNvSpPr>
-            <a:spLocks noGrp="1"/>
-          </p:cNvSpPr>
-          <p:nvPr>
-            <p:ph type="body" sz="quarter" idx="10"/>
-          </p:nvPr>
-        </p:nvSpPr>
-        <p:spPr/>
-        <p:txBody>
-          <a:bodyPr/>
-          <a:lstStyle/>
-          <a:p>
-            <a:endParaRPr lang="en-US"/>
-          </a:p>
-        </p:txBody>
-      </p:sp>
+      <p:pic>
+        <p:nvPicPr>
+          <p:cNvPr id="5" name="Picture 4">
+            <a:extLst>
+              <a:ext uri="{FF2B5EF4-FFF2-40B4-BE49-F238E27FC236}">
+                <a16:creationId xmlns:a16="http://schemas.microsoft.com/office/drawing/2014/main" id="{293A1608-5B91-4195-8333-29AE0EA30993}"/>
+              </a:ext>
+            </a:extLst>
+          </p:cNvPr>
+          <p:cNvPicPr>
+            <a:picLocks noChangeAspect="1"/>
+          </p:cNvPicPr>
+          <p:nvPr/>
+        </p:nvPicPr>
+        <p:blipFill>
+          <a:blip r:embed="rId2"/>
+          <a:stretch>
+            <a:fillRect/>
+          </a:stretch>
+        </p:blipFill>
+        <p:spPr>
+          <a:xfrm>
+            <a:off x="588263" y="1290493"/>
+            <a:ext cx="10349256" cy="3988089"/>
+          </a:xfrm>
+          <a:prstGeom prst="rect">
+            <a:avLst/>
+          </a:prstGeom>
+          <a:ln>
+            <a:solidFill>
+              <a:schemeClr val="tx1">
+                <a:lumMod val="60000"/>
+                <a:lumOff val="40000"/>
+              </a:schemeClr>
+            </a:solidFill>
+          </a:ln>
+        </p:spPr>
+      </p:pic>
     </p:spTree>
     <p:extLst>
       <p:ext uri="{BB962C8B-B14F-4D97-AF65-F5344CB8AC3E}">
-        <p14:creationId xmlns:p14="http://schemas.microsoft.com/office/powerpoint/2010/main" val="3872550784"/>
+        <p14:creationId xmlns:p14="http://schemas.microsoft.com/office/powerpoint/2010/main" val="2286318928"/>
       </p:ext>
     </p:extLst>
   </p:cSld>
@@ -6525,7 +8368,7 @@
           <p:cNvPr id="2" name="Title 1">
             <a:extLst>
               <a:ext uri="{FF2B5EF4-FFF2-40B4-BE49-F238E27FC236}">
-                <a16:creationId xmlns:a16="http://schemas.microsoft.com/office/drawing/2014/main" id="{D4758C8C-60F8-4046-BE19-CE64B9E27A4C}"/>
+                <a16:creationId xmlns:a16="http://schemas.microsoft.com/office/drawing/2014/main" id="{12D58EF8-1B77-4B47-BFBF-763CD23EF57D}"/>
               </a:ext>
             </a:extLst>
           </p:cNvPr>
@@ -6536,52 +8379,143 @@
             <p:ph type="title"/>
           </p:nvPr>
         </p:nvSpPr>
-        <p:spPr>
-          <a:xfrm>
-            <a:off x="588263" y="457200"/>
-            <a:ext cx="11239464" cy="540148"/>
-          </a:xfrm>
-        </p:spPr>
-        <p:txBody>
-          <a:bodyPr/>
-          <a:lstStyle/>
-          <a:p>
-            <a:r>
-              <a:rPr lang="en-US" sz="3900" dirty="0"/>
-              <a:t>Update Credentials for Azure SQL Server Database</a:t>
-            </a:r>
-          </a:p>
-        </p:txBody>
-      </p:sp>
-      <p:sp>
-        <p:nvSpPr>
-          <p:cNvPr id="3" name="Text Placeholder 2">
-            <a:extLst>
-              <a:ext uri="{FF2B5EF4-FFF2-40B4-BE49-F238E27FC236}">
-                <a16:creationId xmlns:a16="http://schemas.microsoft.com/office/drawing/2014/main" id="{506EC138-844F-4671-B12A-4C20031FF759}"/>
-              </a:ext>
-            </a:extLst>
-          </p:cNvPr>
-          <p:cNvSpPr>
-            <a:spLocks noGrp="1"/>
-          </p:cNvSpPr>
-          <p:nvPr>
-            <p:ph type="body" sz="quarter" idx="10"/>
-          </p:nvPr>
-        </p:nvSpPr>
         <p:spPr/>
         <p:txBody>
           <a:bodyPr/>
           <a:lstStyle/>
           <a:p>
-            <a:endParaRPr lang="en-US"/>
+            <a:r>
+              <a:rPr lang="en-US" dirty="0"/>
+              <a:t>Create Workspace Inventory Report</a:t>
+            </a:r>
+          </a:p>
+        </p:txBody>
+      </p:sp>
+      <p:pic>
+        <p:nvPicPr>
+          <p:cNvPr id="5" name="Picture 4">
+            <a:extLst>
+              <a:ext uri="{FF2B5EF4-FFF2-40B4-BE49-F238E27FC236}">
+                <a16:creationId xmlns:a16="http://schemas.microsoft.com/office/drawing/2014/main" id="{CF9E5B30-841B-45F6-AA4F-2C869C22DD2C}"/>
+              </a:ext>
+            </a:extLst>
+          </p:cNvPr>
+          <p:cNvPicPr>
+            <a:picLocks noChangeAspect="1"/>
+          </p:cNvPicPr>
+          <p:nvPr/>
+        </p:nvPicPr>
+        <p:blipFill>
+          <a:blip r:embed="rId2"/>
+          <a:stretch>
+            <a:fillRect/>
+          </a:stretch>
+        </p:blipFill>
+        <p:spPr>
+          <a:xfrm>
+            <a:off x="588263" y="1072043"/>
+            <a:ext cx="9576638" cy="5734002"/>
+          </a:xfrm>
+          <a:prstGeom prst="rect">
+            <a:avLst/>
+          </a:prstGeom>
+          <a:ln>
+            <a:solidFill>
+              <a:schemeClr val="tx1">
+                <a:lumMod val="60000"/>
+                <a:lumOff val="40000"/>
+              </a:schemeClr>
+            </a:solidFill>
+          </a:ln>
+        </p:spPr>
+      </p:pic>
+      <p:sp>
+        <p:nvSpPr>
+          <p:cNvPr id="6" name="Rectangle: Rounded Corners 5">
+            <a:extLst>
+              <a:ext uri="{FF2B5EF4-FFF2-40B4-BE49-F238E27FC236}">
+                <a16:creationId xmlns:a16="http://schemas.microsoft.com/office/drawing/2014/main" id="{B9801224-D3C3-4030-9CD1-0F8FE77E39A2}"/>
+              </a:ext>
+            </a:extLst>
+          </p:cNvPr>
+          <p:cNvSpPr/>
+          <p:nvPr/>
+        </p:nvSpPr>
+        <p:spPr bwMode="auto">
+          <a:xfrm>
+            <a:off x="4991492" y="2117609"/>
+            <a:ext cx="2666608" cy="361741"/>
+          </a:xfrm>
+          <a:prstGeom prst="roundRect">
+            <a:avLst/>
+          </a:prstGeom>
+          <a:noFill/>
+          <a:ln w="38100">
+            <a:solidFill>
+              <a:srgbClr val="C00000"/>
+            </a:solidFill>
+            <a:prstDash val="sysDash"/>
+            <a:headEnd type="none" w="med" len="med"/>
+            <a:tailEnd type="none" w="med" len="med"/>
+          </a:ln>
+          <a:effectLst/>
+        </p:spPr>
+        <p:style>
+          <a:lnRef idx="1">
+            <a:schemeClr val="accent2"/>
+          </a:lnRef>
+          <a:fillRef idx="3">
+            <a:schemeClr val="accent2"/>
+          </a:fillRef>
+          <a:effectRef idx="2">
+            <a:schemeClr val="accent2"/>
+          </a:effectRef>
+          <a:fontRef idx="minor">
+            <a:schemeClr val="lt1"/>
+          </a:fontRef>
+        </p:style>
+        <p:txBody>
+          <a:bodyPr rot="0" spcFirstLastPara="0" vertOverflow="overflow" horzOverflow="overflow" vert="horz" wrap="square" lIns="182880" tIns="146304" rIns="182880" bIns="146304" numCol="1" spcCol="0" rtlCol="0" fromWordArt="0" anchor="t" anchorCtr="0" forceAA="0" compatLnSpc="1">
+            <a:prstTxWarp prst="textNoShape">
+              <a:avLst/>
+            </a:prstTxWarp>
+            <a:noAutofit/>
+          </a:bodyPr>
+          <a:lstStyle/>
+          <a:p>
+            <a:pPr algn="ctr" defTabSz="932472" fontAlgn="base">
+              <a:lnSpc>
+                <a:spcPct val="90000"/>
+              </a:lnSpc>
+              <a:spcBef>
+                <a:spcPct val="0"/>
+              </a:spcBef>
+              <a:spcAft>
+                <a:spcPct val="0"/>
+              </a:spcAft>
+            </a:pPr>
+            <a:endParaRPr lang="en-US" sz="2400" dirty="0" err="1">
+              <a:gradFill>
+                <a:gsLst>
+                  <a:gs pos="0">
+                    <a:srgbClr val="FFFFFF"/>
+                  </a:gs>
+                  <a:gs pos="100000">
+                    <a:srgbClr val="FFFFFF"/>
+                  </a:gs>
+                </a:gsLst>
+                <a:lin ang="5400000" scaled="0"/>
+              </a:gradFill>
+              <a:ea typeface="Segoe UI" pitchFamily="34" charset="0"/>
+              <a:cs typeface="Segoe UI" pitchFamily="34" charset="0"/>
+            </a:endParaRPr>
           </a:p>
         </p:txBody>
       </p:sp>
     </p:spTree>
     <p:extLst>
       <p:ext uri="{BB962C8B-B14F-4D97-AF65-F5344CB8AC3E}">
-        <p14:creationId xmlns:p14="http://schemas.microsoft.com/office/powerpoint/2010/main" val="3229619430"/>
+        <p14:creationId xmlns:p14="http://schemas.microsoft.com/office/powerpoint/2010/main" val="3690661871"/>
       </p:ext>
     </p:extLst>
   </p:cSld>
@@ -6591,6 +8525,84 @@
   <p:transition>
     <p:fade/>
   </p:transition>
+  <p:timing>
+    <p:tnLst>
+      <p:par>
+        <p:cTn id="1" dur="indefinite" restart="never" nodeType="tmRoot">
+          <p:childTnLst>
+            <p:seq concurrent="1" nextAc="seek">
+              <p:cTn id="2" dur="indefinite" nodeType="mainSeq">
+                <p:childTnLst>
+                  <p:par>
+                    <p:cTn id="3" fill="hold">
+                      <p:stCondLst>
+                        <p:cond delay="indefinite"/>
+                      </p:stCondLst>
+                      <p:childTnLst>
+                        <p:par>
+                          <p:cTn id="4" fill="hold">
+                            <p:stCondLst>
+                              <p:cond delay="0"/>
+                            </p:stCondLst>
+                            <p:childTnLst>
+                              <p:par>
+                                <p:cTn id="5" presetID="1" presetClass="entr" presetSubtype="0" fill="hold" grpId="0" nodeType="clickEffect">
+                                  <p:stCondLst>
+                                    <p:cond delay="0"/>
+                                  </p:stCondLst>
+                                  <p:childTnLst>
+                                    <p:set>
+                                      <p:cBhvr>
+                                        <p:cTn id="6" dur="1" fill="hold">
+                                          <p:stCondLst>
+                                            <p:cond delay="0"/>
+                                          </p:stCondLst>
+                                        </p:cTn>
+                                        <p:tgtEl>
+                                          <p:spTgt spid="6"/>
+                                        </p:tgtEl>
+                                        <p:attrNameLst>
+                                          <p:attrName>style.visibility</p:attrName>
+                                        </p:attrNameLst>
+                                      </p:cBhvr>
+                                      <p:to>
+                                        <p:strVal val="visible"/>
+                                      </p:to>
+                                    </p:set>
+                                  </p:childTnLst>
+                                </p:cTn>
+                              </p:par>
+                            </p:childTnLst>
+                          </p:cTn>
+                        </p:par>
+                      </p:childTnLst>
+                    </p:cTn>
+                  </p:par>
+                </p:childTnLst>
+              </p:cTn>
+              <p:prevCondLst>
+                <p:cond evt="onPrev" delay="0">
+                  <p:tgtEl>
+                    <p:sldTgt/>
+                  </p:tgtEl>
+                </p:cond>
+              </p:prevCondLst>
+              <p:nextCondLst>
+                <p:cond evt="onNext" delay="0">
+                  <p:tgtEl>
+                    <p:sldTgt/>
+                  </p:tgtEl>
+                </p:cond>
+              </p:nextCondLst>
+            </p:seq>
+          </p:childTnLst>
+        </p:cTn>
+      </p:par>
+    </p:tnLst>
+    <p:bldLst>
+      <p:bldP spid="6" grpId="0" animBg="1"/>
+    </p:bldLst>
+  </p:timing>
 </p:sld>
 </file>
 
@@ -6616,7 +8628,7 @@
           <p:cNvPr id="2" name="Title 1">
             <a:extLst>
               <a:ext uri="{FF2B5EF4-FFF2-40B4-BE49-F238E27FC236}">
-                <a16:creationId xmlns:a16="http://schemas.microsoft.com/office/drawing/2014/main" id="{43C4D862-D2BA-4F03-9506-3295907E2394}"/>
+                <a16:creationId xmlns:a16="http://schemas.microsoft.com/office/drawing/2014/main" id="{12D58EF8-1B77-4B47-BFBF-763CD23EF57D}"/>
               </a:ext>
             </a:extLst>
           </p:cNvPr>
@@ -6634,40 +8646,195 @@
           <a:p>
             <a:r>
               <a:rPr lang="en-US" dirty="0"/>
-              <a:t>Upload PBIX and Refresh Dataset</a:t>
+              <a:t>Create Workspace Inventory Report</a:t>
             </a:r>
           </a:p>
         </p:txBody>
       </p:sp>
-      <p:sp>
-        <p:nvSpPr>
-          <p:cNvPr id="3" name="Text Placeholder 2">
-            <a:extLst>
-              <a:ext uri="{FF2B5EF4-FFF2-40B4-BE49-F238E27FC236}">
-                <a16:creationId xmlns:a16="http://schemas.microsoft.com/office/drawing/2014/main" id="{CEB45A08-16D5-488E-960F-3982C29712F1}"/>
-              </a:ext>
-            </a:extLst>
-          </p:cNvPr>
-          <p:cNvSpPr>
-            <a:spLocks noGrp="1"/>
-          </p:cNvSpPr>
-          <p:nvPr>
-            <p:ph type="body" sz="quarter" idx="10"/>
-          </p:nvPr>
-        </p:nvSpPr>
-        <p:spPr/>
-        <p:txBody>
-          <a:bodyPr/>
-          <a:lstStyle/>
-          <a:p>
-            <a:endParaRPr lang="en-US"/>
-          </a:p>
-        </p:txBody>
-      </p:sp>
+      <p:grpSp>
+        <p:nvGrpSpPr>
+          <p:cNvPr id="3" name="Group 2">
+            <a:extLst>
+              <a:ext uri="{FF2B5EF4-FFF2-40B4-BE49-F238E27FC236}">
+                <a16:creationId xmlns:a16="http://schemas.microsoft.com/office/drawing/2014/main" id="{96880AB5-3D84-475F-BE8A-60CC59C7030E}"/>
+              </a:ext>
+            </a:extLst>
+          </p:cNvPr>
+          <p:cNvGrpSpPr/>
+          <p:nvPr/>
+        </p:nvGrpSpPr>
+        <p:grpSpPr>
+          <a:xfrm>
+            <a:off x="588263" y="1217516"/>
+            <a:ext cx="6228173" cy="3729112"/>
+            <a:chOff x="588263" y="1072043"/>
+            <a:chExt cx="9576638" cy="5734002"/>
+          </a:xfrm>
+        </p:grpSpPr>
+        <p:pic>
+          <p:nvPicPr>
+            <p:cNvPr id="5" name="Picture 4">
+              <a:extLst>
+                <a:ext uri="{FF2B5EF4-FFF2-40B4-BE49-F238E27FC236}">
+                  <a16:creationId xmlns:a16="http://schemas.microsoft.com/office/drawing/2014/main" id="{CF9E5B30-841B-45F6-AA4F-2C869C22DD2C}"/>
+                </a:ext>
+              </a:extLst>
+            </p:cNvPr>
+            <p:cNvPicPr>
+              <a:picLocks noChangeAspect="1"/>
+            </p:cNvPicPr>
+            <p:nvPr/>
+          </p:nvPicPr>
+          <p:blipFill>
+            <a:blip r:embed="rId2"/>
+            <a:stretch>
+              <a:fillRect/>
+            </a:stretch>
+          </p:blipFill>
+          <p:spPr>
+            <a:xfrm>
+              <a:off x="588263" y="1072043"/>
+              <a:ext cx="9576638" cy="5734002"/>
+            </a:xfrm>
+            <a:prstGeom prst="rect">
+              <a:avLst/>
+            </a:prstGeom>
+            <a:ln>
+              <a:solidFill>
+                <a:schemeClr val="tx1">
+                  <a:lumMod val="60000"/>
+                  <a:lumOff val="40000"/>
+                </a:schemeClr>
+              </a:solidFill>
+            </a:ln>
+          </p:spPr>
+        </p:pic>
+        <p:sp>
+          <p:nvSpPr>
+            <p:cNvPr id="6" name="Rectangle: Rounded Corners 5">
+              <a:extLst>
+                <a:ext uri="{FF2B5EF4-FFF2-40B4-BE49-F238E27FC236}">
+                  <a16:creationId xmlns:a16="http://schemas.microsoft.com/office/drawing/2014/main" id="{B9801224-D3C3-4030-9CD1-0F8FE77E39A2}"/>
+                </a:ext>
+              </a:extLst>
+            </p:cNvPr>
+            <p:cNvSpPr/>
+            <p:nvPr/>
+          </p:nvSpPr>
+          <p:spPr bwMode="auto">
+            <a:xfrm>
+              <a:off x="4991492" y="2117609"/>
+              <a:ext cx="2666608" cy="361741"/>
+            </a:xfrm>
+            <a:prstGeom prst="roundRect">
+              <a:avLst/>
+            </a:prstGeom>
+            <a:noFill/>
+            <a:ln w="38100">
+              <a:solidFill>
+                <a:srgbClr val="C00000"/>
+              </a:solidFill>
+              <a:prstDash val="sysDash"/>
+              <a:headEnd type="none" w="med" len="med"/>
+              <a:tailEnd type="none" w="med" len="med"/>
+            </a:ln>
+            <a:effectLst/>
+          </p:spPr>
+          <p:style>
+            <a:lnRef idx="1">
+              <a:schemeClr val="accent2"/>
+            </a:lnRef>
+            <a:fillRef idx="3">
+              <a:schemeClr val="accent2"/>
+            </a:fillRef>
+            <a:effectRef idx="2">
+              <a:schemeClr val="accent2"/>
+            </a:effectRef>
+            <a:fontRef idx="minor">
+              <a:schemeClr val="lt1"/>
+            </a:fontRef>
+          </p:style>
+          <p:txBody>
+            <a:bodyPr rot="0" spcFirstLastPara="0" vertOverflow="overflow" horzOverflow="overflow" vert="horz" wrap="square" lIns="182880" tIns="146304" rIns="182880" bIns="146304" numCol="1" spcCol="0" rtlCol="0" fromWordArt="0" anchor="t" anchorCtr="0" forceAA="0" compatLnSpc="1">
+              <a:prstTxWarp prst="textNoShape">
+                <a:avLst/>
+              </a:prstTxWarp>
+              <a:noAutofit/>
+            </a:bodyPr>
+            <a:lstStyle/>
+            <a:p>
+              <a:pPr algn="ctr" defTabSz="932472" fontAlgn="base">
+                <a:lnSpc>
+                  <a:spcPct val="90000"/>
+                </a:lnSpc>
+                <a:spcBef>
+                  <a:spcPct val="0"/>
+                </a:spcBef>
+                <a:spcAft>
+                  <a:spcPct val="0"/>
+                </a:spcAft>
+              </a:pPr>
+              <a:endParaRPr lang="en-US" sz="2400" dirty="0" err="1">
+                <a:gradFill>
+                  <a:gsLst>
+                    <a:gs pos="0">
+                      <a:srgbClr val="FFFFFF"/>
+                    </a:gs>
+                    <a:gs pos="100000">
+                      <a:srgbClr val="FFFFFF"/>
+                    </a:gs>
+                  </a:gsLst>
+                  <a:lin ang="5400000" scaled="0"/>
+                </a:gradFill>
+                <a:ea typeface="Segoe UI" pitchFamily="34" charset="0"/>
+                <a:cs typeface="Segoe UI" pitchFamily="34" charset="0"/>
+              </a:endParaRPr>
+            </a:p>
+          </p:txBody>
+        </p:sp>
+      </p:grpSp>
+      <p:pic>
+        <p:nvPicPr>
+          <p:cNvPr id="7" name="Picture 6">
+            <a:extLst>
+              <a:ext uri="{FF2B5EF4-FFF2-40B4-BE49-F238E27FC236}">
+                <a16:creationId xmlns:a16="http://schemas.microsoft.com/office/drawing/2014/main" id="{B168BFF4-F83F-4CA9-986B-EF3101984B5C}"/>
+              </a:ext>
+            </a:extLst>
+          </p:cNvPr>
+          <p:cNvPicPr>
+            <a:picLocks noChangeAspect="1"/>
+          </p:cNvPicPr>
+          <p:nvPr/>
+        </p:nvPicPr>
+        <p:blipFill>
+          <a:blip r:embed="rId3"/>
+          <a:stretch>
+            <a:fillRect/>
+          </a:stretch>
+        </p:blipFill>
+        <p:spPr>
+          <a:xfrm>
+            <a:off x="2306780" y="2838657"/>
+            <a:ext cx="9651567" cy="3771411"/>
+          </a:xfrm>
+          <a:prstGeom prst="rect">
+            <a:avLst/>
+          </a:prstGeom>
+          <a:ln>
+            <a:solidFill>
+              <a:schemeClr val="tx1">
+                <a:lumMod val="60000"/>
+                <a:lumOff val="40000"/>
+              </a:schemeClr>
+            </a:solidFill>
+          </a:ln>
+        </p:spPr>
+      </p:pic>
     </p:spTree>
     <p:extLst>
       <p:ext uri="{BB962C8B-B14F-4D97-AF65-F5344CB8AC3E}">
-        <p14:creationId xmlns:p14="http://schemas.microsoft.com/office/powerpoint/2010/main" val="3671084894"/>
+        <p14:creationId xmlns:p14="http://schemas.microsoft.com/office/powerpoint/2010/main" val="1544495384"/>
       </p:ext>
     </p:extLst>
   </p:cSld>
@@ -6702,7 +8869,7 @@
           <p:cNvPr id="2" name="Title 1">
             <a:extLst>
               <a:ext uri="{FF2B5EF4-FFF2-40B4-BE49-F238E27FC236}">
-                <a16:creationId xmlns:a16="http://schemas.microsoft.com/office/drawing/2014/main" id="{9D94748F-1784-4F9C-98BD-CA6E99B419BD}"/>
+                <a16:creationId xmlns:a16="http://schemas.microsoft.com/office/drawing/2014/main" id="{5723997C-1B15-4C4B-93C3-E24A2F22B33C}"/>
               </a:ext>
             </a:extLst>
           </p:cNvPr>
@@ -6720,40 +8887,197 @@
           <a:p>
             <a:r>
               <a:rPr lang="en-US" dirty="0"/>
-              <a:t>Connecting to Power BI using a Service Principal</a:t>
+              <a:t>Export Power BI Activity Events</a:t>
             </a:r>
           </a:p>
         </p:txBody>
       </p:sp>
-      <p:sp>
-        <p:nvSpPr>
-          <p:cNvPr id="3" name="Text Placeholder 2">
-            <a:extLst>
-              <a:ext uri="{FF2B5EF4-FFF2-40B4-BE49-F238E27FC236}">
-                <a16:creationId xmlns:a16="http://schemas.microsoft.com/office/drawing/2014/main" id="{2917C700-FF6C-4167-BB69-45148D947F5C}"/>
-              </a:ext>
-            </a:extLst>
-          </p:cNvPr>
-          <p:cNvSpPr>
-            <a:spLocks noGrp="1"/>
-          </p:cNvSpPr>
-          <p:nvPr>
-            <p:ph type="body" sz="quarter" idx="10"/>
-          </p:nvPr>
-        </p:nvSpPr>
-        <p:spPr/>
-        <p:txBody>
-          <a:bodyPr/>
-          <a:lstStyle/>
-          <a:p>
-            <a:endParaRPr lang="en-US"/>
-          </a:p>
-        </p:txBody>
-      </p:sp>
+      <p:pic>
+        <p:nvPicPr>
+          <p:cNvPr id="4" name="Picture 3">
+            <a:extLst>
+              <a:ext uri="{FF2B5EF4-FFF2-40B4-BE49-F238E27FC236}">
+                <a16:creationId xmlns:a16="http://schemas.microsoft.com/office/drawing/2014/main" id="{B3675CB5-EB38-4A59-933A-FDE1A7A50BD5}"/>
+              </a:ext>
+            </a:extLst>
+          </p:cNvPr>
+          <p:cNvPicPr>
+            <a:picLocks noChangeAspect="1"/>
+          </p:cNvPicPr>
+          <p:nvPr/>
+        </p:nvPicPr>
+        <p:blipFill>
+          <a:blip r:embed="rId2"/>
+          <a:stretch>
+            <a:fillRect/>
+          </a:stretch>
+        </p:blipFill>
+        <p:spPr>
+          <a:xfrm>
+            <a:off x="588263" y="1154614"/>
+            <a:ext cx="6883791" cy="5609868"/>
+          </a:xfrm>
+          <a:prstGeom prst="rect">
+            <a:avLst/>
+          </a:prstGeom>
+          <a:solidFill>
+            <a:schemeClr val="tx1"/>
+          </a:solidFill>
+          <a:ln>
+            <a:solidFill>
+              <a:schemeClr val="tx1">
+                <a:lumMod val="60000"/>
+                <a:lumOff val="40000"/>
+              </a:schemeClr>
+            </a:solidFill>
+          </a:ln>
+        </p:spPr>
+      </p:pic>
+      <p:grpSp>
+        <p:nvGrpSpPr>
+          <p:cNvPr id="8" name="Group 7">
+            <a:extLst>
+              <a:ext uri="{FF2B5EF4-FFF2-40B4-BE49-F238E27FC236}">
+                <a16:creationId xmlns:a16="http://schemas.microsoft.com/office/drawing/2014/main" id="{7D230AE6-D5AC-4C97-9310-BDA07B641860}"/>
+              </a:ext>
+            </a:extLst>
+          </p:cNvPr>
+          <p:cNvGrpSpPr/>
+          <p:nvPr/>
+        </p:nvGrpSpPr>
+        <p:grpSpPr>
+          <a:xfrm>
+            <a:off x="7741524" y="5503958"/>
+            <a:ext cx="4086203" cy="1187815"/>
+            <a:chOff x="7741524" y="5503958"/>
+            <a:chExt cx="4086203" cy="1187815"/>
+          </a:xfrm>
+        </p:grpSpPr>
+        <p:pic>
+          <p:nvPicPr>
+            <p:cNvPr id="6" name="Picture 5">
+              <a:extLst>
+                <a:ext uri="{FF2B5EF4-FFF2-40B4-BE49-F238E27FC236}">
+                  <a16:creationId xmlns:a16="http://schemas.microsoft.com/office/drawing/2014/main" id="{C2A55F4A-56BA-460C-8C09-8442126693AA}"/>
+                </a:ext>
+              </a:extLst>
+            </p:cNvPr>
+            <p:cNvPicPr>
+              <a:picLocks noChangeAspect="1"/>
+            </p:cNvPicPr>
+            <p:nvPr/>
+          </p:nvPicPr>
+          <p:blipFill>
+            <a:blip r:embed="rId3"/>
+            <a:stretch>
+              <a:fillRect/>
+            </a:stretch>
+          </p:blipFill>
+          <p:spPr>
+            <a:xfrm>
+              <a:off x="8704213" y="5503958"/>
+              <a:ext cx="3123514" cy="1187815"/>
+            </a:xfrm>
+            <a:prstGeom prst="rect">
+              <a:avLst/>
+            </a:prstGeom>
+            <a:ln>
+              <a:solidFill>
+                <a:schemeClr val="tx1">
+                  <a:lumMod val="60000"/>
+                  <a:lumOff val="40000"/>
+                </a:schemeClr>
+              </a:solidFill>
+            </a:ln>
+          </p:spPr>
+        </p:pic>
+        <p:sp>
+          <p:nvSpPr>
+            <p:cNvPr id="7" name="Arrow: Right 6">
+              <a:extLst>
+                <a:ext uri="{FF2B5EF4-FFF2-40B4-BE49-F238E27FC236}">
+                  <a16:creationId xmlns:a16="http://schemas.microsoft.com/office/drawing/2014/main" id="{D4568716-2F47-4ACA-9CD1-BF39F15606DF}"/>
+                </a:ext>
+              </a:extLst>
+            </p:cNvPr>
+            <p:cNvSpPr/>
+            <p:nvPr/>
+          </p:nvSpPr>
+          <p:spPr bwMode="auto">
+            <a:xfrm>
+              <a:off x="7741524" y="5829328"/>
+              <a:ext cx="831273" cy="553998"/>
+            </a:xfrm>
+            <a:prstGeom prst="rightArrow">
+              <a:avLst/>
+            </a:prstGeom>
+            <a:solidFill>
+              <a:schemeClr val="accent1"/>
+            </a:solidFill>
+            <a:ln>
+              <a:noFill/>
+              <a:headEnd type="none" w="med" len="med"/>
+              <a:tailEnd type="none" w="med" len="med"/>
+            </a:ln>
+            <a:effectLst/>
+          </p:spPr>
+          <p:style>
+            <a:lnRef idx="1">
+              <a:schemeClr val="accent2"/>
+            </a:lnRef>
+            <a:fillRef idx="3">
+              <a:schemeClr val="accent2"/>
+            </a:fillRef>
+            <a:effectRef idx="2">
+              <a:schemeClr val="accent2"/>
+            </a:effectRef>
+            <a:fontRef idx="minor">
+              <a:schemeClr val="lt1"/>
+            </a:fontRef>
+          </p:style>
+          <p:txBody>
+            <a:bodyPr rot="0" spcFirstLastPara="0" vertOverflow="overflow" horzOverflow="overflow" vert="horz" wrap="square" lIns="182880" tIns="146304" rIns="182880" bIns="146304" numCol="1" spcCol="0" rtlCol="0" fromWordArt="0" anchor="t" anchorCtr="0" forceAA="0" compatLnSpc="1">
+              <a:prstTxWarp prst="textNoShape">
+                <a:avLst/>
+              </a:prstTxWarp>
+              <a:noAutofit/>
+            </a:bodyPr>
+            <a:lstStyle/>
+            <a:p>
+              <a:pPr algn="ctr" defTabSz="932472" fontAlgn="base">
+                <a:lnSpc>
+                  <a:spcPct val="90000"/>
+                </a:lnSpc>
+                <a:spcBef>
+                  <a:spcPct val="0"/>
+                </a:spcBef>
+                <a:spcAft>
+                  <a:spcPct val="0"/>
+                </a:spcAft>
+              </a:pPr>
+              <a:endParaRPr lang="en-US" sz="2400" dirty="0" err="1">
+                <a:gradFill>
+                  <a:gsLst>
+                    <a:gs pos="0">
+                      <a:srgbClr val="FFFFFF"/>
+                    </a:gs>
+                    <a:gs pos="100000">
+                      <a:srgbClr val="FFFFFF"/>
+                    </a:gs>
+                  </a:gsLst>
+                  <a:lin ang="5400000" scaled="0"/>
+                </a:gradFill>
+                <a:ea typeface="Segoe UI" pitchFamily="34" charset="0"/>
+                <a:cs typeface="Segoe UI" pitchFamily="34" charset="0"/>
+              </a:endParaRPr>
+            </a:p>
+          </p:txBody>
+        </p:sp>
+      </p:grpSp>
     </p:spTree>
     <p:extLst>
       <p:ext uri="{BB962C8B-B14F-4D97-AF65-F5344CB8AC3E}">
-        <p14:creationId xmlns:p14="http://schemas.microsoft.com/office/powerpoint/2010/main" val="1251660010"/>
+        <p14:creationId xmlns:p14="http://schemas.microsoft.com/office/powerpoint/2010/main" val="3992316855"/>
       </p:ext>
     </p:extLst>
   </p:cSld>
@@ -6763,105 +9087,91 @@
   <p:transition>
     <p:fade/>
   </p:transition>
+  <p:timing>
+    <p:tnLst>
+      <p:par>
+        <p:cTn id="1" dur="indefinite" restart="never" nodeType="tmRoot">
+          <p:childTnLst>
+            <p:seq concurrent="1" nextAc="seek">
+              <p:cTn id="2" dur="indefinite" nodeType="mainSeq">
+                <p:childTnLst>
+                  <p:par>
+                    <p:cTn id="3" fill="hold">
+                      <p:stCondLst>
+                        <p:cond delay="indefinite"/>
+                      </p:stCondLst>
+                      <p:childTnLst>
+                        <p:par>
+                          <p:cTn id="4" fill="hold">
+                            <p:stCondLst>
+                              <p:cond delay="0"/>
+                            </p:stCondLst>
+                            <p:childTnLst>
+                              <p:par>
+                                <p:cTn id="5" presetID="1" presetClass="entr" presetSubtype="0" fill="hold" nodeType="clickEffect">
+                                  <p:stCondLst>
+                                    <p:cond delay="0"/>
+                                  </p:stCondLst>
+                                  <p:childTnLst>
+                                    <p:set>
+                                      <p:cBhvr>
+                                        <p:cTn id="6" dur="1" fill="hold">
+                                          <p:stCondLst>
+                                            <p:cond delay="0"/>
+                                          </p:stCondLst>
+                                        </p:cTn>
+                                        <p:tgtEl>
+                                          <p:spTgt spid="8"/>
+                                        </p:tgtEl>
+                                        <p:attrNameLst>
+                                          <p:attrName>style.visibility</p:attrName>
+                                        </p:attrNameLst>
+                                      </p:cBhvr>
+                                      <p:to>
+                                        <p:strVal val="visible"/>
+                                      </p:to>
+                                    </p:set>
+                                  </p:childTnLst>
+                                </p:cTn>
+                              </p:par>
+                            </p:childTnLst>
+                          </p:cTn>
+                        </p:par>
+                      </p:childTnLst>
+                    </p:cTn>
+                  </p:par>
+                </p:childTnLst>
+              </p:cTn>
+              <p:prevCondLst>
+                <p:cond evt="onPrev" delay="0">
+                  <p:tgtEl>
+                    <p:sldTgt/>
+                  </p:tgtEl>
+                </p:cond>
+              </p:prevCondLst>
+              <p:nextCondLst>
+                <p:cond evt="onNext" delay="0">
+                  <p:tgtEl>
+                    <p:sldTgt/>
+                  </p:tgtEl>
+                </p:cond>
+              </p:nextCondLst>
+            </p:seq>
+          </p:childTnLst>
+        </p:cTn>
+      </p:par>
+    </p:tnLst>
+  </p:timing>
 </p:sld>
 </file>
 
 <file path=ppt/slides/slide35.xml><?xml version="1.0" encoding="utf-8"?>
 <p:sld xmlns:a="http://schemas.openxmlformats.org/drawingml/2006/main" xmlns:r="http://schemas.openxmlformats.org/officeDocument/2006/relationships" xmlns:p="http://schemas.openxmlformats.org/presentationml/2006/main">
   <p:cSld>
-    <p:spTree>
-      <p:nvGrpSpPr>
-        <p:cNvPr id="1" name=""/>
-        <p:cNvGrpSpPr/>
-        <p:nvPr/>
-      </p:nvGrpSpPr>
-      <p:grpSpPr>
-        <a:xfrm>
-          <a:off x="0" y="0"/>
-          <a:ext cx="0" cy="0"/>
-          <a:chOff x="0" y="0"/>
-          <a:chExt cx="0" cy="0"/>
-        </a:xfrm>
-      </p:grpSpPr>
-      <p:sp>
-        <p:nvSpPr>
-          <p:cNvPr id="2" name="Title 1">
-            <a:extLst>
-              <a:ext uri="{FF2B5EF4-FFF2-40B4-BE49-F238E27FC236}">
-                <a16:creationId xmlns:a16="http://schemas.microsoft.com/office/drawing/2014/main" id="{12AFA403-A1C1-4F6D-AA1A-3BDE6DB770CE}"/>
-              </a:ext>
-            </a:extLst>
-          </p:cNvPr>
-          <p:cNvSpPr>
-            <a:spLocks noGrp="1"/>
-          </p:cNvSpPr>
-          <p:nvPr>
-            <p:ph type="title"/>
-          </p:nvPr>
-        </p:nvSpPr>
-        <p:spPr/>
-        <p:txBody>
-          <a:bodyPr/>
-          <a:lstStyle/>
-          <a:p>
-            <a:r>
-              <a:rPr lang="en-US" dirty="0"/>
-              <a:t>Dataset Takeover by Service Principal</a:t>
-            </a:r>
-          </a:p>
-        </p:txBody>
-      </p:sp>
-      <p:sp>
-        <p:nvSpPr>
-          <p:cNvPr id="3" name="Text Placeholder 2">
-            <a:extLst>
-              <a:ext uri="{FF2B5EF4-FFF2-40B4-BE49-F238E27FC236}">
-                <a16:creationId xmlns:a16="http://schemas.microsoft.com/office/drawing/2014/main" id="{609A6821-844F-44E3-9ADD-CBD19059B298}"/>
-              </a:ext>
-            </a:extLst>
-          </p:cNvPr>
-          <p:cNvSpPr>
-            <a:spLocks noGrp="1"/>
-          </p:cNvSpPr>
-          <p:nvPr>
-            <p:ph type="body" sz="quarter" idx="10"/>
-          </p:nvPr>
-        </p:nvSpPr>
-        <p:spPr/>
-        <p:txBody>
-          <a:bodyPr/>
-          <a:lstStyle/>
-          <a:p>
-            <a:endParaRPr lang="en-US"/>
-          </a:p>
-        </p:txBody>
-      </p:sp>
-    </p:spTree>
-    <p:extLst>
-      <p:ext uri="{BB962C8B-B14F-4D97-AF65-F5344CB8AC3E}">
-        <p14:creationId xmlns:p14="http://schemas.microsoft.com/office/powerpoint/2010/main" val="3103690667"/>
-      </p:ext>
-    </p:extLst>
-  </p:cSld>
-  <p:clrMapOvr>
-    <a:masterClrMapping/>
-  </p:clrMapOvr>
-  <p:transition>
-    <p:fade/>
-  </p:transition>
-</p:sld>
-</file>
-
-<file path=ppt/slides/slide36.xml><?xml version="1.0" encoding="utf-8"?>
-<p:sld xmlns:a="http://schemas.openxmlformats.org/drawingml/2006/main" xmlns:r="http://schemas.openxmlformats.org/officeDocument/2006/relationships" xmlns:p="http://schemas.openxmlformats.org/presentationml/2006/main">
-  <p:cSld>
     <p:bg>
       <p:bgPr>
         <a:solidFill>
-          <a:schemeClr val="tx2">
-            <a:lumMod val="10000"/>
-            <a:lumOff val="90000"/>
-          </a:schemeClr>
+          <a:schemeClr val="accent1"/>
         </a:solidFill>
         <a:effectLst/>
       </p:bgPr>
@@ -6882,10 +9192,10 @@
       </p:grpSpPr>
       <p:sp>
         <p:nvSpPr>
-          <p:cNvPr id="2" name="Title 1">
-            <a:extLst>
-              <a:ext uri="{FF2B5EF4-FFF2-40B4-BE49-F238E27FC236}">
-                <a16:creationId xmlns:a16="http://schemas.microsoft.com/office/drawing/2014/main" id="{86AFDD99-CF50-43CD-B5F2-DAB1E77D4D2E}"/>
+          <p:cNvPr id="6" name="Title 5">
+            <a:extLst>
+              <a:ext uri="{FF2B5EF4-FFF2-40B4-BE49-F238E27FC236}">
+                <a16:creationId xmlns:a16="http://schemas.microsoft.com/office/drawing/2014/main" id="{E7BF15BD-001C-49B3-9A01-B39DEDA47564}"/>
               </a:ext>
             </a:extLst>
           </p:cNvPr>
@@ -6903,7 +9213,185 @@
           <a:p>
             <a:r>
               <a:rPr lang="en-US" dirty="0"/>
-              <a:t>Camper Competition</a:t>
+              <a:t>Agenda</a:t>
+            </a:r>
+          </a:p>
+        </p:txBody>
+      </p:sp>
+      <p:sp>
+        <p:nvSpPr>
+          <p:cNvPr id="7" name="Text Placeholder 6">
+            <a:extLst>
+              <a:ext uri="{FF2B5EF4-FFF2-40B4-BE49-F238E27FC236}">
+                <a16:creationId xmlns:a16="http://schemas.microsoft.com/office/drawing/2014/main" id="{61F6BD0B-C4D8-42DE-A3A7-50D8219CE639}"/>
+              </a:ext>
+            </a:extLst>
+          </p:cNvPr>
+          <p:cNvSpPr>
+            <a:spLocks noGrp="1"/>
+          </p:cNvSpPr>
+          <p:nvPr>
+            <p:ph type="body" sz="quarter" idx="11"/>
+          </p:nvPr>
+        </p:nvSpPr>
+        <p:spPr>
+          <a:xfrm>
+            <a:off x="4442092" y="2355794"/>
+            <a:ext cx="7796829" cy="3672800"/>
+          </a:xfrm>
+        </p:spPr>
+        <p:txBody>
+          <a:bodyPr/>
+          <a:lstStyle/>
+          <a:p>
+            <a:pPr marL="466298" indent="-466298">
+              <a:buFont typeface="Wingdings" panose="05000000000000000000" pitchFamily="2" charset="2"/>
+              <a:buChar char="ü"/>
+            </a:pPr>
+            <a:r>
+              <a:rPr lang="en-US" dirty="0"/>
+              <a:t>Reviewing of PowerShell Fundamentals</a:t>
+            </a:r>
+          </a:p>
+          <a:p>
+            <a:pPr marL="466298" indent="-466298">
+              <a:buFont typeface="Wingdings" panose="05000000000000000000" pitchFamily="2" charset="2"/>
+              <a:buChar char="ü"/>
+            </a:pPr>
+            <a:r>
+              <a:rPr lang="en-US" dirty="0"/>
+              <a:t>Installing The Power BI Library for PowerShell</a:t>
+            </a:r>
+          </a:p>
+          <a:p>
+            <a:pPr marL="466298" indent="-466298">
+              <a:buFont typeface="Wingdings" panose="05000000000000000000" pitchFamily="2" charset="2"/>
+              <a:buChar char="ü"/>
+            </a:pPr>
+            <a:r>
+              <a:rPr lang="en-US" dirty="0"/>
+              <a:t>Creating and Managing Workspaces</a:t>
+            </a:r>
+          </a:p>
+          <a:p>
+            <a:pPr marL="466298" indent="-466298">
+              <a:buFont typeface="Wingdings" panose="05000000000000000000" pitchFamily="2" charset="2"/>
+              <a:buChar char="ü"/>
+            </a:pPr>
+            <a:r>
+              <a:rPr lang="en-US" dirty="0"/>
+              <a:t>Executing Operations with Invoke-PowerBIRestMethod</a:t>
+            </a:r>
+          </a:p>
+          <a:p>
+            <a:pPr marL="466298" indent="-466298">
+              <a:buFont typeface="Wingdings" panose="05000000000000000000" pitchFamily="2" charset="2"/>
+              <a:buChar char="ü"/>
+            </a:pPr>
+            <a:r>
+              <a:rPr lang="en-US" dirty="0"/>
+              <a:t>Executing Administrative Commands</a:t>
+            </a:r>
+          </a:p>
+          <a:p>
+            <a:pPr marL="466298" indent="-466298">
+              <a:buFont typeface="Wingdings" panose="05000000000000000000" pitchFamily="2" charset="2"/>
+              <a:buChar char="Ø"/>
+            </a:pPr>
+            <a:r>
+              <a:rPr lang="en-US" dirty="0"/>
+              <a:t>Running Scripts as Service Principal</a:t>
+            </a:r>
+          </a:p>
+          <a:p>
+            <a:pPr marL="466298" indent="-466298">
+              <a:buFont typeface="Wingdings" panose="05000000000000000000" pitchFamily="2" charset="2"/>
+              <a:buChar char="§"/>
+            </a:pPr>
+            <a:r>
+              <a:rPr lang="en-US" dirty="0"/>
+              <a:t>Using the </a:t>
+            </a:r>
+            <a:r>
+              <a:rPr lang="en-US" dirty="0" err="1"/>
+              <a:t>DataGateway</a:t>
+            </a:r>
+            <a:r>
+              <a:rPr lang="en-US" dirty="0"/>
+              <a:t> PowerShell Module</a:t>
+            </a:r>
+          </a:p>
+          <a:p>
+            <a:pPr marL="466298" indent="-466298">
+              <a:buFont typeface="Wingdings" panose="05000000000000000000" pitchFamily="2" charset="2"/>
+              <a:buChar char="§"/>
+            </a:pPr>
+            <a:endParaRPr lang="en-US" dirty="0"/>
+          </a:p>
+        </p:txBody>
+      </p:sp>
+    </p:spTree>
+    <p:extLst>
+      <p:ext uri="{BB962C8B-B14F-4D97-AF65-F5344CB8AC3E}">
+        <p14:creationId xmlns:p14="http://schemas.microsoft.com/office/powerpoint/2010/main" val="2280188601"/>
+      </p:ext>
+    </p:extLst>
+  </p:cSld>
+  <p:clrMapOvr>
+    <a:masterClrMapping/>
+  </p:clrMapOvr>
+  <mc:AlternateContent xmlns:mc="http://schemas.openxmlformats.org/markup-compatibility/2006" xmlns:p14="http://schemas.microsoft.com/office/powerpoint/2010/main">
+    <mc:Choice Requires="p14">
+      <p:transition p14:dur="0"/>
+    </mc:Choice>
+    <mc:Fallback xmlns="">
+      <p:transition/>
+    </mc:Fallback>
+  </mc:AlternateContent>
+</p:sld>
+</file>
+
+<file path=ppt/slides/slide36.xml><?xml version="1.0" encoding="utf-8"?>
+<p:sld xmlns:a="http://schemas.openxmlformats.org/drawingml/2006/main" xmlns:r="http://schemas.openxmlformats.org/officeDocument/2006/relationships" xmlns:p="http://schemas.openxmlformats.org/presentationml/2006/main">
+  <p:cSld>
+    <p:spTree>
+      <p:nvGrpSpPr>
+        <p:cNvPr id="1" name=""/>
+        <p:cNvGrpSpPr/>
+        <p:nvPr/>
+      </p:nvGrpSpPr>
+      <p:grpSpPr>
+        <a:xfrm>
+          <a:off x="0" y="0"/>
+          <a:ext cx="0" cy="0"/>
+          <a:chOff x="0" y="0"/>
+          <a:chExt cx="0" cy="0"/>
+        </a:xfrm>
+      </p:grpSpPr>
+      <p:sp>
+        <p:nvSpPr>
+          <p:cNvPr id="2" name="Title 1">
+            <a:extLst>
+              <a:ext uri="{FF2B5EF4-FFF2-40B4-BE49-F238E27FC236}">
+                <a16:creationId xmlns:a16="http://schemas.microsoft.com/office/drawing/2014/main" id="{9D94748F-1784-4F9C-98BD-CA6E99B419BD}"/>
+              </a:ext>
+            </a:extLst>
+          </p:cNvPr>
+          <p:cNvSpPr>
+            <a:spLocks noGrp="1"/>
+          </p:cNvSpPr>
+          <p:nvPr>
+            <p:ph type="title"/>
+          </p:nvPr>
+        </p:nvSpPr>
+        <p:spPr/>
+        <p:txBody>
+          <a:bodyPr/>
+          <a:lstStyle/>
+          <a:p>
+            <a:r>
+              <a:rPr lang="en-US" dirty="0"/>
+              <a:t>Connecting to Power BI using a Service Principal</a:t>
             </a:r>
           </a:p>
         </p:txBody>
@@ -6913,7 +9401,7 @@
           <p:cNvPr id="3" name="Text Placeholder 2">
             <a:extLst>
               <a:ext uri="{FF2B5EF4-FFF2-40B4-BE49-F238E27FC236}">
-                <a16:creationId xmlns:a16="http://schemas.microsoft.com/office/drawing/2014/main" id="{0A0EF3DD-014A-4DD0-97DC-3A547D0AA039}"/>
+                <a16:creationId xmlns:a16="http://schemas.microsoft.com/office/drawing/2014/main" id="{2917C700-FF6C-4167-BB69-45148D947F5C}"/>
               </a:ext>
             </a:extLst>
           </p:cNvPr>
@@ -6927,75 +9415,38 @@
         <p:spPr>
           <a:xfrm>
             <a:off x="588263" y="1378083"/>
-            <a:ext cx="11239464" cy="2870466"/>
+            <a:ext cx="11239464" cy="1295676"/>
           </a:xfrm>
         </p:spPr>
         <p:txBody>
           <a:bodyPr/>
           <a:lstStyle/>
           <a:p>
-            <a:pPr>
-              <a:lnSpc>
-                <a:spcPct val="150000"/>
-              </a:lnSpc>
-            </a:pPr>
-            <a:r>
-              <a:rPr lang="en-US" dirty="0"/>
-              <a:t>Competition Rules</a:t>
-            </a:r>
-          </a:p>
-          <a:p>
-            <a:pPr lvl="1">
-              <a:lnSpc>
-                <a:spcPct val="150000"/>
-              </a:lnSpc>
-            </a:pPr>
-            <a:r>
-              <a:rPr lang="en-US" dirty="0"/>
-              <a:t>Build a .NET Core web application that extends User-Owns-Data tutorial</a:t>
-            </a:r>
-          </a:p>
-          <a:p>
-            <a:pPr lvl="1">
-              <a:lnSpc>
-                <a:spcPct val="150000"/>
-              </a:lnSpc>
-            </a:pPr>
-            <a:r>
-              <a:rPr lang="en-US" dirty="0"/>
-              <a:t>You must use </a:t>
-            </a:r>
-            <a:r>
-              <a:rPr lang="en-US" sz="2000" b="1" dirty="0" err="1">
-                <a:latin typeface="Lucida Console" panose="020B0609040504020204" pitchFamily="49" charset="0"/>
-              </a:rPr>
-              <a:t>Microsoft.Identity.Web</a:t>
-            </a:r>
-            <a:r>
-              <a:rPr lang="en-US" dirty="0"/>
-              <a:t> for authentication</a:t>
-            </a:r>
-          </a:p>
-          <a:p>
-            <a:pPr lvl="1">
-              <a:lnSpc>
-                <a:spcPct val="150000"/>
-              </a:lnSpc>
-            </a:pPr>
-            <a:r>
-              <a:rPr lang="en-US" dirty="0"/>
-              <a:t>You must use TypeScript instead of JavaScript for client-side programming</a:t>
-            </a:r>
-          </a:p>
-          <a:p>
-            <a:pPr lvl="1">
-              <a:lnSpc>
-                <a:spcPct val="150000"/>
-              </a:lnSpc>
-            </a:pPr>
-            <a:r>
-              <a:rPr lang="en-US" dirty="0"/>
-              <a:t>Create a 3-5 minute video where you demo and describe your application</a:t>
+            <a:r>
+              <a:rPr lang="en-US" dirty="0"/>
+              <a:t>You can program </a:t>
+            </a:r>
+            <a:r>
+              <a:rPr lang="en-US" dirty="0" err="1"/>
+              <a:t>MicrosoftPowerBIMgmt</a:t>
+            </a:r>
+            <a:r>
+              <a:rPr lang="en-US" dirty="0"/>
+              <a:t> as Service Principal</a:t>
+            </a:r>
+          </a:p>
+          <a:p>
+            <a:pPr lvl="1"/>
+            <a:r>
+              <a:rPr lang="en-US" dirty="0"/>
+              <a:t>Unlike user-based access, this requires creating a Azure AD application</a:t>
+            </a:r>
+          </a:p>
+          <a:p>
+            <a:pPr lvl="1"/>
+            <a:r>
+              <a:rPr lang="en-US" dirty="0"/>
+              <a:t>You must also enable </a:t>
             </a:r>
           </a:p>
         </p:txBody>
@@ -7003,7 +9454,7 @@
     </p:spTree>
     <p:extLst>
       <p:ext uri="{BB962C8B-B14F-4D97-AF65-F5344CB8AC3E}">
-        <p14:creationId xmlns:p14="http://schemas.microsoft.com/office/powerpoint/2010/main" val="965250005"/>
+        <p14:creationId xmlns:p14="http://schemas.microsoft.com/office/powerpoint/2010/main" val="1251660010"/>
       </p:ext>
     </p:extLst>
   </p:cSld>
@@ -7017,6 +9468,2822 @@
 </file>
 
 <file path=ppt/slides/slide37.xml><?xml version="1.0" encoding="utf-8"?>
+<p:sld xmlns:a="http://schemas.openxmlformats.org/drawingml/2006/main" xmlns:r="http://schemas.openxmlformats.org/officeDocument/2006/relationships" xmlns:p="http://schemas.openxmlformats.org/presentationml/2006/main">
+  <p:cSld>
+    <p:spTree>
+      <p:nvGrpSpPr>
+        <p:cNvPr id="1" name=""/>
+        <p:cNvGrpSpPr/>
+        <p:nvPr/>
+      </p:nvGrpSpPr>
+      <p:grpSpPr>
+        <a:xfrm>
+          <a:off x="0" y="0"/>
+          <a:ext cx="0" cy="0"/>
+          <a:chOff x="0" y="0"/>
+          <a:chExt cx="0" cy="0"/>
+        </a:xfrm>
+      </p:grpSpPr>
+      <p:sp>
+        <p:nvSpPr>
+          <p:cNvPr id="2" name="Title 1">
+            <a:extLst>
+              <a:ext uri="{FF2B5EF4-FFF2-40B4-BE49-F238E27FC236}">
+                <a16:creationId xmlns:a16="http://schemas.microsoft.com/office/drawing/2014/main" id="{AA2A96D0-D824-4817-8B74-D7E397384D50}"/>
+              </a:ext>
+            </a:extLst>
+          </p:cNvPr>
+          <p:cNvSpPr>
+            <a:spLocks noGrp="1"/>
+          </p:cNvSpPr>
+          <p:nvPr>
+            <p:ph type="title"/>
+          </p:nvPr>
+        </p:nvSpPr>
+        <p:spPr/>
+        <p:txBody>
+          <a:bodyPr/>
+          <a:lstStyle/>
+          <a:p>
+            <a:r>
+              <a:rPr lang="en-US" dirty="0"/>
+              <a:t>Setting Up for Service Principal Access – Part 1</a:t>
+            </a:r>
+          </a:p>
+        </p:txBody>
+      </p:sp>
+      <p:sp>
+        <p:nvSpPr>
+          <p:cNvPr id="3" name="Content Placeholder 2">
+            <a:extLst>
+              <a:ext uri="{FF2B5EF4-FFF2-40B4-BE49-F238E27FC236}">
+                <a16:creationId xmlns:a16="http://schemas.microsoft.com/office/drawing/2014/main" id="{FEFEE8E3-4BDF-42D6-B1BE-A0F2A1013B33}"/>
+              </a:ext>
+            </a:extLst>
+          </p:cNvPr>
+          <p:cNvSpPr>
+            <a:spLocks noGrp="1"/>
+          </p:cNvSpPr>
+          <p:nvPr>
+            <p:ph type="body" sz="quarter" idx="10"/>
+          </p:nvPr>
+        </p:nvSpPr>
+        <p:spPr>
+          <a:xfrm>
+            <a:off x="588263" y="1177637"/>
+            <a:ext cx="11239464" cy="1949644"/>
+          </a:xfrm>
+        </p:spPr>
+        <p:txBody>
+          <a:bodyPr/>
+          <a:lstStyle/>
+          <a:p>
+            <a:r>
+              <a:rPr lang="en-US" dirty="0"/>
+              <a:t>Enable Service Principal Access to Power BI Service API</a:t>
+            </a:r>
+          </a:p>
+          <a:p>
+            <a:pPr lvl="1"/>
+            <a:r>
+              <a:rPr lang="en-US" dirty="0"/>
+              <a:t>Create an Azure AD security group (e.g. Power BI Apps)</a:t>
+            </a:r>
+          </a:p>
+          <a:p>
+            <a:pPr lvl="1"/>
+            <a:endParaRPr lang="en-US" dirty="0"/>
+          </a:p>
+          <a:p>
+            <a:pPr lvl="1"/>
+            <a:endParaRPr lang="en-US" dirty="0"/>
+          </a:p>
+          <a:p>
+            <a:pPr lvl="1"/>
+            <a:endParaRPr lang="en-US" dirty="0"/>
+          </a:p>
+          <a:p>
+            <a:pPr lvl="1"/>
+            <a:r>
+              <a:rPr lang="en-US" dirty="0"/>
+              <a:t>Add group to Power BI Allow service principals to use Power BI APIs</a:t>
+            </a:r>
+          </a:p>
+        </p:txBody>
+      </p:sp>
+      <p:pic>
+        <p:nvPicPr>
+          <p:cNvPr id="4" name="Picture 3">
+            <a:extLst>
+              <a:ext uri="{FF2B5EF4-FFF2-40B4-BE49-F238E27FC236}">
+                <a16:creationId xmlns:a16="http://schemas.microsoft.com/office/drawing/2014/main" id="{9E6387B1-FBE8-403A-A5DA-91E5A0B2F18E}"/>
+              </a:ext>
+            </a:extLst>
+          </p:cNvPr>
+          <p:cNvPicPr/>
+          <p:nvPr/>
+        </p:nvPicPr>
+        <p:blipFill>
+          <a:blip r:embed="rId2" cstate="print">
+            <a:extLst>
+              <a:ext uri="{28A0092B-C50C-407E-A947-70E740481C1C}">
+                <a14:useLocalDpi xmlns:a14="http://schemas.microsoft.com/office/drawing/2010/main" val="0"/>
+              </a:ext>
+            </a:extLst>
+          </a:blip>
+          <a:srcRect/>
+          <a:stretch>
+            <a:fillRect/>
+          </a:stretch>
+        </p:blipFill>
+        <p:spPr bwMode="auto">
+          <a:xfrm>
+            <a:off x="1100575" y="2152459"/>
+            <a:ext cx="4941531" cy="974822"/>
+          </a:xfrm>
+          <a:prstGeom prst="rect">
+            <a:avLst/>
+          </a:prstGeom>
+          <a:noFill/>
+          <a:ln>
+            <a:solidFill>
+              <a:schemeClr val="tx1"/>
+            </a:solidFill>
+          </a:ln>
+        </p:spPr>
+      </p:pic>
+      <p:pic>
+        <p:nvPicPr>
+          <p:cNvPr id="5" name="Picture 4">
+            <a:extLst>
+              <a:ext uri="{FF2B5EF4-FFF2-40B4-BE49-F238E27FC236}">
+                <a16:creationId xmlns:a16="http://schemas.microsoft.com/office/drawing/2014/main" id="{A09DE05E-0E16-4C95-A08D-5FDEF5EB01A5}"/>
+              </a:ext>
+            </a:extLst>
+          </p:cNvPr>
+          <p:cNvPicPr>
+            <a:picLocks noChangeAspect="1"/>
+          </p:cNvPicPr>
+          <p:nvPr/>
+        </p:nvPicPr>
+        <p:blipFill>
+          <a:blip r:embed="rId3"/>
+          <a:stretch>
+            <a:fillRect/>
+          </a:stretch>
+        </p:blipFill>
+        <p:spPr>
+          <a:xfrm>
+            <a:off x="1100575" y="3730414"/>
+            <a:ext cx="4824462" cy="3030961"/>
+          </a:xfrm>
+          <a:prstGeom prst="rect">
+            <a:avLst/>
+          </a:prstGeom>
+          <a:ln>
+            <a:solidFill>
+              <a:schemeClr val="tx1">
+                <a:lumMod val="50000"/>
+                <a:lumOff val="50000"/>
+              </a:schemeClr>
+            </a:solidFill>
+          </a:ln>
+        </p:spPr>
+      </p:pic>
+    </p:spTree>
+    <p:extLst>
+      <p:ext uri="{BB962C8B-B14F-4D97-AF65-F5344CB8AC3E}">
+        <p14:creationId xmlns:p14="http://schemas.microsoft.com/office/powerpoint/2010/main" val="2599743394"/>
+      </p:ext>
+    </p:extLst>
+  </p:cSld>
+  <p:clrMapOvr>
+    <a:masterClrMapping/>
+  </p:clrMapOvr>
+  <p:transition>
+    <p:fade/>
+  </p:transition>
+  <p:timing>
+    <p:tnLst>
+      <p:par>
+        <p:cTn id="1" dur="indefinite" restart="never" nodeType="tmRoot">
+          <p:childTnLst>
+            <p:seq concurrent="1" nextAc="seek">
+              <p:cTn id="2" dur="indefinite" nodeType="mainSeq">
+                <p:childTnLst>
+                  <p:par>
+                    <p:cTn id="3" fill="hold">
+                      <p:stCondLst>
+                        <p:cond delay="indefinite"/>
+                      </p:stCondLst>
+                      <p:childTnLst>
+                        <p:par>
+                          <p:cTn id="4" fill="hold">
+                            <p:stCondLst>
+                              <p:cond delay="0"/>
+                            </p:stCondLst>
+                            <p:childTnLst>
+                              <p:par>
+                                <p:cTn id="5" presetID="1" presetClass="entr" presetSubtype="0" fill="hold" nodeType="clickEffect">
+                                  <p:stCondLst>
+                                    <p:cond delay="0"/>
+                                  </p:stCondLst>
+                                  <p:childTnLst>
+                                    <p:set>
+                                      <p:cBhvr>
+                                        <p:cTn id="6" dur="1" fill="hold">
+                                          <p:stCondLst>
+                                            <p:cond delay="0"/>
+                                          </p:stCondLst>
+                                        </p:cTn>
+                                        <p:tgtEl>
+                                          <p:spTgt spid="3">
+                                            <p:txEl>
+                                              <p:pRg st="1" end="1"/>
+                                            </p:txEl>
+                                          </p:spTgt>
+                                        </p:tgtEl>
+                                        <p:attrNameLst>
+                                          <p:attrName>style.visibility</p:attrName>
+                                        </p:attrNameLst>
+                                      </p:cBhvr>
+                                      <p:to>
+                                        <p:strVal val="visible"/>
+                                      </p:to>
+                                    </p:set>
+                                  </p:childTnLst>
+                                </p:cTn>
+                              </p:par>
+                              <p:par>
+                                <p:cTn id="7" presetID="1" presetClass="entr" presetSubtype="0" fill="hold" nodeType="withEffect">
+                                  <p:stCondLst>
+                                    <p:cond delay="0"/>
+                                  </p:stCondLst>
+                                  <p:childTnLst>
+                                    <p:set>
+                                      <p:cBhvr>
+                                        <p:cTn id="8" dur="1" fill="hold">
+                                          <p:stCondLst>
+                                            <p:cond delay="0"/>
+                                          </p:stCondLst>
+                                        </p:cTn>
+                                        <p:tgtEl>
+                                          <p:spTgt spid="4"/>
+                                        </p:tgtEl>
+                                        <p:attrNameLst>
+                                          <p:attrName>style.visibility</p:attrName>
+                                        </p:attrNameLst>
+                                      </p:cBhvr>
+                                      <p:to>
+                                        <p:strVal val="visible"/>
+                                      </p:to>
+                                    </p:set>
+                                  </p:childTnLst>
+                                </p:cTn>
+                              </p:par>
+                            </p:childTnLst>
+                          </p:cTn>
+                        </p:par>
+                      </p:childTnLst>
+                    </p:cTn>
+                  </p:par>
+                  <p:par>
+                    <p:cTn id="9" fill="hold">
+                      <p:stCondLst>
+                        <p:cond delay="indefinite"/>
+                      </p:stCondLst>
+                      <p:childTnLst>
+                        <p:par>
+                          <p:cTn id="10" fill="hold">
+                            <p:stCondLst>
+                              <p:cond delay="0"/>
+                            </p:stCondLst>
+                            <p:childTnLst>
+                              <p:par>
+                                <p:cTn id="11" presetID="1" presetClass="entr" presetSubtype="0" fill="hold" nodeType="clickEffect">
+                                  <p:stCondLst>
+                                    <p:cond delay="0"/>
+                                  </p:stCondLst>
+                                  <p:childTnLst>
+                                    <p:set>
+                                      <p:cBhvr>
+                                        <p:cTn id="12" dur="1" fill="hold">
+                                          <p:stCondLst>
+                                            <p:cond delay="0"/>
+                                          </p:stCondLst>
+                                        </p:cTn>
+                                        <p:tgtEl>
+                                          <p:spTgt spid="3">
+                                            <p:txEl>
+                                              <p:pRg st="5" end="5"/>
+                                            </p:txEl>
+                                          </p:spTgt>
+                                        </p:tgtEl>
+                                        <p:attrNameLst>
+                                          <p:attrName>style.visibility</p:attrName>
+                                        </p:attrNameLst>
+                                      </p:cBhvr>
+                                      <p:to>
+                                        <p:strVal val="visible"/>
+                                      </p:to>
+                                    </p:set>
+                                  </p:childTnLst>
+                                </p:cTn>
+                              </p:par>
+                              <p:par>
+                                <p:cTn id="13" presetID="1" presetClass="entr" presetSubtype="0" fill="hold" nodeType="withEffect">
+                                  <p:stCondLst>
+                                    <p:cond delay="0"/>
+                                  </p:stCondLst>
+                                  <p:childTnLst>
+                                    <p:set>
+                                      <p:cBhvr>
+                                        <p:cTn id="14" dur="1" fill="hold">
+                                          <p:stCondLst>
+                                            <p:cond delay="0"/>
+                                          </p:stCondLst>
+                                        </p:cTn>
+                                        <p:tgtEl>
+                                          <p:spTgt spid="5"/>
+                                        </p:tgtEl>
+                                        <p:attrNameLst>
+                                          <p:attrName>style.visibility</p:attrName>
+                                        </p:attrNameLst>
+                                      </p:cBhvr>
+                                      <p:to>
+                                        <p:strVal val="visible"/>
+                                      </p:to>
+                                    </p:set>
+                                  </p:childTnLst>
+                                </p:cTn>
+                              </p:par>
+                            </p:childTnLst>
+                          </p:cTn>
+                        </p:par>
+                      </p:childTnLst>
+                    </p:cTn>
+                  </p:par>
+                </p:childTnLst>
+              </p:cTn>
+              <p:prevCondLst>
+                <p:cond evt="onPrev" delay="0">
+                  <p:tgtEl>
+                    <p:sldTgt/>
+                  </p:tgtEl>
+                </p:cond>
+              </p:prevCondLst>
+              <p:nextCondLst>
+                <p:cond evt="onNext" delay="0">
+                  <p:tgtEl>
+                    <p:sldTgt/>
+                  </p:tgtEl>
+                </p:cond>
+              </p:nextCondLst>
+            </p:seq>
+          </p:childTnLst>
+        </p:cTn>
+      </p:par>
+    </p:tnLst>
+  </p:timing>
+</p:sld>
+</file>
+
+<file path=ppt/slides/slide38.xml><?xml version="1.0" encoding="utf-8"?>
+<p:sld xmlns:a="http://schemas.openxmlformats.org/drawingml/2006/main" xmlns:r="http://schemas.openxmlformats.org/officeDocument/2006/relationships" xmlns:p="http://schemas.openxmlformats.org/presentationml/2006/main">
+  <p:cSld>
+    <p:spTree>
+      <p:nvGrpSpPr>
+        <p:cNvPr id="1" name=""/>
+        <p:cNvGrpSpPr/>
+        <p:nvPr/>
+      </p:nvGrpSpPr>
+      <p:grpSpPr>
+        <a:xfrm>
+          <a:off x="0" y="0"/>
+          <a:ext cx="0" cy="0"/>
+          <a:chOff x="0" y="0"/>
+          <a:chExt cx="0" cy="0"/>
+        </a:xfrm>
+      </p:grpSpPr>
+      <p:sp>
+        <p:nvSpPr>
+          <p:cNvPr id="2" name="Title 1">
+            <a:extLst>
+              <a:ext uri="{FF2B5EF4-FFF2-40B4-BE49-F238E27FC236}">
+                <a16:creationId xmlns:a16="http://schemas.microsoft.com/office/drawing/2014/main" id="{AA2A96D0-D824-4817-8B74-D7E397384D50}"/>
+              </a:ext>
+            </a:extLst>
+          </p:cNvPr>
+          <p:cNvSpPr>
+            <a:spLocks noGrp="1"/>
+          </p:cNvSpPr>
+          <p:nvPr>
+            <p:ph type="title"/>
+          </p:nvPr>
+        </p:nvSpPr>
+        <p:spPr/>
+        <p:txBody>
+          <a:bodyPr/>
+          <a:lstStyle/>
+          <a:p>
+            <a:r>
+              <a:rPr lang="en-US" dirty="0"/>
+              <a:t>Setting Up for Service Principal Access – Part 2</a:t>
+            </a:r>
+          </a:p>
+        </p:txBody>
+      </p:sp>
+      <p:sp>
+        <p:nvSpPr>
+          <p:cNvPr id="3" name="Content Placeholder 2">
+            <a:extLst>
+              <a:ext uri="{FF2B5EF4-FFF2-40B4-BE49-F238E27FC236}">
+                <a16:creationId xmlns:a16="http://schemas.microsoft.com/office/drawing/2014/main" id="{FEFEE8E3-4BDF-42D6-B1BE-A0F2A1013B33}"/>
+              </a:ext>
+            </a:extLst>
+          </p:cNvPr>
+          <p:cNvSpPr>
+            <a:spLocks noGrp="1"/>
+          </p:cNvSpPr>
+          <p:nvPr>
+            <p:ph type="body" sz="quarter" idx="10"/>
+          </p:nvPr>
+        </p:nvSpPr>
+        <p:spPr>
+          <a:xfrm>
+            <a:off x="588263" y="1074661"/>
+            <a:ext cx="11239464" cy="4903907"/>
+          </a:xfrm>
+        </p:spPr>
+        <p:txBody>
+          <a:bodyPr/>
+          <a:lstStyle/>
+          <a:p>
+            <a:r>
+              <a:rPr lang="en-US" dirty="0"/>
+              <a:t>Create a confidential client in your Azure AD tenant</a:t>
+            </a:r>
+          </a:p>
+          <a:p>
+            <a:endParaRPr lang="en-US" dirty="0"/>
+          </a:p>
+          <a:p>
+            <a:endParaRPr lang="en-US" dirty="0"/>
+          </a:p>
+          <a:p>
+            <a:r>
+              <a:rPr lang="en-US" dirty="0"/>
+              <a:t>Configured as TYPE=Web and no need for a redirect URL</a:t>
+            </a:r>
+          </a:p>
+          <a:p>
+            <a:pPr lvl="1"/>
+            <a:endParaRPr lang="en-US" dirty="0"/>
+          </a:p>
+          <a:p>
+            <a:endParaRPr lang="en-US" dirty="0"/>
+          </a:p>
+          <a:p>
+            <a:r>
+              <a:rPr lang="en-US" dirty="0"/>
+              <a:t>Add a client secret or a client certificate</a:t>
+            </a:r>
+          </a:p>
+          <a:p>
+            <a:endParaRPr lang="en-US" dirty="0"/>
+          </a:p>
+          <a:p>
+            <a:endParaRPr lang="en-US" dirty="0"/>
+          </a:p>
+          <a:p>
+            <a:r>
+              <a:rPr lang="en-US" dirty="0"/>
+              <a:t>No need to configure any permissions</a:t>
+            </a:r>
+          </a:p>
+        </p:txBody>
+      </p:sp>
+      <p:pic>
+        <p:nvPicPr>
+          <p:cNvPr id="11" name="Picture 10">
+            <a:extLst>
+              <a:ext uri="{FF2B5EF4-FFF2-40B4-BE49-F238E27FC236}">
+                <a16:creationId xmlns:a16="http://schemas.microsoft.com/office/drawing/2014/main" id="{4FB1C5DD-BAC4-4102-AD91-9CAD9B24935F}"/>
+              </a:ext>
+            </a:extLst>
+          </p:cNvPr>
+          <p:cNvPicPr>
+            <a:picLocks noChangeAspect="1"/>
+          </p:cNvPicPr>
+          <p:nvPr/>
+        </p:nvPicPr>
+        <p:blipFill>
+          <a:blip r:embed="rId2"/>
+          <a:stretch>
+            <a:fillRect/>
+          </a:stretch>
+        </p:blipFill>
+        <p:spPr>
+          <a:xfrm>
+            <a:off x="856540" y="1632366"/>
+            <a:ext cx="5637403" cy="887921"/>
+          </a:xfrm>
+          <a:prstGeom prst="rect">
+            <a:avLst/>
+          </a:prstGeom>
+          <a:ln>
+            <a:solidFill>
+              <a:schemeClr val="tx1">
+                <a:lumMod val="50000"/>
+                <a:lumOff val="50000"/>
+              </a:schemeClr>
+            </a:solidFill>
+          </a:ln>
+        </p:spPr>
+      </p:pic>
+      <p:pic>
+        <p:nvPicPr>
+          <p:cNvPr id="12" name="Picture 11">
+            <a:extLst>
+              <a:ext uri="{FF2B5EF4-FFF2-40B4-BE49-F238E27FC236}">
+                <a16:creationId xmlns:a16="http://schemas.microsoft.com/office/drawing/2014/main" id="{0CAB6EDF-B8C9-4400-A290-C1C1DE45FBF0}"/>
+              </a:ext>
+            </a:extLst>
+          </p:cNvPr>
+          <p:cNvPicPr>
+            <a:picLocks noChangeAspect="1"/>
+          </p:cNvPicPr>
+          <p:nvPr/>
+        </p:nvPicPr>
+        <p:blipFill>
+          <a:blip r:embed="rId3"/>
+          <a:stretch>
+            <a:fillRect/>
+          </a:stretch>
+        </p:blipFill>
+        <p:spPr>
+          <a:xfrm>
+            <a:off x="870442" y="3053303"/>
+            <a:ext cx="5623501" cy="887921"/>
+          </a:xfrm>
+          <a:prstGeom prst="rect">
+            <a:avLst/>
+          </a:prstGeom>
+          <a:ln>
+            <a:solidFill>
+              <a:schemeClr val="tx1">
+                <a:lumMod val="50000"/>
+                <a:lumOff val="50000"/>
+              </a:schemeClr>
+            </a:solidFill>
+          </a:ln>
+        </p:spPr>
+      </p:pic>
+      <p:pic>
+        <p:nvPicPr>
+          <p:cNvPr id="13" name="Picture 12">
+            <a:extLst>
+              <a:ext uri="{FF2B5EF4-FFF2-40B4-BE49-F238E27FC236}">
+                <a16:creationId xmlns:a16="http://schemas.microsoft.com/office/drawing/2014/main" id="{A86E8F99-A8D6-47C7-86B8-562F79E7699E}"/>
+              </a:ext>
+            </a:extLst>
+          </p:cNvPr>
+          <p:cNvPicPr>
+            <a:picLocks noChangeAspect="1"/>
+          </p:cNvPicPr>
+          <p:nvPr/>
+        </p:nvPicPr>
+        <p:blipFill>
+          <a:blip r:embed="rId4"/>
+          <a:stretch>
+            <a:fillRect/>
+          </a:stretch>
+        </p:blipFill>
+        <p:spPr>
+          <a:xfrm>
+            <a:off x="856540" y="4474240"/>
+            <a:ext cx="5336838" cy="973612"/>
+          </a:xfrm>
+          <a:prstGeom prst="rect">
+            <a:avLst/>
+          </a:prstGeom>
+          <a:ln>
+            <a:solidFill>
+              <a:schemeClr val="tx1">
+                <a:lumMod val="50000"/>
+                <a:lumOff val="50000"/>
+              </a:schemeClr>
+            </a:solidFill>
+          </a:ln>
+        </p:spPr>
+      </p:pic>
+      <p:pic>
+        <p:nvPicPr>
+          <p:cNvPr id="14" name="Picture 13">
+            <a:extLst>
+              <a:ext uri="{FF2B5EF4-FFF2-40B4-BE49-F238E27FC236}">
+                <a16:creationId xmlns:a16="http://schemas.microsoft.com/office/drawing/2014/main" id="{236F18F6-E0DD-4576-BE27-60983680FEA7}"/>
+              </a:ext>
+            </a:extLst>
+          </p:cNvPr>
+          <p:cNvPicPr>
+            <a:picLocks noChangeAspect="1"/>
+          </p:cNvPicPr>
+          <p:nvPr/>
+        </p:nvPicPr>
+        <p:blipFill>
+          <a:blip r:embed="rId5"/>
+          <a:stretch>
+            <a:fillRect/>
+          </a:stretch>
+        </p:blipFill>
+        <p:spPr>
+          <a:xfrm>
+            <a:off x="856540" y="5978568"/>
+            <a:ext cx="5519957" cy="968039"/>
+          </a:xfrm>
+          <a:prstGeom prst="rect">
+            <a:avLst/>
+          </a:prstGeom>
+          <a:ln>
+            <a:solidFill>
+              <a:schemeClr val="tx1">
+                <a:lumMod val="50000"/>
+                <a:lumOff val="50000"/>
+              </a:schemeClr>
+            </a:solidFill>
+          </a:ln>
+        </p:spPr>
+      </p:pic>
+    </p:spTree>
+    <p:extLst>
+      <p:ext uri="{BB962C8B-B14F-4D97-AF65-F5344CB8AC3E}">
+        <p14:creationId xmlns:p14="http://schemas.microsoft.com/office/powerpoint/2010/main" val="2953793329"/>
+      </p:ext>
+    </p:extLst>
+  </p:cSld>
+  <p:clrMapOvr>
+    <a:masterClrMapping/>
+  </p:clrMapOvr>
+  <p:transition>
+    <p:fade/>
+  </p:transition>
+  <p:timing>
+    <p:tnLst>
+      <p:par>
+        <p:cTn id="1" dur="indefinite" restart="never" nodeType="tmRoot">
+          <p:childTnLst>
+            <p:seq concurrent="1" nextAc="seek">
+              <p:cTn id="2" dur="indefinite" nodeType="mainSeq">
+                <p:childTnLst>
+                  <p:par>
+                    <p:cTn id="3" fill="hold">
+                      <p:stCondLst>
+                        <p:cond delay="indefinite"/>
+                      </p:stCondLst>
+                      <p:childTnLst>
+                        <p:par>
+                          <p:cTn id="4" fill="hold">
+                            <p:stCondLst>
+                              <p:cond delay="0"/>
+                            </p:stCondLst>
+                            <p:childTnLst>
+                              <p:par>
+                                <p:cTn id="5" presetID="1" presetClass="entr" presetSubtype="0" fill="hold" nodeType="clickEffect">
+                                  <p:stCondLst>
+                                    <p:cond delay="0"/>
+                                  </p:stCondLst>
+                                  <p:childTnLst>
+                                    <p:set>
+                                      <p:cBhvr>
+                                        <p:cTn id="6" dur="1" fill="hold">
+                                          <p:stCondLst>
+                                            <p:cond delay="0"/>
+                                          </p:stCondLst>
+                                        </p:cTn>
+                                        <p:tgtEl>
+                                          <p:spTgt spid="3">
+                                            <p:txEl>
+                                              <p:pRg st="0" end="0"/>
+                                            </p:txEl>
+                                          </p:spTgt>
+                                        </p:tgtEl>
+                                        <p:attrNameLst>
+                                          <p:attrName>style.visibility</p:attrName>
+                                        </p:attrNameLst>
+                                      </p:cBhvr>
+                                      <p:to>
+                                        <p:strVal val="visible"/>
+                                      </p:to>
+                                    </p:set>
+                                  </p:childTnLst>
+                                </p:cTn>
+                              </p:par>
+                              <p:par>
+                                <p:cTn id="7" presetID="1" presetClass="entr" presetSubtype="0" fill="hold" nodeType="withEffect">
+                                  <p:stCondLst>
+                                    <p:cond delay="0"/>
+                                  </p:stCondLst>
+                                  <p:childTnLst>
+                                    <p:set>
+                                      <p:cBhvr>
+                                        <p:cTn id="8" dur="1" fill="hold">
+                                          <p:stCondLst>
+                                            <p:cond delay="0"/>
+                                          </p:stCondLst>
+                                        </p:cTn>
+                                        <p:tgtEl>
+                                          <p:spTgt spid="11"/>
+                                        </p:tgtEl>
+                                        <p:attrNameLst>
+                                          <p:attrName>style.visibility</p:attrName>
+                                        </p:attrNameLst>
+                                      </p:cBhvr>
+                                      <p:to>
+                                        <p:strVal val="visible"/>
+                                      </p:to>
+                                    </p:set>
+                                  </p:childTnLst>
+                                </p:cTn>
+                              </p:par>
+                            </p:childTnLst>
+                          </p:cTn>
+                        </p:par>
+                      </p:childTnLst>
+                    </p:cTn>
+                  </p:par>
+                  <p:par>
+                    <p:cTn id="9" fill="hold">
+                      <p:stCondLst>
+                        <p:cond delay="indefinite"/>
+                      </p:stCondLst>
+                      <p:childTnLst>
+                        <p:par>
+                          <p:cTn id="10" fill="hold">
+                            <p:stCondLst>
+                              <p:cond delay="0"/>
+                            </p:stCondLst>
+                            <p:childTnLst>
+                              <p:par>
+                                <p:cTn id="11" presetID="1" presetClass="entr" presetSubtype="0" fill="hold" nodeType="clickEffect">
+                                  <p:stCondLst>
+                                    <p:cond delay="0"/>
+                                  </p:stCondLst>
+                                  <p:childTnLst>
+                                    <p:set>
+                                      <p:cBhvr>
+                                        <p:cTn id="12" dur="1" fill="hold">
+                                          <p:stCondLst>
+                                            <p:cond delay="0"/>
+                                          </p:stCondLst>
+                                        </p:cTn>
+                                        <p:tgtEl>
+                                          <p:spTgt spid="3">
+                                            <p:txEl>
+                                              <p:pRg st="3" end="3"/>
+                                            </p:txEl>
+                                          </p:spTgt>
+                                        </p:tgtEl>
+                                        <p:attrNameLst>
+                                          <p:attrName>style.visibility</p:attrName>
+                                        </p:attrNameLst>
+                                      </p:cBhvr>
+                                      <p:to>
+                                        <p:strVal val="visible"/>
+                                      </p:to>
+                                    </p:set>
+                                  </p:childTnLst>
+                                </p:cTn>
+                              </p:par>
+                              <p:par>
+                                <p:cTn id="13" presetID="1" presetClass="entr" presetSubtype="0" fill="hold" nodeType="withEffect">
+                                  <p:stCondLst>
+                                    <p:cond delay="0"/>
+                                  </p:stCondLst>
+                                  <p:childTnLst>
+                                    <p:set>
+                                      <p:cBhvr>
+                                        <p:cTn id="14" dur="1" fill="hold">
+                                          <p:stCondLst>
+                                            <p:cond delay="0"/>
+                                          </p:stCondLst>
+                                        </p:cTn>
+                                        <p:tgtEl>
+                                          <p:spTgt spid="12"/>
+                                        </p:tgtEl>
+                                        <p:attrNameLst>
+                                          <p:attrName>style.visibility</p:attrName>
+                                        </p:attrNameLst>
+                                      </p:cBhvr>
+                                      <p:to>
+                                        <p:strVal val="visible"/>
+                                      </p:to>
+                                    </p:set>
+                                  </p:childTnLst>
+                                </p:cTn>
+                              </p:par>
+                            </p:childTnLst>
+                          </p:cTn>
+                        </p:par>
+                      </p:childTnLst>
+                    </p:cTn>
+                  </p:par>
+                  <p:par>
+                    <p:cTn id="15" fill="hold">
+                      <p:stCondLst>
+                        <p:cond delay="indefinite"/>
+                      </p:stCondLst>
+                      <p:childTnLst>
+                        <p:par>
+                          <p:cTn id="16" fill="hold">
+                            <p:stCondLst>
+                              <p:cond delay="0"/>
+                            </p:stCondLst>
+                            <p:childTnLst>
+                              <p:par>
+                                <p:cTn id="17" presetID="1" presetClass="entr" presetSubtype="0" fill="hold" nodeType="clickEffect">
+                                  <p:stCondLst>
+                                    <p:cond delay="0"/>
+                                  </p:stCondLst>
+                                  <p:childTnLst>
+                                    <p:set>
+                                      <p:cBhvr>
+                                        <p:cTn id="18" dur="1" fill="hold">
+                                          <p:stCondLst>
+                                            <p:cond delay="0"/>
+                                          </p:stCondLst>
+                                        </p:cTn>
+                                        <p:tgtEl>
+                                          <p:spTgt spid="3">
+                                            <p:txEl>
+                                              <p:pRg st="6" end="6"/>
+                                            </p:txEl>
+                                          </p:spTgt>
+                                        </p:tgtEl>
+                                        <p:attrNameLst>
+                                          <p:attrName>style.visibility</p:attrName>
+                                        </p:attrNameLst>
+                                      </p:cBhvr>
+                                      <p:to>
+                                        <p:strVal val="visible"/>
+                                      </p:to>
+                                    </p:set>
+                                  </p:childTnLst>
+                                </p:cTn>
+                              </p:par>
+                              <p:par>
+                                <p:cTn id="19" presetID="1" presetClass="entr" presetSubtype="0" fill="hold" nodeType="withEffect">
+                                  <p:stCondLst>
+                                    <p:cond delay="0"/>
+                                  </p:stCondLst>
+                                  <p:childTnLst>
+                                    <p:set>
+                                      <p:cBhvr>
+                                        <p:cTn id="20" dur="1" fill="hold">
+                                          <p:stCondLst>
+                                            <p:cond delay="0"/>
+                                          </p:stCondLst>
+                                        </p:cTn>
+                                        <p:tgtEl>
+                                          <p:spTgt spid="13"/>
+                                        </p:tgtEl>
+                                        <p:attrNameLst>
+                                          <p:attrName>style.visibility</p:attrName>
+                                        </p:attrNameLst>
+                                      </p:cBhvr>
+                                      <p:to>
+                                        <p:strVal val="visible"/>
+                                      </p:to>
+                                    </p:set>
+                                  </p:childTnLst>
+                                </p:cTn>
+                              </p:par>
+                            </p:childTnLst>
+                          </p:cTn>
+                        </p:par>
+                      </p:childTnLst>
+                    </p:cTn>
+                  </p:par>
+                  <p:par>
+                    <p:cTn id="21" fill="hold">
+                      <p:stCondLst>
+                        <p:cond delay="indefinite"/>
+                      </p:stCondLst>
+                      <p:childTnLst>
+                        <p:par>
+                          <p:cTn id="22" fill="hold">
+                            <p:stCondLst>
+                              <p:cond delay="0"/>
+                            </p:stCondLst>
+                            <p:childTnLst>
+                              <p:par>
+                                <p:cTn id="23" presetID="1" presetClass="entr" presetSubtype="0" fill="hold" nodeType="clickEffect">
+                                  <p:stCondLst>
+                                    <p:cond delay="0"/>
+                                  </p:stCondLst>
+                                  <p:childTnLst>
+                                    <p:set>
+                                      <p:cBhvr>
+                                        <p:cTn id="24" dur="1" fill="hold">
+                                          <p:stCondLst>
+                                            <p:cond delay="0"/>
+                                          </p:stCondLst>
+                                        </p:cTn>
+                                        <p:tgtEl>
+                                          <p:spTgt spid="3">
+                                            <p:txEl>
+                                              <p:pRg st="9" end="9"/>
+                                            </p:txEl>
+                                          </p:spTgt>
+                                        </p:tgtEl>
+                                        <p:attrNameLst>
+                                          <p:attrName>style.visibility</p:attrName>
+                                        </p:attrNameLst>
+                                      </p:cBhvr>
+                                      <p:to>
+                                        <p:strVal val="visible"/>
+                                      </p:to>
+                                    </p:set>
+                                  </p:childTnLst>
+                                </p:cTn>
+                              </p:par>
+                              <p:par>
+                                <p:cTn id="25" presetID="1" presetClass="entr" presetSubtype="0" fill="hold" nodeType="withEffect">
+                                  <p:stCondLst>
+                                    <p:cond delay="0"/>
+                                  </p:stCondLst>
+                                  <p:childTnLst>
+                                    <p:set>
+                                      <p:cBhvr>
+                                        <p:cTn id="26" dur="1" fill="hold">
+                                          <p:stCondLst>
+                                            <p:cond delay="0"/>
+                                          </p:stCondLst>
+                                        </p:cTn>
+                                        <p:tgtEl>
+                                          <p:spTgt spid="14"/>
+                                        </p:tgtEl>
+                                        <p:attrNameLst>
+                                          <p:attrName>style.visibility</p:attrName>
+                                        </p:attrNameLst>
+                                      </p:cBhvr>
+                                      <p:to>
+                                        <p:strVal val="visible"/>
+                                      </p:to>
+                                    </p:set>
+                                  </p:childTnLst>
+                                </p:cTn>
+                              </p:par>
+                            </p:childTnLst>
+                          </p:cTn>
+                        </p:par>
+                      </p:childTnLst>
+                    </p:cTn>
+                  </p:par>
+                </p:childTnLst>
+              </p:cTn>
+              <p:prevCondLst>
+                <p:cond evt="onPrev" delay="0">
+                  <p:tgtEl>
+                    <p:sldTgt/>
+                  </p:tgtEl>
+                </p:cond>
+              </p:prevCondLst>
+              <p:nextCondLst>
+                <p:cond evt="onNext" delay="0">
+                  <p:tgtEl>
+                    <p:sldTgt/>
+                  </p:tgtEl>
+                </p:cond>
+              </p:nextCondLst>
+            </p:seq>
+          </p:childTnLst>
+        </p:cTn>
+      </p:par>
+    </p:tnLst>
+  </p:timing>
+</p:sld>
+</file>
+
+<file path=ppt/slides/slide39.xml><?xml version="1.0" encoding="utf-8"?>
+<p:sld xmlns:a="http://schemas.openxmlformats.org/drawingml/2006/main" xmlns:r="http://schemas.openxmlformats.org/officeDocument/2006/relationships" xmlns:p="http://schemas.openxmlformats.org/presentationml/2006/main">
+  <p:cSld>
+    <p:spTree>
+      <p:nvGrpSpPr>
+        <p:cNvPr id="1" name=""/>
+        <p:cNvGrpSpPr/>
+        <p:nvPr/>
+      </p:nvGrpSpPr>
+      <p:grpSpPr>
+        <a:xfrm>
+          <a:off x="0" y="0"/>
+          <a:ext cx="0" cy="0"/>
+          <a:chOff x="0" y="0"/>
+          <a:chExt cx="0" cy="0"/>
+        </a:xfrm>
+      </p:grpSpPr>
+      <p:sp>
+        <p:nvSpPr>
+          <p:cNvPr id="2" name="Title 1">
+            <a:extLst>
+              <a:ext uri="{FF2B5EF4-FFF2-40B4-BE49-F238E27FC236}">
+                <a16:creationId xmlns:a16="http://schemas.microsoft.com/office/drawing/2014/main" id="{AA2A96D0-D824-4817-8B74-D7E397384D50}"/>
+              </a:ext>
+            </a:extLst>
+          </p:cNvPr>
+          <p:cNvSpPr>
+            <a:spLocks noGrp="1"/>
+          </p:cNvSpPr>
+          <p:nvPr>
+            <p:ph type="title"/>
+          </p:nvPr>
+        </p:nvSpPr>
+        <p:spPr/>
+        <p:txBody>
+          <a:bodyPr/>
+          <a:lstStyle/>
+          <a:p>
+            <a:r>
+              <a:rPr lang="en-US" dirty="0"/>
+              <a:t>Setting Up for Service Principal Access – Part 3</a:t>
+            </a:r>
+          </a:p>
+        </p:txBody>
+      </p:sp>
+      <p:sp>
+        <p:nvSpPr>
+          <p:cNvPr id="3" name="Content Placeholder 2">
+            <a:extLst>
+              <a:ext uri="{FF2B5EF4-FFF2-40B4-BE49-F238E27FC236}">
+                <a16:creationId xmlns:a16="http://schemas.microsoft.com/office/drawing/2014/main" id="{FEFEE8E3-4BDF-42D6-B1BE-A0F2A1013B33}"/>
+              </a:ext>
+            </a:extLst>
+          </p:cNvPr>
+          <p:cNvSpPr>
+            <a:spLocks noGrp="1"/>
+          </p:cNvSpPr>
+          <p:nvPr>
+            <p:ph type="body" sz="quarter" idx="10"/>
+          </p:nvPr>
+        </p:nvSpPr>
+        <p:spPr>
+          <a:xfrm>
+            <a:off x="588263" y="1108365"/>
+            <a:ext cx="11239464" cy="4298613"/>
+          </a:xfrm>
+        </p:spPr>
+        <p:txBody>
+          <a:bodyPr/>
+          <a:lstStyle/>
+          <a:p>
+            <a:r>
+              <a:rPr lang="en-US" dirty="0"/>
+              <a:t>Add application's service principal in Power BI Apps security group</a:t>
+            </a:r>
+          </a:p>
+          <a:p>
+            <a:pPr lvl="1"/>
+            <a:endParaRPr lang="en-US" dirty="0"/>
+          </a:p>
+          <a:p>
+            <a:pPr lvl="1"/>
+            <a:endParaRPr lang="en-US" dirty="0"/>
+          </a:p>
+          <a:p>
+            <a:endParaRPr lang="en-US" dirty="0"/>
+          </a:p>
+          <a:p>
+            <a:r>
+              <a:rPr lang="en-US" dirty="0"/>
+              <a:t>Configure application's service principal as workspace admin</a:t>
+            </a:r>
+          </a:p>
+          <a:p>
+            <a:endParaRPr lang="en-US" dirty="0"/>
+          </a:p>
+          <a:p>
+            <a:endParaRPr lang="en-US" dirty="0"/>
+          </a:p>
+          <a:p>
+            <a:endParaRPr lang="en-US" dirty="0"/>
+          </a:p>
+          <a:p>
+            <a:r>
+              <a:rPr lang="en-US" dirty="0"/>
+              <a:t>Service principal should now be workspace admin</a:t>
+            </a:r>
+          </a:p>
+        </p:txBody>
+      </p:sp>
+      <p:pic>
+        <p:nvPicPr>
+          <p:cNvPr id="6" name="Picture 5">
+            <a:extLst>
+              <a:ext uri="{FF2B5EF4-FFF2-40B4-BE49-F238E27FC236}">
+                <a16:creationId xmlns:a16="http://schemas.microsoft.com/office/drawing/2014/main" id="{DFB23597-AED2-4E77-952D-BD7AF2192E2F}"/>
+              </a:ext>
+            </a:extLst>
+          </p:cNvPr>
+          <p:cNvPicPr/>
+          <p:nvPr/>
+        </p:nvPicPr>
+        <p:blipFill>
+          <a:blip r:embed="rId2" cstate="print">
+            <a:extLst>
+              <a:ext uri="{28A0092B-C50C-407E-A947-70E740481C1C}">
+                <a14:useLocalDpi xmlns:a14="http://schemas.microsoft.com/office/drawing/2010/main" val="0"/>
+              </a:ext>
+            </a:extLst>
+          </a:blip>
+          <a:srcRect/>
+          <a:stretch>
+            <a:fillRect/>
+          </a:stretch>
+        </p:blipFill>
+        <p:spPr bwMode="auto">
+          <a:xfrm>
+            <a:off x="850908" y="1651121"/>
+            <a:ext cx="4240358" cy="1196618"/>
+          </a:xfrm>
+          <a:prstGeom prst="rect">
+            <a:avLst/>
+          </a:prstGeom>
+          <a:noFill/>
+          <a:ln>
+            <a:solidFill>
+              <a:schemeClr val="tx1">
+                <a:lumMod val="50000"/>
+                <a:lumOff val="50000"/>
+              </a:schemeClr>
+            </a:solidFill>
+          </a:ln>
+        </p:spPr>
+      </p:pic>
+      <p:pic>
+        <p:nvPicPr>
+          <p:cNvPr id="7" name="Picture 6">
+            <a:extLst>
+              <a:ext uri="{FF2B5EF4-FFF2-40B4-BE49-F238E27FC236}">
+                <a16:creationId xmlns:a16="http://schemas.microsoft.com/office/drawing/2014/main" id="{3025D5CB-3CF4-4281-954B-93DDBD854A39}"/>
+              </a:ext>
+            </a:extLst>
+          </p:cNvPr>
+          <p:cNvPicPr/>
+          <p:nvPr/>
+        </p:nvPicPr>
+        <p:blipFill rotWithShape="1">
+          <a:blip r:embed="rId3" cstate="print">
+            <a:extLst>
+              <a:ext uri="{28A0092B-C50C-407E-A947-70E740481C1C}">
+                <a14:useLocalDpi xmlns:a14="http://schemas.microsoft.com/office/drawing/2010/main" val="0"/>
+              </a:ext>
+            </a:extLst>
+          </a:blip>
+          <a:srcRect/>
+          <a:stretch/>
+        </p:blipFill>
+        <p:spPr bwMode="auto">
+          <a:xfrm>
+            <a:off x="850908" y="3447464"/>
+            <a:ext cx="3774056" cy="1228966"/>
+          </a:xfrm>
+          <a:prstGeom prst="rect">
+            <a:avLst/>
+          </a:prstGeom>
+          <a:noFill/>
+          <a:ln>
+            <a:solidFill>
+              <a:schemeClr val="tx1">
+                <a:lumMod val="50000"/>
+                <a:lumOff val="50000"/>
+              </a:schemeClr>
+            </a:solidFill>
+          </a:ln>
+        </p:spPr>
+      </p:pic>
+      <p:pic>
+        <p:nvPicPr>
+          <p:cNvPr id="8" name="Picture 7">
+            <a:extLst>
+              <a:ext uri="{FF2B5EF4-FFF2-40B4-BE49-F238E27FC236}">
+                <a16:creationId xmlns:a16="http://schemas.microsoft.com/office/drawing/2014/main" id="{7210A21F-30CC-4E9E-A483-93FDAAD5860B}"/>
+              </a:ext>
+            </a:extLst>
+          </p:cNvPr>
+          <p:cNvPicPr/>
+          <p:nvPr/>
+        </p:nvPicPr>
+        <p:blipFill>
+          <a:blip r:embed="rId4">
+            <a:extLst>
+              <a:ext uri="{28A0092B-C50C-407E-A947-70E740481C1C}">
+                <a14:useLocalDpi xmlns:a14="http://schemas.microsoft.com/office/drawing/2010/main" val="0"/>
+              </a:ext>
+            </a:extLst>
+          </a:blip>
+          <a:srcRect/>
+          <a:stretch>
+            <a:fillRect/>
+          </a:stretch>
+        </p:blipFill>
+        <p:spPr bwMode="auto">
+          <a:xfrm>
+            <a:off x="5062594" y="3439651"/>
+            <a:ext cx="2523914" cy="1196618"/>
+          </a:xfrm>
+          <a:prstGeom prst="rect">
+            <a:avLst/>
+          </a:prstGeom>
+          <a:noFill/>
+          <a:ln>
+            <a:solidFill>
+              <a:schemeClr val="tx1">
+                <a:lumMod val="50000"/>
+                <a:lumOff val="50000"/>
+              </a:schemeClr>
+            </a:solidFill>
+          </a:ln>
+        </p:spPr>
+      </p:pic>
+      <p:pic>
+        <p:nvPicPr>
+          <p:cNvPr id="9" name="Picture 8">
+            <a:extLst>
+              <a:ext uri="{FF2B5EF4-FFF2-40B4-BE49-F238E27FC236}">
+                <a16:creationId xmlns:a16="http://schemas.microsoft.com/office/drawing/2014/main" id="{894780C6-E7EC-42D8-AE23-D1E2FFD4146E}"/>
+              </a:ext>
+            </a:extLst>
+          </p:cNvPr>
+          <p:cNvPicPr/>
+          <p:nvPr/>
+        </p:nvPicPr>
+        <p:blipFill>
+          <a:blip r:embed="rId5">
+            <a:extLst>
+              <a:ext uri="{28A0092B-C50C-407E-A947-70E740481C1C}">
+                <a14:useLocalDpi xmlns:a14="http://schemas.microsoft.com/office/drawing/2010/main" val="0"/>
+              </a:ext>
+            </a:extLst>
+          </a:blip>
+          <a:srcRect/>
+          <a:stretch>
+            <a:fillRect/>
+          </a:stretch>
+        </p:blipFill>
+        <p:spPr bwMode="auto">
+          <a:xfrm>
+            <a:off x="820745" y="5504145"/>
+            <a:ext cx="3048734" cy="1238379"/>
+          </a:xfrm>
+          <a:prstGeom prst="rect">
+            <a:avLst/>
+          </a:prstGeom>
+          <a:noFill/>
+          <a:ln>
+            <a:solidFill>
+              <a:schemeClr val="tx1">
+                <a:lumMod val="50000"/>
+                <a:lumOff val="50000"/>
+              </a:schemeClr>
+            </a:solidFill>
+          </a:ln>
+        </p:spPr>
+      </p:pic>
+    </p:spTree>
+    <p:extLst>
+      <p:ext uri="{BB962C8B-B14F-4D97-AF65-F5344CB8AC3E}">
+        <p14:creationId xmlns:p14="http://schemas.microsoft.com/office/powerpoint/2010/main" val="952681814"/>
+      </p:ext>
+    </p:extLst>
+  </p:cSld>
+  <p:clrMapOvr>
+    <a:masterClrMapping/>
+  </p:clrMapOvr>
+  <p:transition>
+    <p:fade/>
+  </p:transition>
+  <p:timing>
+    <p:tnLst>
+      <p:par>
+        <p:cTn id="1" dur="indefinite" restart="never" nodeType="tmRoot">
+          <p:childTnLst>
+            <p:seq concurrent="1" nextAc="seek">
+              <p:cTn id="2" dur="indefinite" nodeType="mainSeq">
+                <p:childTnLst>
+                  <p:par>
+                    <p:cTn id="3" fill="hold">
+                      <p:stCondLst>
+                        <p:cond delay="indefinite"/>
+                      </p:stCondLst>
+                      <p:childTnLst>
+                        <p:par>
+                          <p:cTn id="4" fill="hold">
+                            <p:stCondLst>
+                              <p:cond delay="0"/>
+                            </p:stCondLst>
+                            <p:childTnLst>
+                              <p:par>
+                                <p:cTn id="5" presetID="1" presetClass="entr" presetSubtype="0" fill="hold" nodeType="clickEffect">
+                                  <p:stCondLst>
+                                    <p:cond delay="0"/>
+                                  </p:stCondLst>
+                                  <p:childTnLst>
+                                    <p:set>
+                                      <p:cBhvr>
+                                        <p:cTn id="6" dur="1" fill="hold">
+                                          <p:stCondLst>
+                                            <p:cond delay="0"/>
+                                          </p:stCondLst>
+                                        </p:cTn>
+                                        <p:tgtEl>
+                                          <p:spTgt spid="3">
+                                            <p:txEl>
+                                              <p:pRg st="0" end="0"/>
+                                            </p:txEl>
+                                          </p:spTgt>
+                                        </p:tgtEl>
+                                        <p:attrNameLst>
+                                          <p:attrName>style.visibility</p:attrName>
+                                        </p:attrNameLst>
+                                      </p:cBhvr>
+                                      <p:to>
+                                        <p:strVal val="visible"/>
+                                      </p:to>
+                                    </p:set>
+                                  </p:childTnLst>
+                                </p:cTn>
+                              </p:par>
+                              <p:par>
+                                <p:cTn id="7" presetID="1" presetClass="entr" presetSubtype="0" fill="hold" nodeType="withEffect">
+                                  <p:stCondLst>
+                                    <p:cond delay="0"/>
+                                  </p:stCondLst>
+                                  <p:childTnLst>
+                                    <p:set>
+                                      <p:cBhvr>
+                                        <p:cTn id="8" dur="1" fill="hold">
+                                          <p:stCondLst>
+                                            <p:cond delay="0"/>
+                                          </p:stCondLst>
+                                        </p:cTn>
+                                        <p:tgtEl>
+                                          <p:spTgt spid="6"/>
+                                        </p:tgtEl>
+                                        <p:attrNameLst>
+                                          <p:attrName>style.visibility</p:attrName>
+                                        </p:attrNameLst>
+                                      </p:cBhvr>
+                                      <p:to>
+                                        <p:strVal val="visible"/>
+                                      </p:to>
+                                    </p:set>
+                                  </p:childTnLst>
+                                </p:cTn>
+                              </p:par>
+                            </p:childTnLst>
+                          </p:cTn>
+                        </p:par>
+                      </p:childTnLst>
+                    </p:cTn>
+                  </p:par>
+                  <p:par>
+                    <p:cTn id="9" fill="hold">
+                      <p:stCondLst>
+                        <p:cond delay="indefinite"/>
+                      </p:stCondLst>
+                      <p:childTnLst>
+                        <p:par>
+                          <p:cTn id="10" fill="hold">
+                            <p:stCondLst>
+                              <p:cond delay="0"/>
+                            </p:stCondLst>
+                            <p:childTnLst>
+                              <p:par>
+                                <p:cTn id="11" presetID="1" presetClass="entr" presetSubtype="0" fill="hold" nodeType="clickEffect">
+                                  <p:stCondLst>
+                                    <p:cond delay="0"/>
+                                  </p:stCondLst>
+                                  <p:childTnLst>
+                                    <p:set>
+                                      <p:cBhvr>
+                                        <p:cTn id="12" dur="1" fill="hold">
+                                          <p:stCondLst>
+                                            <p:cond delay="0"/>
+                                          </p:stCondLst>
+                                        </p:cTn>
+                                        <p:tgtEl>
+                                          <p:spTgt spid="3">
+                                            <p:txEl>
+                                              <p:pRg st="4" end="4"/>
+                                            </p:txEl>
+                                          </p:spTgt>
+                                        </p:tgtEl>
+                                        <p:attrNameLst>
+                                          <p:attrName>style.visibility</p:attrName>
+                                        </p:attrNameLst>
+                                      </p:cBhvr>
+                                      <p:to>
+                                        <p:strVal val="visible"/>
+                                      </p:to>
+                                    </p:set>
+                                  </p:childTnLst>
+                                </p:cTn>
+                              </p:par>
+                              <p:par>
+                                <p:cTn id="13" presetID="1" presetClass="entr" presetSubtype="0" fill="hold" nodeType="withEffect">
+                                  <p:stCondLst>
+                                    <p:cond delay="0"/>
+                                  </p:stCondLst>
+                                  <p:childTnLst>
+                                    <p:set>
+                                      <p:cBhvr>
+                                        <p:cTn id="14" dur="1" fill="hold">
+                                          <p:stCondLst>
+                                            <p:cond delay="0"/>
+                                          </p:stCondLst>
+                                        </p:cTn>
+                                        <p:tgtEl>
+                                          <p:spTgt spid="7"/>
+                                        </p:tgtEl>
+                                        <p:attrNameLst>
+                                          <p:attrName>style.visibility</p:attrName>
+                                        </p:attrNameLst>
+                                      </p:cBhvr>
+                                      <p:to>
+                                        <p:strVal val="visible"/>
+                                      </p:to>
+                                    </p:set>
+                                  </p:childTnLst>
+                                </p:cTn>
+                              </p:par>
+                              <p:par>
+                                <p:cTn id="15" presetID="1" presetClass="entr" presetSubtype="0" fill="hold" nodeType="withEffect">
+                                  <p:stCondLst>
+                                    <p:cond delay="0"/>
+                                  </p:stCondLst>
+                                  <p:childTnLst>
+                                    <p:set>
+                                      <p:cBhvr>
+                                        <p:cTn id="16" dur="1" fill="hold">
+                                          <p:stCondLst>
+                                            <p:cond delay="0"/>
+                                          </p:stCondLst>
+                                        </p:cTn>
+                                        <p:tgtEl>
+                                          <p:spTgt spid="8"/>
+                                        </p:tgtEl>
+                                        <p:attrNameLst>
+                                          <p:attrName>style.visibility</p:attrName>
+                                        </p:attrNameLst>
+                                      </p:cBhvr>
+                                      <p:to>
+                                        <p:strVal val="visible"/>
+                                      </p:to>
+                                    </p:set>
+                                  </p:childTnLst>
+                                </p:cTn>
+                              </p:par>
+                            </p:childTnLst>
+                          </p:cTn>
+                        </p:par>
+                      </p:childTnLst>
+                    </p:cTn>
+                  </p:par>
+                  <p:par>
+                    <p:cTn id="17" fill="hold">
+                      <p:stCondLst>
+                        <p:cond delay="indefinite"/>
+                      </p:stCondLst>
+                      <p:childTnLst>
+                        <p:par>
+                          <p:cTn id="18" fill="hold">
+                            <p:stCondLst>
+                              <p:cond delay="0"/>
+                            </p:stCondLst>
+                            <p:childTnLst>
+                              <p:par>
+                                <p:cTn id="19" presetID="1" presetClass="entr" presetSubtype="0" fill="hold" nodeType="clickEffect">
+                                  <p:stCondLst>
+                                    <p:cond delay="0"/>
+                                  </p:stCondLst>
+                                  <p:childTnLst>
+                                    <p:set>
+                                      <p:cBhvr>
+                                        <p:cTn id="20" dur="1" fill="hold">
+                                          <p:stCondLst>
+                                            <p:cond delay="0"/>
+                                          </p:stCondLst>
+                                        </p:cTn>
+                                        <p:tgtEl>
+                                          <p:spTgt spid="3">
+                                            <p:txEl>
+                                              <p:pRg st="8" end="8"/>
+                                            </p:txEl>
+                                          </p:spTgt>
+                                        </p:tgtEl>
+                                        <p:attrNameLst>
+                                          <p:attrName>style.visibility</p:attrName>
+                                        </p:attrNameLst>
+                                      </p:cBhvr>
+                                      <p:to>
+                                        <p:strVal val="visible"/>
+                                      </p:to>
+                                    </p:set>
+                                  </p:childTnLst>
+                                </p:cTn>
+                              </p:par>
+                              <p:par>
+                                <p:cTn id="21" presetID="1" presetClass="entr" presetSubtype="0" fill="hold" nodeType="withEffect">
+                                  <p:stCondLst>
+                                    <p:cond delay="0"/>
+                                  </p:stCondLst>
+                                  <p:childTnLst>
+                                    <p:set>
+                                      <p:cBhvr>
+                                        <p:cTn id="22" dur="1" fill="hold">
+                                          <p:stCondLst>
+                                            <p:cond delay="0"/>
+                                          </p:stCondLst>
+                                        </p:cTn>
+                                        <p:tgtEl>
+                                          <p:spTgt spid="9"/>
+                                        </p:tgtEl>
+                                        <p:attrNameLst>
+                                          <p:attrName>style.visibility</p:attrName>
+                                        </p:attrNameLst>
+                                      </p:cBhvr>
+                                      <p:to>
+                                        <p:strVal val="visible"/>
+                                      </p:to>
+                                    </p:set>
+                                  </p:childTnLst>
+                                </p:cTn>
+                              </p:par>
+                            </p:childTnLst>
+                          </p:cTn>
+                        </p:par>
+                      </p:childTnLst>
+                    </p:cTn>
+                  </p:par>
+                </p:childTnLst>
+              </p:cTn>
+              <p:prevCondLst>
+                <p:cond evt="onPrev" delay="0">
+                  <p:tgtEl>
+                    <p:sldTgt/>
+                  </p:tgtEl>
+                </p:cond>
+              </p:prevCondLst>
+              <p:nextCondLst>
+                <p:cond evt="onNext" delay="0">
+                  <p:tgtEl>
+                    <p:sldTgt/>
+                  </p:tgtEl>
+                </p:cond>
+              </p:nextCondLst>
+            </p:seq>
+          </p:childTnLst>
+        </p:cTn>
+      </p:par>
+    </p:tnLst>
+  </p:timing>
+</p:sld>
+</file>
+
+<file path=ppt/slides/slide4.xml><?xml version="1.0" encoding="utf-8"?>
+<p:sld xmlns:a="http://schemas.openxmlformats.org/drawingml/2006/main" xmlns:r="http://schemas.openxmlformats.org/officeDocument/2006/relationships" xmlns:p="http://schemas.openxmlformats.org/presentationml/2006/main">
+  <p:cSld>
+    <p:spTree>
+      <p:nvGrpSpPr>
+        <p:cNvPr id="1" name=""/>
+        <p:cNvGrpSpPr/>
+        <p:nvPr/>
+      </p:nvGrpSpPr>
+      <p:grpSpPr>
+        <a:xfrm>
+          <a:off x="0" y="0"/>
+          <a:ext cx="0" cy="0"/>
+          <a:chOff x="0" y="0"/>
+          <a:chExt cx="0" cy="0"/>
+        </a:xfrm>
+      </p:grpSpPr>
+      <p:sp>
+        <p:nvSpPr>
+          <p:cNvPr id="2" name="Title 1">
+            <a:extLst>
+              <a:ext uri="{FF2B5EF4-FFF2-40B4-BE49-F238E27FC236}">
+                <a16:creationId xmlns:a16="http://schemas.microsoft.com/office/drawing/2014/main" id="{B8F8E791-5F2B-4730-97B9-65600D9E0833}"/>
+              </a:ext>
+            </a:extLst>
+          </p:cNvPr>
+          <p:cNvSpPr>
+            <a:spLocks noGrp="1"/>
+          </p:cNvSpPr>
+          <p:nvPr>
+            <p:ph type="title"/>
+          </p:nvPr>
+        </p:nvSpPr>
+        <p:spPr/>
+        <p:txBody>
+          <a:bodyPr/>
+          <a:lstStyle/>
+          <a:p>
+            <a:r>
+              <a:rPr lang="en-US" dirty="0"/>
+              <a:t>Writing PowerShell Scripts for Power BI Tutorial</a:t>
+            </a:r>
+          </a:p>
+        </p:txBody>
+      </p:sp>
+      <p:sp>
+        <p:nvSpPr>
+          <p:cNvPr id="5" name="Text Placeholder 4">
+            <a:extLst>
+              <a:ext uri="{FF2B5EF4-FFF2-40B4-BE49-F238E27FC236}">
+                <a16:creationId xmlns:a16="http://schemas.microsoft.com/office/drawing/2014/main" id="{70DC43AD-7C08-429A-859D-E9D4D9EF5792}"/>
+              </a:ext>
+            </a:extLst>
+          </p:cNvPr>
+          <p:cNvSpPr>
+            <a:spLocks noGrp="1"/>
+          </p:cNvSpPr>
+          <p:nvPr>
+            <p:ph type="body" sz="quarter" idx="10"/>
+          </p:nvPr>
+        </p:nvSpPr>
+        <p:spPr>
+          <a:xfrm>
+            <a:off x="588263" y="1211828"/>
+            <a:ext cx="11239464" cy="430887"/>
+          </a:xfrm>
+        </p:spPr>
+        <p:txBody>
+          <a:bodyPr/>
+          <a:lstStyle/>
+          <a:p>
+            <a:r>
+              <a:rPr lang="en-US" dirty="0">
+                <a:hlinkClick r:id="rId2"/>
+              </a:rPr>
+              <a:t>https://github.com/PowerBiDevCamp/PowerBI-PowerShell-Tutorial</a:t>
+            </a:r>
+            <a:r>
+              <a:rPr lang="en-US" dirty="0"/>
+              <a:t> </a:t>
+            </a:r>
+          </a:p>
+        </p:txBody>
+      </p:sp>
+      <p:pic>
+        <p:nvPicPr>
+          <p:cNvPr id="7" name="Picture 6">
+            <a:extLst>
+              <a:ext uri="{FF2B5EF4-FFF2-40B4-BE49-F238E27FC236}">
+                <a16:creationId xmlns:a16="http://schemas.microsoft.com/office/drawing/2014/main" id="{951A9018-E50F-443A-AB9F-C831DF376535}"/>
+              </a:ext>
+            </a:extLst>
+          </p:cNvPr>
+          <p:cNvPicPr>
+            <a:picLocks noChangeAspect="1"/>
+          </p:cNvPicPr>
+          <p:nvPr/>
+        </p:nvPicPr>
+        <p:blipFill>
+          <a:blip r:embed="rId3"/>
+          <a:stretch>
+            <a:fillRect/>
+          </a:stretch>
+        </p:blipFill>
+        <p:spPr>
+          <a:xfrm>
+            <a:off x="912022" y="1843345"/>
+            <a:ext cx="6051486" cy="4297728"/>
+          </a:xfrm>
+          <a:prstGeom prst="rect">
+            <a:avLst/>
+          </a:prstGeom>
+          <a:ln>
+            <a:solidFill>
+              <a:schemeClr val="tx1">
+                <a:lumMod val="60000"/>
+                <a:lumOff val="40000"/>
+              </a:schemeClr>
+            </a:solidFill>
+          </a:ln>
+        </p:spPr>
+      </p:pic>
+      <p:sp>
+        <p:nvSpPr>
+          <p:cNvPr id="10" name="Rectangle: Rounded Corners 9">
+            <a:extLst>
+              <a:ext uri="{FF2B5EF4-FFF2-40B4-BE49-F238E27FC236}">
+                <a16:creationId xmlns:a16="http://schemas.microsoft.com/office/drawing/2014/main" id="{B4DB945E-9CE4-494C-AD94-7060DA6EBCDE}"/>
+              </a:ext>
+            </a:extLst>
+          </p:cNvPr>
+          <p:cNvSpPr/>
+          <p:nvPr/>
+        </p:nvSpPr>
+        <p:spPr bwMode="auto">
+          <a:xfrm>
+            <a:off x="1053385" y="4258022"/>
+            <a:ext cx="1177349" cy="555138"/>
+          </a:xfrm>
+          <a:prstGeom prst="roundRect">
+            <a:avLst/>
+          </a:prstGeom>
+          <a:noFill/>
+          <a:ln w="38100">
+            <a:solidFill>
+              <a:srgbClr val="C00000"/>
+            </a:solidFill>
+            <a:prstDash val="sysDash"/>
+            <a:headEnd type="none" w="med" len="med"/>
+            <a:tailEnd type="none" w="med" len="med"/>
+          </a:ln>
+          <a:effectLst/>
+        </p:spPr>
+        <p:style>
+          <a:lnRef idx="1">
+            <a:schemeClr val="accent2"/>
+          </a:lnRef>
+          <a:fillRef idx="3">
+            <a:schemeClr val="accent2"/>
+          </a:fillRef>
+          <a:effectRef idx="2">
+            <a:schemeClr val="accent2"/>
+          </a:effectRef>
+          <a:fontRef idx="minor">
+            <a:schemeClr val="lt1"/>
+          </a:fontRef>
+        </p:style>
+        <p:txBody>
+          <a:bodyPr rot="0" spcFirstLastPara="0" vertOverflow="overflow" horzOverflow="overflow" vert="horz" wrap="square" lIns="182880" tIns="146304" rIns="182880" bIns="146304" numCol="1" spcCol="0" rtlCol="0" fromWordArt="0" anchor="t" anchorCtr="0" forceAA="0" compatLnSpc="1">
+            <a:prstTxWarp prst="textNoShape">
+              <a:avLst/>
+            </a:prstTxWarp>
+            <a:noAutofit/>
+          </a:bodyPr>
+          <a:lstStyle/>
+          <a:p>
+            <a:pPr algn="ctr" defTabSz="932472" fontAlgn="base">
+              <a:lnSpc>
+                <a:spcPct val="90000"/>
+              </a:lnSpc>
+              <a:spcBef>
+                <a:spcPct val="0"/>
+              </a:spcBef>
+              <a:spcAft>
+                <a:spcPct val="0"/>
+              </a:spcAft>
+            </a:pPr>
+            <a:endParaRPr lang="en-US" sz="2400" dirty="0" err="1">
+              <a:gradFill>
+                <a:gsLst>
+                  <a:gs pos="0">
+                    <a:srgbClr val="FFFFFF"/>
+                  </a:gs>
+                  <a:gs pos="100000">
+                    <a:srgbClr val="FFFFFF"/>
+                  </a:gs>
+                </a:gsLst>
+                <a:lin ang="5400000" scaled="0"/>
+              </a:gradFill>
+              <a:ea typeface="Segoe UI" pitchFamily="34" charset="0"/>
+              <a:cs typeface="Segoe UI" pitchFamily="34" charset="0"/>
+            </a:endParaRPr>
+          </a:p>
+        </p:txBody>
+      </p:sp>
+      <p:grpSp>
+        <p:nvGrpSpPr>
+          <p:cNvPr id="12" name="Group 11">
+            <a:extLst>
+              <a:ext uri="{FF2B5EF4-FFF2-40B4-BE49-F238E27FC236}">
+                <a16:creationId xmlns:a16="http://schemas.microsoft.com/office/drawing/2014/main" id="{A77AEC79-0D96-4A08-A4CF-CA8121553CA3}"/>
+              </a:ext>
+            </a:extLst>
+          </p:cNvPr>
+          <p:cNvGrpSpPr/>
+          <p:nvPr/>
+        </p:nvGrpSpPr>
+        <p:grpSpPr>
+          <a:xfrm>
+            <a:off x="2309234" y="3828421"/>
+            <a:ext cx="9634886" cy="2708904"/>
+            <a:chOff x="2309234" y="3828421"/>
+            <a:chExt cx="9634886" cy="2708904"/>
+          </a:xfrm>
+        </p:grpSpPr>
+        <p:pic>
+          <p:nvPicPr>
+            <p:cNvPr id="9" name="Picture 8">
+              <a:extLst>
+                <a:ext uri="{FF2B5EF4-FFF2-40B4-BE49-F238E27FC236}">
+                  <a16:creationId xmlns:a16="http://schemas.microsoft.com/office/drawing/2014/main" id="{3C47D519-3997-45F3-90BC-C4AEFCF677EB}"/>
+                </a:ext>
+              </a:extLst>
+            </p:cNvPr>
+            <p:cNvPicPr>
+              <a:picLocks noChangeAspect="1"/>
+            </p:cNvPicPr>
+            <p:nvPr/>
+          </p:nvPicPr>
+          <p:blipFill rotWithShape="1">
+            <a:blip r:embed="rId4"/>
+            <a:srcRect t="3049"/>
+            <a:stretch/>
+          </p:blipFill>
+          <p:spPr>
+            <a:xfrm>
+              <a:off x="5816180" y="3828421"/>
+              <a:ext cx="6127940" cy="2708904"/>
+            </a:xfrm>
+            <a:prstGeom prst="rect">
+              <a:avLst/>
+            </a:prstGeom>
+            <a:ln>
+              <a:solidFill>
+                <a:schemeClr val="tx1">
+                  <a:lumMod val="60000"/>
+                  <a:lumOff val="40000"/>
+                </a:schemeClr>
+              </a:solidFill>
+            </a:ln>
+          </p:spPr>
+        </p:pic>
+        <p:sp>
+          <p:nvSpPr>
+            <p:cNvPr id="11" name="Arrow: Right 10">
+              <a:extLst>
+                <a:ext uri="{FF2B5EF4-FFF2-40B4-BE49-F238E27FC236}">
+                  <a16:creationId xmlns:a16="http://schemas.microsoft.com/office/drawing/2014/main" id="{087F5FB9-5D7D-4E9D-AFAE-1BC24DF7109A}"/>
+                </a:ext>
+              </a:extLst>
+            </p:cNvPr>
+            <p:cNvSpPr/>
+            <p:nvPr/>
+          </p:nvSpPr>
+          <p:spPr bwMode="auto">
+            <a:xfrm>
+              <a:off x="2309234" y="4150305"/>
+              <a:ext cx="3388181" cy="793820"/>
+            </a:xfrm>
+            <a:prstGeom prst="rightArrow">
+              <a:avLst/>
+            </a:prstGeom>
+            <a:solidFill>
+              <a:schemeClr val="accent1"/>
+            </a:solidFill>
+            <a:ln>
+              <a:noFill/>
+              <a:headEnd type="none" w="med" len="med"/>
+              <a:tailEnd type="none" w="med" len="med"/>
+            </a:ln>
+            <a:effectLst/>
+          </p:spPr>
+          <p:style>
+            <a:lnRef idx="1">
+              <a:schemeClr val="accent2"/>
+            </a:lnRef>
+            <a:fillRef idx="3">
+              <a:schemeClr val="accent2"/>
+            </a:fillRef>
+            <a:effectRef idx="2">
+              <a:schemeClr val="accent2"/>
+            </a:effectRef>
+            <a:fontRef idx="minor">
+              <a:schemeClr val="lt1"/>
+            </a:fontRef>
+          </p:style>
+          <p:txBody>
+            <a:bodyPr rot="0" spcFirstLastPara="0" vertOverflow="overflow" horzOverflow="overflow" vert="horz" wrap="square" lIns="182880" tIns="146304" rIns="182880" bIns="146304" numCol="1" spcCol="0" rtlCol="0" fromWordArt="0" anchor="t" anchorCtr="0" forceAA="0" compatLnSpc="1">
+              <a:prstTxWarp prst="textNoShape">
+                <a:avLst/>
+              </a:prstTxWarp>
+              <a:noAutofit/>
+            </a:bodyPr>
+            <a:lstStyle/>
+            <a:p>
+              <a:pPr algn="ctr" defTabSz="932472" fontAlgn="base">
+                <a:lnSpc>
+                  <a:spcPct val="90000"/>
+                </a:lnSpc>
+                <a:spcBef>
+                  <a:spcPct val="0"/>
+                </a:spcBef>
+                <a:spcAft>
+                  <a:spcPct val="0"/>
+                </a:spcAft>
+              </a:pPr>
+              <a:endParaRPr lang="en-US" sz="2400" dirty="0" err="1">
+                <a:gradFill>
+                  <a:gsLst>
+                    <a:gs pos="0">
+                      <a:srgbClr val="FFFFFF"/>
+                    </a:gs>
+                    <a:gs pos="100000">
+                      <a:srgbClr val="FFFFFF"/>
+                    </a:gs>
+                  </a:gsLst>
+                  <a:lin ang="5400000" scaled="0"/>
+                </a:gradFill>
+                <a:ea typeface="Segoe UI" pitchFamily="34" charset="0"/>
+                <a:cs typeface="Segoe UI" pitchFamily="34" charset="0"/>
+              </a:endParaRPr>
+            </a:p>
+          </p:txBody>
+        </p:sp>
+      </p:grpSp>
+    </p:spTree>
+    <p:extLst>
+      <p:ext uri="{BB962C8B-B14F-4D97-AF65-F5344CB8AC3E}">
+        <p14:creationId xmlns:p14="http://schemas.microsoft.com/office/powerpoint/2010/main" val="1069563751"/>
+      </p:ext>
+    </p:extLst>
+  </p:cSld>
+  <p:clrMapOvr>
+    <a:masterClrMapping/>
+  </p:clrMapOvr>
+  <p:transition>
+    <p:fade/>
+  </p:transition>
+  <p:timing>
+    <p:tnLst>
+      <p:par>
+        <p:cTn id="1" dur="indefinite" restart="never" nodeType="tmRoot">
+          <p:childTnLst>
+            <p:seq concurrent="1" nextAc="seek">
+              <p:cTn id="2" dur="indefinite" nodeType="mainSeq">
+                <p:childTnLst>
+                  <p:par>
+                    <p:cTn id="3" fill="hold">
+                      <p:stCondLst>
+                        <p:cond delay="indefinite"/>
+                      </p:stCondLst>
+                      <p:childTnLst>
+                        <p:par>
+                          <p:cTn id="4" fill="hold">
+                            <p:stCondLst>
+                              <p:cond delay="0"/>
+                            </p:stCondLst>
+                            <p:childTnLst>
+                              <p:par>
+                                <p:cTn id="5" presetID="1" presetClass="entr" presetSubtype="0" fill="hold" grpId="0" nodeType="clickEffect">
+                                  <p:stCondLst>
+                                    <p:cond delay="0"/>
+                                  </p:stCondLst>
+                                  <p:childTnLst>
+                                    <p:set>
+                                      <p:cBhvr>
+                                        <p:cTn id="6" dur="1" fill="hold">
+                                          <p:stCondLst>
+                                            <p:cond delay="0"/>
+                                          </p:stCondLst>
+                                        </p:cTn>
+                                        <p:tgtEl>
+                                          <p:spTgt spid="10"/>
+                                        </p:tgtEl>
+                                        <p:attrNameLst>
+                                          <p:attrName>style.visibility</p:attrName>
+                                        </p:attrNameLst>
+                                      </p:cBhvr>
+                                      <p:to>
+                                        <p:strVal val="visible"/>
+                                      </p:to>
+                                    </p:set>
+                                  </p:childTnLst>
+                                </p:cTn>
+                              </p:par>
+                            </p:childTnLst>
+                          </p:cTn>
+                        </p:par>
+                      </p:childTnLst>
+                    </p:cTn>
+                  </p:par>
+                  <p:par>
+                    <p:cTn id="7" fill="hold">
+                      <p:stCondLst>
+                        <p:cond delay="indefinite"/>
+                      </p:stCondLst>
+                      <p:childTnLst>
+                        <p:par>
+                          <p:cTn id="8" fill="hold">
+                            <p:stCondLst>
+                              <p:cond delay="0"/>
+                            </p:stCondLst>
+                            <p:childTnLst>
+                              <p:par>
+                                <p:cTn id="9" presetID="1" presetClass="entr" presetSubtype="0" fill="hold" nodeType="clickEffect">
+                                  <p:stCondLst>
+                                    <p:cond delay="0"/>
+                                  </p:stCondLst>
+                                  <p:childTnLst>
+                                    <p:set>
+                                      <p:cBhvr>
+                                        <p:cTn id="10" dur="1" fill="hold">
+                                          <p:stCondLst>
+                                            <p:cond delay="0"/>
+                                          </p:stCondLst>
+                                        </p:cTn>
+                                        <p:tgtEl>
+                                          <p:spTgt spid="12"/>
+                                        </p:tgtEl>
+                                        <p:attrNameLst>
+                                          <p:attrName>style.visibility</p:attrName>
+                                        </p:attrNameLst>
+                                      </p:cBhvr>
+                                      <p:to>
+                                        <p:strVal val="visible"/>
+                                      </p:to>
+                                    </p:set>
+                                  </p:childTnLst>
+                                </p:cTn>
+                              </p:par>
+                            </p:childTnLst>
+                          </p:cTn>
+                        </p:par>
+                      </p:childTnLst>
+                    </p:cTn>
+                  </p:par>
+                </p:childTnLst>
+              </p:cTn>
+              <p:prevCondLst>
+                <p:cond evt="onPrev" delay="0">
+                  <p:tgtEl>
+                    <p:sldTgt/>
+                  </p:tgtEl>
+                </p:cond>
+              </p:prevCondLst>
+              <p:nextCondLst>
+                <p:cond evt="onNext" delay="0">
+                  <p:tgtEl>
+                    <p:sldTgt/>
+                  </p:tgtEl>
+                </p:cond>
+              </p:nextCondLst>
+            </p:seq>
+          </p:childTnLst>
+        </p:cTn>
+      </p:par>
+    </p:tnLst>
+    <p:bldLst>
+      <p:bldP spid="10" grpId="0" animBg="1"/>
+    </p:bldLst>
+  </p:timing>
+</p:sld>
+</file>
+
+<file path=ppt/slides/slide40.xml><?xml version="1.0" encoding="utf-8"?>
+<p:sld xmlns:a="http://schemas.openxmlformats.org/drawingml/2006/main" xmlns:r="http://schemas.openxmlformats.org/officeDocument/2006/relationships" xmlns:p="http://schemas.openxmlformats.org/presentationml/2006/main">
+  <p:cSld>
+    <p:spTree>
+      <p:nvGrpSpPr>
+        <p:cNvPr id="1" name=""/>
+        <p:cNvGrpSpPr/>
+        <p:nvPr/>
+      </p:nvGrpSpPr>
+      <p:grpSpPr>
+        <a:xfrm>
+          <a:off x="0" y="0"/>
+          <a:ext cx="0" cy="0"/>
+          <a:chOff x="0" y="0"/>
+          <a:chExt cx="0" cy="0"/>
+        </a:xfrm>
+      </p:grpSpPr>
+      <p:sp>
+        <p:nvSpPr>
+          <p:cNvPr id="2" name="Title 1">
+            <a:extLst>
+              <a:ext uri="{FF2B5EF4-FFF2-40B4-BE49-F238E27FC236}">
+                <a16:creationId xmlns:a16="http://schemas.microsoft.com/office/drawing/2014/main" id="{B80C0160-BA88-4D21-8386-4EF3C68F25D4}"/>
+              </a:ext>
+            </a:extLst>
+          </p:cNvPr>
+          <p:cNvSpPr>
+            <a:spLocks noGrp="1"/>
+          </p:cNvSpPr>
+          <p:nvPr>
+            <p:ph type="title"/>
+          </p:nvPr>
+        </p:nvSpPr>
+        <p:spPr/>
+        <p:txBody>
+          <a:bodyPr/>
+          <a:lstStyle/>
+          <a:p>
+            <a:r>
+              <a:rPr lang="en-US" dirty="0"/>
+              <a:t>Add Service Principal as Workspace Admin</a:t>
+            </a:r>
+          </a:p>
+        </p:txBody>
+      </p:sp>
+      <p:sp>
+        <p:nvSpPr>
+          <p:cNvPr id="5" name="Text Placeholder 4">
+            <a:extLst>
+              <a:ext uri="{FF2B5EF4-FFF2-40B4-BE49-F238E27FC236}">
+                <a16:creationId xmlns:a16="http://schemas.microsoft.com/office/drawing/2014/main" id="{D60E4F34-9EB3-4E3C-A27C-3F5CD64E2CF9}"/>
+              </a:ext>
+            </a:extLst>
+          </p:cNvPr>
+          <p:cNvSpPr>
+            <a:spLocks noGrp="1"/>
+          </p:cNvSpPr>
+          <p:nvPr>
+            <p:ph type="body" sz="quarter" idx="10"/>
+          </p:nvPr>
+        </p:nvSpPr>
+        <p:spPr>
+          <a:xfrm>
+            <a:off x="588263" y="1378083"/>
+            <a:ext cx="11239464" cy="430887"/>
+          </a:xfrm>
+        </p:spPr>
+        <p:txBody>
+          <a:bodyPr/>
+          <a:lstStyle/>
+          <a:p>
+            <a:r>
+              <a:rPr lang="en-US" dirty="0"/>
+              <a:t>Make sure to use Service Principal ID and not Application ID</a:t>
+            </a:r>
+          </a:p>
+        </p:txBody>
+      </p:sp>
+      <p:pic>
+        <p:nvPicPr>
+          <p:cNvPr id="4" name="Picture 3">
+            <a:extLst>
+              <a:ext uri="{FF2B5EF4-FFF2-40B4-BE49-F238E27FC236}">
+                <a16:creationId xmlns:a16="http://schemas.microsoft.com/office/drawing/2014/main" id="{8153ED84-BC17-4A4E-A2B6-38BD67D2A9D7}"/>
+              </a:ext>
+            </a:extLst>
+          </p:cNvPr>
+          <p:cNvPicPr>
+            <a:picLocks noChangeAspect="1"/>
+          </p:cNvPicPr>
+          <p:nvPr/>
+        </p:nvPicPr>
+        <p:blipFill>
+          <a:blip r:embed="rId2"/>
+          <a:stretch>
+            <a:fillRect/>
+          </a:stretch>
+        </p:blipFill>
+        <p:spPr>
+          <a:xfrm>
+            <a:off x="768372" y="2024351"/>
+            <a:ext cx="10035845" cy="4512974"/>
+          </a:xfrm>
+          <a:prstGeom prst="rect">
+            <a:avLst/>
+          </a:prstGeom>
+          <a:ln>
+            <a:solidFill>
+              <a:schemeClr val="tx1">
+                <a:lumMod val="60000"/>
+                <a:lumOff val="40000"/>
+              </a:schemeClr>
+            </a:solidFill>
+          </a:ln>
+        </p:spPr>
+      </p:pic>
+    </p:spTree>
+    <p:extLst>
+      <p:ext uri="{BB962C8B-B14F-4D97-AF65-F5344CB8AC3E}">
+        <p14:creationId xmlns:p14="http://schemas.microsoft.com/office/powerpoint/2010/main" val="668886431"/>
+      </p:ext>
+    </p:extLst>
+  </p:cSld>
+  <p:clrMapOvr>
+    <a:masterClrMapping/>
+  </p:clrMapOvr>
+  <p:transition>
+    <p:fade/>
+  </p:transition>
+</p:sld>
+</file>
+
+<file path=ppt/slides/slide41.xml><?xml version="1.0" encoding="utf-8"?>
+<p:sld xmlns:a="http://schemas.openxmlformats.org/drawingml/2006/main" xmlns:r="http://schemas.openxmlformats.org/officeDocument/2006/relationships" xmlns:p="http://schemas.openxmlformats.org/presentationml/2006/main">
+  <p:cSld>
+    <p:spTree>
+      <p:nvGrpSpPr>
+        <p:cNvPr id="1" name=""/>
+        <p:cNvGrpSpPr/>
+        <p:nvPr/>
+      </p:nvGrpSpPr>
+      <p:grpSpPr>
+        <a:xfrm>
+          <a:off x="0" y="0"/>
+          <a:ext cx="0" cy="0"/>
+          <a:chOff x="0" y="0"/>
+          <a:chExt cx="0" cy="0"/>
+        </a:xfrm>
+      </p:grpSpPr>
+      <p:sp>
+        <p:nvSpPr>
+          <p:cNvPr id="2" name="Title 1">
+            <a:extLst>
+              <a:ext uri="{FF2B5EF4-FFF2-40B4-BE49-F238E27FC236}">
+                <a16:creationId xmlns:a16="http://schemas.microsoft.com/office/drawing/2014/main" id="{12AFA403-A1C1-4F6D-AA1A-3BDE6DB770CE}"/>
+              </a:ext>
+            </a:extLst>
+          </p:cNvPr>
+          <p:cNvSpPr>
+            <a:spLocks noGrp="1"/>
+          </p:cNvSpPr>
+          <p:nvPr>
+            <p:ph type="title"/>
+          </p:nvPr>
+        </p:nvSpPr>
+        <p:spPr/>
+        <p:txBody>
+          <a:bodyPr/>
+          <a:lstStyle/>
+          <a:p>
+            <a:r>
+              <a:rPr lang="en-US" dirty="0"/>
+              <a:t>Dataset Takeover by Service Principal</a:t>
+            </a:r>
+          </a:p>
+        </p:txBody>
+      </p:sp>
+      <p:pic>
+        <p:nvPicPr>
+          <p:cNvPr id="5" name="Picture 4">
+            <a:extLst>
+              <a:ext uri="{FF2B5EF4-FFF2-40B4-BE49-F238E27FC236}">
+                <a16:creationId xmlns:a16="http://schemas.microsoft.com/office/drawing/2014/main" id="{AD745261-CB19-4EF7-A046-54D9535E77B0}"/>
+              </a:ext>
+            </a:extLst>
+          </p:cNvPr>
+          <p:cNvPicPr>
+            <a:picLocks noChangeAspect="1"/>
+          </p:cNvPicPr>
+          <p:nvPr/>
+        </p:nvPicPr>
+        <p:blipFill>
+          <a:blip r:embed="rId2"/>
+          <a:stretch>
+            <a:fillRect/>
+          </a:stretch>
+        </p:blipFill>
+        <p:spPr>
+          <a:xfrm>
+            <a:off x="588263" y="1149743"/>
+            <a:ext cx="10389423" cy="5677841"/>
+          </a:xfrm>
+          <a:prstGeom prst="rect">
+            <a:avLst/>
+          </a:prstGeom>
+          <a:ln>
+            <a:solidFill>
+              <a:schemeClr val="tx1">
+                <a:lumMod val="60000"/>
+                <a:lumOff val="40000"/>
+              </a:schemeClr>
+            </a:solidFill>
+          </a:ln>
+        </p:spPr>
+      </p:pic>
+    </p:spTree>
+    <p:extLst>
+      <p:ext uri="{BB962C8B-B14F-4D97-AF65-F5344CB8AC3E}">
+        <p14:creationId xmlns:p14="http://schemas.microsoft.com/office/powerpoint/2010/main" val="3103690667"/>
+      </p:ext>
+    </p:extLst>
+  </p:cSld>
+  <p:clrMapOvr>
+    <a:masterClrMapping/>
+  </p:clrMapOvr>
+  <p:transition>
+    <p:fade/>
+  </p:transition>
+</p:sld>
+</file>
+
+<file path=ppt/slides/slide42.xml><?xml version="1.0" encoding="utf-8"?>
+<p:sld xmlns:a="http://schemas.openxmlformats.org/drawingml/2006/main" xmlns:r="http://schemas.openxmlformats.org/officeDocument/2006/relationships" xmlns:p="http://schemas.openxmlformats.org/presentationml/2006/main">
+  <p:cSld>
+    <p:bg>
+      <p:bgPr>
+        <a:solidFill>
+          <a:schemeClr val="accent1"/>
+        </a:solidFill>
+        <a:effectLst/>
+      </p:bgPr>
+    </p:bg>
+    <p:spTree>
+      <p:nvGrpSpPr>
+        <p:cNvPr id="1" name=""/>
+        <p:cNvGrpSpPr/>
+        <p:nvPr/>
+      </p:nvGrpSpPr>
+      <p:grpSpPr>
+        <a:xfrm>
+          <a:off x="0" y="0"/>
+          <a:ext cx="0" cy="0"/>
+          <a:chOff x="0" y="0"/>
+          <a:chExt cx="0" cy="0"/>
+        </a:xfrm>
+      </p:grpSpPr>
+      <p:sp>
+        <p:nvSpPr>
+          <p:cNvPr id="6" name="Title 5">
+            <a:extLst>
+              <a:ext uri="{FF2B5EF4-FFF2-40B4-BE49-F238E27FC236}">
+                <a16:creationId xmlns:a16="http://schemas.microsoft.com/office/drawing/2014/main" id="{E7BF15BD-001C-49B3-9A01-B39DEDA47564}"/>
+              </a:ext>
+            </a:extLst>
+          </p:cNvPr>
+          <p:cNvSpPr>
+            <a:spLocks noGrp="1"/>
+          </p:cNvSpPr>
+          <p:nvPr>
+            <p:ph type="title"/>
+          </p:nvPr>
+        </p:nvSpPr>
+        <p:spPr/>
+        <p:txBody>
+          <a:bodyPr/>
+          <a:lstStyle/>
+          <a:p>
+            <a:r>
+              <a:rPr lang="en-US" dirty="0"/>
+              <a:t>Agenda</a:t>
+            </a:r>
+          </a:p>
+        </p:txBody>
+      </p:sp>
+      <p:sp>
+        <p:nvSpPr>
+          <p:cNvPr id="7" name="Text Placeholder 6">
+            <a:extLst>
+              <a:ext uri="{FF2B5EF4-FFF2-40B4-BE49-F238E27FC236}">
+                <a16:creationId xmlns:a16="http://schemas.microsoft.com/office/drawing/2014/main" id="{61F6BD0B-C4D8-42DE-A3A7-50D8219CE639}"/>
+              </a:ext>
+            </a:extLst>
+          </p:cNvPr>
+          <p:cNvSpPr>
+            <a:spLocks noGrp="1"/>
+          </p:cNvSpPr>
+          <p:nvPr>
+            <p:ph type="body" sz="quarter" idx="11"/>
+          </p:nvPr>
+        </p:nvSpPr>
+        <p:spPr>
+          <a:xfrm>
+            <a:off x="4442092" y="2355794"/>
+            <a:ext cx="7796829" cy="3672800"/>
+          </a:xfrm>
+        </p:spPr>
+        <p:txBody>
+          <a:bodyPr/>
+          <a:lstStyle/>
+          <a:p>
+            <a:pPr marL="466298" indent="-466298">
+              <a:buFont typeface="Wingdings" panose="05000000000000000000" pitchFamily="2" charset="2"/>
+              <a:buChar char="ü"/>
+            </a:pPr>
+            <a:r>
+              <a:rPr lang="en-US" dirty="0"/>
+              <a:t>Reviewing of PowerShell Fundamentals</a:t>
+            </a:r>
+          </a:p>
+          <a:p>
+            <a:pPr marL="466298" indent="-466298">
+              <a:buFont typeface="Wingdings" panose="05000000000000000000" pitchFamily="2" charset="2"/>
+              <a:buChar char="ü"/>
+            </a:pPr>
+            <a:r>
+              <a:rPr lang="en-US" dirty="0"/>
+              <a:t>Installing The Power BI Library for PowerShell</a:t>
+            </a:r>
+          </a:p>
+          <a:p>
+            <a:pPr marL="466298" indent="-466298">
+              <a:buFont typeface="Wingdings" panose="05000000000000000000" pitchFamily="2" charset="2"/>
+              <a:buChar char="ü"/>
+            </a:pPr>
+            <a:r>
+              <a:rPr lang="en-US" dirty="0"/>
+              <a:t>Creating and Managing Workspaces</a:t>
+            </a:r>
+          </a:p>
+          <a:p>
+            <a:pPr marL="466298" indent="-466298">
+              <a:buFont typeface="Wingdings" panose="05000000000000000000" pitchFamily="2" charset="2"/>
+              <a:buChar char="ü"/>
+            </a:pPr>
+            <a:r>
+              <a:rPr lang="en-US" dirty="0"/>
+              <a:t>Executing Operations with Invoke-PowerBIRestMethod</a:t>
+            </a:r>
+          </a:p>
+          <a:p>
+            <a:pPr marL="466298" indent="-466298">
+              <a:buFont typeface="Wingdings" panose="05000000000000000000" pitchFamily="2" charset="2"/>
+              <a:buChar char="ü"/>
+            </a:pPr>
+            <a:r>
+              <a:rPr lang="en-US" dirty="0"/>
+              <a:t>Executing Administrative Commands</a:t>
+            </a:r>
+          </a:p>
+          <a:p>
+            <a:pPr marL="466298" indent="-466298">
+              <a:buFont typeface="Wingdings" panose="05000000000000000000" pitchFamily="2" charset="2"/>
+              <a:buChar char="ü"/>
+            </a:pPr>
+            <a:r>
+              <a:rPr lang="en-US" dirty="0"/>
+              <a:t>Running Scripts as Service Principal</a:t>
+            </a:r>
+          </a:p>
+          <a:p>
+            <a:pPr marL="466298" indent="-466298">
+              <a:buFont typeface="Wingdings" panose="05000000000000000000" pitchFamily="2" charset="2"/>
+              <a:buChar char="Ø"/>
+            </a:pPr>
+            <a:r>
+              <a:rPr lang="en-US" dirty="0"/>
+              <a:t>Using the </a:t>
+            </a:r>
+            <a:r>
+              <a:rPr lang="en-US" dirty="0" err="1"/>
+              <a:t>DataGateway</a:t>
+            </a:r>
+            <a:r>
+              <a:rPr lang="en-US" dirty="0"/>
+              <a:t> PowerShell Module</a:t>
+            </a:r>
+          </a:p>
+          <a:p>
+            <a:pPr marL="466298" indent="-466298">
+              <a:buFont typeface="Wingdings" panose="05000000000000000000" pitchFamily="2" charset="2"/>
+              <a:buChar char="§"/>
+            </a:pPr>
+            <a:endParaRPr lang="en-US" dirty="0"/>
+          </a:p>
+        </p:txBody>
+      </p:sp>
+    </p:spTree>
+    <p:extLst>
+      <p:ext uri="{BB962C8B-B14F-4D97-AF65-F5344CB8AC3E}">
+        <p14:creationId xmlns:p14="http://schemas.microsoft.com/office/powerpoint/2010/main" val="1612616670"/>
+      </p:ext>
+    </p:extLst>
+  </p:cSld>
+  <p:clrMapOvr>
+    <a:masterClrMapping/>
+  </p:clrMapOvr>
+  <mc:AlternateContent xmlns:mc="http://schemas.openxmlformats.org/markup-compatibility/2006" xmlns:p14="http://schemas.microsoft.com/office/powerpoint/2010/main">
+    <mc:Choice Requires="p14">
+      <p:transition p14:dur="0"/>
+    </mc:Choice>
+    <mc:Fallback xmlns="">
+      <p:transition/>
+    </mc:Fallback>
+  </mc:AlternateContent>
+</p:sld>
+</file>
+
+<file path=ppt/slides/slide43.xml><?xml version="1.0" encoding="utf-8"?>
+<p:sld xmlns:a="http://schemas.openxmlformats.org/drawingml/2006/main" xmlns:r="http://schemas.openxmlformats.org/officeDocument/2006/relationships" xmlns:p="http://schemas.openxmlformats.org/presentationml/2006/main">
+  <p:cSld>
+    <p:spTree>
+      <p:nvGrpSpPr>
+        <p:cNvPr id="1" name=""/>
+        <p:cNvGrpSpPr/>
+        <p:nvPr/>
+      </p:nvGrpSpPr>
+      <p:grpSpPr>
+        <a:xfrm>
+          <a:off x="0" y="0"/>
+          <a:ext cx="0" cy="0"/>
+          <a:chOff x="0" y="0"/>
+          <a:chExt cx="0" cy="0"/>
+        </a:xfrm>
+      </p:grpSpPr>
+      <p:sp>
+        <p:nvSpPr>
+          <p:cNvPr id="3" name="Title 2">
+            <a:extLst>
+              <a:ext uri="{FF2B5EF4-FFF2-40B4-BE49-F238E27FC236}">
+                <a16:creationId xmlns:a16="http://schemas.microsoft.com/office/drawing/2014/main" id="{4E677E78-F80F-48C3-869E-6911F3B25FF9}"/>
+              </a:ext>
+            </a:extLst>
+          </p:cNvPr>
+          <p:cNvSpPr>
+            <a:spLocks noGrp="1"/>
+          </p:cNvSpPr>
+          <p:nvPr>
+            <p:ph type="title"/>
+          </p:nvPr>
+        </p:nvSpPr>
+        <p:spPr>
+          <a:xfrm>
+            <a:off x="588263" y="457200"/>
+            <a:ext cx="11239464" cy="526298"/>
+          </a:xfrm>
+        </p:spPr>
+        <p:txBody>
+          <a:bodyPr/>
+          <a:lstStyle/>
+          <a:p>
+            <a:r>
+              <a:rPr lang="en-US" sz="3800" dirty="0"/>
+              <a:t>PowerShell Cmdlets for On-premises Data Gateway</a:t>
+            </a:r>
+          </a:p>
+        </p:txBody>
+      </p:sp>
+      <p:sp>
+        <p:nvSpPr>
+          <p:cNvPr id="4" name="Text Placeholder 3">
+            <a:extLst>
+              <a:ext uri="{FF2B5EF4-FFF2-40B4-BE49-F238E27FC236}">
+                <a16:creationId xmlns:a16="http://schemas.microsoft.com/office/drawing/2014/main" id="{E98FC618-FEEE-4B09-9ABA-BDDBF76306E8}"/>
+              </a:ext>
+            </a:extLst>
+          </p:cNvPr>
+          <p:cNvSpPr>
+            <a:spLocks noGrp="1"/>
+          </p:cNvSpPr>
+          <p:nvPr>
+            <p:ph type="body" sz="quarter" idx="10"/>
+          </p:nvPr>
+        </p:nvSpPr>
+        <p:spPr>
+          <a:xfrm>
+            <a:off x="588263" y="1187261"/>
+            <a:ext cx="11239464" cy="353943"/>
+          </a:xfrm>
+        </p:spPr>
+        <p:txBody>
+          <a:bodyPr/>
+          <a:lstStyle/>
+          <a:p>
+            <a:pPr marL="0" indent="0">
+              <a:buNone/>
+            </a:pPr>
+            <a:r>
+              <a:rPr lang="en-US" sz="2300" dirty="0">
+                <a:hlinkClick r:id="rId2"/>
+              </a:rPr>
+              <a:t>https://docs.microsoft.com/en-us/powershell/gateway/overview?view=datagateway-ps</a:t>
+            </a:r>
+            <a:r>
+              <a:rPr lang="en-US" sz="2300" dirty="0"/>
+              <a:t> </a:t>
+            </a:r>
+          </a:p>
+        </p:txBody>
+      </p:sp>
+      <p:pic>
+        <p:nvPicPr>
+          <p:cNvPr id="6" name="Picture 5">
+            <a:extLst>
+              <a:ext uri="{FF2B5EF4-FFF2-40B4-BE49-F238E27FC236}">
+                <a16:creationId xmlns:a16="http://schemas.microsoft.com/office/drawing/2014/main" id="{C94E5C69-4818-4430-BA78-422B1F7D87BE}"/>
+              </a:ext>
+            </a:extLst>
+          </p:cNvPr>
+          <p:cNvPicPr>
+            <a:picLocks noChangeAspect="1"/>
+          </p:cNvPicPr>
+          <p:nvPr/>
+        </p:nvPicPr>
+        <p:blipFill>
+          <a:blip r:embed="rId3"/>
+          <a:stretch>
+            <a:fillRect/>
+          </a:stretch>
+        </p:blipFill>
+        <p:spPr>
+          <a:xfrm>
+            <a:off x="551351" y="1932188"/>
+            <a:ext cx="11313287" cy="4605137"/>
+          </a:xfrm>
+          <a:prstGeom prst="rect">
+            <a:avLst/>
+          </a:prstGeom>
+          <a:ln>
+            <a:solidFill>
+              <a:schemeClr val="tx1">
+                <a:lumMod val="60000"/>
+                <a:lumOff val="40000"/>
+              </a:schemeClr>
+            </a:solidFill>
+          </a:ln>
+        </p:spPr>
+      </p:pic>
+    </p:spTree>
+    <p:extLst>
+      <p:ext uri="{BB962C8B-B14F-4D97-AF65-F5344CB8AC3E}">
+        <p14:creationId xmlns:p14="http://schemas.microsoft.com/office/powerpoint/2010/main" val="1589421737"/>
+      </p:ext>
+    </p:extLst>
+  </p:cSld>
+  <p:clrMapOvr>
+    <a:masterClrMapping/>
+  </p:clrMapOvr>
+  <p:transition>
+    <p:fade/>
+  </p:transition>
+</p:sld>
+</file>
+
+<file path=ppt/slides/slide44.xml><?xml version="1.0" encoding="utf-8"?>
+<p:sld xmlns:a="http://schemas.openxmlformats.org/drawingml/2006/main" xmlns:r="http://schemas.openxmlformats.org/officeDocument/2006/relationships" xmlns:p="http://schemas.openxmlformats.org/presentationml/2006/main">
+  <p:cSld>
+    <p:bg>
+      <p:bgPr>
+        <a:solidFill>
+          <a:schemeClr val="accent1"/>
+        </a:solidFill>
+        <a:effectLst/>
+      </p:bgPr>
+    </p:bg>
+    <p:spTree>
+      <p:nvGrpSpPr>
+        <p:cNvPr id="1" name=""/>
+        <p:cNvGrpSpPr/>
+        <p:nvPr/>
+      </p:nvGrpSpPr>
+      <p:grpSpPr>
+        <a:xfrm>
+          <a:off x="0" y="0"/>
+          <a:ext cx="0" cy="0"/>
+          <a:chOff x="0" y="0"/>
+          <a:chExt cx="0" cy="0"/>
+        </a:xfrm>
+      </p:grpSpPr>
+      <p:sp>
+        <p:nvSpPr>
+          <p:cNvPr id="6" name="Title 5">
+            <a:extLst>
+              <a:ext uri="{FF2B5EF4-FFF2-40B4-BE49-F238E27FC236}">
+                <a16:creationId xmlns:a16="http://schemas.microsoft.com/office/drawing/2014/main" id="{E7BF15BD-001C-49B3-9A01-B39DEDA47564}"/>
+              </a:ext>
+            </a:extLst>
+          </p:cNvPr>
+          <p:cNvSpPr>
+            <a:spLocks noGrp="1"/>
+          </p:cNvSpPr>
+          <p:nvPr>
+            <p:ph type="title"/>
+          </p:nvPr>
+        </p:nvSpPr>
+        <p:spPr/>
+        <p:txBody>
+          <a:bodyPr/>
+          <a:lstStyle/>
+          <a:p>
+            <a:r>
+              <a:rPr lang="en-US" dirty="0"/>
+              <a:t>Summary</a:t>
+            </a:r>
+          </a:p>
+        </p:txBody>
+      </p:sp>
+      <p:sp>
+        <p:nvSpPr>
+          <p:cNvPr id="7" name="Text Placeholder 6">
+            <a:extLst>
+              <a:ext uri="{FF2B5EF4-FFF2-40B4-BE49-F238E27FC236}">
+                <a16:creationId xmlns:a16="http://schemas.microsoft.com/office/drawing/2014/main" id="{61F6BD0B-C4D8-42DE-A3A7-50D8219CE639}"/>
+              </a:ext>
+            </a:extLst>
+          </p:cNvPr>
+          <p:cNvSpPr>
+            <a:spLocks noGrp="1"/>
+          </p:cNvSpPr>
+          <p:nvPr>
+            <p:ph type="body" sz="quarter" idx="11"/>
+          </p:nvPr>
+        </p:nvSpPr>
+        <p:spPr>
+          <a:xfrm>
+            <a:off x="4442092" y="2355794"/>
+            <a:ext cx="7796829" cy="3672800"/>
+          </a:xfrm>
+        </p:spPr>
+        <p:txBody>
+          <a:bodyPr/>
+          <a:lstStyle/>
+          <a:p>
+            <a:pPr marL="466298" indent="-466298">
+              <a:buFont typeface="Wingdings" panose="05000000000000000000" pitchFamily="2" charset="2"/>
+              <a:buChar char="ü"/>
+            </a:pPr>
+            <a:r>
+              <a:rPr lang="en-US" dirty="0"/>
+              <a:t>Reviewing of PowerShell Fundamentals</a:t>
+            </a:r>
+          </a:p>
+          <a:p>
+            <a:pPr marL="466298" indent="-466298">
+              <a:buFont typeface="Wingdings" panose="05000000000000000000" pitchFamily="2" charset="2"/>
+              <a:buChar char="ü"/>
+            </a:pPr>
+            <a:r>
+              <a:rPr lang="en-US" dirty="0"/>
+              <a:t>Installing The Power BI Library for PowerShell</a:t>
+            </a:r>
+          </a:p>
+          <a:p>
+            <a:pPr marL="466298" indent="-466298">
+              <a:buFont typeface="Wingdings" panose="05000000000000000000" pitchFamily="2" charset="2"/>
+              <a:buChar char="ü"/>
+            </a:pPr>
+            <a:r>
+              <a:rPr lang="en-US" dirty="0"/>
+              <a:t>Creating and Managing Workspaces</a:t>
+            </a:r>
+          </a:p>
+          <a:p>
+            <a:pPr marL="466298" indent="-466298">
+              <a:buFont typeface="Wingdings" panose="05000000000000000000" pitchFamily="2" charset="2"/>
+              <a:buChar char="ü"/>
+            </a:pPr>
+            <a:r>
+              <a:rPr lang="en-US" dirty="0"/>
+              <a:t>Executing Operations with Invoke-PowerBIRestMethod</a:t>
+            </a:r>
+          </a:p>
+          <a:p>
+            <a:pPr marL="466298" indent="-466298">
+              <a:buFont typeface="Wingdings" panose="05000000000000000000" pitchFamily="2" charset="2"/>
+              <a:buChar char="ü"/>
+            </a:pPr>
+            <a:r>
+              <a:rPr lang="en-US" dirty="0"/>
+              <a:t>Executing Administrative Commands</a:t>
+            </a:r>
+          </a:p>
+          <a:p>
+            <a:pPr marL="466298" indent="-466298">
+              <a:buFont typeface="Wingdings" panose="05000000000000000000" pitchFamily="2" charset="2"/>
+              <a:buChar char="ü"/>
+            </a:pPr>
+            <a:r>
+              <a:rPr lang="en-US" dirty="0"/>
+              <a:t>Running Scripts as Service Principal</a:t>
+            </a:r>
+          </a:p>
+          <a:p>
+            <a:pPr marL="466298" indent="-466298">
+              <a:buFont typeface="Wingdings" panose="05000000000000000000" pitchFamily="2" charset="2"/>
+              <a:buChar char="ü"/>
+            </a:pPr>
+            <a:r>
+              <a:rPr lang="en-US" dirty="0"/>
+              <a:t>Using the </a:t>
+            </a:r>
+            <a:r>
+              <a:rPr lang="en-US" dirty="0" err="1"/>
+              <a:t>DataGateway</a:t>
+            </a:r>
+            <a:r>
+              <a:rPr lang="en-US" dirty="0"/>
+              <a:t> PowerShell Module</a:t>
+            </a:r>
+          </a:p>
+          <a:p>
+            <a:pPr marL="466298" indent="-466298">
+              <a:buFont typeface="Wingdings" panose="05000000000000000000" pitchFamily="2" charset="2"/>
+              <a:buChar char="§"/>
+            </a:pPr>
+            <a:endParaRPr lang="en-US" dirty="0"/>
+          </a:p>
+        </p:txBody>
+      </p:sp>
+    </p:spTree>
+    <p:extLst>
+      <p:ext uri="{BB962C8B-B14F-4D97-AF65-F5344CB8AC3E}">
+        <p14:creationId xmlns:p14="http://schemas.microsoft.com/office/powerpoint/2010/main" val="2987937895"/>
+      </p:ext>
+    </p:extLst>
+  </p:cSld>
+  <p:clrMapOvr>
+    <a:masterClrMapping/>
+  </p:clrMapOvr>
+  <mc:AlternateContent xmlns:mc="http://schemas.openxmlformats.org/markup-compatibility/2006" xmlns:p14="http://schemas.microsoft.com/office/powerpoint/2010/main">
+    <mc:Choice Requires="p14">
+      <p:transition p14:dur="0"/>
+    </mc:Choice>
+    <mc:Fallback xmlns="">
+      <p:transition/>
+    </mc:Fallback>
+  </mc:AlternateContent>
+</p:sld>
+</file>
+
+<file path=ppt/slides/slide45.xml><?xml version="1.0" encoding="utf-8"?>
 <p:sld xmlns:a="http://schemas.openxmlformats.org/drawingml/2006/main" xmlns:r="http://schemas.openxmlformats.org/officeDocument/2006/relationships" xmlns:p="http://schemas.openxmlformats.org/presentationml/2006/main">
   <p:cSld>
     <p:bg>
@@ -7062,7 +12329,7 @@
           <a:lstStyle/>
           <a:p>
             <a:r>
-              <a:rPr lang="en-US">
+              <a:rPr lang="en-US" dirty="0">
                 <a:solidFill>
                   <a:srgbClr val="000000"/>
                 </a:solidFill>
@@ -7170,7 +12437,7 @@
 </p:sld>
 </file>
 
-<file path=ppt/slides/slide4.xml><?xml version="1.0" encoding="utf-8"?>
+<file path=ppt/slides/slide5.xml><?xml version="1.0" encoding="utf-8"?>
 <p:sld xmlns:a="http://schemas.openxmlformats.org/drawingml/2006/main" xmlns:r="http://schemas.openxmlformats.org/officeDocument/2006/relationships" xmlns:p="http://schemas.openxmlformats.org/presentationml/2006/main">
   <p:cSld>
     <p:bg>
@@ -7242,7 +12509,7 @@
         <p:spPr>
           <a:xfrm>
             <a:off x="4442092" y="2355794"/>
-            <a:ext cx="7796829" cy="1313180"/>
+            <a:ext cx="7796829" cy="3672800"/>
           </a:xfrm>
         </p:spPr>
         <p:txBody>
@@ -7255,7 +12522,7 @@
             </a:pPr>
             <a:r>
               <a:rPr lang="en-US" dirty="0"/>
-              <a:t>Review of PowerShell Fundamentals</a:t>
+              <a:t>Reviewing of PowerShell Fundamentals</a:t>
             </a:r>
           </a:p>
           <a:p>
@@ -7265,7 +12532,65 @@
             </a:pPr>
             <a:r>
               <a:rPr lang="en-US" dirty="0"/>
-              <a:t>The Power BI Library for PowerShell</a:t>
+              <a:t>Installing The Power BI Library for PowerShell</a:t>
+            </a:r>
+          </a:p>
+          <a:p>
+            <a:pPr marL="466298" indent="-466298">
+              <a:buFont typeface="Wingdings" panose="05000000000000000000" pitchFamily="2" charset="2"/>
+              <a:buChar char="§"/>
+            </a:pPr>
+            <a:r>
+              <a:rPr lang="en-US" dirty="0"/>
+              <a:t>Creating and Managing Workspaces</a:t>
+            </a:r>
+          </a:p>
+          <a:p>
+            <a:pPr marL="466298" indent="-466298">
+              <a:buFont typeface="Wingdings" panose="05000000000000000000" pitchFamily="2" charset="2"/>
+              <a:buChar char="§"/>
+            </a:pPr>
+            <a:r>
+              <a:rPr lang="en-US" dirty="0"/>
+              <a:t>Executing Operations with Invoke-PowerBIRestMethod</a:t>
+            </a:r>
+          </a:p>
+          <a:p>
+            <a:pPr marL="466298" indent="-466298">
+              <a:buFont typeface="Wingdings" panose="05000000000000000000" pitchFamily="2" charset="2"/>
+              <a:buChar char="§"/>
+            </a:pPr>
+            <a:r>
+              <a:rPr lang="en-US" dirty="0"/>
+              <a:t>Executing Administrative Commands</a:t>
+            </a:r>
+          </a:p>
+          <a:p>
+            <a:pPr marL="466298" indent="-466298">
+              <a:buFont typeface="Wingdings" panose="05000000000000000000" pitchFamily="2" charset="2"/>
+              <a:buChar char="§"/>
+            </a:pPr>
+            <a:r>
+              <a:rPr lang="en-US" dirty="0"/>
+              <a:t>Running Scripts as Service Principal</a:t>
+            </a:r>
+          </a:p>
+          <a:p>
+            <a:pPr marL="466298" indent="-466298">
+              <a:buFont typeface="Wingdings" panose="05000000000000000000" pitchFamily="2" charset="2"/>
+              <a:buChar char="§"/>
+            </a:pPr>
+            <a:r>
+              <a:rPr lang="en-US" dirty="0"/>
+              <a:t>Using the </a:t>
+            </a:r>
+            <a:r>
+              <a:rPr lang="en-US" dirty="0" err="1"/>
+              <a:t>DataGateway</a:t>
+            </a:r>
+            <a:r>
+              <a:rPr lang="en-US" dirty="0"/>
+              <a:t> PowerShell Module</a:t>
             </a:r>
           </a:p>
           <a:p>
@@ -7298,7 +12623,7 @@
 </p:sld>
 </file>
 
-<file path=ppt/slides/slide5.xml><?xml version="1.0" encoding="utf-8"?>
+<file path=ppt/slides/slide6.xml><?xml version="1.0" encoding="utf-8"?>
 <p:sld xmlns:a="http://schemas.openxmlformats.org/drawingml/2006/main" xmlns:r="http://schemas.openxmlformats.org/officeDocument/2006/relationships" xmlns:p="http://schemas.openxmlformats.org/presentationml/2006/main">
   <p:cSld>
     <p:spTree>
@@ -7402,7 +12727,7 @@
           <a:p>
             <a:r>
               <a:rPr lang="en-US" dirty="0"/>
-              <a:t>Essentials</a:t>
+              <a:t>PowerShell Programming Essentials</a:t>
             </a:r>
           </a:p>
           <a:p>
@@ -7432,145 +12757,6 @@
     <p:extLst>
       <p:ext uri="{BB962C8B-B14F-4D97-AF65-F5344CB8AC3E}">
         <p14:creationId xmlns:p14="http://schemas.microsoft.com/office/powerpoint/2010/main" val="1294845195"/>
-      </p:ext>
-    </p:extLst>
-  </p:cSld>
-  <p:clrMapOvr>
-    <a:masterClrMapping/>
-  </p:clrMapOvr>
-  <p:transition>
-    <p:fade/>
-  </p:transition>
-</p:sld>
-</file>
-
-<file path=ppt/slides/slide6.xml><?xml version="1.0" encoding="utf-8"?>
-<p:sld xmlns:a="http://schemas.openxmlformats.org/drawingml/2006/main" xmlns:r="http://schemas.openxmlformats.org/officeDocument/2006/relationships" xmlns:p="http://schemas.openxmlformats.org/presentationml/2006/main">
-  <p:cSld>
-    <p:spTree>
-      <p:nvGrpSpPr>
-        <p:cNvPr id="1" name=""/>
-        <p:cNvGrpSpPr/>
-        <p:nvPr/>
-      </p:nvGrpSpPr>
-      <p:grpSpPr>
-        <a:xfrm>
-          <a:off x="0" y="0"/>
-          <a:ext cx="0" cy="0"/>
-          <a:chOff x="0" y="0"/>
-          <a:chExt cx="0" cy="0"/>
-        </a:xfrm>
-      </p:grpSpPr>
-      <p:sp>
-        <p:nvSpPr>
-          <p:cNvPr id="2" name="Title 1">
-            <a:extLst>
-              <a:ext uri="{FF2B5EF4-FFF2-40B4-BE49-F238E27FC236}">
-                <a16:creationId xmlns:a16="http://schemas.microsoft.com/office/drawing/2014/main" id="{1A262180-3362-466F-96EF-B13874264F28}"/>
-              </a:ext>
-            </a:extLst>
-          </p:cNvPr>
-          <p:cNvSpPr>
-            <a:spLocks noGrp="1"/>
-          </p:cNvSpPr>
-          <p:nvPr>
-            <p:ph type="title"/>
-          </p:nvPr>
-        </p:nvSpPr>
-        <p:spPr/>
-        <p:txBody>
-          <a:bodyPr/>
-          <a:lstStyle/>
-          <a:p>
-            <a:r>
-              <a:rPr lang="en-US" dirty="0"/>
-              <a:t>PowerShell Versions</a:t>
-            </a:r>
-          </a:p>
-        </p:txBody>
-      </p:sp>
-      <p:sp>
-        <p:nvSpPr>
-          <p:cNvPr id="3" name="Text Placeholder 2">
-            <a:extLst>
-              <a:ext uri="{FF2B5EF4-FFF2-40B4-BE49-F238E27FC236}">
-                <a16:creationId xmlns:a16="http://schemas.microsoft.com/office/drawing/2014/main" id="{C26A71F9-99B8-456E-83B4-E19554D3628E}"/>
-              </a:ext>
-            </a:extLst>
-          </p:cNvPr>
-          <p:cNvSpPr>
-            <a:spLocks noGrp="1"/>
-          </p:cNvSpPr>
-          <p:nvPr>
-            <p:ph type="body" sz="quarter" idx="10"/>
-          </p:nvPr>
-        </p:nvSpPr>
-        <p:spPr>
-          <a:xfrm>
-            <a:off x="588263" y="1378083"/>
-            <a:ext cx="11239464" cy="3444982"/>
-          </a:xfrm>
-        </p:spPr>
-        <p:txBody>
-          <a:bodyPr/>
-          <a:lstStyle/>
-          <a:p>
-            <a:r>
-              <a:rPr lang="en-US" dirty="0"/>
-              <a:t>PowerShell 5 (aka Windows PowerShell)</a:t>
-            </a:r>
-          </a:p>
-          <a:p>
-            <a:pPr lvl="1"/>
-            <a:r>
-              <a:rPr lang="en-US" dirty="0"/>
-              <a:t>Comes as part of Windows</a:t>
-            </a:r>
-          </a:p>
-          <a:p>
-            <a:pPr lvl="1"/>
-            <a:r>
-              <a:rPr lang="en-US" dirty="0"/>
-              <a:t>Included as part of Windows Management Framework 5</a:t>
-            </a:r>
-          </a:p>
-          <a:p>
-            <a:pPr lvl="1"/>
-            <a:r>
-              <a:rPr lang="en-US" dirty="0"/>
-              <a:t>Script authors can use PowerShell Integrated Script Environment (ISE)</a:t>
-            </a:r>
-          </a:p>
-          <a:p>
-            <a:pPr lvl="1"/>
-            <a:endParaRPr lang="en-US" dirty="0"/>
-          </a:p>
-          <a:p>
-            <a:r>
-              <a:rPr lang="en-US" dirty="0"/>
-              <a:t>PowerShell 7 (aka PowerShell Core)</a:t>
-            </a:r>
-          </a:p>
-          <a:p>
-            <a:pPr lvl="1"/>
-            <a:r>
-              <a:rPr lang="en-US" dirty="0"/>
-              <a:t>Introduces cross-platform support for Linux and Mac</a:t>
-            </a:r>
-          </a:p>
-          <a:p>
-            <a:pPr lvl="1"/>
-            <a:r>
-              <a:rPr lang="en-US" dirty="0"/>
-              <a:t>Script authors can use Visual Studio Code with PowerShell Extension</a:t>
-            </a:r>
-          </a:p>
-        </p:txBody>
-      </p:sp>
-    </p:spTree>
-    <p:extLst>
-      <p:ext uri="{BB962C8B-B14F-4D97-AF65-F5344CB8AC3E}">
-        <p14:creationId xmlns:p14="http://schemas.microsoft.com/office/powerpoint/2010/main" val="260171412"/>
       </p:ext>
     </p:extLst>
   </p:cSld>
@@ -7605,6 +12791,156 @@
           <p:cNvPr id="2" name="Title 1">
             <a:extLst>
               <a:ext uri="{FF2B5EF4-FFF2-40B4-BE49-F238E27FC236}">
+                <a16:creationId xmlns:a16="http://schemas.microsoft.com/office/drawing/2014/main" id="{1A262180-3362-466F-96EF-B13874264F28}"/>
+              </a:ext>
+            </a:extLst>
+          </p:cNvPr>
+          <p:cNvSpPr>
+            <a:spLocks noGrp="1"/>
+          </p:cNvSpPr>
+          <p:nvPr>
+            <p:ph type="title"/>
+          </p:nvPr>
+        </p:nvSpPr>
+        <p:spPr/>
+        <p:txBody>
+          <a:bodyPr/>
+          <a:lstStyle/>
+          <a:p>
+            <a:r>
+              <a:rPr lang="en-US" dirty="0"/>
+              <a:t>PowerShell Versions</a:t>
+            </a:r>
+          </a:p>
+        </p:txBody>
+      </p:sp>
+      <p:sp>
+        <p:nvSpPr>
+          <p:cNvPr id="3" name="Text Placeholder 2">
+            <a:extLst>
+              <a:ext uri="{FF2B5EF4-FFF2-40B4-BE49-F238E27FC236}">
+                <a16:creationId xmlns:a16="http://schemas.microsoft.com/office/drawing/2014/main" id="{C26A71F9-99B8-456E-83B4-E19554D3628E}"/>
+              </a:ext>
+            </a:extLst>
+          </p:cNvPr>
+          <p:cNvSpPr>
+            <a:spLocks noGrp="1"/>
+          </p:cNvSpPr>
+          <p:nvPr>
+            <p:ph type="body" sz="quarter" idx="10"/>
+          </p:nvPr>
+        </p:nvSpPr>
+        <p:spPr>
+          <a:xfrm>
+            <a:off x="588263" y="1378083"/>
+            <a:ext cx="11239464" cy="4265720"/>
+          </a:xfrm>
+        </p:spPr>
+        <p:txBody>
+          <a:bodyPr/>
+          <a:lstStyle/>
+          <a:p>
+            <a:r>
+              <a:rPr lang="en-US" dirty="0"/>
+              <a:t>PowerShell 5 (aka Windows PowerShell)</a:t>
+            </a:r>
+          </a:p>
+          <a:p>
+            <a:pPr lvl="1"/>
+            <a:r>
+              <a:rPr lang="en-US" dirty="0"/>
+              <a:t>Comes as part of Windows</a:t>
+            </a:r>
+          </a:p>
+          <a:p>
+            <a:pPr lvl="1"/>
+            <a:r>
+              <a:rPr lang="en-US" dirty="0"/>
+              <a:t>Included as part of Windows Management Framework 5</a:t>
+            </a:r>
+          </a:p>
+          <a:p>
+            <a:pPr lvl="1"/>
+            <a:r>
+              <a:rPr lang="en-US" dirty="0"/>
+              <a:t>Script authors can use PowerShell Integrated Script Environment (ISE)</a:t>
+            </a:r>
+          </a:p>
+          <a:p>
+            <a:pPr lvl="1"/>
+            <a:endParaRPr lang="en-US" dirty="0"/>
+          </a:p>
+          <a:p>
+            <a:r>
+              <a:rPr lang="en-US" dirty="0"/>
+              <a:t>PowerShell 7 (aka PowerShell Core)</a:t>
+            </a:r>
+          </a:p>
+          <a:p>
+            <a:pPr lvl="1"/>
+            <a:r>
+              <a:rPr lang="en-US" dirty="0"/>
+              <a:t>Introduces cross-platform support for Linux and Mac</a:t>
+            </a:r>
+          </a:p>
+          <a:p>
+            <a:pPr lvl="1"/>
+            <a:r>
+              <a:rPr lang="en-US" dirty="0"/>
+              <a:t>Not supported by familiar PowerShell Integrated Script Environment (ISE)</a:t>
+            </a:r>
+          </a:p>
+          <a:p>
+            <a:pPr lvl="1"/>
+            <a:r>
+              <a:rPr lang="en-US" dirty="0"/>
+              <a:t>Script authors can use Visual Studio Code with PowerShell Extension</a:t>
+            </a:r>
+          </a:p>
+          <a:p>
+            <a:pPr lvl="1"/>
+            <a:endParaRPr lang="en-US" dirty="0"/>
+          </a:p>
+        </p:txBody>
+      </p:sp>
+    </p:spTree>
+    <p:extLst>
+      <p:ext uri="{BB962C8B-B14F-4D97-AF65-F5344CB8AC3E}">
+        <p14:creationId xmlns:p14="http://schemas.microsoft.com/office/powerpoint/2010/main" val="260171412"/>
+      </p:ext>
+    </p:extLst>
+  </p:cSld>
+  <p:clrMapOvr>
+    <a:masterClrMapping/>
+  </p:clrMapOvr>
+  <p:transition>
+    <p:fade/>
+  </p:transition>
+</p:sld>
+</file>
+
+<file path=ppt/slides/slide8.xml><?xml version="1.0" encoding="utf-8"?>
+<p:sld xmlns:a="http://schemas.openxmlformats.org/drawingml/2006/main" xmlns:r="http://schemas.openxmlformats.org/officeDocument/2006/relationships" xmlns:p="http://schemas.openxmlformats.org/presentationml/2006/main">
+  <p:cSld>
+    <p:spTree>
+      <p:nvGrpSpPr>
+        <p:cNvPr id="1" name=""/>
+        <p:cNvGrpSpPr/>
+        <p:nvPr/>
+      </p:nvGrpSpPr>
+      <p:grpSpPr>
+        <a:xfrm>
+          <a:off x="0" y="0"/>
+          <a:ext cx="0" cy="0"/>
+          <a:chOff x="0" y="0"/>
+          <a:chExt cx="0" cy="0"/>
+        </a:xfrm>
+      </p:grpSpPr>
+      <p:sp>
+        <p:nvSpPr>
+          <p:cNvPr id="2" name="Title 1">
+            <a:extLst>
+              <a:ext uri="{FF2B5EF4-FFF2-40B4-BE49-F238E27FC236}">
                 <a16:creationId xmlns:a16="http://schemas.microsoft.com/office/drawing/2014/main" id="{5F7FC6F5-C234-4658-8BB0-832FF078B4E2}"/>
               </a:ext>
             </a:extLst>
@@ -7675,10 +13011,14 @@
             <a:pPr lvl="1"/>
             <a:r>
               <a:rPr lang="en-US" dirty="0"/>
-              <a:t>You must call Set-</a:t>
-            </a:r>
-            <a:r>
-              <a:rPr lang="en-US" dirty="0" err="1"/>
+              <a:t>You must call </a:t>
+            </a:r>
+            <a:r>
+              <a:rPr lang="en-US" b="1" dirty="0"/>
+              <a:t>Set-</a:t>
+            </a:r>
+            <a:r>
+              <a:rPr lang="en-US" b="1" dirty="0" err="1"/>
               <a:t>ExecutionPolicy</a:t>
             </a:r>
             <a:r>
@@ -7734,118 +13074,6 @@
 </p:sld>
 </file>
 
-<file path=ppt/slides/slide8.xml><?xml version="1.0" encoding="utf-8"?>
-<p:sld xmlns:a="http://schemas.openxmlformats.org/drawingml/2006/main" xmlns:r="http://schemas.openxmlformats.org/officeDocument/2006/relationships" xmlns:p="http://schemas.openxmlformats.org/presentationml/2006/main">
-  <p:cSld>
-    <p:spTree>
-      <p:nvGrpSpPr>
-        <p:cNvPr id="1" name=""/>
-        <p:cNvGrpSpPr/>
-        <p:nvPr/>
-      </p:nvGrpSpPr>
-      <p:grpSpPr>
-        <a:xfrm>
-          <a:off x="0" y="0"/>
-          <a:ext cx="0" cy="0"/>
-          <a:chOff x="0" y="0"/>
-          <a:chExt cx="0" cy="0"/>
-        </a:xfrm>
-      </p:grpSpPr>
-      <p:sp>
-        <p:nvSpPr>
-          <p:cNvPr id="2" name="Title 1">
-            <a:extLst>
-              <a:ext uri="{FF2B5EF4-FFF2-40B4-BE49-F238E27FC236}">
-                <a16:creationId xmlns:a16="http://schemas.microsoft.com/office/drawing/2014/main" id="{07858EF9-A587-4668-81CC-D83FA96067A2}"/>
-              </a:ext>
-            </a:extLst>
-          </p:cNvPr>
-          <p:cNvSpPr>
-            <a:spLocks noGrp="1"/>
-          </p:cNvSpPr>
-          <p:nvPr>
-            <p:ph type="title"/>
-          </p:nvPr>
-        </p:nvSpPr>
-        <p:spPr/>
-        <p:txBody>
-          <a:bodyPr/>
-          <a:lstStyle/>
-          <a:p>
-            <a:r>
-              <a:rPr lang="en-US" dirty="0"/>
-              <a:t>What PowerShell Script Editor Should I Use?</a:t>
-            </a:r>
-          </a:p>
-        </p:txBody>
-      </p:sp>
-      <p:sp>
-        <p:nvSpPr>
-          <p:cNvPr id="3" name="Text Placeholder 2">
-            <a:extLst>
-              <a:ext uri="{FF2B5EF4-FFF2-40B4-BE49-F238E27FC236}">
-                <a16:creationId xmlns:a16="http://schemas.microsoft.com/office/drawing/2014/main" id="{7F7A344B-D9B4-472B-8E9C-4350AD818DC1}"/>
-              </a:ext>
-            </a:extLst>
-          </p:cNvPr>
-          <p:cNvSpPr>
-            <a:spLocks noGrp="1"/>
-          </p:cNvSpPr>
-          <p:nvPr>
-            <p:ph type="body" sz="quarter" idx="10"/>
-          </p:nvPr>
-        </p:nvSpPr>
-        <p:spPr>
-          <a:xfrm>
-            <a:off x="588263" y="1378083"/>
-            <a:ext cx="11239464" cy="1759456"/>
-          </a:xfrm>
-        </p:spPr>
-        <p:txBody>
-          <a:bodyPr/>
-          <a:lstStyle/>
-          <a:p>
-            <a:r>
-              <a:rPr lang="en-US" dirty="0"/>
-              <a:t>PowerShell Integrated Scripting Environment (ISE)</a:t>
-            </a:r>
-          </a:p>
-          <a:p>
-            <a:pPr lvl="1"/>
-            <a:r>
-              <a:rPr lang="en-US" dirty="0" err="1"/>
-              <a:t>Sss</a:t>
-            </a:r>
-            <a:endParaRPr lang="en-US" dirty="0"/>
-          </a:p>
-          <a:p>
-            <a:pPr lvl="1"/>
-            <a:endParaRPr lang="en-US" dirty="0"/>
-          </a:p>
-          <a:p>
-            <a:r>
-              <a:rPr lang="en-US" dirty="0"/>
-              <a:t>Visual Studio Code</a:t>
-            </a:r>
-          </a:p>
-        </p:txBody>
-      </p:sp>
-    </p:spTree>
-    <p:extLst>
-      <p:ext uri="{BB962C8B-B14F-4D97-AF65-F5344CB8AC3E}">
-        <p14:creationId xmlns:p14="http://schemas.microsoft.com/office/powerpoint/2010/main" val="324662973"/>
-      </p:ext>
-    </p:extLst>
-  </p:cSld>
-  <p:clrMapOvr>
-    <a:masterClrMapping/>
-  </p:clrMapOvr>
-  <p:transition>
-    <p:fade/>
-  </p:transition>
-</p:sld>
-</file>
-
 <file path=ppt/slides/slide9.xml><?xml version="1.0" encoding="utf-8"?>
 <p:sld xmlns:a="http://schemas.openxmlformats.org/drawingml/2006/main" xmlns:r="http://schemas.openxmlformats.org/officeDocument/2006/relationships" xmlns:p="http://schemas.openxmlformats.org/presentationml/2006/main">
   <p:cSld>
@@ -7893,43 +13121,37 @@
       </p:sp>
       <p:pic>
         <p:nvPicPr>
-          <p:cNvPr id="6" name="Picture 5">
-            <a:extLst>
-              <a:ext uri="{FF2B5EF4-FFF2-40B4-BE49-F238E27FC236}">
-                <a16:creationId xmlns:a16="http://schemas.microsoft.com/office/drawing/2014/main" id="{15B1C170-A616-4598-B341-5DBE8A0D2A69}"/>
-              </a:ext>
-            </a:extLst>
-          </p:cNvPr>
-          <p:cNvPicPr/>
+          <p:cNvPr id="4" name="Picture 3">
+            <a:extLst>
+              <a:ext uri="{FF2B5EF4-FFF2-40B4-BE49-F238E27FC236}">
+                <a16:creationId xmlns:a16="http://schemas.microsoft.com/office/drawing/2014/main" id="{BEF32C5C-C76A-4A55-A79F-71E161E3C956}"/>
+              </a:ext>
+            </a:extLst>
+          </p:cNvPr>
+          <p:cNvPicPr>
+            <a:picLocks noChangeAspect="1"/>
+          </p:cNvPicPr>
           <p:nvPr/>
         </p:nvPicPr>
         <p:blipFill>
-          <a:blip r:embed="rId2">
-            <a:extLst>
-              <a:ext uri="{28A0092B-C50C-407E-A947-70E740481C1C}">
-                <a14:useLocalDpi xmlns:a14="http://schemas.microsoft.com/office/drawing/2010/main" val="0"/>
-              </a:ext>
-            </a:extLst>
-          </a:blip>
-          <a:srcRect/>
+          <a:blip r:embed="rId2"/>
           <a:stretch>
             <a:fillRect/>
           </a:stretch>
         </p:blipFill>
-        <p:spPr bwMode="auto">
+        <p:spPr>
           <a:xfrm>
-            <a:off x="1728316" y="1507253"/>
-            <a:ext cx="8432880" cy="5195870"/>
+            <a:off x="668649" y="1203778"/>
+            <a:ext cx="9625765" cy="5548714"/>
           </a:xfrm>
           <a:prstGeom prst="rect">
             <a:avLst/>
           </a:prstGeom>
-          <a:noFill/>
           <a:ln>
             <a:solidFill>
               <a:schemeClr val="tx1">
-                <a:lumMod val="50000"/>
-                <a:lumOff val="50000"/>
+                <a:lumMod val="60000"/>
+                <a:lumOff val="40000"/>
               </a:schemeClr>
             </a:solidFill>
           </a:ln>
@@ -8826,15 +14048,6 @@
 </file>
 
 <file path=customXml/item2.xml><?xml version="1.0" encoding="utf-8"?>
-<?mso-contentType ?>
-<FormTemplates xmlns="http://schemas.microsoft.com/sharepoint/v3/contenttype/forms">
-  <Display>DocumentLibraryForm</Display>
-  <Edit>DocumentLibraryForm</Edit>
-  <New>DocumentLibraryForm</New>
-</FormTemplates>
-</file>
-
-<file path=customXml/item3.xml><?xml version="1.0" encoding="utf-8"?>
 <ct:contentTypeSchema xmlns:ct="http://schemas.microsoft.com/office/2006/metadata/contentType" xmlns:ma="http://schemas.microsoft.com/office/2006/metadata/properties/metaAttributes" ct:_="" ma:_="" ma:contentTypeName="Document" ma:contentTypeID="0x0101000937CBA2829AB54C847AA138BDB6DD62" ma:contentTypeVersion="6" ma:contentTypeDescription="Create a new document." ma:contentTypeScope="" ma:versionID="0f7e39fa3406a6f330081ac46f53a9d2">
   <xsd:schema xmlns:xsd="http://www.w3.org/2001/XMLSchema" xmlns:xs="http://www.w3.org/2001/XMLSchema" xmlns:p="http://schemas.microsoft.com/office/2006/metadata/properties" xmlns:ns2="ef38329b-e139-4eb4-9d7a-1b84c79a6610" targetNamespace="http://schemas.microsoft.com/office/2006/metadata/properties" ma:root="true" ma:fieldsID="c5e10262f8d934c139771ac03f38712c" ns2:_="">
     <xsd:import namespace="ef38329b-e139-4eb4-9d7a-1b84c79a6610"/>
@@ -8986,6 +14199,15 @@
 </ct:contentTypeSchema>
 </file>
 
+<file path=customXml/item3.xml><?xml version="1.0" encoding="utf-8"?>
+<?mso-contentType ?>
+<FormTemplates xmlns="http://schemas.microsoft.com/sharepoint/v3/contenttype/forms">
+  <Display>DocumentLibraryForm</Display>
+  <Edit>DocumentLibraryForm</Edit>
+  <New>DocumentLibraryForm</New>
+</FormTemplates>
+</file>
+
 <file path=customXml/itemProps1.xml><?xml version="1.0" encoding="utf-8"?>
 <ds:datastoreItem xmlns:ds="http://schemas.openxmlformats.org/officeDocument/2006/customXml" ds:itemID="{F990F116-B58F-4255-B05B-DA3808E0E5C6}">
   <ds:schemaRefs>
@@ -9003,14 +14225,6 @@
 </file>
 
 <file path=customXml/itemProps2.xml><?xml version="1.0" encoding="utf-8"?>
-<ds:datastoreItem xmlns:ds="http://schemas.openxmlformats.org/officeDocument/2006/customXml" ds:itemID="{758FDAC0-319D-4A54-8D8E-1D42CB1F8004}">
-  <ds:schemaRefs>
-    <ds:schemaRef ds:uri="http://schemas.microsoft.com/sharepoint/v3/contenttype/forms"/>
-  </ds:schemaRefs>
-</ds:datastoreItem>
-</file>
-
-<file path=customXml/itemProps3.xml><?xml version="1.0" encoding="utf-8"?>
 <ds:datastoreItem xmlns:ds="http://schemas.openxmlformats.org/officeDocument/2006/customXml" ds:itemID="{A4052A8C-2220-4E4B-95E2-C05C9863F10E}">
   <ds:schemaRefs>
     <ds:schemaRef ds:uri="ef38329b-e139-4eb4-9d7a-1b84c79a6610"/>
@@ -9026,4 +14240,12 @@
     <ds:schemaRef ds:uri="http://www.w3.org/2001/XMLSchema"/>
   </ds:schemaRefs>
 </ds:datastoreItem>
+</file>
+
+<file path=customXml/itemProps3.xml><?xml version="1.0" encoding="utf-8"?>
+<ds:datastoreItem xmlns:ds="http://schemas.openxmlformats.org/officeDocument/2006/customXml" ds:itemID="{758FDAC0-319D-4A54-8D8E-1D42CB1F8004}">
+  <ds:schemaRefs>
+    <ds:schemaRef ds:uri="http://schemas.microsoft.com/sharepoint/v3/contenttype/forms"/>
+  </ds:schemaRefs>
+</ds:datastoreItem>
 </file>
--- a/Session 02 - Writing PowerShell Script for Power BI.pptx
+++ b/Session 02 - Writing PowerShell Script for Power BI.pptx
@@ -5,10 +5,10 @@
     <p:sldMasterId id="2147484551" r:id="rId4"/>
   </p:sldMasterIdLst>
   <p:notesMasterIdLst>
-    <p:notesMasterId r:id="rId50"/>
+    <p:notesMasterId r:id="rId51"/>
   </p:notesMasterIdLst>
   <p:handoutMasterIdLst>
-    <p:handoutMasterId r:id="rId51"/>
+    <p:handoutMasterId r:id="rId52"/>
   </p:handoutMasterIdLst>
   <p:sldIdLst>
     <p:sldId id="4474" r:id="rId5"/>
@@ -32,30 +32,31 @@
     <p:sldId id="4530" r:id="rId23"/>
     <p:sldId id="4572" r:id="rId24"/>
     <p:sldId id="4532" r:id="rId25"/>
-    <p:sldId id="4533" r:id="rId26"/>
-    <p:sldId id="4565" r:id="rId27"/>
-    <p:sldId id="4573" r:id="rId28"/>
-    <p:sldId id="4537" r:id="rId29"/>
-    <p:sldId id="4574" r:id="rId30"/>
-    <p:sldId id="4538" r:id="rId31"/>
-    <p:sldId id="4571" r:id="rId32"/>
-    <p:sldId id="4564" r:id="rId33"/>
-    <p:sldId id="4528" r:id="rId34"/>
-    <p:sldId id="4535" r:id="rId35"/>
-    <p:sldId id="4536" r:id="rId36"/>
-    <p:sldId id="4575" r:id="rId37"/>
-    <p:sldId id="4569" r:id="rId38"/>
-    <p:sldId id="4566" r:id="rId39"/>
-    <p:sldId id="4529" r:id="rId40"/>
-    <p:sldId id="1915" r:id="rId41"/>
-    <p:sldId id="1916" r:id="rId42"/>
-    <p:sldId id="1918" r:id="rId43"/>
-    <p:sldId id="4576" r:id="rId44"/>
-    <p:sldId id="4540" r:id="rId45"/>
-    <p:sldId id="4567" r:id="rId46"/>
-    <p:sldId id="4577" r:id="rId47"/>
-    <p:sldId id="4568" r:id="rId48"/>
-    <p:sldId id="4476" r:id="rId49"/>
+    <p:sldId id="4579" r:id="rId26"/>
+    <p:sldId id="4533" r:id="rId27"/>
+    <p:sldId id="4565" r:id="rId28"/>
+    <p:sldId id="4573" r:id="rId29"/>
+    <p:sldId id="4537" r:id="rId30"/>
+    <p:sldId id="4574" r:id="rId31"/>
+    <p:sldId id="4538" r:id="rId32"/>
+    <p:sldId id="4571" r:id="rId33"/>
+    <p:sldId id="4564" r:id="rId34"/>
+    <p:sldId id="4528" r:id="rId35"/>
+    <p:sldId id="4535" r:id="rId36"/>
+    <p:sldId id="4536" r:id="rId37"/>
+    <p:sldId id="4575" r:id="rId38"/>
+    <p:sldId id="4569" r:id="rId39"/>
+    <p:sldId id="4566" r:id="rId40"/>
+    <p:sldId id="4529" r:id="rId41"/>
+    <p:sldId id="1915" r:id="rId42"/>
+    <p:sldId id="1916" r:id="rId43"/>
+    <p:sldId id="1918" r:id="rId44"/>
+    <p:sldId id="4576" r:id="rId45"/>
+    <p:sldId id="4540" r:id="rId46"/>
+    <p:sldId id="4567" r:id="rId47"/>
+    <p:sldId id="4577" r:id="rId48"/>
+    <p:sldId id="4568" r:id="rId49"/>
+    <p:sldId id="4476" r:id="rId50"/>
   </p:sldIdLst>
   <p:sldSz cx="12436475" cy="6994525"/>
   <p:notesSz cx="7010400" cy="9296400"/>
@@ -495,7 +496,7 @@
           <a:p>
             <a:fld id="{DCE60099-03E7-4FA1-8A7F-E6E6CFB0F855}" type="datetime8">
               <a:rPr lang="en-US" smtClean="0"/>
-              <a:t>9/24/2020 6:56 AM</a:t>
+              <a:t>9/24/2020 11:41 AM</a:t>
             </a:fld>
             <a:endParaRPr lang="en-US"/>
           </a:p>
@@ -6336,6 +6337,678 @@
           <p:cNvPr id="2" name="Title 1">
             <a:extLst>
               <a:ext uri="{FF2B5EF4-FFF2-40B4-BE49-F238E27FC236}">
+                <a16:creationId xmlns:a16="http://schemas.microsoft.com/office/drawing/2014/main" id="{668EA607-099B-44CE-AD8B-41EFA656D317}"/>
+              </a:ext>
+            </a:extLst>
+          </p:cNvPr>
+          <p:cNvSpPr>
+            <a:spLocks noGrp="1"/>
+          </p:cNvSpPr>
+          <p:nvPr>
+            <p:ph type="title"/>
+          </p:nvPr>
+        </p:nvSpPr>
+        <p:spPr/>
+        <p:txBody>
+          <a:bodyPr/>
+          <a:lstStyle/>
+          <a:p>
+            <a:r>
+              <a:rPr lang="en-US" dirty="0"/>
+              <a:t>Copy Report to New Workspace</a:t>
+            </a:r>
+          </a:p>
+        </p:txBody>
+      </p:sp>
+      <p:pic>
+        <p:nvPicPr>
+          <p:cNvPr id="4" name="Picture 3">
+            <a:extLst>
+              <a:ext uri="{FF2B5EF4-FFF2-40B4-BE49-F238E27FC236}">
+                <a16:creationId xmlns:a16="http://schemas.microsoft.com/office/drawing/2014/main" id="{F6502204-CE6F-4FC4-A7B8-BC1233CEFC46}"/>
+              </a:ext>
+            </a:extLst>
+          </p:cNvPr>
+          <p:cNvPicPr>
+            <a:picLocks noChangeAspect="1"/>
+          </p:cNvPicPr>
+          <p:nvPr/>
+        </p:nvPicPr>
+        <p:blipFill>
+          <a:blip r:embed="rId2"/>
+          <a:stretch>
+            <a:fillRect/>
+          </a:stretch>
+        </p:blipFill>
+        <p:spPr>
+          <a:xfrm>
+            <a:off x="588263" y="2670458"/>
+            <a:ext cx="9920296" cy="3991599"/>
+          </a:xfrm>
+          <a:prstGeom prst="rect">
+            <a:avLst/>
+          </a:prstGeom>
+          <a:ln>
+            <a:solidFill>
+              <a:schemeClr val="tx1">
+                <a:lumMod val="60000"/>
+                <a:lumOff val="40000"/>
+              </a:schemeClr>
+            </a:solidFill>
+          </a:ln>
+        </p:spPr>
+      </p:pic>
+      <p:grpSp>
+        <p:nvGrpSpPr>
+          <p:cNvPr id="16" name="Group 15">
+            <a:extLst>
+              <a:ext uri="{FF2B5EF4-FFF2-40B4-BE49-F238E27FC236}">
+                <a16:creationId xmlns:a16="http://schemas.microsoft.com/office/drawing/2014/main" id="{9ED796F0-7E01-4E14-9FF8-316D838EF4B5}"/>
+              </a:ext>
+            </a:extLst>
+          </p:cNvPr>
+          <p:cNvGrpSpPr/>
+          <p:nvPr/>
+        </p:nvGrpSpPr>
+        <p:grpSpPr>
+          <a:xfrm>
+            <a:off x="588263" y="1191303"/>
+            <a:ext cx="7209258" cy="1234816"/>
+            <a:chOff x="442127" y="5104563"/>
+            <a:chExt cx="9797143" cy="1678074"/>
+          </a:xfrm>
+        </p:grpSpPr>
+        <p:sp>
+          <p:nvSpPr>
+            <p:cNvPr id="15" name="Rectangle 14">
+              <a:extLst>
+                <a:ext uri="{FF2B5EF4-FFF2-40B4-BE49-F238E27FC236}">
+                  <a16:creationId xmlns:a16="http://schemas.microsoft.com/office/drawing/2014/main" id="{23137BE6-7951-44AD-9461-A95621F1BA42}"/>
+                </a:ext>
+              </a:extLst>
+            </p:cNvPr>
+            <p:cNvSpPr/>
+            <p:nvPr/>
+          </p:nvSpPr>
+          <p:spPr bwMode="auto">
+            <a:xfrm>
+              <a:off x="442127" y="5104563"/>
+              <a:ext cx="9797143" cy="1678074"/>
+            </a:xfrm>
+            <a:prstGeom prst="rect">
+              <a:avLst/>
+            </a:prstGeom>
+            <a:solidFill>
+              <a:schemeClr val="bg1"/>
+            </a:solidFill>
+            <a:ln>
+              <a:solidFill>
+                <a:schemeClr val="tx1"/>
+              </a:solidFill>
+              <a:headEnd type="none" w="med" len="med"/>
+              <a:tailEnd type="none" w="med" len="med"/>
+            </a:ln>
+            <a:effectLst/>
+          </p:spPr>
+          <p:style>
+            <a:lnRef idx="1">
+              <a:schemeClr val="accent2"/>
+            </a:lnRef>
+            <a:fillRef idx="3">
+              <a:schemeClr val="accent2"/>
+            </a:fillRef>
+            <a:effectRef idx="2">
+              <a:schemeClr val="accent2"/>
+            </a:effectRef>
+            <a:fontRef idx="minor">
+              <a:schemeClr val="lt1"/>
+            </a:fontRef>
+          </p:style>
+          <p:txBody>
+            <a:bodyPr rot="0" spcFirstLastPara="0" vertOverflow="overflow" horzOverflow="overflow" vert="horz" wrap="square" lIns="182880" tIns="146304" rIns="182880" bIns="146304" numCol="1" spcCol="0" rtlCol="0" fromWordArt="0" anchor="t" anchorCtr="0" forceAA="0" compatLnSpc="1">
+              <a:prstTxWarp prst="textNoShape">
+                <a:avLst/>
+              </a:prstTxWarp>
+              <a:noAutofit/>
+            </a:bodyPr>
+            <a:lstStyle/>
+            <a:p>
+              <a:pPr algn="ctr" defTabSz="932472" fontAlgn="base">
+                <a:lnSpc>
+                  <a:spcPct val="90000"/>
+                </a:lnSpc>
+                <a:spcBef>
+                  <a:spcPct val="0"/>
+                </a:spcBef>
+                <a:spcAft>
+                  <a:spcPct val="0"/>
+                </a:spcAft>
+              </a:pPr>
+              <a:endParaRPr lang="en-US" sz="1600" dirty="0" err="1">
+                <a:gradFill>
+                  <a:gsLst>
+                    <a:gs pos="0">
+                      <a:srgbClr val="FFFFFF"/>
+                    </a:gs>
+                    <a:gs pos="100000">
+                      <a:srgbClr val="FFFFFF"/>
+                    </a:gs>
+                  </a:gsLst>
+                  <a:lin ang="5400000" scaled="0"/>
+                </a:gradFill>
+                <a:ea typeface="Segoe UI" pitchFamily="34" charset="0"/>
+                <a:cs typeface="Segoe UI" pitchFamily="34" charset="0"/>
+              </a:endParaRPr>
+            </a:p>
+          </p:txBody>
+        </p:sp>
+        <p:sp>
+          <p:nvSpPr>
+            <p:cNvPr id="7" name="Rectangle: Rounded Corners 6">
+              <a:extLst>
+                <a:ext uri="{FF2B5EF4-FFF2-40B4-BE49-F238E27FC236}">
+                  <a16:creationId xmlns:a16="http://schemas.microsoft.com/office/drawing/2014/main" id="{388C8133-5BCF-422E-91AC-AF81C1D23424}"/>
+                </a:ext>
+              </a:extLst>
+            </p:cNvPr>
+            <p:cNvSpPr/>
+            <p:nvPr/>
+          </p:nvSpPr>
+          <p:spPr bwMode="auto">
+            <a:xfrm>
+              <a:off x="647769" y="5536642"/>
+              <a:ext cx="1848896" cy="803868"/>
+            </a:xfrm>
+            <a:prstGeom prst="roundRect">
+              <a:avLst/>
+            </a:prstGeom>
+            <a:solidFill>
+              <a:schemeClr val="tx2"/>
+            </a:solidFill>
+            <a:ln>
+              <a:noFill/>
+              <a:headEnd type="none" w="med" len="med"/>
+              <a:tailEnd type="none" w="med" len="med"/>
+            </a:ln>
+            <a:effectLst/>
+          </p:spPr>
+          <p:style>
+            <a:lnRef idx="1">
+              <a:schemeClr val="accent2"/>
+            </a:lnRef>
+            <a:fillRef idx="3">
+              <a:schemeClr val="accent2"/>
+            </a:fillRef>
+            <a:effectRef idx="2">
+              <a:schemeClr val="accent2"/>
+            </a:effectRef>
+            <a:fontRef idx="minor">
+              <a:schemeClr val="lt1"/>
+            </a:fontRef>
+          </p:style>
+          <p:txBody>
+            <a:bodyPr rot="0" spcFirstLastPara="0" vertOverflow="overflow" horzOverflow="overflow" vert="horz" wrap="square" lIns="182880" tIns="146304" rIns="182880" bIns="146304" numCol="1" spcCol="0" rtlCol="0" fromWordArt="0" anchor="ctr" anchorCtr="0" forceAA="0" compatLnSpc="1">
+              <a:prstTxWarp prst="textNoShape">
+                <a:avLst/>
+              </a:prstTxWarp>
+              <a:noAutofit/>
+            </a:bodyPr>
+            <a:lstStyle/>
+            <a:p>
+              <a:pPr algn="ctr" defTabSz="932472" fontAlgn="base">
+                <a:lnSpc>
+                  <a:spcPct val="90000"/>
+                </a:lnSpc>
+                <a:spcBef>
+                  <a:spcPct val="0"/>
+                </a:spcBef>
+                <a:spcAft>
+                  <a:spcPct val="0"/>
+                </a:spcAft>
+              </a:pPr>
+              <a:r>
+                <a:rPr lang="en-US" sz="1200" dirty="0">
+                  <a:solidFill>
+                    <a:schemeClr val="accent1"/>
+                  </a:solidFill>
+                  <a:ea typeface="Segoe UI" pitchFamily="34" charset="0"/>
+                  <a:cs typeface="Segoe UI" pitchFamily="34" charset="0"/>
+                </a:rPr>
+                <a:t>Source</a:t>
+              </a:r>
+            </a:p>
+            <a:p>
+              <a:pPr algn="ctr" defTabSz="932472" fontAlgn="base">
+                <a:lnSpc>
+                  <a:spcPct val="90000"/>
+                </a:lnSpc>
+                <a:spcBef>
+                  <a:spcPct val="0"/>
+                </a:spcBef>
+                <a:spcAft>
+                  <a:spcPct val="0"/>
+                </a:spcAft>
+              </a:pPr>
+              <a:r>
+                <a:rPr lang="en-US" sz="1200" dirty="0">
+                  <a:solidFill>
+                    <a:schemeClr val="accent1"/>
+                  </a:solidFill>
+                  <a:ea typeface="Segoe UI" pitchFamily="34" charset="0"/>
+                  <a:cs typeface="Segoe UI" pitchFamily="34" charset="0"/>
+                </a:rPr>
+                <a:t>Workspace</a:t>
+              </a:r>
+            </a:p>
+          </p:txBody>
+        </p:sp>
+        <p:sp>
+          <p:nvSpPr>
+            <p:cNvPr id="9" name="Rectangle: Rounded Corners 8">
+              <a:extLst>
+                <a:ext uri="{FF2B5EF4-FFF2-40B4-BE49-F238E27FC236}">
+                  <a16:creationId xmlns:a16="http://schemas.microsoft.com/office/drawing/2014/main" id="{04F286CB-34C1-4029-A4E6-DEBC334D7CC6}"/>
+                </a:ext>
+              </a:extLst>
+            </p:cNvPr>
+            <p:cNvSpPr/>
+            <p:nvPr/>
+          </p:nvSpPr>
+          <p:spPr bwMode="auto">
+            <a:xfrm>
+              <a:off x="8176233" y="5546690"/>
+              <a:ext cx="1848896" cy="803868"/>
+            </a:xfrm>
+            <a:prstGeom prst="roundRect">
+              <a:avLst/>
+            </a:prstGeom>
+            <a:solidFill>
+              <a:schemeClr val="tx2"/>
+            </a:solidFill>
+            <a:ln>
+              <a:noFill/>
+              <a:headEnd type="none" w="med" len="med"/>
+              <a:tailEnd type="none" w="med" len="med"/>
+            </a:ln>
+            <a:effectLst/>
+          </p:spPr>
+          <p:style>
+            <a:lnRef idx="1">
+              <a:schemeClr val="accent2"/>
+            </a:lnRef>
+            <a:fillRef idx="3">
+              <a:schemeClr val="accent2"/>
+            </a:fillRef>
+            <a:effectRef idx="2">
+              <a:schemeClr val="accent2"/>
+            </a:effectRef>
+            <a:fontRef idx="minor">
+              <a:schemeClr val="lt1"/>
+            </a:fontRef>
+          </p:style>
+          <p:txBody>
+            <a:bodyPr rot="0" spcFirstLastPara="0" vertOverflow="overflow" horzOverflow="overflow" vert="horz" wrap="square" lIns="182880" tIns="146304" rIns="182880" bIns="146304" numCol="1" spcCol="0" rtlCol="0" fromWordArt="0" anchor="ctr" anchorCtr="0" forceAA="0" compatLnSpc="1">
+              <a:prstTxWarp prst="textNoShape">
+                <a:avLst/>
+              </a:prstTxWarp>
+              <a:noAutofit/>
+            </a:bodyPr>
+            <a:lstStyle/>
+            <a:p>
+              <a:pPr algn="ctr" defTabSz="932472" fontAlgn="base">
+                <a:lnSpc>
+                  <a:spcPct val="90000"/>
+                </a:lnSpc>
+                <a:spcBef>
+                  <a:spcPct val="0"/>
+                </a:spcBef>
+                <a:spcAft>
+                  <a:spcPct val="0"/>
+                </a:spcAft>
+              </a:pPr>
+              <a:r>
+                <a:rPr lang="en-US" sz="1200" dirty="0">
+                  <a:solidFill>
+                    <a:schemeClr val="accent1"/>
+                  </a:solidFill>
+                  <a:ea typeface="Segoe UI" pitchFamily="34" charset="0"/>
+                  <a:cs typeface="Segoe UI" pitchFamily="34" charset="0"/>
+                </a:rPr>
+                <a:t>Target</a:t>
+              </a:r>
+            </a:p>
+            <a:p>
+              <a:pPr algn="ctr" defTabSz="932472" fontAlgn="base">
+                <a:lnSpc>
+                  <a:spcPct val="90000"/>
+                </a:lnSpc>
+                <a:spcBef>
+                  <a:spcPct val="0"/>
+                </a:spcBef>
+                <a:spcAft>
+                  <a:spcPct val="0"/>
+                </a:spcAft>
+              </a:pPr>
+              <a:r>
+                <a:rPr lang="en-US" sz="1200" dirty="0">
+                  <a:solidFill>
+                    <a:schemeClr val="accent1"/>
+                  </a:solidFill>
+                  <a:ea typeface="Segoe UI" pitchFamily="34" charset="0"/>
+                  <a:cs typeface="Segoe UI" pitchFamily="34" charset="0"/>
+                </a:rPr>
+                <a:t>Workspace</a:t>
+              </a:r>
+            </a:p>
+          </p:txBody>
+        </p:sp>
+        <p:sp>
+          <p:nvSpPr>
+            <p:cNvPr id="10" name="Arrow: Right 9">
+              <a:extLst>
+                <a:ext uri="{FF2B5EF4-FFF2-40B4-BE49-F238E27FC236}">
+                  <a16:creationId xmlns:a16="http://schemas.microsoft.com/office/drawing/2014/main" id="{E7E8A6E6-48F1-4DED-AEF2-721154F4BE56}"/>
+                </a:ext>
+              </a:extLst>
+            </p:cNvPr>
+            <p:cNvSpPr/>
+            <p:nvPr/>
+          </p:nvSpPr>
+          <p:spPr bwMode="auto">
+            <a:xfrm>
+              <a:off x="2616926" y="5581318"/>
+              <a:ext cx="1235948" cy="683288"/>
+            </a:xfrm>
+            <a:prstGeom prst="rightArrow">
+              <a:avLst/>
+            </a:prstGeom>
+            <a:solidFill>
+              <a:schemeClr val="accent1"/>
+            </a:solidFill>
+            <a:ln>
+              <a:solidFill>
+                <a:schemeClr val="tx1"/>
+              </a:solidFill>
+              <a:headEnd type="none" w="med" len="med"/>
+              <a:tailEnd type="none" w="med" len="med"/>
+            </a:ln>
+            <a:effectLst/>
+          </p:spPr>
+          <p:style>
+            <a:lnRef idx="1">
+              <a:schemeClr val="accent2"/>
+            </a:lnRef>
+            <a:fillRef idx="3">
+              <a:schemeClr val="accent2"/>
+            </a:fillRef>
+            <a:effectRef idx="2">
+              <a:schemeClr val="accent2"/>
+            </a:effectRef>
+            <a:fontRef idx="minor">
+              <a:schemeClr val="lt1"/>
+            </a:fontRef>
+          </p:style>
+          <p:txBody>
+            <a:bodyPr rot="0" spcFirstLastPara="0" vertOverflow="overflow" horzOverflow="overflow" vert="horz" wrap="square" lIns="182880" tIns="146304" rIns="182880" bIns="146304" numCol="1" spcCol="0" rtlCol="0" fromWordArt="0" anchor="ctr" anchorCtr="0" forceAA="0" compatLnSpc="1">
+              <a:prstTxWarp prst="textNoShape">
+                <a:avLst/>
+              </a:prstTxWarp>
+              <a:noAutofit/>
+            </a:bodyPr>
+            <a:lstStyle/>
+            <a:p>
+              <a:pPr algn="ctr" defTabSz="932472" fontAlgn="base">
+                <a:lnSpc>
+                  <a:spcPct val="90000"/>
+                </a:lnSpc>
+                <a:spcBef>
+                  <a:spcPct val="0"/>
+                </a:spcBef>
+                <a:spcAft>
+                  <a:spcPct val="0"/>
+                </a:spcAft>
+              </a:pPr>
+              <a:r>
+                <a:rPr lang="en-US" sz="1050" b="1" dirty="0">
+                  <a:solidFill>
+                    <a:schemeClr val="tx1"/>
+                  </a:solidFill>
+                  <a:ea typeface="Segoe UI" pitchFamily="34" charset="0"/>
+                  <a:cs typeface="Segoe UI" pitchFamily="34" charset="0"/>
+                </a:rPr>
+                <a:t>Export</a:t>
+              </a:r>
+            </a:p>
+          </p:txBody>
+        </p:sp>
+        <p:pic>
+          <p:nvPicPr>
+            <p:cNvPr id="12" name="Picture 11">
+              <a:extLst>
+                <a:ext uri="{FF2B5EF4-FFF2-40B4-BE49-F238E27FC236}">
+                  <a16:creationId xmlns:a16="http://schemas.microsoft.com/office/drawing/2014/main" id="{C969E793-9D1C-4067-AA1A-1C7426B16BA1}"/>
+                </a:ext>
+              </a:extLst>
+            </p:cNvPr>
+            <p:cNvPicPr>
+              <a:picLocks noChangeAspect="1"/>
+            </p:cNvPicPr>
+            <p:nvPr/>
+          </p:nvPicPr>
+          <p:blipFill>
+            <a:blip r:embed="rId3"/>
+            <a:stretch>
+              <a:fillRect/>
+            </a:stretch>
+          </p:blipFill>
+          <p:spPr>
+            <a:xfrm>
+              <a:off x="3977078" y="5290876"/>
+              <a:ext cx="2695575" cy="1295400"/>
+            </a:xfrm>
+            <a:prstGeom prst="rect">
+              <a:avLst/>
+            </a:prstGeom>
+            <a:ln>
+              <a:solidFill>
+                <a:schemeClr val="tx1"/>
+              </a:solidFill>
+            </a:ln>
+          </p:spPr>
+        </p:pic>
+        <p:sp>
+          <p:nvSpPr>
+            <p:cNvPr id="14" name="Arrow: Right 13">
+              <a:extLst>
+                <a:ext uri="{FF2B5EF4-FFF2-40B4-BE49-F238E27FC236}">
+                  <a16:creationId xmlns:a16="http://schemas.microsoft.com/office/drawing/2014/main" id="{A0C8C9B4-60E5-4CFA-839F-99815B1C9832}"/>
+                </a:ext>
+              </a:extLst>
+            </p:cNvPr>
+            <p:cNvSpPr/>
+            <p:nvPr/>
+          </p:nvSpPr>
+          <p:spPr bwMode="auto">
+            <a:xfrm>
+              <a:off x="6796857" y="5632973"/>
+              <a:ext cx="1235948" cy="683288"/>
+            </a:xfrm>
+            <a:prstGeom prst="rightArrow">
+              <a:avLst/>
+            </a:prstGeom>
+            <a:solidFill>
+              <a:schemeClr val="accent1"/>
+            </a:solidFill>
+            <a:ln>
+              <a:solidFill>
+                <a:schemeClr val="tx1"/>
+              </a:solidFill>
+              <a:headEnd type="none" w="med" len="med"/>
+              <a:tailEnd type="none" w="med" len="med"/>
+            </a:ln>
+            <a:effectLst/>
+          </p:spPr>
+          <p:style>
+            <a:lnRef idx="1">
+              <a:schemeClr val="accent2"/>
+            </a:lnRef>
+            <a:fillRef idx="3">
+              <a:schemeClr val="accent2"/>
+            </a:fillRef>
+            <a:effectRef idx="2">
+              <a:schemeClr val="accent2"/>
+            </a:effectRef>
+            <a:fontRef idx="minor">
+              <a:schemeClr val="lt1"/>
+            </a:fontRef>
+          </p:style>
+          <p:txBody>
+            <a:bodyPr rot="0" spcFirstLastPara="0" vertOverflow="overflow" horzOverflow="overflow" vert="horz" wrap="square" lIns="182880" tIns="146304" rIns="182880" bIns="146304" numCol="1" spcCol="0" rtlCol="0" fromWordArt="0" anchor="ctr" anchorCtr="0" forceAA="0" compatLnSpc="1">
+              <a:prstTxWarp prst="textNoShape">
+                <a:avLst/>
+              </a:prstTxWarp>
+              <a:noAutofit/>
+            </a:bodyPr>
+            <a:lstStyle/>
+            <a:p>
+              <a:pPr algn="ctr" defTabSz="932472" fontAlgn="base">
+                <a:lnSpc>
+                  <a:spcPct val="90000"/>
+                </a:lnSpc>
+                <a:spcBef>
+                  <a:spcPct val="0"/>
+                </a:spcBef>
+                <a:spcAft>
+                  <a:spcPct val="0"/>
+                </a:spcAft>
+              </a:pPr>
+              <a:r>
+                <a:rPr lang="en-US" sz="1050" b="1" dirty="0">
+                  <a:solidFill>
+                    <a:schemeClr val="tx1"/>
+                  </a:solidFill>
+                  <a:ea typeface="Segoe UI" pitchFamily="34" charset="0"/>
+                  <a:cs typeface="Segoe UI" pitchFamily="34" charset="0"/>
+                </a:rPr>
+                <a:t>Import</a:t>
+              </a:r>
+            </a:p>
+          </p:txBody>
+        </p:sp>
+      </p:grpSp>
+    </p:spTree>
+    <p:extLst>
+      <p:ext uri="{BB962C8B-B14F-4D97-AF65-F5344CB8AC3E}">
+        <p14:creationId xmlns:p14="http://schemas.microsoft.com/office/powerpoint/2010/main" val="1742015233"/>
+      </p:ext>
+    </p:extLst>
+  </p:cSld>
+  <p:clrMapOvr>
+    <a:masterClrMapping/>
+  </p:clrMapOvr>
+  <p:transition>
+    <p:fade/>
+  </p:transition>
+  <p:timing>
+    <p:tnLst>
+      <p:par>
+        <p:cTn id="1" dur="indefinite" restart="never" nodeType="tmRoot">
+          <p:childTnLst>
+            <p:seq concurrent="1" nextAc="seek">
+              <p:cTn id="2" dur="indefinite" nodeType="mainSeq">
+                <p:childTnLst>
+                  <p:par>
+                    <p:cTn id="3" fill="hold">
+                      <p:stCondLst>
+                        <p:cond delay="indefinite"/>
+                      </p:stCondLst>
+                      <p:childTnLst>
+                        <p:par>
+                          <p:cTn id="4" fill="hold">
+                            <p:stCondLst>
+                              <p:cond delay="0"/>
+                            </p:stCondLst>
+                            <p:childTnLst>
+                              <p:par>
+                                <p:cTn id="5" presetID="1" presetClass="entr" presetSubtype="0" fill="hold" nodeType="clickEffect">
+                                  <p:stCondLst>
+                                    <p:cond delay="0"/>
+                                  </p:stCondLst>
+                                  <p:childTnLst>
+                                    <p:set>
+                                      <p:cBhvr>
+                                        <p:cTn id="6" dur="1" fill="hold">
+                                          <p:stCondLst>
+                                            <p:cond delay="0"/>
+                                          </p:stCondLst>
+                                        </p:cTn>
+                                        <p:tgtEl>
+                                          <p:spTgt spid="4"/>
+                                        </p:tgtEl>
+                                        <p:attrNameLst>
+                                          <p:attrName>style.visibility</p:attrName>
+                                        </p:attrNameLst>
+                                      </p:cBhvr>
+                                      <p:to>
+                                        <p:strVal val="visible"/>
+                                      </p:to>
+                                    </p:set>
+                                  </p:childTnLst>
+                                </p:cTn>
+                              </p:par>
+                            </p:childTnLst>
+                          </p:cTn>
+                        </p:par>
+                      </p:childTnLst>
+                    </p:cTn>
+                  </p:par>
+                </p:childTnLst>
+              </p:cTn>
+              <p:prevCondLst>
+                <p:cond evt="onPrev" delay="0">
+                  <p:tgtEl>
+                    <p:sldTgt/>
+                  </p:tgtEl>
+                </p:cond>
+              </p:prevCondLst>
+              <p:nextCondLst>
+                <p:cond evt="onNext" delay="0">
+                  <p:tgtEl>
+                    <p:sldTgt/>
+                  </p:tgtEl>
+                </p:cond>
+              </p:nextCondLst>
+            </p:seq>
+          </p:childTnLst>
+        </p:cTn>
+      </p:par>
+    </p:tnLst>
+  </p:timing>
+</p:sld>
+</file>
+
+<file path=ppt/slides/slide23.xml><?xml version="1.0" encoding="utf-8"?>
+<p:sld xmlns:a="http://schemas.openxmlformats.org/drawingml/2006/main" xmlns:r="http://schemas.openxmlformats.org/officeDocument/2006/relationships" xmlns:p="http://schemas.openxmlformats.org/presentationml/2006/main">
+  <p:cSld>
+    <p:spTree>
+      <p:nvGrpSpPr>
+        <p:cNvPr id="1" name=""/>
+        <p:cNvGrpSpPr/>
+        <p:nvPr/>
+      </p:nvGrpSpPr>
+      <p:grpSpPr>
+        <a:xfrm>
+          <a:off x="0" y="0"/>
+          <a:ext cx="0" cy="0"/>
+          <a:chOff x="0" y="0"/>
+          <a:chExt cx="0" cy="0"/>
+        </a:xfrm>
+      </p:grpSpPr>
+      <p:sp>
+        <p:nvSpPr>
+          <p:cNvPr id="2" name="Title 1">
+            <a:extLst>
+              <a:ext uri="{FF2B5EF4-FFF2-40B4-BE49-F238E27FC236}">
                 <a16:creationId xmlns:a16="http://schemas.microsoft.com/office/drawing/2014/main" id="{F01778DC-4DBE-451F-8BB8-C9EDB2803E4D}"/>
               </a:ext>
             </a:extLst>
@@ -6424,7 +7097,7 @@
 </p:sld>
 </file>
 
-<file path=ppt/slides/slide23.xml><?xml version="1.0" encoding="utf-8"?>
+<file path=ppt/slides/slide24.xml><?xml version="1.0" encoding="utf-8"?>
 <p:sld xmlns:a="http://schemas.openxmlformats.org/drawingml/2006/main" xmlns:r="http://schemas.openxmlformats.org/officeDocument/2006/relationships" xmlns:p="http://schemas.openxmlformats.org/presentationml/2006/main">
   <p:cSld>
     <p:bg>
@@ -6610,7 +7283,7 @@
 </p:sld>
 </file>
 
-<file path=ppt/slides/slide24.xml><?xml version="1.0" encoding="utf-8"?>
+<file path=ppt/slides/slide25.xml><?xml version="1.0" encoding="utf-8"?>
 <p:sld xmlns:a="http://schemas.openxmlformats.org/drawingml/2006/main" xmlns:r="http://schemas.openxmlformats.org/officeDocument/2006/relationships" xmlns:p="http://schemas.openxmlformats.org/presentationml/2006/main">
   <p:cSld>
     <p:spTree>
@@ -6779,7 +7452,7 @@
 </p:sld>
 </file>
 
-<file path=ppt/slides/slide25.xml><?xml version="1.0" encoding="utf-8"?>
+<file path=ppt/slides/slide26.xml><?xml version="1.0" encoding="utf-8"?>
 <p:sld xmlns:a="http://schemas.openxmlformats.org/drawingml/2006/main" xmlns:r="http://schemas.openxmlformats.org/officeDocument/2006/relationships" xmlns:p="http://schemas.openxmlformats.org/presentationml/2006/main">
   <p:cSld>
     <p:spTree>
@@ -7103,7 +7776,7 @@
 </p:sld>
 </file>
 
-<file path=ppt/slides/slide26.xml><?xml version="1.0" encoding="utf-8"?>
+<file path=ppt/slides/slide27.xml><?xml version="1.0" encoding="utf-8"?>
 <p:sld xmlns:a="http://schemas.openxmlformats.org/drawingml/2006/main" xmlns:r="http://schemas.openxmlformats.org/officeDocument/2006/relationships" xmlns:p="http://schemas.openxmlformats.org/presentationml/2006/main">
   <p:cSld>
     <p:spTree>
@@ -7202,7 +7875,7 @@
 </p:sld>
 </file>
 
-<file path=ppt/slides/slide27.xml><?xml version="1.0" encoding="utf-8"?>
+<file path=ppt/slides/slide28.xml><?xml version="1.0" encoding="utf-8"?>
 <p:sld xmlns:a="http://schemas.openxmlformats.org/drawingml/2006/main" xmlns:r="http://schemas.openxmlformats.org/officeDocument/2006/relationships" xmlns:p="http://schemas.openxmlformats.org/presentationml/2006/main">
   <p:cSld>
     <p:spTree>
@@ -7622,7 +8295,7 @@
 </p:sld>
 </file>
 
-<file path=ppt/slides/slide28.xml><?xml version="1.0" encoding="utf-8"?>
+<file path=ppt/slides/slide29.xml><?xml version="1.0" encoding="utf-8"?>
 <p:sld xmlns:a="http://schemas.openxmlformats.org/drawingml/2006/main" xmlns:r="http://schemas.openxmlformats.org/officeDocument/2006/relationships" xmlns:p="http://schemas.openxmlformats.org/presentationml/2006/main">
   <p:cSld>
     <p:spTree>
@@ -7721,192 +8394,6 @@
 </p:sld>
 </file>
 
-<file path=ppt/slides/slide29.xml><?xml version="1.0" encoding="utf-8"?>
-<p:sld xmlns:a="http://schemas.openxmlformats.org/drawingml/2006/main" xmlns:r="http://schemas.openxmlformats.org/officeDocument/2006/relationships" xmlns:p="http://schemas.openxmlformats.org/presentationml/2006/main">
-  <p:cSld>
-    <p:bg>
-      <p:bgPr>
-        <a:solidFill>
-          <a:schemeClr val="accent1"/>
-        </a:solidFill>
-        <a:effectLst/>
-      </p:bgPr>
-    </p:bg>
-    <p:spTree>
-      <p:nvGrpSpPr>
-        <p:cNvPr id="1" name=""/>
-        <p:cNvGrpSpPr/>
-        <p:nvPr/>
-      </p:nvGrpSpPr>
-      <p:grpSpPr>
-        <a:xfrm>
-          <a:off x="0" y="0"/>
-          <a:ext cx="0" cy="0"/>
-          <a:chOff x="0" y="0"/>
-          <a:chExt cx="0" cy="0"/>
-        </a:xfrm>
-      </p:grpSpPr>
-      <p:sp>
-        <p:nvSpPr>
-          <p:cNvPr id="6" name="Title 5">
-            <a:extLst>
-              <a:ext uri="{FF2B5EF4-FFF2-40B4-BE49-F238E27FC236}">
-                <a16:creationId xmlns:a16="http://schemas.microsoft.com/office/drawing/2014/main" id="{E7BF15BD-001C-49B3-9A01-B39DEDA47564}"/>
-              </a:ext>
-            </a:extLst>
-          </p:cNvPr>
-          <p:cNvSpPr>
-            <a:spLocks noGrp="1"/>
-          </p:cNvSpPr>
-          <p:nvPr>
-            <p:ph type="title"/>
-          </p:nvPr>
-        </p:nvSpPr>
-        <p:spPr/>
-        <p:txBody>
-          <a:bodyPr/>
-          <a:lstStyle/>
-          <a:p>
-            <a:r>
-              <a:rPr lang="en-US" dirty="0"/>
-              <a:t>Agenda</a:t>
-            </a:r>
-          </a:p>
-        </p:txBody>
-      </p:sp>
-      <p:sp>
-        <p:nvSpPr>
-          <p:cNvPr id="7" name="Text Placeholder 6">
-            <a:extLst>
-              <a:ext uri="{FF2B5EF4-FFF2-40B4-BE49-F238E27FC236}">
-                <a16:creationId xmlns:a16="http://schemas.microsoft.com/office/drawing/2014/main" id="{61F6BD0B-C4D8-42DE-A3A7-50D8219CE639}"/>
-              </a:ext>
-            </a:extLst>
-          </p:cNvPr>
-          <p:cNvSpPr>
-            <a:spLocks noGrp="1"/>
-          </p:cNvSpPr>
-          <p:nvPr>
-            <p:ph type="body" sz="quarter" idx="11"/>
-          </p:nvPr>
-        </p:nvSpPr>
-        <p:spPr>
-          <a:xfrm>
-            <a:off x="4442092" y="2355794"/>
-            <a:ext cx="7796829" cy="3672800"/>
-          </a:xfrm>
-        </p:spPr>
-        <p:txBody>
-          <a:bodyPr/>
-          <a:lstStyle/>
-          <a:p>
-            <a:pPr marL="466298" indent="-466298">
-              <a:buFont typeface="Wingdings" panose="05000000000000000000" pitchFamily="2" charset="2"/>
-              <a:buChar char="ü"/>
-            </a:pPr>
-            <a:r>
-              <a:rPr lang="en-US" dirty="0"/>
-              <a:t>Reviewing of PowerShell Fundamentals</a:t>
-            </a:r>
-          </a:p>
-          <a:p>
-            <a:pPr marL="466298" indent="-466298">
-              <a:buFont typeface="Wingdings" panose="05000000000000000000" pitchFamily="2" charset="2"/>
-              <a:buChar char="ü"/>
-            </a:pPr>
-            <a:r>
-              <a:rPr lang="en-US" dirty="0"/>
-              <a:t>Installing The Power BI Library for PowerShell</a:t>
-            </a:r>
-          </a:p>
-          <a:p>
-            <a:pPr marL="466298" indent="-466298">
-              <a:buFont typeface="Wingdings" panose="05000000000000000000" pitchFamily="2" charset="2"/>
-              <a:buChar char="ü"/>
-            </a:pPr>
-            <a:r>
-              <a:rPr lang="en-US" dirty="0"/>
-              <a:t>Creating and Managing Workspaces</a:t>
-            </a:r>
-          </a:p>
-          <a:p>
-            <a:pPr marL="466298" indent="-466298">
-              <a:buFont typeface="Wingdings" panose="05000000000000000000" pitchFamily="2" charset="2"/>
-              <a:buChar char="ü"/>
-            </a:pPr>
-            <a:r>
-              <a:rPr lang="en-US" dirty="0"/>
-              <a:t>Executing Operations with Invoke-PowerBIRestMethod</a:t>
-            </a:r>
-          </a:p>
-          <a:p>
-            <a:pPr marL="466298" indent="-466298">
-              <a:buFont typeface="Wingdings" panose="05000000000000000000" pitchFamily="2" charset="2"/>
-              <a:buChar char="Ø"/>
-            </a:pPr>
-            <a:r>
-              <a:rPr lang="en-US" dirty="0"/>
-              <a:t>Executing Administrative Commands</a:t>
-            </a:r>
-          </a:p>
-          <a:p>
-            <a:pPr marL="466298" indent="-466298">
-              <a:buFont typeface="Wingdings" panose="05000000000000000000" pitchFamily="2" charset="2"/>
-              <a:buChar char="§"/>
-            </a:pPr>
-            <a:r>
-              <a:rPr lang="en-US" dirty="0"/>
-              <a:t>Running Scripts as Service Principal</a:t>
-            </a:r>
-          </a:p>
-          <a:p>
-            <a:pPr marL="466298" indent="-466298">
-              <a:buFont typeface="Wingdings" panose="05000000000000000000" pitchFamily="2" charset="2"/>
-              <a:buChar char="§"/>
-            </a:pPr>
-            <a:r>
-              <a:rPr lang="en-US" dirty="0"/>
-              <a:t>Using the </a:t>
-            </a:r>
-            <a:r>
-              <a:rPr lang="en-US" dirty="0" err="1"/>
-              <a:t>DataGateway</a:t>
-            </a:r>
-            <a:r>
-              <a:rPr lang="en-US" dirty="0"/>
-              <a:t> PowerShell Module</a:t>
-            </a:r>
-          </a:p>
-          <a:p>
-            <a:pPr marL="466298" indent="-466298">
-              <a:buFont typeface="Wingdings" panose="05000000000000000000" pitchFamily="2" charset="2"/>
-              <a:buChar char="§"/>
-            </a:pPr>
-            <a:endParaRPr lang="en-US" dirty="0"/>
-          </a:p>
-        </p:txBody>
-      </p:sp>
-    </p:spTree>
-    <p:extLst>
-      <p:ext uri="{BB962C8B-B14F-4D97-AF65-F5344CB8AC3E}">
-        <p14:creationId xmlns:p14="http://schemas.microsoft.com/office/powerpoint/2010/main" val="976525558"/>
-      </p:ext>
-    </p:extLst>
-  </p:cSld>
-  <p:clrMapOvr>
-    <a:masterClrMapping/>
-  </p:clrMapOvr>
-  <mc:AlternateContent xmlns:mc="http://schemas.openxmlformats.org/markup-compatibility/2006" xmlns:p14="http://schemas.microsoft.com/office/powerpoint/2010/main">
-    <mc:Choice Requires="p14">
-      <p:transition p14:dur="0"/>
-    </mc:Choice>
-    <mc:Fallback xmlns="">
-      <p:transition/>
-    </mc:Fallback>
-  </mc:AlternateContent>
-</p:sld>
-</file>
-
 <file path=ppt/slides/slide3.xml><?xml version="1.0" encoding="utf-8"?>
 <p:sld xmlns:a="http://schemas.openxmlformats.org/drawingml/2006/main" xmlns:r="http://schemas.openxmlformats.org/officeDocument/2006/relationships" xmlns:p="http://schemas.openxmlformats.org/presentationml/2006/main">
   <p:cSld>
@@ -8046,6 +8533,192 @@
 <file path=ppt/slides/slide30.xml><?xml version="1.0" encoding="utf-8"?>
 <p:sld xmlns:a="http://schemas.openxmlformats.org/drawingml/2006/main" xmlns:r="http://schemas.openxmlformats.org/officeDocument/2006/relationships" xmlns:p="http://schemas.openxmlformats.org/presentationml/2006/main">
   <p:cSld>
+    <p:bg>
+      <p:bgPr>
+        <a:solidFill>
+          <a:schemeClr val="accent1"/>
+        </a:solidFill>
+        <a:effectLst/>
+      </p:bgPr>
+    </p:bg>
+    <p:spTree>
+      <p:nvGrpSpPr>
+        <p:cNvPr id="1" name=""/>
+        <p:cNvGrpSpPr/>
+        <p:nvPr/>
+      </p:nvGrpSpPr>
+      <p:grpSpPr>
+        <a:xfrm>
+          <a:off x="0" y="0"/>
+          <a:ext cx="0" cy="0"/>
+          <a:chOff x="0" y="0"/>
+          <a:chExt cx="0" cy="0"/>
+        </a:xfrm>
+      </p:grpSpPr>
+      <p:sp>
+        <p:nvSpPr>
+          <p:cNvPr id="6" name="Title 5">
+            <a:extLst>
+              <a:ext uri="{FF2B5EF4-FFF2-40B4-BE49-F238E27FC236}">
+                <a16:creationId xmlns:a16="http://schemas.microsoft.com/office/drawing/2014/main" id="{E7BF15BD-001C-49B3-9A01-B39DEDA47564}"/>
+              </a:ext>
+            </a:extLst>
+          </p:cNvPr>
+          <p:cNvSpPr>
+            <a:spLocks noGrp="1"/>
+          </p:cNvSpPr>
+          <p:nvPr>
+            <p:ph type="title"/>
+          </p:nvPr>
+        </p:nvSpPr>
+        <p:spPr/>
+        <p:txBody>
+          <a:bodyPr/>
+          <a:lstStyle/>
+          <a:p>
+            <a:r>
+              <a:rPr lang="en-US" dirty="0"/>
+              <a:t>Agenda</a:t>
+            </a:r>
+          </a:p>
+        </p:txBody>
+      </p:sp>
+      <p:sp>
+        <p:nvSpPr>
+          <p:cNvPr id="7" name="Text Placeholder 6">
+            <a:extLst>
+              <a:ext uri="{FF2B5EF4-FFF2-40B4-BE49-F238E27FC236}">
+                <a16:creationId xmlns:a16="http://schemas.microsoft.com/office/drawing/2014/main" id="{61F6BD0B-C4D8-42DE-A3A7-50D8219CE639}"/>
+              </a:ext>
+            </a:extLst>
+          </p:cNvPr>
+          <p:cNvSpPr>
+            <a:spLocks noGrp="1"/>
+          </p:cNvSpPr>
+          <p:nvPr>
+            <p:ph type="body" sz="quarter" idx="11"/>
+          </p:nvPr>
+        </p:nvSpPr>
+        <p:spPr>
+          <a:xfrm>
+            <a:off x="4442092" y="2355794"/>
+            <a:ext cx="7796829" cy="3672800"/>
+          </a:xfrm>
+        </p:spPr>
+        <p:txBody>
+          <a:bodyPr/>
+          <a:lstStyle/>
+          <a:p>
+            <a:pPr marL="466298" indent="-466298">
+              <a:buFont typeface="Wingdings" panose="05000000000000000000" pitchFamily="2" charset="2"/>
+              <a:buChar char="ü"/>
+            </a:pPr>
+            <a:r>
+              <a:rPr lang="en-US" dirty="0"/>
+              <a:t>Reviewing of PowerShell Fundamentals</a:t>
+            </a:r>
+          </a:p>
+          <a:p>
+            <a:pPr marL="466298" indent="-466298">
+              <a:buFont typeface="Wingdings" panose="05000000000000000000" pitchFamily="2" charset="2"/>
+              <a:buChar char="ü"/>
+            </a:pPr>
+            <a:r>
+              <a:rPr lang="en-US" dirty="0"/>
+              <a:t>Installing The Power BI Library for PowerShell</a:t>
+            </a:r>
+          </a:p>
+          <a:p>
+            <a:pPr marL="466298" indent="-466298">
+              <a:buFont typeface="Wingdings" panose="05000000000000000000" pitchFamily="2" charset="2"/>
+              <a:buChar char="ü"/>
+            </a:pPr>
+            <a:r>
+              <a:rPr lang="en-US" dirty="0"/>
+              <a:t>Creating and Managing Workspaces</a:t>
+            </a:r>
+          </a:p>
+          <a:p>
+            <a:pPr marL="466298" indent="-466298">
+              <a:buFont typeface="Wingdings" panose="05000000000000000000" pitchFamily="2" charset="2"/>
+              <a:buChar char="ü"/>
+            </a:pPr>
+            <a:r>
+              <a:rPr lang="en-US" dirty="0"/>
+              <a:t>Executing Operations with Invoke-PowerBIRestMethod</a:t>
+            </a:r>
+          </a:p>
+          <a:p>
+            <a:pPr marL="466298" indent="-466298">
+              <a:buFont typeface="Wingdings" panose="05000000000000000000" pitchFamily="2" charset="2"/>
+              <a:buChar char="Ø"/>
+            </a:pPr>
+            <a:r>
+              <a:rPr lang="en-US" dirty="0"/>
+              <a:t>Executing Administrative Commands</a:t>
+            </a:r>
+          </a:p>
+          <a:p>
+            <a:pPr marL="466298" indent="-466298">
+              <a:buFont typeface="Wingdings" panose="05000000000000000000" pitchFamily="2" charset="2"/>
+              <a:buChar char="§"/>
+            </a:pPr>
+            <a:r>
+              <a:rPr lang="en-US" dirty="0"/>
+              <a:t>Running Scripts as Service Principal</a:t>
+            </a:r>
+          </a:p>
+          <a:p>
+            <a:pPr marL="466298" indent="-466298">
+              <a:buFont typeface="Wingdings" panose="05000000000000000000" pitchFamily="2" charset="2"/>
+              <a:buChar char="§"/>
+            </a:pPr>
+            <a:r>
+              <a:rPr lang="en-US" dirty="0"/>
+              <a:t>Using the </a:t>
+            </a:r>
+            <a:r>
+              <a:rPr lang="en-US" dirty="0" err="1"/>
+              <a:t>DataGateway</a:t>
+            </a:r>
+            <a:r>
+              <a:rPr lang="en-US" dirty="0"/>
+              <a:t> PowerShell Module</a:t>
+            </a:r>
+          </a:p>
+          <a:p>
+            <a:pPr marL="466298" indent="-466298">
+              <a:buFont typeface="Wingdings" panose="05000000000000000000" pitchFamily="2" charset="2"/>
+              <a:buChar char="§"/>
+            </a:pPr>
+            <a:endParaRPr lang="en-US" dirty="0"/>
+          </a:p>
+        </p:txBody>
+      </p:sp>
+    </p:spTree>
+    <p:extLst>
+      <p:ext uri="{BB962C8B-B14F-4D97-AF65-F5344CB8AC3E}">
+        <p14:creationId xmlns:p14="http://schemas.microsoft.com/office/powerpoint/2010/main" val="976525558"/>
+      </p:ext>
+    </p:extLst>
+  </p:cSld>
+  <p:clrMapOvr>
+    <a:masterClrMapping/>
+  </p:clrMapOvr>
+  <mc:AlternateContent xmlns:mc="http://schemas.openxmlformats.org/markup-compatibility/2006" xmlns:p14="http://schemas.microsoft.com/office/powerpoint/2010/main">
+    <mc:Choice Requires="p14">
+      <p:transition p14:dur="0"/>
+    </mc:Choice>
+    <mc:Fallback xmlns="">
+      <p:transition/>
+    </mc:Fallback>
+  </mc:AlternateContent>
+</p:sld>
+</file>
+
+<file path=ppt/slides/slide31.xml><?xml version="1.0" encoding="utf-8"?>
+<p:sld xmlns:a="http://schemas.openxmlformats.org/drawingml/2006/main" xmlns:r="http://schemas.openxmlformats.org/officeDocument/2006/relationships" xmlns:p="http://schemas.openxmlformats.org/presentationml/2006/main">
+  <p:cSld>
     <p:spTree>
       <p:nvGrpSpPr>
         <p:cNvPr id="1" name=""/>
@@ -8247,7 +8920,7 @@
 </p:sld>
 </file>
 
-<file path=ppt/slides/slide31.xml><?xml version="1.0" encoding="utf-8"?>
+<file path=ppt/slides/slide32.xml><?xml version="1.0" encoding="utf-8"?>
 <p:sld xmlns:a="http://schemas.openxmlformats.org/drawingml/2006/main" xmlns:r="http://schemas.openxmlformats.org/officeDocument/2006/relationships" xmlns:p="http://schemas.openxmlformats.org/presentationml/2006/main">
   <p:cSld>
     <p:spTree>
@@ -8346,7 +9019,7 @@
 </p:sld>
 </file>
 
-<file path=ppt/slides/slide32.xml><?xml version="1.0" encoding="utf-8"?>
+<file path=ppt/slides/slide33.xml><?xml version="1.0" encoding="utf-8"?>
 <p:sld xmlns:a="http://schemas.openxmlformats.org/drawingml/2006/main" xmlns:r="http://schemas.openxmlformats.org/officeDocument/2006/relationships" xmlns:p="http://schemas.openxmlformats.org/presentationml/2006/main">
   <p:cSld>
     <p:spTree>
@@ -8606,7 +9279,7 @@
 </p:sld>
 </file>
 
-<file path=ppt/slides/slide33.xml><?xml version="1.0" encoding="utf-8"?>
+<file path=ppt/slides/slide34.xml><?xml version="1.0" encoding="utf-8"?>
 <p:sld xmlns:a="http://schemas.openxmlformats.org/drawingml/2006/main" xmlns:r="http://schemas.openxmlformats.org/officeDocument/2006/relationships" xmlns:p="http://schemas.openxmlformats.org/presentationml/2006/main">
   <p:cSld>
     <p:spTree>
@@ -8847,7 +9520,7 @@
 </p:sld>
 </file>
 
-<file path=ppt/slides/slide34.xml><?xml version="1.0" encoding="utf-8"?>
+<file path=ppt/slides/slide35.xml><?xml version="1.0" encoding="utf-8"?>
 <p:sld xmlns:a="http://schemas.openxmlformats.org/drawingml/2006/main" xmlns:r="http://schemas.openxmlformats.org/officeDocument/2006/relationships" xmlns:p="http://schemas.openxmlformats.org/presentationml/2006/main">
   <p:cSld>
     <p:spTree>
@@ -9165,7 +9838,7 @@
 </p:sld>
 </file>
 
-<file path=ppt/slides/slide35.xml><?xml version="1.0" encoding="utf-8"?>
+<file path=ppt/slides/slide36.xml><?xml version="1.0" encoding="utf-8"?>
 <p:sld xmlns:a="http://schemas.openxmlformats.org/drawingml/2006/main" xmlns:r="http://schemas.openxmlformats.org/officeDocument/2006/relationships" xmlns:p="http://schemas.openxmlformats.org/presentationml/2006/main">
   <p:cSld>
     <p:bg>
@@ -9351,7 +10024,7 @@
 </p:sld>
 </file>
 
-<file path=ppt/slides/slide36.xml><?xml version="1.0" encoding="utf-8"?>
+<file path=ppt/slides/slide37.xml><?xml version="1.0" encoding="utf-8"?>
 <p:sld xmlns:a="http://schemas.openxmlformats.org/drawingml/2006/main" xmlns:r="http://schemas.openxmlformats.org/officeDocument/2006/relationships" xmlns:p="http://schemas.openxmlformats.org/presentationml/2006/main">
   <p:cSld>
     <p:spTree>
@@ -9415,7 +10088,7 @@
         <p:spPr>
           <a:xfrm>
             <a:off x="588263" y="1378083"/>
-            <a:ext cx="11239464" cy="1295676"/>
+            <a:ext cx="11239464" cy="3034613"/>
           </a:xfrm>
         </p:spPr>
         <p:txBody>
@@ -9439,14 +10112,38 @@
             <a:pPr lvl="1"/>
             <a:r>
               <a:rPr lang="en-US" dirty="0"/>
-              <a:t>Unlike user-based access, this requires creating a Azure AD application</a:t>
+              <a:t>Unlike user-based access, this requires creating an Azure AD application</a:t>
             </a:r>
           </a:p>
           <a:p>
             <a:pPr lvl="1"/>
             <a:r>
               <a:rPr lang="en-US" dirty="0"/>
-              <a:t>You must also enable </a:t>
+              <a:t>You must also enable tenant-level setting for Service Principal access to API</a:t>
+            </a:r>
+          </a:p>
+          <a:p>
+            <a:pPr lvl="1"/>
+            <a:endParaRPr lang="en-US" dirty="0"/>
+          </a:p>
+          <a:p>
+            <a:r>
+              <a:rPr lang="en-US" dirty="0"/>
+              <a:t>Service Principal Limitation</a:t>
+            </a:r>
+          </a:p>
+          <a:p>
+            <a:pPr lvl="1"/>
+            <a:r>
+              <a:rPr lang="en-US" dirty="0"/>
+              <a:t>Service principal cannot execute Admin API operations</a:t>
+            </a:r>
+          </a:p>
+          <a:p>
+            <a:pPr lvl="1"/>
+            <a:r>
+              <a:rPr lang="en-US" dirty="0"/>
+              <a:t>Service principal can only view/access workspaces in which it’s a member</a:t>
             </a:r>
           </a:p>
         </p:txBody>
@@ -9467,7 +10164,7 @@
 </p:sld>
 </file>
 
-<file path=ppt/slides/slide37.xml><?xml version="1.0" encoding="utf-8"?>
+<file path=ppt/slides/slide38.xml><?xml version="1.0" encoding="utf-8"?>
 <p:sld xmlns:a="http://schemas.openxmlformats.org/drawingml/2006/main" xmlns:r="http://schemas.openxmlformats.org/officeDocument/2006/relationships" xmlns:p="http://schemas.openxmlformats.org/presentationml/2006/main">
   <p:cSld>
     <p:spTree>
@@ -9848,7 +10545,7 @@
 </p:sld>
 </file>
 
-<file path=ppt/slides/slide38.xml><?xml version="1.0" encoding="utf-8"?>
+<file path=ppt/slides/slide39.xml><?xml version="1.0" encoding="utf-8"?>
 <p:sld xmlns:a="http://schemas.openxmlformats.org/drawingml/2006/main" xmlns:r="http://schemas.openxmlformats.org/officeDocument/2006/relationships" xmlns:p="http://schemas.openxmlformats.org/presentationml/2006/main">
   <p:cSld>
     <p:spTree>
@@ -10465,7 +11162,491 @@
 </p:sld>
 </file>
 
-<file path=ppt/slides/slide39.xml><?xml version="1.0" encoding="utf-8"?>
+<file path=ppt/slides/slide4.xml><?xml version="1.0" encoding="utf-8"?>
+<p:sld xmlns:a="http://schemas.openxmlformats.org/drawingml/2006/main" xmlns:r="http://schemas.openxmlformats.org/officeDocument/2006/relationships" xmlns:p="http://schemas.openxmlformats.org/presentationml/2006/main">
+  <p:cSld>
+    <p:spTree>
+      <p:nvGrpSpPr>
+        <p:cNvPr id="1" name=""/>
+        <p:cNvGrpSpPr/>
+        <p:nvPr/>
+      </p:nvGrpSpPr>
+      <p:grpSpPr>
+        <a:xfrm>
+          <a:off x="0" y="0"/>
+          <a:ext cx="0" cy="0"/>
+          <a:chOff x="0" y="0"/>
+          <a:chExt cx="0" cy="0"/>
+        </a:xfrm>
+      </p:grpSpPr>
+      <p:sp>
+        <p:nvSpPr>
+          <p:cNvPr id="2" name="Title 1">
+            <a:extLst>
+              <a:ext uri="{FF2B5EF4-FFF2-40B4-BE49-F238E27FC236}">
+                <a16:creationId xmlns:a16="http://schemas.microsoft.com/office/drawing/2014/main" id="{B8F8E791-5F2B-4730-97B9-65600D9E0833}"/>
+              </a:ext>
+            </a:extLst>
+          </p:cNvPr>
+          <p:cNvSpPr>
+            <a:spLocks noGrp="1"/>
+          </p:cNvSpPr>
+          <p:nvPr>
+            <p:ph type="title"/>
+          </p:nvPr>
+        </p:nvSpPr>
+        <p:spPr/>
+        <p:txBody>
+          <a:bodyPr/>
+          <a:lstStyle/>
+          <a:p>
+            <a:r>
+              <a:rPr lang="en-US" dirty="0"/>
+              <a:t>Writing PowerShell Scripts for Power BI Tutorial</a:t>
+            </a:r>
+          </a:p>
+        </p:txBody>
+      </p:sp>
+      <p:sp>
+        <p:nvSpPr>
+          <p:cNvPr id="5" name="Text Placeholder 4">
+            <a:extLst>
+              <a:ext uri="{FF2B5EF4-FFF2-40B4-BE49-F238E27FC236}">
+                <a16:creationId xmlns:a16="http://schemas.microsoft.com/office/drawing/2014/main" id="{70DC43AD-7C08-429A-859D-E9D4D9EF5792}"/>
+              </a:ext>
+            </a:extLst>
+          </p:cNvPr>
+          <p:cNvSpPr>
+            <a:spLocks noGrp="1"/>
+          </p:cNvSpPr>
+          <p:nvPr>
+            <p:ph type="body" sz="quarter" idx="10"/>
+          </p:nvPr>
+        </p:nvSpPr>
+        <p:spPr>
+          <a:xfrm>
+            <a:off x="588263" y="1211828"/>
+            <a:ext cx="11239464" cy="430887"/>
+          </a:xfrm>
+        </p:spPr>
+        <p:txBody>
+          <a:bodyPr/>
+          <a:lstStyle/>
+          <a:p>
+            <a:r>
+              <a:rPr lang="en-US" dirty="0">
+                <a:hlinkClick r:id="rId2"/>
+              </a:rPr>
+              <a:t>https://github.com/PowerBiDevCamp/PowerBI-PowerShell-Tutorial</a:t>
+            </a:r>
+            <a:r>
+              <a:rPr lang="en-US" dirty="0"/>
+              <a:t> </a:t>
+            </a:r>
+          </a:p>
+        </p:txBody>
+      </p:sp>
+      <p:pic>
+        <p:nvPicPr>
+          <p:cNvPr id="7" name="Picture 6">
+            <a:extLst>
+              <a:ext uri="{FF2B5EF4-FFF2-40B4-BE49-F238E27FC236}">
+                <a16:creationId xmlns:a16="http://schemas.microsoft.com/office/drawing/2014/main" id="{951A9018-E50F-443A-AB9F-C831DF376535}"/>
+              </a:ext>
+            </a:extLst>
+          </p:cNvPr>
+          <p:cNvPicPr>
+            <a:picLocks noChangeAspect="1"/>
+          </p:cNvPicPr>
+          <p:nvPr/>
+        </p:nvPicPr>
+        <p:blipFill>
+          <a:blip r:embed="rId3"/>
+          <a:stretch>
+            <a:fillRect/>
+          </a:stretch>
+        </p:blipFill>
+        <p:spPr>
+          <a:xfrm>
+            <a:off x="912022" y="1843345"/>
+            <a:ext cx="6051486" cy="4297728"/>
+          </a:xfrm>
+          <a:prstGeom prst="rect">
+            <a:avLst/>
+          </a:prstGeom>
+          <a:ln>
+            <a:solidFill>
+              <a:schemeClr val="tx1">
+                <a:lumMod val="60000"/>
+                <a:lumOff val="40000"/>
+              </a:schemeClr>
+            </a:solidFill>
+          </a:ln>
+        </p:spPr>
+      </p:pic>
+      <p:sp>
+        <p:nvSpPr>
+          <p:cNvPr id="10" name="Rectangle: Rounded Corners 9">
+            <a:extLst>
+              <a:ext uri="{FF2B5EF4-FFF2-40B4-BE49-F238E27FC236}">
+                <a16:creationId xmlns:a16="http://schemas.microsoft.com/office/drawing/2014/main" id="{B4DB945E-9CE4-494C-AD94-7060DA6EBCDE}"/>
+              </a:ext>
+            </a:extLst>
+          </p:cNvPr>
+          <p:cNvSpPr/>
+          <p:nvPr/>
+        </p:nvSpPr>
+        <p:spPr bwMode="auto">
+          <a:xfrm>
+            <a:off x="1053385" y="4258022"/>
+            <a:ext cx="1177349" cy="555138"/>
+          </a:xfrm>
+          <a:prstGeom prst="roundRect">
+            <a:avLst/>
+          </a:prstGeom>
+          <a:noFill/>
+          <a:ln w="38100">
+            <a:solidFill>
+              <a:srgbClr val="C00000"/>
+            </a:solidFill>
+            <a:prstDash val="sysDash"/>
+            <a:headEnd type="none" w="med" len="med"/>
+            <a:tailEnd type="none" w="med" len="med"/>
+          </a:ln>
+          <a:effectLst/>
+        </p:spPr>
+        <p:style>
+          <a:lnRef idx="1">
+            <a:schemeClr val="accent2"/>
+          </a:lnRef>
+          <a:fillRef idx="3">
+            <a:schemeClr val="accent2"/>
+          </a:fillRef>
+          <a:effectRef idx="2">
+            <a:schemeClr val="accent2"/>
+          </a:effectRef>
+          <a:fontRef idx="minor">
+            <a:schemeClr val="lt1"/>
+          </a:fontRef>
+        </p:style>
+        <p:txBody>
+          <a:bodyPr rot="0" spcFirstLastPara="0" vertOverflow="overflow" horzOverflow="overflow" vert="horz" wrap="square" lIns="182880" tIns="146304" rIns="182880" bIns="146304" numCol="1" spcCol="0" rtlCol="0" fromWordArt="0" anchor="t" anchorCtr="0" forceAA="0" compatLnSpc="1">
+            <a:prstTxWarp prst="textNoShape">
+              <a:avLst/>
+            </a:prstTxWarp>
+            <a:noAutofit/>
+          </a:bodyPr>
+          <a:lstStyle/>
+          <a:p>
+            <a:pPr algn="ctr" defTabSz="932472" fontAlgn="base">
+              <a:lnSpc>
+                <a:spcPct val="90000"/>
+              </a:lnSpc>
+              <a:spcBef>
+                <a:spcPct val="0"/>
+              </a:spcBef>
+              <a:spcAft>
+                <a:spcPct val="0"/>
+              </a:spcAft>
+            </a:pPr>
+            <a:endParaRPr lang="en-US" sz="2400" dirty="0" err="1">
+              <a:gradFill>
+                <a:gsLst>
+                  <a:gs pos="0">
+                    <a:srgbClr val="FFFFFF"/>
+                  </a:gs>
+                  <a:gs pos="100000">
+                    <a:srgbClr val="FFFFFF"/>
+                  </a:gs>
+                </a:gsLst>
+                <a:lin ang="5400000" scaled="0"/>
+              </a:gradFill>
+              <a:ea typeface="Segoe UI" pitchFamily="34" charset="0"/>
+              <a:cs typeface="Segoe UI" pitchFamily="34" charset="0"/>
+            </a:endParaRPr>
+          </a:p>
+        </p:txBody>
+      </p:sp>
+      <p:grpSp>
+        <p:nvGrpSpPr>
+          <p:cNvPr id="12" name="Group 11">
+            <a:extLst>
+              <a:ext uri="{FF2B5EF4-FFF2-40B4-BE49-F238E27FC236}">
+                <a16:creationId xmlns:a16="http://schemas.microsoft.com/office/drawing/2014/main" id="{A77AEC79-0D96-4A08-A4CF-CA8121553CA3}"/>
+              </a:ext>
+            </a:extLst>
+          </p:cNvPr>
+          <p:cNvGrpSpPr/>
+          <p:nvPr/>
+        </p:nvGrpSpPr>
+        <p:grpSpPr>
+          <a:xfrm>
+            <a:off x="2309234" y="3828421"/>
+            <a:ext cx="9634886" cy="2708904"/>
+            <a:chOff x="2309234" y="3828421"/>
+            <a:chExt cx="9634886" cy="2708904"/>
+          </a:xfrm>
+        </p:grpSpPr>
+        <p:pic>
+          <p:nvPicPr>
+            <p:cNvPr id="9" name="Picture 8">
+              <a:extLst>
+                <a:ext uri="{FF2B5EF4-FFF2-40B4-BE49-F238E27FC236}">
+                  <a16:creationId xmlns:a16="http://schemas.microsoft.com/office/drawing/2014/main" id="{3C47D519-3997-45F3-90BC-C4AEFCF677EB}"/>
+                </a:ext>
+              </a:extLst>
+            </p:cNvPr>
+            <p:cNvPicPr>
+              <a:picLocks noChangeAspect="1"/>
+            </p:cNvPicPr>
+            <p:nvPr/>
+          </p:nvPicPr>
+          <p:blipFill rotWithShape="1">
+            <a:blip r:embed="rId4"/>
+            <a:srcRect t="3049"/>
+            <a:stretch/>
+          </p:blipFill>
+          <p:spPr>
+            <a:xfrm>
+              <a:off x="5816180" y="3828421"/>
+              <a:ext cx="6127940" cy="2708904"/>
+            </a:xfrm>
+            <a:prstGeom prst="rect">
+              <a:avLst/>
+            </a:prstGeom>
+            <a:ln>
+              <a:solidFill>
+                <a:schemeClr val="tx1">
+                  <a:lumMod val="60000"/>
+                  <a:lumOff val="40000"/>
+                </a:schemeClr>
+              </a:solidFill>
+            </a:ln>
+          </p:spPr>
+        </p:pic>
+        <p:sp>
+          <p:nvSpPr>
+            <p:cNvPr id="11" name="Arrow: Right 10">
+              <a:extLst>
+                <a:ext uri="{FF2B5EF4-FFF2-40B4-BE49-F238E27FC236}">
+                  <a16:creationId xmlns:a16="http://schemas.microsoft.com/office/drawing/2014/main" id="{087F5FB9-5D7D-4E9D-AFAE-1BC24DF7109A}"/>
+                </a:ext>
+              </a:extLst>
+            </p:cNvPr>
+            <p:cNvSpPr/>
+            <p:nvPr/>
+          </p:nvSpPr>
+          <p:spPr bwMode="auto">
+            <a:xfrm>
+              <a:off x="2309234" y="4150305"/>
+              <a:ext cx="3388181" cy="793820"/>
+            </a:xfrm>
+            <a:prstGeom prst="rightArrow">
+              <a:avLst/>
+            </a:prstGeom>
+            <a:solidFill>
+              <a:schemeClr val="accent1"/>
+            </a:solidFill>
+            <a:ln>
+              <a:noFill/>
+              <a:headEnd type="none" w="med" len="med"/>
+              <a:tailEnd type="none" w="med" len="med"/>
+            </a:ln>
+            <a:effectLst/>
+          </p:spPr>
+          <p:style>
+            <a:lnRef idx="1">
+              <a:schemeClr val="accent2"/>
+            </a:lnRef>
+            <a:fillRef idx="3">
+              <a:schemeClr val="accent2"/>
+            </a:fillRef>
+            <a:effectRef idx="2">
+              <a:schemeClr val="accent2"/>
+            </a:effectRef>
+            <a:fontRef idx="minor">
+              <a:schemeClr val="lt1"/>
+            </a:fontRef>
+          </p:style>
+          <p:txBody>
+            <a:bodyPr rot="0" spcFirstLastPara="0" vertOverflow="overflow" horzOverflow="overflow" vert="horz" wrap="square" lIns="182880" tIns="146304" rIns="182880" bIns="146304" numCol="1" spcCol="0" rtlCol="0" fromWordArt="0" anchor="t" anchorCtr="0" forceAA="0" compatLnSpc="1">
+              <a:prstTxWarp prst="textNoShape">
+                <a:avLst/>
+              </a:prstTxWarp>
+              <a:noAutofit/>
+            </a:bodyPr>
+            <a:lstStyle/>
+            <a:p>
+              <a:pPr algn="ctr" defTabSz="932472" fontAlgn="base">
+                <a:lnSpc>
+                  <a:spcPct val="90000"/>
+                </a:lnSpc>
+                <a:spcBef>
+                  <a:spcPct val="0"/>
+                </a:spcBef>
+                <a:spcAft>
+                  <a:spcPct val="0"/>
+                </a:spcAft>
+              </a:pPr>
+              <a:endParaRPr lang="en-US" sz="2400" dirty="0" err="1">
+                <a:gradFill>
+                  <a:gsLst>
+                    <a:gs pos="0">
+                      <a:srgbClr val="FFFFFF"/>
+                    </a:gs>
+                    <a:gs pos="100000">
+                      <a:srgbClr val="FFFFFF"/>
+                    </a:gs>
+                  </a:gsLst>
+                  <a:lin ang="5400000" scaled="0"/>
+                </a:gradFill>
+                <a:ea typeface="Segoe UI" pitchFamily="34" charset="0"/>
+                <a:cs typeface="Segoe UI" pitchFamily="34" charset="0"/>
+              </a:endParaRPr>
+            </a:p>
+          </p:txBody>
+        </p:sp>
+      </p:grpSp>
+    </p:spTree>
+    <p:extLst>
+      <p:ext uri="{BB962C8B-B14F-4D97-AF65-F5344CB8AC3E}">
+        <p14:creationId xmlns:p14="http://schemas.microsoft.com/office/powerpoint/2010/main" val="1069563751"/>
+      </p:ext>
+    </p:extLst>
+  </p:cSld>
+  <p:clrMapOvr>
+    <a:masterClrMapping/>
+  </p:clrMapOvr>
+  <p:transition>
+    <p:fade/>
+  </p:transition>
+  <p:timing>
+    <p:tnLst>
+      <p:par>
+        <p:cTn id="1" dur="indefinite" restart="never" nodeType="tmRoot">
+          <p:childTnLst>
+            <p:seq concurrent="1" nextAc="seek">
+              <p:cTn id="2" dur="indefinite" nodeType="mainSeq">
+                <p:childTnLst>
+                  <p:par>
+                    <p:cTn id="3" fill="hold">
+                      <p:stCondLst>
+                        <p:cond delay="indefinite"/>
+                      </p:stCondLst>
+                      <p:childTnLst>
+                        <p:par>
+                          <p:cTn id="4" fill="hold">
+                            <p:stCondLst>
+                              <p:cond delay="0"/>
+                            </p:stCondLst>
+                            <p:childTnLst>
+                              <p:par>
+                                <p:cTn id="5" presetID="1" presetClass="entr" presetSubtype="0" fill="hold" grpId="0" nodeType="clickEffect">
+                                  <p:stCondLst>
+                                    <p:cond delay="0"/>
+                                  </p:stCondLst>
+                                  <p:childTnLst>
+                                    <p:set>
+                                      <p:cBhvr>
+                                        <p:cTn id="6" dur="1" fill="hold">
+                                          <p:stCondLst>
+                                            <p:cond delay="0"/>
+                                          </p:stCondLst>
+                                        </p:cTn>
+                                        <p:tgtEl>
+                                          <p:spTgt spid="10"/>
+                                        </p:tgtEl>
+                                        <p:attrNameLst>
+                                          <p:attrName>style.visibility</p:attrName>
+                                        </p:attrNameLst>
+                                      </p:cBhvr>
+                                      <p:to>
+                                        <p:strVal val="visible"/>
+                                      </p:to>
+                                    </p:set>
+                                  </p:childTnLst>
+                                </p:cTn>
+                              </p:par>
+                            </p:childTnLst>
+                          </p:cTn>
+                        </p:par>
+                      </p:childTnLst>
+                    </p:cTn>
+                  </p:par>
+                  <p:par>
+                    <p:cTn id="7" fill="hold">
+                      <p:stCondLst>
+                        <p:cond delay="indefinite"/>
+                      </p:stCondLst>
+                      <p:childTnLst>
+                        <p:par>
+                          <p:cTn id="8" fill="hold">
+                            <p:stCondLst>
+                              <p:cond delay="0"/>
+                            </p:stCondLst>
+                            <p:childTnLst>
+                              <p:par>
+                                <p:cTn id="9" presetID="1" presetClass="entr" presetSubtype="0" fill="hold" nodeType="clickEffect">
+                                  <p:stCondLst>
+                                    <p:cond delay="0"/>
+                                  </p:stCondLst>
+                                  <p:childTnLst>
+                                    <p:set>
+                                      <p:cBhvr>
+                                        <p:cTn id="10" dur="1" fill="hold">
+                                          <p:stCondLst>
+                                            <p:cond delay="0"/>
+                                          </p:stCondLst>
+                                        </p:cTn>
+                                        <p:tgtEl>
+                                          <p:spTgt spid="12"/>
+                                        </p:tgtEl>
+                                        <p:attrNameLst>
+                                          <p:attrName>style.visibility</p:attrName>
+                                        </p:attrNameLst>
+                                      </p:cBhvr>
+                                      <p:to>
+                                        <p:strVal val="visible"/>
+                                      </p:to>
+                                    </p:set>
+                                  </p:childTnLst>
+                                </p:cTn>
+                              </p:par>
+                            </p:childTnLst>
+                          </p:cTn>
+                        </p:par>
+                      </p:childTnLst>
+                    </p:cTn>
+                  </p:par>
+                </p:childTnLst>
+              </p:cTn>
+              <p:prevCondLst>
+                <p:cond evt="onPrev" delay="0">
+                  <p:tgtEl>
+                    <p:sldTgt/>
+                  </p:tgtEl>
+                </p:cond>
+              </p:prevCondLst>
+              <p:nextCondLst>
+                <p:cond evt="onNext" delay="0">
+                  <p:tgtEl>
+                    <p:sldTgt/>
+                  </p:tgtEl>
+                </p:cond>
+              </p:nextCondLst>
+            </p:seq>
+          </p:childTnLst>
+        </p:cTn>
+      </p:par>
+    </p:tnLst>
+    <p:bldLst>
+      <p:bldP spid="10" grpId="0" animBg="1"/>
+    </p:bldLst>
+  </p:timing>
+</p:sld>
+</file>
+
+<file path=ppt/slides/slide40.xml><?xml version="1.0" encoding="utf-8"?>
 <p:sld xmlns:a="http://schemas.openxmlformats.org/drawingml/2006/main" xmlns:r="http://schemas.openxmlformats.org/officeDocument/2006/relationships" xmlns:p="http://schemas.openxmlformats.org/presentationml/2006/main">
   <p:cSld>
     <p:spTree>
@@ -11050,491 +12231,7 @@
 </p:sld>
 </file>
 
-<file path=ppt/slides/slide4.xml><?xml version="1.0" encoding="utf-8"?>
-<p:sld xmlns:a="http://schemas.openxmlformats.org/drawingml/2006/main" xmlns:r="http://schemas.openxmlformats.org/officeDocument/2006/relationships" xmlns:p="http://schemas.openxmlformats.org/presentationml/2006/main">
-  <p:cSld>
-    <p:spTree>
-      <p:nvGrpSpPr>
-        <p:cNvPr id="1" name=""/>
-        <p:cNvGrpSpPr/>
-        <p:nvPr/>
-      </p:nvGrpSpPr>
-      <p:grpSpPr>
-        <a:xfrm>
-          <a:off x="0" y="0"/>
-          <a:ext cx="0" cy="0"/>
-          <a:chOff x="0" y="0"/>
-          <a:chExt cx="0" cy="0"/>
-        </a:xfrm>
-      </p:grpSpPr>
-      <p:sp>
-        <p:nvSpPr>
-          <p:cNvPr id="2" name="Title 1">
-            <a:extLst>
-              <a:ext uri="{FF2B5EF4-FFF2-40B4-BE49-F238E27FC236}">
-                <a16:creationId xmlns:a16="http://schemas.microsoft.com/office/drawing/2014/main" id="{B8F8E791-5F2B-4730-97B9-65600D9E0833}"/>
-              </a:ext>
-            </a:extLst>
-          </p:cNvPr>
-          <p:cNvSpPr>
-            <a:spLocks noGrp="1"/>
-          </p:cNvSpPr>
-          <p:nvPr>
-            <p:ph type="title"/>
-          </p:nvPr>
-        </p:nvSpPr>
-        <p:spPr/>
-        <p:txBody>
-          <a:bodyPr/>
-          <a:lstStyle/>
-          <a:p>
-            <a:r>
-              <a:rPr lang="en-US" dirty="0"/>
-              <a:t>Writing PowerShell Scripts for Power BI Tutorial</a:t>
-            </a:r>
-          </a:p>
-        </p:txBody>
-      </p:sp>
-      <p:sp>
-        <p:nvSpPr>
-          <p:cNvPr id="5" name="Text Placeholder 4">
-            <a:extLst>
-              <a:ext uri="{FF2B5EF4-FFF2-40B4-BE49-F238E27FC236}">
-                <a16:creationId xmlns:a16="http://schemas.microsoft.com/office/drawing/2014/main" id="{70DC43AD-7C08-429A-859D-E9D4D9EF5792}"/>
-              </a:ext>
-            </a:extLst>
-          </p:cNvPr>
-          <p:cNvSpPr>
-            <a:spLocks noGrp="1"/>
-          </p:cNvSpPr>
-          <p:nvPr>
-            <p:ph type="body" sz="quarter" idx="10"/>
-          </p:nvPr>
-        </p:nvSpPr>
-        <p:spPr>
-          <a:xfrm>
-            <a:off x="588263" y="1211828"/>
-            <a:ext cx="11239464" cy="430887"/>
-          </a:xfrm>
-        </p:spPr>
-        <p:txBody>
-          <a:bodyPr/>
-          <a:lstStyle/>
-          <a:p>
-            <a:r>
-              <a:rPr lang="en-US" dirty="0">
-                <a:hlinkClick r:id="rId2"/>
-              </a:rPr>
-              <a:t>https://github.com/PowerBiDevCamp/PowerBI-PowerShell-Tutorial</a:t>
-            </a:r>
-            <a:r>
-              <a:rPr lang="en-US" dirty="0"/>
-              <a:t> </a:t>
-            </a:r>
-          </a:p>
-        </p:txBody>
-      </p:sp>
-      <p:pic>
-        <p:nvPicPr>
-          <p:cNvPr id="7" name="Picture 6">
-            <a:extLst>
-              <a:ext uri="{FF2B5EF4-FFF2-40B4-BE49-F238E27FC236}">
-                <a16:creationId xmlns:a16="http://schemas.microsoft.com/office/drawing/2014/main" id="{951A9018-E50F-443A-AB9F-C831DF376535}"/>
-              </a:ext>
-            </a:extLst>
-          </p:cNvPr>
-          <p:cNvPicPr>
-            <a:picLocks noChangeAspect="1"/>
-          </p:cNvPicPr>
-          <p:nvPr/>
-        </p:nvPicPr>
-        <p:blipFill>
-          <a:blip r:embed="rId3"/>
-          <a:stretch>
-            <a:fillRect/>
-          </a:stretch>
-        </p:blipFill>
-        <p:spPr>
-          <a:xfrm>
-            <a:off x="912022" y="1843345"/>
-            <a:ext cx="6051486" cy="4297728"/>
-          </a:xfrm>
-          <a:prstGeom prst="rect">
-            <a:avLst/>
-          </a:prstGeom>
-          <a:ln>
-            <a:solidFill>
-              <a:schemeClr val="tx1">
-                <a:lumMod val="60000"/>
-                <a:lumOff val="40000"/>
-              </a:schemeClr>
-            </a:solidFill>
-          </a:ln>
-        </p:spPr>
-      </p:pic>
-      <p:sp>
-        <p:nvSpPr>
-          <p:cNvPr id="10" name="Rectangle: Rounded Corners 9">
-            <a:extLst>
-              <a:ext uri="{FF2B5EF4-FFF2-40B4-BE49-F238E27FC236}">
-                <a16:creationId xmlns:a16="http://schemas.microsoft.com/office/drawing/2014/main" id="{B4DB945E-9CE4-494C-AD94-7060DA6EBCDE}"/>
-              </a:ext>
-            </a:extLst>
-          </p:cNvPr>
-          <p:cNvSpPr/>
-          <p:nvPr/>
-        </p:nvSpPr>
-        <p:spPr bwMode="auto">
-          <a:xfrm>
-            <a:off x="1053385" y="4258022"/>
-            <a:ext cx="1177349" cy="555138"/>
-          </a:xfrm>
-          <a:prstGeom prst="roundRect">
-            <a:avLst/>
-          </a:prstGeom>
-          <a:noFill/>
-          <a:ln w="38100">
-            <a:solidFill>
-              <a:srgbClr val="C00000"/>
-            </a:solidFill>
-            <a:prstDash val="sysDash"/>
-            <a:headEnd type="none" w="med" len="med"/>
-            <a:tailEnd type="none" w="med" len="med"/>
-          </a:ln>
-          <a:effectLst/>
-        </p:spPr>
-        <p:style>
-          <a:lnRef idx="1">
-            <a:schemeClr val="accent2"/>
-          </a:lnRef>
-          <a:fillRef idx="3">
-            <a:schemeClr val="accent2"/>
-          </a:fillRef>
-          <a:effectRef idx="2">
-            <a:schemeClr val="accent2"/>
-          </a:effectRef>
-          <a:fontRef idx="minor">
-            <a:schemeClr val="lt1"/>
-          </a:fontRef>
-        </p:style>
-        <p:txBody>
-          <a:bodyPr rot="0" spcFirstLastPara="0" vertOverflow="overflow" horzOverflow="overflow" vert="horz" wrap="square" lIns="182880" tIns="146304" rIns="182880" bIns="146304" numCol="1" spcCol="0" rtlCol="0" fromWordArt="0" anchor="t" anchorCtr="0" forceAA="0" compatLnSpc="1">
-            <a:prstTxWarp prst="textNoShape">
-              <a:avLst/>
-            </a:prstTxWarp>
-            <a:noAutofit/>
-          </a:bodyPr>
-          <a:lstStyle/>
-          <a:p>
-            <a:pPr algn="ctr" defTabSz="932472" fontAlgn="base">
-              <a:lnSpc>
-                <a:spcPct val="90000"/>
-              </a:lnSpc>
-              <a:spcBef>
-                <a:spcPct val="0"/>
-              </a:spcBef>
-              <a:spcAft>
-                <a:spcPct val="0"/>
-              </a:spcAft>
-            </a:pPr>
-            <a:endParaRPr lang="en-US" sz="2400" dirty="0" err="1">
-              <a:gradFill>
-                <a:gsLst>
-                  <a:gs pos="0">
-                    <a:srgbClr val="FFFFFF"/>
-                  </a:gs>
-                  <a:gs pos="100000">
-                    <a:srgbClr val="FFFFFF"/>
-                  </a:gs>
-                </a:gsLst>
-                <a:lin ang="5400000" scaled="0"/>
-              </a:gradFill>
-              <a:ea typeface="Segoe UI" pitchFamily="34" charset="0"/>
-              <a:cs typeface="Segoe UI" pitchFamily="34" charset="0"/>
-            </a:endParaRPr>
-          </a:p>
-        </p:txBody>
-      </p:sp>
-      <p:grpSp>
-        <p:nvGrpSpPr>
-          <p:cNvPr id="12" name="Group 11">
-            <a:extLst>
-              <a:ext uri="{FF2B5EF4-FFF2-40B4-BE49-F238E27FC236}">
-                <a16:creationId xmlns:a16="http://schemas.microsoft.com/office/drawing/2014/main" id="{A77AEC79-0D96-4A08-A4CF-CA8121553CA3}"/>
-              </a:ext>
-            </a:extLst>
-          </p:cNvPr>
-          <p:cNvGrpSpPr/>
-          <p:nvPr/>
-        </p:nvGrpSpPr>
-        <p:grpSpPr>
-          <a:xfrm>
-            <a:off x="2309234" y="3828421"/>
-            <a:ext cx="9634886" cy="2708904"/>
-            <a:chOff x="2309234" y="3828421"/>
-            <a:chExt cx="9634886" cy="2708904"/>
-          </a:xfrm>
-        </p:grpSpPr>
-        <p:pic>
-          <p:nvPicPr>
-            <p:cNvPr id="9" name="Picture 8">
-              <a:extLst>
-                <a:ext uri="{FF2B5EF4-FFF2-40B4-BE49-F238E27FC236}">
-                  <a16:creationId xmlns:a16="http://schemas.microsoft.com/office/drawing/2014/main" id="{3C47D519-3997-45F3-90BC-C4AEFCF677EB}"/>
-                </a:ext>
-              </a:extLst>
-            </p:cNvPr>
-            <p:cNvPicPr>
-              <a:picLocks noChangeAspect="1"/>
-            </p:cNvPicPr>
-            <p:nvPr/>
-          </p:nvPicPr>
-          <p:blipFill rotWithShape="1">
-            <a:blip r:embed="rId4"/>
-            <a:srcRect t="3049"/>
-            <a:stretch/>
-          </p:blipFill>
-          <p:spPr>
-            <a:xfrm>
-              <a:off x="5816180" y="3828421"/>
-              <a:ext cx="6127940" cy="2708904"/>
-            </a:xfrm>
-            <a:prstGeom prst="rect">
-              <a:avLst/>
-            </a:prstGeom>
-            <a:ln>
-              <a:solidFill>
-                <a:schemeClr val="tx1">
-                  <a:lumMod val="60000"/>
-                  <a:lumOff val="40000"/>
-                </a:schemeClr>
-              </a:solidFill>
-            </a:ln>
-          </p:spPr>
-        </p:pic>
-        <p:sp>
-          <p:nvSpPr>
-            <p:cNvPr id="11" name="Arrow: Right 10">
-              <a:extLst>
-                <a:ext uri="{FF2B5EF4-FFF2-40B4-BE49-F238E27FC236}">
-                  <a16:creationId xmlns:a16="http://schemas.microsoft.com/office/drawing/2014/main" id="{087F5FB9-5D7D-4E9D-AFAE-1BC24DF7109A}"/>
-                </a:ext>
-              </a:extLst>
-            </p:cNvPr>
-            <p:cNvSpPr/>
-            <p:nvPr/>
-          </p:nvSpPr>
-          <p:spPr bwMode="auto">
-            <a:xfrm>
-              <a:off x="2309234" y="4150305"/>
-              <a:ext cx="3388181" cy="793820"/>
-            </a:xfrm>
-            <a:prstGeom prst="rightArrow">
-              <a:avLst/>
-            </a:prstGeom>
-            <a:solidFill>
-              <a:schemeClr val="accent1"/>
-            </a:solidFill>
-            <a:ln>
-              <a:noFill/>
-              <a:headEnd type="none" w="med" len="med"/>
-              <a:tailEnd type="none" w="med" len="med"/>
-            </a:ln>
-            <a:effectLst/>
-          </p:spPr>
-          <p:style>
-            <a:lnRef idx="1">
-              <a:schemeClr val="accent2"/>
-            </a:lnRef>
-            <a:fillRef idx="3">
-              <a:schemeClr val="accent2"/>
-            </a:fillRef>
-            <a:effectRef idx="2">
-              <a:schemeClr val="accent2"/>
-            </a:effectRef>
-            <a:fontRef idx="minor">
-              <a:schemeClr val="lt1"/>
-            </a:fontRef>
-          </p:style>
-          <p:txBody>
-            <a:bodyPr rot="0" spcFirstLastPara="0" vertOverflow="overflow" horzOverflow="overflow" vert="horz" wrap="square" lIns="182880" tIns="146304" rIns="182880" bIns="146304" numCol="1" spcCol="0" rtlCol="0" fromWordArt="0" anchor="t" anchorCtr="0" forceAA="0" compatLnSpc="1">
-              <a:prstTxWarp prst="textNoShape">
-                <a:avLst/>
-              </a:prstTxWarp>
-              <a:noAutofit/>
-            </a:bodyPr>
-            <a:lstStyle/>
-            <a:p>
-              <a:pPr algn="ctr" defTabSz="932472" fontAlgn="base">
-                <a:lnSpc>
-                  <a:spcPct val="90000"/>
-                </a:lnSpc>
-                <a:spcBef>
-                  <a:spcPct val="0"/>
-                </a:spcBef>
-                <a:spcAft>
-                  <a:spcPct val="0"/>
-                </a:spcAft>
-              </a:pPr>
-              <a:endParaRPr lang="en-US" sz="2400" dirty="0" err="1">
-                <a:gradFill>
-                  <a:gsLst>
-                    <a:gs pos="0">
-                      <a:srgbClr val="FFFFFF"/>
-                    </a:gs>
-                    <a:gs pos="100000">
-                      <a:srgbClr val="FFFFFF"/>
-                    </a:gs>
-                  </a:gsLst>
-                  <a:lin ang="5400000" scaled="0"/>
-                </a:gradFill>
-                <a:ea typeface="Segoe UI" pitchFamily="34" charset="0"/>
-                <a:cs typeface="Segoe UI" pitchFamily="34" charset="0"/>
-              </a:endParaRPr>
-            </a:p>
-          </p:txBody>
-        </p:sp>
-      </p:grpSp>
-    </p:spTree>
-    <p:extLst>
-      <p:ext uri="{BB962C8B-B14F-4D97-AF65-F5344CB8AC3E}">
-        <p14:creationId xmlns:p14="http://schemas.microsoft.com/office/powerpoint/2010/main" val="1069563751"/>
-      </p:ext>
-    </p:extLst>
-  </p:cSld>
-  <p:clrMapOvr>
-    <a:masterClrMapping/>
-  </p:clrMapOvr>
-  <p:transition>
-    <p:fade/>
-  </p:transition>
-  <p:timing>
-    <p:tnLst>
-      <p:par>
-        <p:cTn id="1" dur="indefinite" restart="never" nodeType="tmRoot">
-          <p:childTnLst>
-            <p:seq concurrent="1" nextAc="seek">
-              <p:cTn id="2" dur="indefinite" nodeType="mainSeq">
-                <p:childTnLst>
-                  <p:par>
-                    <p:cTn id="3" fill="hold">
-                      <p:stCondLst>
-                        <p:cond delay="indefinite"/>
-                      </p:stCondLst>
-                      <p:childTnLst>
-                        <p:par>
-                          <p:cTn id="4" fill="hold">
-                            <p:stCondLst>
-                              <p:cond delay="0"/>
-                            </p:stCondLst>
-                            <p:childTnLst>
-                              <p:par>
-                                <p:cTn id="5" presetID="1" presetClass="entr" presetSubtype="0" fill="hold" grpId="0" nodeType="clickEffect">
-                                  <p:stCondLst>
-                                    <p:cond delay="0"/>
-                                  </p:stCondLst>
-                                  <p:childTnLst>
-                                    <p:set>
-                                      <p:cBhvr>
-                                        <p:cTn id="6" dur="1" fill="hold">
-                                          <p:stCondLst>
-                                            <p:cond delay="0"/>
-                                          </p:stCondLst>
-                                        </p:cTn>
-                                        <p:tgtEl>
-                                          <p:spTgt spid="10"/>
-                                        </p:tgtEl>
-                                        <p:attrNameLst>
-                                          <p:attrName>style.visibility</p:attrName>
-                                        </p:attrNameLst>
-                                      </p:cBhvr>
-                                      <p:to>
-                                        <p:strVal val="visible"/>
-                                      </p:to>
-                                    </p:set>
-                                  </p:childTnLst>
-                                </p:cTn>
-                              </p:par>
-                            </p:childTnLst>
-                          </p:cTn>
-                        </p:par>
-                      </p:childTnLst>
-                    </p:cTn>
-                  </p:par>
-                  <p:par>
-                    <p:cTn id="7" fill="hold">
-                      <p:stCondLst>
-                        <p:cond delay="indefinite"/>
-                      </p:stCondLst>
-                      <p:childTnLst>
-                        <p:par>
-                          <p:cTn id="8" fill="hold">
-                            <p:stCondLst>
-                              <p:cond delay="0"/>
-                            </p:stCondLst>
-                            <p:childTnLst>
-                              <p:par>
-                                <p:cTn id="9" presetID="1" presetClass="entr" presetSubtype="0" fill="hold" nodeType="clickEffect">
-                                  <p:stCondLst>
-                                    <p:cond delay="0"/>
-                                  </p:stCondLst>
-                                  <p:childTnLst>
-                                    <p:set>
-                                      <p:cBhvr>
-                                        <p:cTn id="10" dur="1" fill="hold">
-                                          <p:stCondLst>
-                                            <p:cond delay="0"/>
-                                          </p:stCondLst>
-                                        </p:cTn>
-                                        <p:tgtEl>
-                                          <p:spTgt spid="12"/>
-                                        </p:tgtEl>
-                                        <p:attrNameLst>
-                                          <p:attrName>style.visibility</p:attrName>
-                                        </p:attrNameLst>
-                                      </p:cBhvr>
-                                      <p:to>
-                                        <p:strVal val="visible"/>
-                                      </p:to>
-                                    </p:set>
-                                  </p:childTnLst>
-                                </p:cTn>
-                              </p:par>
-                            </p:childTnLst>
-                          </p:cTn>
-                        </p:par>
-                      </p:childTnLst>
-                    </p:cTn>
-                  </p:par>
-                </p:childTnLst>
-              </p:cTn>
-              <p:prevCondLst>
-                <p:cond evt="onPrev" delay="0">
-                  <p:tgtEl>
-                    <p:sldTgt/>
-                  </p:tgtEl>
-                </p:cond>
-              </p:prevCondLst>
-              <p:nextCondLst>
-                <p:cond evt="onNext" delay="0">
-                  <p:tgtEl>
-                    <p:sldTgt/>
-                  </p:tgtEl>
-                </p:cond>
-              </p:nextCondLst>
-            </p:seq>
-          </p:childTnLst>
-        </p:cTn>
-      </p:par>
-    </p:tnLst>
-    <p:bldLst>
-      <p:bldP spid="10" grpId="0" animBg="1"/>
-    </p:bldLst>
-  </p:timing>
-</p:sld>
-</file>
-
-<file path=ppt/slides/slide40.xml><?xml version="1.0" encoding="utf-8"?>
+<file path=ppt/slides/slide41.xml><?xml version="1.0" encoding="utf-8"?>
 <p:sld xmlns:a="http://schemas.openxmlformats.org/drawingml/2006/main" xmlns:r="http://schemas.openxmlformats.org/officeDocument/2006/relationships" xmlns:p="http://schemas.openxmlformats.org/presentationml/2006/main">
   <p:cSld>
     <p:spTree>
@@ -11666,7 +12363,7 @@
 </p:sld>
 </file>
 
-<file path=ppt/slides/slide41.xml><?xml version="1.0" encoding="utf-8"?>
+<file path=ppt/slides/slide42.xml><?xml version="1.0" encoding="utf-8"?>
 <p:sld xmlns:a="http://schemas.openxmlformats.org/drawingml/2006/main" xmlns:r="http://schemas.openxmlformats.org/officeDocument/2006/relationships" xmlns:p="http://schemas.openxmlformats.org/presentationml/2006/main">
   <p:cSld>
     <p:spTree>
@@ -11765,7 +12462,7 @@
 </p:sld>
 </file>
 
-<file path=ppt/slides/slide42.xml><?xml version="1.0" encoding="utf-8"?>
+<file path=ppt/slides/slide43.xml><?xml version="1.0" encoding="utf-8"?>
 <p:sld xmlns:a="http://schemas.openxmlformats.org/drawingml/2006/main" xmlns:r="http://schemas.openxmlformats.org/officeDocument/2006/relationships" xmlns:p="http://schemas.openxmlformats.org/presentationml/2006/main">
   <p:cSld>
     <p:bg>
@@ -11951,7 +12648,7 @@
 </p:sld>
 </file>
 
-<file path=ppt/slides/slide43.xml><?xml version="1.0" encoding="utf-8"?>
+<file path=ppt/slides/slide44.xml><?xml version="1.0" encoding="utf-8"?>
 <p:sld xmlns:a="http://schemas.openxmlformats.org/drawingml/2006/main" xmlns:r="http://schemas.openxmlformats.org/officeDocument/2006/relationships" xmlns:p="http://schemas.openxmlformats.org/presentationml/2006/main">
   <p:cSld>
     <p:spTree>
@@ -12097,7 +12794,7 @@
 </p:sld>
 </file>
 
-<file path=ppt/slides/slide44.xml><?xml version="1.0" encoding="utf-8"?>
+<file path=ppt/slides/slide45.xml><?xml version="1.0" encoding="utf-8"?>
 <p:sld xmlns:a="http://schemas.openxmlformats.org/drawingml/2006/main" xmlns:r="http://schemas.openxmlformats.org/officeDocument/2006/relationships" xmlns:p="http://schemas.openxmlformats.org/presentationml/2006/main">
   <p:cSld>
     <p:bg>
@@ -12283,7 +12980,7 @@
 </p:sld>
 </file>
 
-<file path=ppt/slides/slide45.xml><?xml version="1.0" encoding="utf-8"?>
+<file path=ppt/slides/slide46.xml><?xml version="1.0" encoding="utf-8"?>
 <p:sld xmlns:a="http://schemas.openxmlformats.org/drawingml/2006/main" xmlns:r="http://schemas.openxmlformats.org/officeDocument/2006/relationships" xmlns:p="http://schemas.openxmlformats.org/presentationml/2006/main">
   <p:cSld>
     <p:bg>
@@ -14042,12 +14739,21 @@
 </file>
 
 <file path=customXml/item1.xml><?xml version="1.0" encoding="utf-8"?>
+<?mso-contentType ?>
+<FormTemplates xmlns="http://schemas.microsoft.com/sharepoint/v3/contenttype/forms">
+  <Display>DocumentLibraryForm</Display>
+  <Edit>DocumentLibraryForm</Edit>
+  <New>DocumentLibraryForm</New>
+</FormTemplates>
+</file>
+
+<file path=customXml/item2.xml><?xml version="1.0" encoding="utf-8"?>
 <p:properties xmlns:p="http://schemas.microsoft.com/office/2006/metadata/properties" xmlns:xsi="http://www.w3.org/2001/XMLSchema-instance" xmlns:pc="http://schemas.microsoft.com/office/infopath/2007/PartnerControls">
   <documentManagement/>
 </p:properties>
 </file>
 
-<file path=customXml/item2.xml><?xml version="1.0" encoding="utf-8"?>
+<file path=customXml/item3.xml><?xml version="1.0" encoding="utf-8"?>
 <ct:contentTypeSchema xmlns:ct="http://schemas.microsoft.com/office/2006/metadata/contentType" xmlns:ma="http://schemas.microsoft.com/office/2006/metadata/properties/metaAttributes" ct:_="" ma:_="" ma:contentTypeName="Document" ma:contentTypeID="0x0101000937CBA2829AB54C847AA138BDB6DD62" ma:contentTypeVersion="6" ma:contentTypeDescription="Create a new document." ma:contentTypeScope="" ma:versionID="0f7e39fa3406a6f330081ac46f53a9d2">
   <xsd:schema xmlns:xsd="http://www.w3.org/2001/XMLSchema" xmlns:xs="http://www.w3.org/2001/XMLSchema" xmlns:p="http://schemas.microsoft.com/office/2006/metadata/properties" xmlns:ns2="ef38329b-e139-4eb4-9d7a-1b84c79a6610" targetNamespace="http://schemas.microsoft.com/office/2006/metadata/properties" ma:root="true" ma:fieldsID="c5e10262f8d934c139771ac03f38712c" ns2:_="">
     <xsd:import namespace="ef38329b-e139-4eb4-9d7a-1b84c79a6610"/>
@@ -14199,16 +14905,15 @@
 </ct:contentTypeSchema>
 </file>
 
-<file path=customXml/item3.xml><?xml version="1.0" encoding="utf-8"?>
-<?mso-contentType ?>
-<FormTemplates xmlns="http://schemas.microsoft.com/sharepoint/v3/contenttype/forms">
-  <Display>DocumentLibraryForm</Display>
-  <Edit>DocumentLibraryForm</Edit>
-  <New>DocumentLibraryForm</New>
-</FormTemplates>
+<file path=customXml/itemProps1.xml><?xml version="1.0" encoding="utf-8"?>
+<ds:datastoreItem xmlns:ds="http://schemas.openxmlformats.org/officeDocument/2006/customXml" ds:itemID="{758FDAC0-319D-4A54-8D8E-1D42CB1F8004}">
+  <ds:schemaRefs>
+    <ds:schemaRef ds:uri="http://schemas.microsoft.com/sharepoint/v3/contenttype/forms"/>
+  </ds:schemaRefs>
+</ds:datastoreItem>
 </file>
 
-<file path=customXml/itemProps1.xml><?xml version="1.0" encoding="utf-8"?>
+<file path=customXml/itemProps2.xml><?xml version="1.0" encoding="utf-8"?>
 <ds:datastoreItem xmlns:ds="http://schemas.openxmlformats.org/officeDocument/2006/customXml" ds:itemID="{F990F116-B58F-4255-B05B-DA3808E0E5C6}">
   <ds:schemaRefs>
     <ds:schemaRef ds:uri="http://schemas.openxmlformats.org/package/2006/metadata/core-properties"/>
@@ -14224,7 +14929,7 @@
 </ds:datastoreItem>
 </file>
 
-<file path=customXml/itemProps2.xml><?xml version="1.0" encoding="utf-8"?>
+<file path=customXml/itemProps3.xml><?xml version="1.0" encoding="utf-8"?>
 <ds:datastoreItem xmlns:ds="http://schemas.openxmlformats.org/officeDocument/2006/customXml" ds:itemID="{A4052A8C-2220-4E4B-95E2-C05C9863F10E}">
   <ds:schemaRefs>
     <ds:schemaRef ds:uri="ef38329b-e139-4eb4-9d7a-1b84c79a6610"/>
@@ -14240,12 +14945,4 @@
     <ds:schemaRef ds:uri="http://www.w3.org/2001/XMLSchema"/>
   </ds:schemaRefs>
 </ds:datastoreItem>
-</file>
-
-<file path=customXml/itemProps3.xml><?xml version="1.0" encoding="utf-8"?>
-<ds:datastoreItem xmlns:ds="http://schemas.openxmlformats.org/officeDocument/2006/customXml" ds:itemID="{758FDAC0-319D-4A54-8D8E-1D42CB1F8004}">
-  <ds:schemaRefs>
-    <ds:schemaRef ds:uri="http://schemas.microsoft.com/sharepoint/v3/contenttype/forms"/>
-  </ds:schemaRefs>
-</ds:datastoreItem>
 </file>